--- a/chadojs - who is testing the mocks - 16zu9.pptx
+++ b/chadojs - who is testing the mocks - 16zu9.pptx
@@ -5,7 +5,7 @@
     <p:sldMasterId id="2147483648" r:id="rId1"/>
   </p:sldMasterIdLst>
   <p:notesMasterIdLst>
-    <p:notesMasterId r:id="rId36"/>
+    <p:notesMasterId r:id="rId44"/>
   </p:notesMasterIdLst>
   <p:sldIdLst>
     <p:sldId id="260" r:id="rId2"/>
@@ -20,28 +20,36 @@
     <p:sldId id="268" r:id="rId11"/>
     <p:sldId id="311" r:id="rId12"/>
     <p:sldId id="271" r:id="rId13"/>
-    <p:sldId id="272" r:id="rId14"/>
-    <p:sldId id="273" r:id="rId15"/>
-    <p:sldId id="274" r:id="rId16"/>
-    <p:sldId id="275" r:id="rId17"/>
-    <p:sldId id="318" r:id="rId18"/>
-    <p:sldId id="277" r:id="rId19"/>
-    <p:sldId id="312" r:id="rId20"/>
-    <p:sldId id="279" r:id="rId21"/>
-    <p:sldId id="280" r:id="rId22"/>
-    <p:sldId id="281" r:id="rId23"/>
-    <p:sldId id="313" r:id="rId24"/>
-    <p:sldId id="283" r:id="rId25"/>
-    <p:sldId id="284" r:id="rId26"/>
-    <p:sldId id="285" r:id="rId27"/>
-    <p:sldId id="286" r:id="rId28"/>
-    <p:sldId id="309" r:id="rId29"/>
-    <p:sldId id="289" r:id="rId30"/>
-    <p:sldId id="290" r:id="rId31"/>
-    <p:sldId id="291" r:id="rId32"/>
-    <p:sldId id="314" r:id="rId33"/>
-    <p:sldId id="292" r:id="rId34"/>
-    <p:sldId id="315" r:id="rId35"/>
+    <p:sldId id="320" r:id="rId14"/>
+    <p:sldId id="323" r:id="rId15"/>
+    <p:sldId id="321" r:id="rId16"/>
+    <p:sldId id="322" r:id="rId17"/>
+    <p:sldId id="324" r:id="rId18"/>
+    <p:sldId id="327" r:id="rId19"/>
+    <p:sldId id="326" r:id="rId20"/>
+    <p:sldId id="325" r:id="rId21"/>
+    <p:sldId id="272" r:id="rId22"/>
+    <p:sldId id="273" r:id="rId23"/>
+    <p:sldId id="274" r:id="rId24"/>
+    <p:sldId id="275" r:id="rId25"/>
+    <p:sldId id="318" r:id="rId26"/>
+    <p:sldId id="277" r:id="rId27"/>
+    <p:sldId id="312" r:id="rId28"/>
+    <p:sldId id="279" r:id="rId29"/>
+    <p:sldId id="280" r:id="rId30"/>
+    <p:sldId id="281" r:id="rId31"/>
+    <p:sldId id="313" r:id="rId32"/>
+    <p:sldId id="283" r:id="rId33"/>
+    <p:sldId id="284" r:id="rId34"/>
+    <p:sldId id="285" r:id="rId35"/>
+    <p:sldId id="286" r:id="rId36"/>
+    <p:sldId id="309" r:id="rId37"/>
+    <p:sldId id="289" r:id="rId38"/>
+    <p:sldId id="290" r:id="rId39"/>
+    <p:sldId id="291" r:id="rId40"/>
+    <p:sldId id="314" r:id="rId41"/>
+    <p:sldId id="292" r:id="rId42"/>
+    <p:sldId id="315" r:id="rId43"/>
   </p:sldIdLst>
   <p:sldSz cx="9144000" cy="5143500" type="screen16x9"/>
   <p:notesSz cx="6858000" cy="9144000"/>
@@ -226,7 +234,7 @@
             <a:fld id="{4DBE830D-4B1D-43AC-B523-377B51CEDACB}" type="datetimeFigureOut">
               <a:rPr lang="de-DE" smtClean="0"/>
               <a:pPr/>
-              <a:t>14.05.2016</a:t>
+              <a:t>15.05.16</a:t>
             </a:fld>
             <a:endParaRPr lang="de-DE"/>
           </a:p>
@@ -395,6 +403,11 @@
         </p:txBody>
       </p:sp>
     </p:spTree>
+    <p:extLst>
+      <p:ext uri="{BB962C8B-B14F-4D97-AF65-F5344CB8AC3E}">
+        <p14:creationId xmlns:p14="http://schemas.microsoft.com/office/powerpoint/2010/main" val="20919523"/>
+      </p:ext>
+    </p:extLst>
   </p:cSld>
   <p:clrMap bg1="lt1" tx1="dk1" bg2="lt2" tx2="dk2" accent1="accent1" accent2="accent2" accent3="accent3" accent4="accent4" accent5="accent5" accent6="accent6" hlink="hlink" folHlink="folHlink"/>
   <p:notesStyle>
@@ -920,7 +933,7 @@
             <a:fld id="{1BA50D42-C9CD-4801-B293-61D1F53EC57E}" type="datetimeFigureOut">
               <a:rPr lang="de-DE" smtClean="0"/>
               <a:pPr/>
-              <a:t>14.05.2016</a:t>
+              <a:t>15.05.16</a:t>
             </a:fld>
             <a:endParaRPr lang="de-DE"/>
           </a:p>
@@ -1087,7 +1100,7 @@
             <a:fld id="{1BA50D42-C9CD-4801-B293-61D1F53EC57E}" type="datetimeFigureOut">
               <a:rPr lang="de-DE" smtClean="0"/>
               <a:pPr/>
-              <a:t>14.05.2016</a:t>
+              <a:t>15.05.16</a:t>
             </a:fld>
             <a:endParaRPr lang="de-DE"/>
           </a:p>
@@ -1264,7 +1277,7 @@
             <a:fld id="{1BA50D42-C9CD-4801-B293-61D1F53EC57E}" type="datetimeFigureOut">
               <a:rPr lang="de-DE" smtClean="0"/>
               <a:pPr/>
-              <a:t>14.05.2016</a:t>
+              <a:t>15.05.16</a:t>
             </a:fld>
             <a:endParaRPr lang="de-DE"/>
           </a:p>
@@ -1431,7 +1444,7 @@
             <a:fld id="{1BA50D42-C9CD-4801-B293-61D1F53EC57E}" type="datetimeFigureOut">
               <a:rPr lang="de-DE" smtClean="0"/>
               <a:pPr/>
-              <a:t>14.05.2016</a:t>
+              <a:t>15.05.16</a:t>
             </a:fld>
             <a:endParaRPr lang="de-DE"/>
           </a:p>
@@ -1674,7 +1687,7 @@
             <a:fld id="{1BA50D42-C9CD-4801-B293-61D1F53EC57E}" type="datetimeFigureOut">
               <a:rPr lang="de-DE" smtClean="0"/>
               <a:pPr/>
-              <a:t>14.05.2016</a:t>
+              <a:t>15.05.16</a:t>
             </a:fld>
             <a:endParaRPr lang="de-DE"/>
           </a:p>
@@ -1959,7 +1972,7 @@
             <a:fld id="{1BA50D42-C9CD-4801-B293-61D1F53EC57E}" type="datetimeFigureOut">
               <a:rPr lang="de-DE" smtClean="0"/>
               <a:pPr/>
-              <a:t>14.05.2016</a:t>
+              <a:t>15.05.16</a:t>
             </a:fld>
             <a:endParaRPr lang="de-DE"/>
           </a:p>
@@ -2378,7 +2391,7 @@
             <a:fld id="{1BA50D42-C9CD-4801-B293-61D1F53EC57E}" type="datetimeFigureOut">
               <a:rPr lang="de-DE" smtClean="0"/>
               <a:pPr/>
-              <a:t>14.05.2016</a:t>
+              <a:t>15.05.16</a:t>
             </a:fld>
             <a:endParaRPr lang="de-DE"/>
           </a:p>
@@ -2493,7 +2506,7 @@
             <a:fld id="{1BA50D42-C9CD-4801-B293-61D1F53EC57E}" type="datetimeFigureOut">
               <a:rPr lang="de-DE" smtClean="0"/>
               <a:pPr/>
-              <a:t>14.05.2016</a:t>
+              <a:t>15.05.16</a:t>
             </a:fld>
             <a:endParaRPr lang="de-DE"/>
           </a:p>
@@ -2585,7 +2598,7 @@
             <a:fld id="{1BA50D42-C9CD-4801-B293-61D1F53EC57E}" type="datetimeFigureOut">
               <a:rPr lang="de-DE" smtClean="0"/>
               <a:pPr/>
-              <a:t>14.05.2016</a:t>
+              <a:t>15.05.16</a:t>
             </a:fld>
             <a:endParaRPr lang="de-DE"/>
           </a:p>
@@ -2859,7 +2872,7 @@
             <a:fld id="{1BA50D42-C9CD-4801-B293-61D1F53EC57E}" type="datetimeFigureOut">
               <a:rPr lang="de-DE" smtClean="0"/>
               <a:pPr/>
-              <a:t>14.05.2016</a:t>
+              <a:t>15.05.16</a:t>
             </a:fld>
             <a:endParaRPr lang="de-DE"/>
           </a:p>
@@ -3109,7 +3122,7 @@
             <a:fld id="{1BA50D42-C9CD-4801-B293-61D1F53EC57E}" type="datetimeFigureOut">
               <a:rPr lang="de-DE" smtClean="0"/>
               <a:pPr/>
-              <a:t>14.05.2016</a:t>
+              <a:t>15.05.16</a:t>
             </a:fld>
             <a:endParaRPr lang="de-DE"/>
           </a:p>
@@ -3319,7 +3332,7 @@
             <a:fld id="{1BA50D42-C9CD-4801-B293-61D1F53EC57E}" type="datetimeFigureOut">
               <a:rPr lang="de-DE" smtClean="0"/>
               <a:pPr/>
-              <a:t>14.05.2016</a:t>
+              <a:t>15.05.16</a:t>
             </a:fld>
             <a:endParaRPr lang="de-DE"/>
           </a:p>
@@ -3966,7 +3979,7 @@
   <p:timing>
     <p:tnLst>
       <p:par>
-        <p:cTn id="1" dur="indefinite" restart="never" nodeType="tmRoot"/>
+        <p:cTn xmlns:p14="http://schemas.microsoft.com/office/powerpoint/2010/main" id="1" dur="indefinite" restart="never" nodeType="tmRoot"/>
       </p:par>
     </p:tnLst>
   </p:timing>
@@ -4191,7 +4204,7 @@
   <p:timing>
     <p:tnLst>
       <p:par>
-        <p:cTn id="1" dur="indefinite" restart="never" nodeType="tmRoot"/>
+        <p:cTn xmlns:p14="http://schemas.microsoft.com/office/powerpoint/2010/main" id="1" dur="indefinite" restart="never" nodeType="tmRoot"/>
       </p:par>
     </p:tnLst>
   </p:timing>
@@ -4408,7 +4421,7 @@
   <p:timing>
     <p:tnLst>
       <p:par>
-        <p:cTn id="1" dur="indefinite" restart="never" nodeType="tmRoot"/>
+        <p:cTn xmlns:p14="http://schemas.microsoft.com/office/powerpoint/2010/main" id="1" dur="indefinite" restart="never" nodeType="tmRoot"/>
       </p:par>
     </p:tnLst>
   </p:timing>
@@ -4696,7 +4709,7 @@
   <p:timing>
     <p:tnLst>
       <p:par>
-        <p:cTn id="1" dur="indefinite" restart="never" nodeType="tmRoot">
+        <p:cTn xmlns:p14="http://schemas.microsoft.com/office/powerpoint/2010/main" id="1" dur="indefinite" restart="never" nodeType="tmRoot">
           <p:childTnLst>
             <p:seq concurrent="1" nextAc="seek">
               <p:cTn id="2" dur="indefinite" nodeType="mainSeq">
@@ -4821,6 +4834,3351 @@
 </file>
 
 <file path=ppt/slides/slide13.xml><?xml version="1.0" encoding="utf-8"?>
+<p:sld xmlns:a="http://schemas.openxmlformats.org/drawingml/2006/main" xmlns:r="http://schemas.openxmlformats.org/officeDocument/2006/relationships" xmlns:p="http://schemas.openxmlformats.org/presentationml/2006/main">
+  <p:cSld>
+    <p:spTree>
+      <p:nvGrpSpPr>
+        <p:cNvPr id="1" name=""/>
+        <p:cNvGrpSpPr/>
+        <p:nvPr/>
+      </p:nvGrpSpPr>
+      <p:grpSpPr>
+        <a:xfrm>
+          <a:off x="0" y="0"/>
+          <a:ext cx="0" cy="0"/>
+          <a:chOff x="0" y="0"/>
+          <a:chExt cx="0" cy="0"/>
+        </a:xfrm>
+      </p:grpSpPr>
+      <p:sp>
+        <p:nvSpPr>
+          <p:cNvPr id="5" name="Rechteck 4"/>
+          <p:cNvSpPr/>
+          <p:nvPr/>
+        </p:nvSpPr>
+        <p:spPr>
+          <a:xfrm>
+            <a:off x="0" y="0"/>
+            <a:ext cx="9144000" cy="5143500"/>
+          </a:xfrm>
+          <a:prstGeom prst="rect">
+            <a:avLst/>
+          </a:prstGeom>
+          <a:solidFill>
+            <a:schemeClr val="bg1">
+              <a:alpha val="74000"/>
+            </a:schemeClr>
+          </a:solidFill>
+        </p:spPr>
+        <p:style>
+          <a:lnRef idx="2">
+            <a:schemeClr val="accent1">
+              <a:shade val="50000"/>
+            </a:schemeClr>
+          </a:lnRef>
+          <a:fillRef idx="1">
+            <a:schemeClr val="accent1"/>
+          </a:fillRef>
+          <a:effectRef idx="0">
+            <a:schemeClr val="accent1"/>
+          </a:effectRef>
+          <a:fontRef idx="minor">
+            <a:schemeClr val="lt1"/>
+          </a:fontRef>
+        </p:style>
+        <p:txBody>
+          <a:bodyPr rtlCol="0" anchor="ctr"/>
+          <a:lstStyle/>
+          <a:p>
+            <a:pPr algn="ctr"/>
+            <a:endParaRPr lang="de-DE" dirty="0"/>
+          </a:p>
+        </p:txBody>
+      </p:sp>
+      <p:sp>
+        <p:nvSpPr>
+          <p:cNvPr id="2" name="Titel 1"/>
+          <p:cNvSpPr>
+            <a:spLocks noGrp="1"/>
+          </p:cNvSpPr>
+          <p:nvPr>
+            <p:ph type="title"/>
+          </p:nvPr>
+        </p:nvSpPr>
+        <p:spPr/>
+        <p:txBody>
+          <a:bodyPr/>
+          <a:lstStyle/>
+          <a:p>
+            <a:r>
+              <a:rPr lang="de-DE" dirty="0" smtClean="0"/>
+              <a:t> </a:t>
+            </a:r>
+            <a:r>
+              <a:rPr lang="de-DE" dirty="0" err="1" smtClean="0"/>
+              <a:t>Stub</a:t>
+            </a:r>
+            <a:endParaRPr lang="de-DE" dirty="0"/>
+          </a:p>
+        </p:txBody>
+      </p:sp>
+      <p:pic>
+        <p:nvPicPr>
+          <p:cNvPr id="7" name="Inhaltsplatzhalter 6"/>
+          <p:cNvPicPr>
+            <a:picLocks noGrp="1" noChangeAspect="1"/>
+          </p:cNvPicPr>
+          <p:nvPr>
+            <p:ph idx="1"/>
+          </p:nvPr>
+        </p:nvPicPr>
+        <p:blipFill>
+          <a:blip r:embed="rId2"/>
+          <a:srcRect l="-24001" r="-24001"/>
+          <a:stretch>
+            <a:fillRect/>
+          </a:stretch>
+        </p:blipFill>
+        <p:spPr/>
+      </p:pic>
+      <p:sp>
+        <p:nvSpPr>
+          <p:cNvPr id="8" name="Textfeld 7"/>
+          <p:cNvSpPr txBox="1"/>
+          <p:nvPr/>
+        </p:nvSpPr>
+        <p:spPr>
+          <a:xfrm>
+            <a:off x="467544" y="4731990"/>
+            <a:ext cx="8208912" cy="276999"/>
+          </a:xfrm>
+          <a:prstGeom prst="rect">
+            <a:avLst/>
+          </a:prstGeom>
+          <a:noFill/>
+        </p:spPr>
+        <p:txBody>
+          <a:bodyPr wrap="square" rtlCol="0">
+            <a:spAutoFit/>
+          </a:bodyPr>
+          <a:lstStyle/>
+          <a:p>
+            <a:r>
+              <a:rPr lang="de-DE" sz="1200" dirty="0" smtClean="0"/>
+              <a:t>Image Source</a:t>
+            </a:r>
+            <a:r>
+              <a:rPr lang="de-DE" sz="1200" dirty="0"/>
+              <a:t>: </a:t>
+            </a:r>
+            <a:r>
+              <a:rPr lang="de-DE" sz="1200" dirty="0">
+                <a:hlinkClick r:id="rId3"/>
+              </a:rPr>
+              <a:t>http://xunitpatterns.com/Test%</a:t>
+            </a:r>
+            <a:r>
+              <a:rPr lang="de-DE" sz="1200" dirty="0" smtClean="0">
+                <a:hlinkClick r:id="rId3"/>
+              </a:rPr>
+              <a:t>20Stub.html</a:t>
+            </a:r>
+            <a:r>
+              <a:rPr lang="de-DE" sz="1200" dirty="0"/>
+              <a:t> </a:t>
+            </a:r>
+            <a:r>
+              <a:rPr lang="de-DE" sz="1200" dirty="0" smtClean="0"/>
+              <a:t>- </a:t>
+            </a:r>
+            <a:r>
+              <a:rPr lang="de-DE" sz="1200" dirty="0" err="1" smtClean="0"/>
+              <a:t>With</a:t>
+            </a:r>
+            <a:r>
+              <a:rPr lang="de-DE" sz="1200" dirty="0" smtClean="0"/>
+              <a:t> </a:t>
+            </a:r>
+            <a:r>
+              <a:rPr lang="de-DE" sz="1200" dirty="0" err="1" smtClean="0"/>
+              <a:t>kind</a:t>
+            </a:r>
+            <a:r>
+              <a:rPr lang="de-DE" sz="1200" dirty="0" smtClean="0"/>
+              <a:t> </a:t>
+            </a:r>
+            <a:r>
+              <a:rPr lang="de-DE" sz="1200" dirty="0" err="1" smtClean="0"/>
+              <a:t>permission</a:t>
+            </a:r>
+            <a:r>
+              <a:rPr lang="de-DE" sz="1200" dirty="0" smtClean="0"/>
+              <a:t> </a:t>
+            </a:r>
+            <a:r>
+              <a:rPr lang="de-DE" sz="1200" dirty="0" err="1" smtClean="0"/>
+              <a:t>by</a:t>
+            </a:r>
+            <a:r>
+              <a:rPr lang="de-DE" sz="1200" dirty="0" smtClean="0"/>
+              <a:t> Gerard </a:t>
+            </a:r>
+            <a:r>
+              <a:rPr lang="de-DE" sz="1200" dirty="0" err="1" smtClean="0"/>
+              <a:t>Meszaros</a:t>
+            </a:r>
+            <a:endParaRPr lang="de-DE" sz="1200" dirty="0"/>
+          </a:p>
+        </p:txBody>
+      </p:sp>
+    </p:spTree>
+    <p:extLst>
+      <p:ext uri="{BB962C8B-B14F-4D97-AF65-F5344CB8AC3E}">
+        <p14:creationId xmlns:p14="http://schemas.microsoft.com/office/powerpoint/2010/main" val="149987943"/>
+      </p:ext>
+    </p:extLst>
+  </p:cSld>
+  <p:clrMapOvr>
+    <a:masterClrMapping/>
+  </p:clrMapOvr>
+  <p:timing>
+    <p:tnLst>
+      <p:par>
+        <p:cTn xmlns:p14="http://schemas.microsoft.com/office/powerpoint/2010/main" id="1" dur="indefinite" restart="never" nodeType="tmRoot"/>
+      </p:par>
+    </p:tnLst>
+  </p:timing>
+</p:sld>
+</file>
+
+<file path=ppt/slides/slide14.xml><?xml version="1.0" encoding="utf-8"?>
+<p:sld xmlns:a="http://schemas.openxmlformats.org/drawingml/2006/main" xmlns:r="http://schemas.openxmlformats.org/officeDocument/2006/relationships" xmlns:p="http://schemas.openxmlformats.org/presentationml/2006/main">
+  <p:cSld>
+    <p:spTree>
+      <p:nvGrpSpPr>
+        <p:cNvPr id="1" name=""/>
+        <p:cNvGrpSpPr/>
+        <p:nvPr/>
+      </p:nvGrpSpPr>
+      <p:grpSpPr>
+        <a:xfrm>
+          <a:off x="0" y="0"/>
+          <a:ext cx="0" cy="0"/>
+          <a:chOff x="0" y="0"/>
+          <a:chExt cx="0" cy="0"/>
+        </a:xfrm>
+      </p:grpSpPr>
+      <p:sp>
+        <p:nvSpPr>
+          <p:cNvPr id="5" name="Rechteck 4"/>
+          <p:cNvSpPr/>
+          <p:nvPr/>
+        </p:nvSpPr>
+        <p:spPr>
+          <a:xfrm>
+            <a:off x="0" y="0"/>
+            <a:ext cx="9144000" cy="5143500"/>
+          </a:xfrm>
+          <a:prstGeom prst="rect">
+            <a:avLst/>
+          </a:prstGeom>
+          <a:solidFill>
+            <a:schemeClr val="bg1">
+              <a:alpha val="74000"/>
+            </a:schemeClr>
+          </a:solidFill>
+        </p:spPr>
+        <p:style>
+          <a:lnRef idx="2">
+            <a:schemeClr val="accent1">
+              <a:shade val="50000"/>
+            </a:schemeClr>
+          </a:lnRef>
+          <a:fillRef idx="1">
+            <a:schemeClr val="accent1"/>
+          </a:fillRef>
+          <a:effectRef idx="0">
+            <a:schemeClr val="accent1"/>
+          </a:effectRef>
+          <a:fontRef idx="minor">
+            <a:schemeClr val="lt1"/>
+          </a:fontRef>
+        </p:style>
+        <p:txBody>
+          <a:bodyPr rtlCol="0" anchor="ctr"/>
+          <a:lstStyle/>
+          <a:p>
+            <a:pPr algn="ctr"/>
+            <a:endParaRPr lang="de-DE" dirty="0"/>
+          </a:p>
+        </p:txBody>
+      </p:sp>
+      <p:sp>
+        <p:nvSpPr>
+          <p:cNvPr id="2" name="Titel 1"/>
+          <p:cNvSpPr>
+            <a:spLocks noGrp="1"/>
+          </p:cNvSpPr>
+          <p:nvPr>
+            <p:ph type="title"/>
+          </p:nvPr>
+        </p:nvSpPr>
+        <p:spPr/>
+        <p:txBody>
+          <a:bodyPr/>
+          <a:lstStyle/>
+          <a:p>
+            <a:r>
+              <a:rPr lang="de-DE" dirty="0" smtClean="0"/>
+              <a:t> </a:t>
+            </a:r>
+            <a:r>
+              <a:rPr lang="de-DE" dirty="0" err="1" smtClean="0"/>
+              <a:t>Fake</a:t>
+            </a:r>
+            <a:r>
+              <a:rPr lang="de-DE" dirty="0" smtClean="0"/>
+              <a:t> </a:t>
+            </a:r>
+            <a:r>
+              <a:rPr lang="de-DE" dirty="0" err="1" smtClean="0"/>
+              <a:t>Object</a:t>
+            </a:r>
+            <a:endParaRPr lang="de-DE" dirty="0"/>
+          </a:p>
+        </p:txBody>
+      </p:sp>
+      <p:sp>
+        <p:nvSpPr>
+          <p:cNvPr id="8" name="Textfeld 7"/>
+          <p:cNvSpPr txBox="1"/>
+          <p:nvPr/>
+        </p:nvSpPr>
+        <p:spPr>
+          <a:xfrm>
+            <a:off x="467544" y="4731990"/>
+            <a:ext cx="8208912" cy="276999"/>
+          </a:xfrm>
+          <a:prstGeom prst="rect">
+            <a:avLst/>
+          </a:prstGeom>
+          <a:noFill/>
+        </p:spPr>
+        <p:txBody>
+          <a:bodyPr wrap="square" rtlCol="0">
+            <a:spAutoFit/>
+          </a:bodyPr>
+          <a:lstStyle/>
+          <a:p>
+            <a:r>
+              <a:rPr lang="de-DE" sz="1200" dirty="0" smtClean="0"/>
+              <a:t>Image Source</a:t>
+            </a:r>
+            <a:r>
+              <a:rPr lang="de-DE" sz="1200" dirty="0"/>
+              <a:t>: </a:t>
+            </a:r>
+            <a:r>
+              <a:rPr lang="de-DE" sz="1200" dirty="0">
+                <a:hlinkClick r:id="rId2"/>
+              </a:rPr>
+              <a:t>http://xunitpatterns.com</a:t>
+            </a:r>
+            <a:r>
+              <a:rPr lang="de-DE" sz="1200" dirty="0" smtClean="0">
+                <a:hlinkClick r:id="rId2"/>
+              </a:rPr>
+              <a:t>/Fake%20Object.html</a:t>
+            </a:r>
+            <a:r>
+              <a:rPr lang="de-DE" sz="1200" dirty="0" smtClean="0"/>
+              <a:t> - </a:t>
+            </a:r>
+            <a:r>
+              <a:rPr lang="de-DE" sz="1200" dirty="0" err="1" smtClean="0"/>
+              <a:t>With</a:t>
+            </a:r>
+            <a:r>
+              <a:rPr lang="de-DE" sz="1200" dirty="0" smtClean="0"/>
+              <a:t> </a:t>
+            </a:r>
+            <a:r>
+              <a:rPr lang="de-DE" sz="1200" dirty="0" err="1" smtClean="0"/>
+              <a:t>kind</a:t>
+            </a:r>
+            <a:r>
+              <a:rPr lang="de-DE" sz="1200" dirty="0" smtClean="0"/>
+              <a:t> </a:t>
+            </a:r>
+            <a:r>
+              <a:rPr lang="de-DE" sz="1200" dirty="0" err="1" smtClean="0"/>
+              <a:t>permission</a:t>
+            </a:r>
+            <a:r>
+              <a:rPr lang="de-DE" sz="1200" dirty="0" smtClean="0"/>
+              <a:t> </a:t>
+            </a:r>
+            <a:r>
+              <a:rPr lang="de-DE" sz="1200" dirty="0" err="1" smtClean="0"/>
+              <a:t>by</a:t>
+            </a:r>
+            <a:r>
+              <a:rPr lang="de-DE" sz="1200" dirty="0" smtClean="0"/>
+              <a:t> Gerard </a:t>
+            </a:r>
+            <a:r>
+              <a:rPr lang="de-DE" sz="1200" dirty="0" err="1" smtClean="0"/>
+              <a:t>Meszaros</a:t>
+            </a:r>
+            <a:endParaRPr lang="de-DE" sz="1200" dirty="0"/>
+          </a:p>
+        </p:txBody>
+      </p:sp>
+      <p:pic>
+        <p:nvPicPr>
+          <p:cNvPr id="6" name="Inhaltsplatzhalter 5"/>
+          <p:cNvPicPr>
+            <a:picLocks noGrp="1" noChangeAspect="1"/>
+          </p:cNvPicPr>
+          <p:nvPr>
+            <p:ph idx="1"/>
+          </p:nvPr>
+        </p:nvPicPr>
+        <p:blipFill>
+          <a:blip r:embed="rId3"/>
+          <a:srcRect l="-21264" r="-21264"/>
+          <a:stretch>
+            <a:fillRect/>
+          </a:stretch>
+        </p:blipFill>
+        <p:spPr/>
+      </p:pic>
+    </p:spTree>
+    <p:extLst>
+      <p:ext uri="{BB962C8B-B14F-4D97-AF65-F5344CB8AC3E}">
+        <p14:creationId xmlns:p14="http://schemas.microsoft.com/office/powerpoint/2010/main" val="3919436087"/>
+      </p:ext>
+    </p:extLst>
+  </p:cSld>
+  <p:clrMapOvr>
+    <a:masterClrMapping/>
+  </p:clrMapOvr>
+  <p:timing>
+    <p:tnLst>
+      <p:par>
+        <p:cTn xmlns:p14="http://schemas.microsoft.com/office/powerpoint/2010/main" id="1" dur="indefinite" restart="never" nodeType="tmRoot"/>
+      </p:par>
+    </p:tnLst>
+  </p:timing>
+</p:sld>
+</file>
+
+<file path=ppt/slides/slide15.xml><?xml version="1.0" encoding="utf-8"?>
+<p:sld xmlns:a="http://schemas.openxmlformats.org/drawingml/2006/main" xmlns:r="http://schemas.openxmlformats.org/officeDocument/2006/relationships" xmlns:p="http://schemas.openxmlformats.org/presentationml/2006/main">
+  <p:cSld>
+    <p:spTree>
+      <p:nvGrpSpPr>
+        <p:cNvPr id="1" name=""/>
+        <p:cNvGrpSpPr/>
+        <p:nvPr/>
+      </p:nvGrpSpPr>
+      <p:grpSpPr>
+        <a:xfrm>
+          <a:off x="0" y="0"/>
+          <a:ext cx="0" cy="0"/>
+          <a:chOff x="0" y="0"/>
+          <a:chExt cx="0" cy="0"/>
+        </a:xfrm>
+      </p:grpSpPr>
+      <p:sp>
+        <p:nvSpPr>
+          <p:cNvPr id="5" name="Rechteck 4"/>
+          <p:cNvSpPr/>
+          <p:nvPr/>
+        </p:nvSpPr>
+        <p:spPr>
+          <a:xfrm>
+            <a:off x="0" y="0"/>
+            <a:ext cx="9144000" cy="5143500"/>
+          </a:xfrm>
+          <a:prstGeom prst="rect">
+            <a:avLst/>
+          </a:prstGeom>
+          <a:solidFill>
+            <a:schemeClr val="bg1">
+              <a:alpha val="74000"/>
+            </a:schemeClr>
+          </a:solidFill>
+        </p:spPr>
+        <p:style>
+          <a:lnRef idx="2">
+            <a:schemeClr val="accent1">
+              <a:shade val="50000"/>
+            </a:schemeClr>
+          </a:lnRef>
+          <a:fillRef idx="1">
+            <a:schemeClr val="accent1"/>
+          </a:fillRef>
+          <a:effectRef idx="0">
+            <a:schemeClr val="accent1"/>
+          </a:effectRef>
+          <a:fontRef idx="minor">
+            <a:schemeClr val="lt1"/>
+          </a:fontRef>
+        </p:style>
+        <p:txBody>
+          <a:bodyPr rtlCol="0" anchor="ctr"/>
+          <a:lstStyle/>
+          <a:p>
+            <a:pPr algn="ctr"/>
+            <a:endParaRPr lang="de-DE" dirty="0"/>
+          </a:p>
+        </p:txBody>
+      </p:sp>
+      <p:sp>
+        <p:nvSpPr>
+          <p:cNvPr id="2" name="Titel 1"/>
+          <p:cNvSpPr>
+            <a:spLocks noGrp="1"/>
+          </p:cNvSpPr>
+          <p:nvPr>
+            <p:ph type="title"/>
+          </p:nvPr>
+        </p:nvSpPr>
+        <p:spPr/>
+        <p:txBody>
+          <a:bodyPr/>
+          <a:lstStyle/>
+          <a:p>
+            <a:r>
+              <a:rPr lang="de-DE" dirty="0" smtClean="0"/>
+              <a:t> </a:t>
+            </a:r>
+            <a:r>
+              <a:rPr lang="de-DE" dirty="0" err="1" smtClean="0"/>
+              <a:t>Spy</a:t>
+            </a:r>
+            <a:endParaRPr lang="de-DE" dirty="0"/>
+          </a:p>
+        </p:txBody>
+      </p:sp>
+      <p:sp>
+        <p:nvSpPr>
+          <p:cNvPr id="8" name="Textfeld 7"/>
+          <p:cNvSpPr txBox="1"/>
+          <p:nvPr/>
+        </p:nvSpPr>
+        <p:spPr>
+          <a:xfrm>
+            <a:off x="467544" y="4731990"/>
+            <a:ext cx="8208912" cy="276999"/>
+          </a:xfrm>
+          <a:prstGeom prst="rect">
+            <a:avLst/>
+          </a:prstGeom>
+          <a:noFill/>
+        </p:spPr>
+        <p:txBody>
+          <a:bodyPr wrap="square" rtlCol="0">
+            <a:spAutoFit/>
+          </a:bodyPr>
+          <a:lstStyle/>
+          <a:p>
+            <a:r>
+              <a:rPr lang="de-DE" sz="1200" dirty="0" smtClean="0"/>
+              <a:t>Image Source</a:t>
+            </a:r>
+            <a:r>
+              <a:rPr lang="de-DE" sz="1200" dirty="0"/>
+              <a:t>: </a:t>
+            </a:r>
+            <a:r>
+              <a:rPr lang="de-DE" sz="1200" dirty="0">
+                <a:hlinkClick r:id="rId2"/>
+              </a:rPr>
+              <a:t>http://xunitpatterns.com/Test%</a:t>
+            </a:r>
+            <a:r>
+              <a:rPr lang="de-DE" sz="1200" dirty="0" smtClean="0">
+                <a:hlinkClick r:id="rId2"/>
+              </a:rPr>
+              <a:t>20Spy.html</a:t>
+            </a:r>
+            <a:r>
+              <a:rPr lang="de-DE" sz="1200" dirty="0" smtClean="0"/>
+              <a:t> - </a:t>
+            </a:r>
+            <a:r>
+              <a:rPr lang="de-DE" sz="1200" dirty="0" err="1" smtClean="0"/>
+              <a:t>With</a:t>
+            </a:r>
+            <a:r>
+              <a:rPr lang="de-DE" sz="1200" dirty="0" smtClean="0"/>
+              <a:t> </a:t>
+            </a:r>
+            <a:r>
+              <a:rPr lang="de-DE" sz="1200" dirty="0" err="1" smtClean="0"/>
+              <a:t>kind</a:t>
+            </a:r>
+            <a:r>
+              <a:rPr lang="de-DE" sz="1200" dirty="0" smtClean="0"/>
+              <a:t> </a:t>
+            </a:r>
+            <a:r>
+              <a:rPr lang="de-DE" sz="1200" dirty="0" err="1" smtClean="0"/>
+              <a:t>permission</a:t>
+            </a:r>
+            <a:r>
+              <a:rPr lang="de-DE" sz="1200" dirty="0" smtClean="0"/>
+              <a:t> </a:t>
+            </a:r>
+            <a:r>
+              <a:rPr lang="de-DE" sz="1200" dirty="0" err="1" smtClean="0"/>
+              <a:t>by</a:t>
+            </a:r>
+            <a:r>
+              <a:rPr lang="de-DE" sz="1200" dirty="0" smtClean="0"/>
+              <a:t> Gerard </a:t>
+            </a:r>
+            <a:r>
+              <a:rPr lang="de-DE" sz="1200" dirty="0" err="1" smtClean="0"/>
+              <a:t>Meszaros</a:t>
+            </a:r>
+            <a:endParaRPr lang="de-DE" sz="1200" dirty="0"/>
+          </a:p>
+        </p:txBody>
+      </p:sp>
+      <p:pic>
+        <p:nvPicPr>
+          <p:cNvPr id="6" name="Inhaltsplatzhalter 5"/>
+          <p:cNvPicPr>
+            <a:picLocks noGrp="1" noChangeAspect="1"/>
+          </p:cNvPicPr>
+          <p:nvPr>
+            <p:ph idx="1"/>
+          </p:nvPr>
+        </p:nvPicPr>
+        <p:blipFill>
+          <a:blip r:embed="rId3"/>
+          <a:srcRect l="-19236" r="-19236"/>
+          <a:stretch>
+            <a:fillRect/>
+          </a:stretch>
+        </p:blipFill>
+        <p:spPr/>
+      </p:pic>
+    </p:spTree>
+    <p:extLst>
+      <p:ext uri="{BB962C8B-B14F-4D97-AF65-F5344CB8AC3E}">
+        <p14:creationId xmlns:p14="http://schemas.microsoft.com/office/powerpoint/2010/main" val="3729958523"/>
+      </p:ext>
+    </p:extLst>
+  </p:cSld>
+  <p:clrMapOvr>
+    <a:masterClrMapping/>
+  </p:clrMapOvr>
+  <p:timing>
+    <p:tnLst>
+      <p:par>
+        <p:cTn xmlns:p14="http://schemas.microsoft.com/office/powerpoint/2010/main" id="1" dur="indefinite" restart="never" nodeType="tmRoot"/>
+      </p:par>
+    </p:tnLst>
+  </p:timing>
+</p:sld>
+</file>
+
+<file path=ppt/slides/slide16.xml><?xml version="1.0" encoding="utf-8"?>
+<p:sld xmlns:a="http://schemas.openxmlformats.org/drawingml/2006/main" xmlns:r="http://schemas.openxmlformats.org/officeDocument/2006/relationships" xmlns:p="http://schemas.openxmlformats.org/presentationml/2006/main">
+  <p:cSld>
+    <p:spTree>
+      <p:nvGrpSpPr>
+        <p:cNvPr id="1" name=""/>
+        <p:cNvGrpSpPr/>
+        <p:nvPr/>
+      </p:nvGrpSpPr>
+      <p:grpSpPr>
+        <a:xfrm>
+          <a:off x="0" y="0"/>
+          <a:ext cx="0" cy="0"/>
+          <a:chOff x="0" y="0"/>
+          <a:chExt cx="0" cy="0"/>
+        </a:xfrm>
+      </p:grpSpPr>
+      <p:sp>
+        <p:nvSpPr>
+          <p:cNvPr id="5" name="Rechteck 4"/>
+          <p:cNvSpPr/>
+          <p:nvPr/>
+        </p:nvSpPr>
+        <p:spPr>
+          <a:xfrm>
+            <a:off x="0" y="0"/>
+            <a:ext cx="9144000" cy="5143500"/>
+          </a:xfrm>
+          <a:prstGeom prst="rect">
+            <a:avLst/>
+          </a:prstGeom>
+          <a:solidFill>
+            <a:schemeClr val="bg1">
+              <a:alpha val="74000"/>
+            </a:schemeClr>
+          </a:solidFill>
+        </p:spPr>
+        <p:style>
+          <a:lnRef idx="2">
+            <a:schemeClr val="accent1">
+              <a:shade val="50000"/>
+            </a:schemeClr>
+          </a:lnRef>
+          <a:fillRef idx="1">
+            <a:schemeClr val="accent1"/>
+          </a:fillRef>
+          <a:effectRef idx="0">
+            <a:schemeClr val="accent1"/>
+          </a:effectRef>
+          <a:fontRef idx="minor">
+            <a:schemeClr val="lt1"/>
+          </a:fontRef>
+        </p:style>
+        <p:txBody>
+          <a:bodyPr rtlCol="0" anchor="ctr"/>
+          <a:lstStyle/>
+          <a:p>
+            <a:pPr algn="ctr"/>
+            <a:endParaRPr lang="de-DE" dirty="0"/>
+          </a:p>
+        </p:txBody>
+      </p:sp>
+      <p:sp>
+        <p:nvSpPr>
+          <p:cNvPr id="2" name="Titel 1"/>
+          <p:cNvSpPr>
+            <a:spLocks noGrp="1"/>
+          </p:cNvSpPr>
+          <p:nvPr>
+            <p:ph type="title"/>
+          </p:nvPr>
+        </p:nvSpPr>
+        <p:spPr/>
+        <p:txBody>
+          <a:bodyPr/>
+          <a:lstStyle/>
+          <a:p>
+            <a:r>
+              <a:rPr lang="de-DE" dirty="0" smtClean="0"/>
+              <a:t> </a:t>
+            </a:r>
+            <a:r>
+              <a:rPr lang="de-DE" dirty="0" smtClean="0"/>
+              <a:t>Mock</a:t>
+            </a:r>
+            <a:endParaRPr lang="de-DE" dirty="0"/>
+          </a:p>
+        </p:txBody>
+      </p:sp>
+      <p:sp>
+        <p:nvSpPr>
+          <p:cNvPr id="8" name="Textfeld 7"/>
+          <p:cNvSpPr txBox="1"/>
+          <p:nvPr/>
+        </p:nvSpPr>
+        <p:spPr>
+          <a:xfrm>
+            <a:off x="467544" y="4731990"/>
+            <a:ext cx="8208912" cy="276999"/>
+          </a:xfrm>
+          <a:prstGeom prst="rect">
+            <a:avLst/>
+          </a:prstGeom>
+          <a:noFill/>
+        </p:spPr>
+        <p:txBody>
+          <a:bodyPr wrap="square" rtlCol="0">
+            <a:spAutoFit/>
+          </a:bodyPr>
+          <a:lstStyle/>
+          <a:p>
+            <a:r>
+              <a:rPr lang="de-DE" sz="1200" dirty="0" smtClean="0"/>
+              <a:t>Image Source</a:t>
+            </a:r>
+            <a:r>
+              <a:rPr lang="de-DE" sz="1200" dirty="0"/>
+              <a:t>: </a:t>
+            </a:r>
+            <a:r>
+              <a:rPr lang="de-DE" sz="1200" dirty="0">
+                <a:hlinkClick r:id="rId2"/>
+              </a:rPr>
+              <a:t>http://xunitpatterns.com</a:t>
+            </a:r>
+            <a:r>
+              <a:rPr lang="de-DE" sz="1200" dirty="0" smtClean="0">
+                <a:hlinkClick r:id="rId2"/>
+              </a:rPr>
+              <a:t>/Mock%20Object.html</a:t>
+            </a:r>
+            <a:r>
+              <a:rPr lang="de-DE" sz="1200" dirty="0" smtClean="0"/>
+              <a:t> - </a:t>
+            </a:r>
+            <a:r>
+              <a:rPr lang="de-DE" sz="1200" dirty="0" err="1" smtClean="0"/>
+              <a:t>With</a:t>
+            </a:r>
+            <a:r>
+              <a:rPr lang="de-DE" sz="1200" dirty="0" smtClean="0"/>
+              <a:t> </a:t>
+            </a:r>
+            <a:r>
+              <a:rPr lang="de-DE" sz="1200" dirty="0" err="1" smtClean="0"/>
+              <a:t>kind</a:t>
+            </a:r>
+            <a:r>
+              <a:rPr lang="de-DE" sz="1200" dirty="0" smtClean="0"/>
+              <a:t> </a:t>
+            </a:r>
+            <a:r>
+              <a:rPr lang="de-DE" sz="1200" dirty="0" err="1" smtClean="0"/>
+              <a:t>permission</a:t>
+            </a:r>
+            <a:r>
+              <a:rPr lang="de-DE" sz="1200" dirty="0" smtClean="0"/>
+              <a:t> </a:t>
+            </a:r>
+            <a:r>
+              <a:rPr lang="de-DE" sz="1200" dirty="0" err="1" smtClean="0"/>
+              <a:t>by</a:t>
+            </a:r>
+            <a:r>
+              <a:rPr lang="de-DE" sz="1200" dirty="0" smtClean="0"/>
+              <a:t> Gerard </a:t>
+            </a:r>
+            <a:r>
+              <a:rPr lang="de-DE" sz="1200" dirty="0" err="1" smtClean="0"/>
+              <a:t>Meszaros</a:t>
+            </a:r>
+            <a:endParaRPr lang="de-DE" sz="1200" dirty="0"/>
+          </a:p>
+        </p:txBody>
+      </p:sp>
+      <p:pic>
+        <p:nvPicPr>
+          <p:cNvPr id="4" name="Inhaltsplatzhalter 3"/>
+          <p:cNvPicPr>
+            <a:picLocks noGrp="1" noChangeAspect="1"/>
+          </p:cNvPicPr>
+          <p:nvPr>
+            <p:ph idx="1"/>
+          </p:nvPr>
+        </p:nvPicPr>
+        <p:blipFill>
+          <a:blip r:embed="rId3"/>
+          <a:srcRect l="-19236" r="-19236"/>
+          <a:stretch>
+            <a:fillRect/>
+          </a:stretch>
+        </p:blipFill>
+        <p:spPr/>
+      </p:pic>
+    </p:spTree>
+    <p:extLst>
+      <p:ext uri="{BB962C8B-B14F-4D97-AF65-F5344CB8AC3E}">
+        <p14:creationId xmlns:p14="http://schemas.microsoft.com/office/powerpoint/2010/main" val="1569405094"/>
+      </p:ext>
+    </p:extLst>
+  </p:cSld>
+  <p:clrMapOvr>
+    <a:masterClrMapping/>
+  </p:clrMapOvr>
+  <p:timing>
+    <p:tnLst>
+      <p:par>
+        <p:cTn xmlns:p14="http://schemas.microsoft.com/office/powerpoint/2010/main" id="1" dur="indefinite" restart="never" nodeType="tmRoot"/>
+      </p:par>
+    </p:tnLst>
+  </p:timing>
+</p:sld>
+</file>
+
+<file path=ppt/slides/slide17.xml><?xml version="1.0" encoding="utf-8"?>
+<p:sld xmlns:a="http://schemas.openxmlformats.org/drawingml/2006/main" xmlns:r="http://schemas.openxmlformats.org/officeDocument/2006/relationships" xmlns:p="http://schemas.openxmlformats.org/presentationml/2006/main">
+  <p:cSld>
+    <p:spTree>
+      <p:nvGrpSpPr>
+        <p:cNvPr id="1" name=""/>
+        <p:cNvGrpSpPr/>
+        <p:nvPr/>
+      </p:nvGrpSpPr>
+      <p:grpSpPr>
+        <a:xfrm>
+          <a:off x="0" y="0"/>
+          <a:ext cx="0" cy="0"/>
+          <a:chOff x="0" y="0"/>
+          <a:chExt cx="0" cy="0"/>
+        </a:xfrm>
+      </p:grpSpPr>
+      <p:sp>
+        <p:nvSpPr>
+          <p:cNvPr id="5" name="Rechteck 4"/>
+          <p:cNvSpPr/>
+          <p:nvPr/>
+        </p:nvSpPr>
+        <p:spPr>
+          <a:xfrm>
+            <a:off x="0" y="0"/>
+            <a:ext cx="9144000" cy="5143500"/>
+          </a:xfrm>
+          <a:prstGeom prst="rect">
+            <a:avLst/>
+          </a:prstGeom>
+          <a:solidFill>
+            <a:schemeClr val="bg1">
+              <a:alpha val="74000"/>
+            </a:schemeClr>
+          </a:solidFill>
+        </p:spPr>
+        <p:style>
+          <a:lnRef idx="2">
+            <a:schemeClr val="accent1">
+              <a:shade val="50000"/>
+            </a:schemeClr>
+          </a:lnRef>
+          <a:fillRef idx="1">
+            <a:schemeClr val="accent1"/>
+          </a:fillRef>
+          <a:effectRef idx="0">
+            <a:schemeClr val="accent1"/>
+          </a:effectRef>
+          <a:fontRef idx="minor">
+            <a:schemeClr val="lt1"/>
+          </a:fontRef>
+        </p:style>
+        <p:txBody>
+          <a:bodyPr rtlCol="0" anchor="ctr"/>
+          <a:lstStyle/>
+          <a:p>
+            <a:pPr algn="ctr"/>
+            <a:endParaRPr lang="de-DE" dirty="0"/>
+          </a:p>
+        </p:txBody>
+      </p:sp>
+      <p:sp>
+        <p:nvSpPr>
+          <p:cNvPr id="2" name="Titel 1"/>
+          <p:cNvSpPr>
+            <a:spLocks noGrp="1"/>
+          </p:cNvSpPr>
+          <p:nvPr>
+            <p:ph type="title"/>
+          </p:nvPr>
+        </p:nvSpPr>
+        <p:spPr/>
+        <p:txBody>
+          <a:bodyPr/>
+          <a:lstStyle/>
+          <a:p>
+            <a:r>
+              <a:rPr lang="de-DE" dirty="0" smtClean="0"/>
+              <a:t> </a:t>
+            </a:r>
+            <a:r>
+              <a:rPr lang="de-DE" dirty="0" err="1" smtClean="0"/>
+              <a:t>Stub</a:t>
+            </a:r>
+            <a:endParaRPr lang="de-DE" dirty="0"/>
+          </a:p>
+        </p:txBody>
+      </p:sp>
+      <p:sp>
+        <p:nvSpPr>
+          <p:cNvPr id="6" name="Textfeld 5"/>
+          <p:cNvSpPr txBox="1"/>
+          <p:nvPr/>
+        </p:nvSpPr>
+        <p:spPr>
+          <a:xfrm>
+            <a:off x="395536" y="1419622"/>
+            <a:ext cx="8352928" cy="1815882"/>
+          </a:xfrm>
+          <a:prstGeom prst="rect">
+            <a:avLst/>
+          </a:prstGeom>
+          <a:noFill/>
+        </p:spPr>
+        <p:txBody>
+          <a:bodyPr wrap="square" rtlCol="0">
+            <a:spAutoFit/>
+          </a:bodyPr>
+          <a:lstStyle/>
+          <a:p>
+            <a:r>
+              <a:rPr lang="de-DE" sz="1600" dirty="0" smtClean="0">
+                <a:latin typeface="Source Code Pro"/>
+                <a:cs typeface="Source Code Pro"/>
+              </a:rPr>
+              <a:t>@</a:t>
+            </a:r>
+            <a:r>
+              <a:rPr lang="de-DE" sz="1600" dirty="0">
+                <a:latin typeface="Source Code Pro"/>
+                <a:cs typeface="Source Code Pro"/>
+              </a:rPr>
+              <a:t>Test</a:t>
+            </a:r>
+          </a:p>
+          <a:p>
+            <a:r>
+              <a:rPr lang="de-DE" sz="1600" b="1" dirty="0" err="1" smtClean="0">
+                <a:solidFill>
+                  <a:srgbClr val="660066"/>
+                </a:solidFill>
+                <a:latin typeface="Source Code Pro"/>
+                <a:cs typeface="Source Code Pro"/>
+              </a:rPr>
+              <a:t>public</a:t>
+            </a:r>
+            <a:r>
+              <a:rPr lang="de-DE" sz="1600" b="1" dirty="0" smtClean="0">
+                <a:solidFill>
+                  <a:srgbClr val="660066"/>
+                </a:solidFill>
+                <a:latin typeface="Source Code Pro"/>
+                <a:cs typeface="Source Code Pro"/>
+              </a:rPr>
+              <a:t> </a:t>
+            </a:r>
+            <a:r>
+              <a:rPr lang="de-DE" sz="1600" b="1" dirty="0" err="1">
+                <a:solidFill>
+                  <a:srgbClr val="660066"/>
+                </a:solidFill>
+                <a:latin typeface="Source Code Pro"/>
+                <a:cs typeface="Source Code Pro"/>
+              </a:rPr>
+              <a:t>void</a:t>
+            </a:r>
+            <a:r>
+              <a:rPr lang="de-DE" sz="1600" b="1" dirty="0">
+                <a:solidFill>
+                  <a:srgbClr val="660066"/>
+                </a:solidFill>
+                <a:latin typeface="Source Code Pro"/>
+                <a:cs typeface="Source Code Pro"/>
+              </a:rPr>
+              <a:t> </a:t>
+            </a:r>
+            <a:r>
+              <a:rPr lang="de-DE" sz="1600" dirty="0" err="1">
+                <a:latin typeface="Source Code Pro"/>
+                <a:cs typeface="Source Code Pro"/>
+              </a:rPr>
+              <a:t>withMockitoStub</a:t>
+            </a:r>
+            <a:r>
+              <a:rPr lang="de-DE" sz="1600" dirty="0">
+                <a:latin typeface="Source Code Pro"/>
+                <a:cs typeface="Source Code Pro"/>
+              </a:rPr>
+              <a:t>() {</a:t>
+            </a:r>
+          </a:p>
+          <a:p>
+            <a:r>
+              <a:rPr lang="de-DE" sz="1600" dirty="0" smtClean="0">
+                <a:latin typeface="Source Code Pro"/>
+                <a:cs typeface="Source Code Pro"/>
+              </a:rPr>
+              <a:t>   </a:t>
+            </a:r>
+            <a:r>
+              <a:rPr lang="de-DE" sz="1600" dirty="0" err="1" smtClean="0">
+                <a:latin typeface="Source Code Pro"/>
+                <a:cs typeface="Source Code Pro"/>
+              </a:rPr>
+              <a:t>KlassB</a:t>
+            </a:r>
+            <a:r>
+              <a:rPr lang="de-DE" sz="1600" dirty="0" smtClean="0">
+                <a:latin typeface="Source Code Pro"/>
+                <a:cs typeface="Source Code Pro"/>
+              </a:rPr>
+              <a:t> </a:t>
+            </a:r>
+            <a:r>
+              <a:rPr lang="de-DE" sz="1600" dirty="0" err="1">
+                <a:solidFill>
+                  <a:schemeClr val="bg2">
+                    <a:lumMod val="50000"/>
+                  </a:schemeClr>
+                </a:solidFill>
+                <a:latin typeface="Source Code Pro"/>
+                <a:cs typeface="Source Code Pro"/>
+              </a:rPr>
+              <a:t>stub</a:t>
+            </a:r>
+            <a:r>
+              <a:rPr lang="de-DE" sz="1600" dirty="0">
+                <a:latin typeface="Source Code Pro"/>
+                <a:cs typeface="Source Code Pro"/>
+              </a:rPr>
+              <a:t> = </a:t>
+            </a:r>
+            <a:r>
+              <a:rPr lang="de-DE" sz="1600" dirty="0" err="1">
+                <a:latin typeface="Source Code Pro"/>
+                <a:cs typeface="Source Code Pro"/>
+              </a:rPr>
+              <a:t>Mockito.</a:t>
+            </a:r>
+            <a:r>
+              <a:rPr lang="de-DE" sz="1600" i="1" dirty="0" err="1">
+                <a:latin typeface="Source Code Pro"/>
+                <a:cs typeface="Source Code Pro"/>
+              </a:rPr>
+              <a:t>mock</a:t>
+            </a:r>
+            <a:r>
+              <a:rPr lang="de-DE" sz="1600" dirty="0">
+                <a:latin typeface="Source Code Pro"/>
+                <a:cs typeface="Source Code Pro"/>
+              </a:rPr>
+              <a:t>(</a:t>
+            </a:r>
+            <a:r>
+              <a:rPr lang="de-DE" sz="1600" dirty="0" err="1">
+                <a:latin typeface="Source Code Pro"/>
+                <a:cs typeface="Source Code Pro"/>
+              </a:rPr>
+              <a:t>KlassB.</a:t>
+            </a:r>
+            <a:r>
+              <a:rPr lang="de-DE" sz="1600" b="1" dirty="0" err="1">
+                <a:solidFill>
+                  <a:srgbClr val="660066"/>
+                </a:solidFill>
+                <a:latin typeface="Source Code Pro"/>
+                <a:cs typeface="Source Code Pro"/>
+              </a:rPr>
+              <a:t>class</a:t>
+            </a:r>
+            <a:r>
+              <a:rPr lang="de-DE" sz="1600" dirty="0">
+                <a:latin typeface="Source Code Pro"/>
+                <a:cs typeface="Source Code Pro"/>
+              </a:rPr>
+              <a:t>)</a:t>
+            </a:r>
+            <a:r>
+              <a:rPr lang="de-DE" sz="1600" dirty="0" smtClean="0">
+                <a:latin typeface="Source Code Pro"/>
+                <a:cs typeface="Source Code Pro"/>
+              </a:rPr>
+              <a:t>;</a:t>
+            </a:r>
+            <a:endParaRPr lang="de-DE" sz="1600" dirty="0">
+              <a:latin typeface="Source Code Pro"/>
+              <a:cs typeface="Source Code Pro"/>
+            </a:endParaRPr>
+          </a:p>
+          <a:p>
+            <a:r>
+              <a:rPr lang="de-DE" sz="1600" dirty="0" smtClean="0">
+                <a:latin typeface="Source Code Pro"/>
+                <a:cs typeface="Source Code Pro"/>
+              </a:rPr>
+              <a:t>   </a:t>
+            </a:r>
+            <a:r>
+              <a:rPr lang="de-DE" sz="1600" i="1" dirty="0" err="1" smtClean="0">
+                <a:latin typeface="Source Code Pro"/>
+                <a:cs typeface="Source Code Pro"/>
+              </a:rPr>
+              <a:t>assertThat</a:t>
+            </a:r>
+            <a:r>
+              <a:rPr lang="de-DE" sz="1600" dirty="0">
+                <a:latin typeface="Source Code Pro"/>
+                <a:cs typeface="Source Code Pro"/>
+              </a:rPr>
+              <a:t>(</a:t>
+            </a:r>
+            <a:r>
+              <a:rPr lang="de-DE" sz="1600" b="1" dirty="0" err="1">
+                <a:solidFill>
+                  <a:srgbClr val="660066"/>
+                </a:solidFill>
+                <a:latin typeface="Source Code Pro"/>
+                <a:cs typeface="Source Code Pro"/>
+              </a:rPr>
+              <a:t>new</a:t>
+            </a:r>
+            <a:r>
+              <a:rPr lang="de-DE" sz="1600" dirty="0">
+                <a:latin typeface="Source Code Pro"/>
+                <a:cs typeface="Source Code Pro"/>
+              </a:rPr>
+              <a:t> </a:t>
+            </a:r>
+            <a:r>
+              <a:rPr lang="de-DE" sz="1600" dirty="0" err="1">
+                <a:latin typeface="Source Code Pro"/>
+                <a:cs typeface="Source Code Pro"/>
+              </a:rPr>
+              <a:t>KlassA</a:t>
+            </a:r>
+            <a:r>
+              <a:rPr lang="de-DE" sz="1600" dirty="0">
+                <a:latin typeface="Source Code Pro"/>
+                <a:cs typeface="Source Code Pro"/>
+              </a:rPr>
+              <a:t>(</a:t>
+            </a:r>
+            <a:r>
+              <a:rPr lang="de-DE" sz="1600" dirty="0" err="1">
+                <a:solidFill>
+                  <a:srgbClr val="948A54"/>
+                </a:solidFill>
+                <a:latin typeface="Source Code Pro"/>
+                <a:cs typeface="Source Code Pro"/>
+              </a:rPr>
+              <a:t>stub</a:t>
+            </a:r>
+            <a:r>
+              <a:rPr lang="de-DE" sz="1600" dirty="0">
+                <a:latin typeface="Source Code Pro"/>
+                <a:cs typeface="Source Code Pro"/>
+              </a:rPr>
+              <a:t>).</a:t>
+            </a:r>
+            <a:r>
+              <a:rPr lang="de-DE" sz="1600" dirty="0" err="1">
+                <a:latin typeface="Source Code Pro"/>
+                <a:cs typeface="Source Code Pro"/>
+              </a:rPr>
+              <a:t>anInterestingMethod</a:t>
+            </a:r>
+            <a:r>
+              <a:rPr lang="de-DE" sz="1600" dirty="0">
+                <a:latin typeface="Source Code Pro"/>
+                <a:cs typeface="Source Code Pro"/>
+              </a:rPr>
+              <a:t>(), </a:t>
+            </a:r>
+            <a:r>
+              <a:rPr lang="de-DE" sz="1600" i="1" dirty="0" err="1">
+                <a:latin typeface="Source Code Pro"/>
+                <a:cs typeface="Source Code Pro"/>
+              </a:rPr>
+              <a:t>is</a:t>
+            </a:r>
+            <a:r>
+              <a:rPr lang="de-DE" sz="1600" dirty="0">
+                <a:latin typeface="Source Code Pro"/>
+                <a:cs typeface="Source Code Pro"/>
+              </a:rPr>
+              <a:t>(</a:t>
+            </a:r>
+            <a:r>
+              <a:rPr lang="de-DE" sz="1600" b="1" dirty="0" err="1">
+                <a:solidFill>
+                  <a:srgbClr val="660066"/>
+                </a:solidFill>
+                <a:latin typeface="Source Code Pro"/>
+                <a:cs typeface="Source Code Pro"/>
+              </a:rPr>
+              <a:t>true</a:t>
+            </a:r>
+            <a:r>
+              <a:rPr lang="de-DE" sz="1600" dirty="0">
+                <a:latin typeface="Source Code Pro"/>
+                <a:cs typeface="Source Code Pro"/>
+              </a:rPr>
+              <a:t>));</a:t>
+            </a:r>
+          </a:p>
+          <a:p>
+            <a:r>
+              <a:rPr lang="de-DE" sz="1600" dirty="0" smtClean="0">
+                <a:latin typeface="Source Code Pro"/>
+                <a:cs typeface="Source Code Pro"/>
+              </a:rPr>
+              <a:t>}</a:t>
+            </a:r>
+            <a:endParaRPr lang="de-DE" sz="1600" dirty="0">
+              <a:latin typeface="Source Code Pro"/>
+              <a:cs typeface="Source Code Pro"/>
+            </a:endParaRPr>
+          </a:p>
+          <a:p>
+            <a:endParaRPr lang="de-DE" sz="1600" dirty="0">
+              <a:latin typeface="Source Code Pro"/>
+              <a:cs typeface="Source Code Pro"/>
+            </a:endParaRPr>
+          </a:p>
+          <a:p>
+            <a:endParaRPr lang="de-DE" sz="1600" dirty="0">
+              <a:latin typeface="Source Code Pro"/>
+              <a:cs typeface="Source Code Pro"/>
+            </a:endParaRPr>
+          </a:p>
+        </p:txBody>
+      </p:sp>
+    </p:spTree>
+    <p:extLst>
+      <p:ext uri="{BB962C8B-B14F-4D97-AF65-F5344CB8AC3E}">
+        <p14:creationId xmlns:p14="http://schemas.microsoft.com/office/powerpoint/2010/main" val="890252917"/>
+      </p:ext>
+    </p:extLst>
+  </p:cSld>
+  <p:clrMapOvr>
+    <a:masterClrMapping/>
+  </p:clrMapOvr>
+  <p:timing>
+    <p:tnLst>
+      <p:par>
+        <p:cTn xmlns:p14="http://schemas.microsoft.com/office/powerpoint/2010/main" id="1" dur="indefinite" restart="never" nodeType="tmRoot"/>
+      </p:par>
+    </p:tnLst>
+  </p:timing>
+</p:sld>
+</file>
+
+<file path=ppt/slides/slide18.xml><?xml version="1.0" encoding="utf-8"?>
+<p:sld xmlns:a="http://schemas.openxmlformats.org/drawingml/2006/main" xmlns:r="http://schemas.openxmlformats.org/officeDocument/2006/relationships" xmlns:p="http://schemas.openxmlformats.org/presentationml/2006/main">
+  <p:cSld>
+    <p:spTree>
+      <p:nvGrpSpPr>
+        <p:cNvPr id="1" name=""/>
+        <p:cNvGrpSpPr/>
+        <p:nvPr/>
+      </p:nvGrpSpPr>
+      <p:grpSpPr>
+        <a:xfrm>
+          <a:off x="0" y="0"/>
+          <a:ext cx="0" cy="0"/>
+          <a:chOff x="0" y="0"/>
+          <a:chExt cx="0" cy="0"/>
+        </a:xfrm>
+      </p:grpSpPr>
+      <p:sp>
+        <p:nvSpPr>
+          <p:cNvPr id="5" name="Rechteck 4"/>
+          <p:cNvSpPr/>
+          <p:nvPr/>
+        </p:nvSpPr>
+        <p:spPr>
+          <a:xfrm>
+            <a:off x="0" y="0"/>
+            <a:ext cx="9144000" cy="5143500"/>
+          </a:xfrm>
+          <a:prstGeom prst="rect">
+            <a:avLst/>
+          </a:prstGeom>
+          <a:solidFill>
+            <a:schemeClr val="bg1">
+              <a:alpha val="74000"/>
+            </a:schemeClr>
+          </a:solidFill>
+        </p:spPr>
+        <p:style>
+          <a:lnRef idx="2">
+            <a:schemeClr val="accent1">
+              <a:shade val="50000"/>
+            </a:schemeClr>
+          </a:lnRef>
+          <a:fillRef idx="1">
+            <a:schemeClr val="accent1"/>
+          </a:fillRef>
+          <a:effectRef idx="0">
+            <a:schemeClr val="accent1"/>
+          </a:effectRef>
+          <a:fontRef idx="minor">
+            <a:schemeClr val="lt1"/>
+          </a:fontRef>
+        </p:style>
+        <p:txBody>
+          <a:bodyPr rtlCol="0" anchor="ctr"/>
+          <a:lstStyle/>
+          <a:p>
+            <a:pPr algn="ctr"/>
+            <a:endParaRPr lang="de-DE" dirty="0"/>
+          </a:p>
+        </p:txBody>
+      </p:sp>
+      <p:sp>
+        <p:nvSpPr>
+          <p:cNvPr id="2" name="Titel 1"/>
+          <p:cNvSpPr>
+            <a:spLocks noGrp="1"/>
+          </p:cNvSpPr>
+          <p:nvPr>
+            <p:ph type="title"/>
+          </p:nvPr>
+        </p:nvSpPr>
+        <p:spPr/>
+        <p:txBody>
+          <a:bodyPr>
+            <a:normAutofit/>
+          </a:bodyPr>
+          <a:lstStyle/>
+          <a:p>
+            <a:r>
+              <a:rPr lang="de-DE" dirty="0" smtClean="0"/>
+              <a:t> </a:t>
+            </a:r>
+            <a:r>
+              <a:rPr lang="de-DE" dirty="0" err="1" smtClean="0"/>
+              <a:t>Fake</a:t>
+            </a:r>
+            <a:endParaRPr lang="de-DE" dirty="0"/>
+          </a:p>
+        </p:txBody>
+      </p:sp>
+      <p:sp>
+        <p:nvSpPr>
+          <p:cNvPr id="7" name="Textfeld 6"/>
+          <p:cNvSpPr txBox="1"/>
+          <p:nvPr/>
+        </p:nvSpPr>
+        <p:spPr>
+          <a:xfrm>
+            <a:off x="395536" y="1419622"/>
+            <a:ext cx="8352928" cy="2308324"/>
+          </a:xfrm>
+          <a:prstGeom prst="rect">
+            <a:avLst/>
+          </a:prstGeom>
+          <a:noFill/>
+        </p:spPr>
+        <p:txBody>
+          <a:bodyPr wrap="square" rtlCol="0">
+            <a:spAutoFit/>
+          </a:bodyPr>
+          <a:lstStyle/>
+          <a:p>
+            <a:r>
+              <a:rPr lang="de-DE" sz="1600" dirty="0" smtClean="0">
+                <a:latin typeface="Source Code Pro"/>
+                <a:cs typeface="Source Code Pro"/>
+              </a:rPr>
+              <a:t>@</a:t>
+            </a:r>
+            <a:r>
+              <a:rPr lang="de-DE" sz="1600" dirty="0">
+                <a:latin typeface="Source Code Pro"/>
+                <a:cs typeface="Source Code Pro"/>
+              </a:rPr>
+              <a:t>Test</a:t>
+            </a:r>
+          </a:p>
+          <a:p>
+            <a:r>
+              <a:rPr lang="de-DE" sz="1600" b="1" dirty="0" err="1" smtClean="0">
+                <a:solidFill>
+                  <a:srgbClr val="660066"/>
+                </a:solidFill>
+                <a:latin typeface="Source Code Pro"/>
+                <a:cs typeface="Source Code Pro"/>
+              </a:rPr>
+              <a:t>public</a:t>
+            </a:r>
+            <a:r>
+              <a:rPr lang="de-DE" sz="1600" b="1" dirty="0" smtClean="0">
+                <a:solidFill>
+                  <a:srgbClr val="660066"/>
+                </a:solidFill>
+                <a:latin typeface="Source Code Pro"/>
+                <a:cs typeface="Source Code Pro"/>
+              </a:rPr>
+              <a:t> </a:t>
+            </a:r>
+            <a:r>
+              <a:rPr lang="de-DE" sz="1600" b="1" dirty="0" err="1">
+                <a:solidFill>
+                  <a:srgbClr val="660066"/>
+                </a:solidFill>
+                <a:latin typeface="Source Code Pro"/>
+                <a:cs typeface="Source Code Pro"/>
+              </a:rPr>
+              <a:t>void</a:t>
+            </a:r>
+            <a:r>
+              <a:rPr lang="de-DE" sz="1600" dirty="0">
+                <a:latin typeface="Source Code Pro"/>
+                <a:cs typeface="Source Code Pro"/>
+              </a:rPr>
+              <a:t> </a:t>
+            </a:r>
+            <a:r>
+              <a:rPr lang="de-DE" sz="1600" dirty="0" err="1" smtClean="0">
+                <a:latin typeface="Source Code Pro"/>
+                <a:cs typeface="Source Code Pro"/>
+              </a:rPr>
+              <a:t>withFake</a:t>
+            </a:r>
+            <a:r>
+              <a:rPr lang="de-DE" sz="1600" dirty="0" smtClean="0">
+                <a:latin typeface="Source Code Pro"/>
+                <a:cs typeface="Source Code Pro"/>
+              </a:rPr>
+              <a:t>(</a:t>
+            </a:r>
+            <a:r>
+              <a:rPr lang="de-DE" sz="1600" dirty="0">
+                <a:latin typeface="Source Code Pro"/>
+                <a:cs typeface="Source Code Pro"/>
+              </a:rPr>
+              <a:t>) </a:t>
+            </a:r>
+            <a:r>
+              <a:rPr lang="de-DE" sz="1600" dirty="0" smtClean="0">
+                <a:latin typeface="Source Code Pro"/>
+                <a:cs typeface="Source Code Pro"/>
+              </a:rPr>
+              <a:t>{</a:t>
+            </a:r>
+          </a:p>
+          <a:p>
+            <a:r>
+              <a:rPr lang="de-DE" sz="1600" dirty="0">
+                <a:latin typeface="Source Code Pro"/>
+                <a:cs typeface="Source Code Pro"/>
+              </a:rPr>
+              <a:t> </a:t>
+            </a:r>
+            <a:r>
+              <a:rPr lang="de-DE" sz="1600" dirty="0" smtClean="0">
+                <a:latin typeface="Source Code Pro"/>
+                <a:cs typeface="Source Code Pro"/>
+              </a:rPr>
+              <a:t>  </a:t>
+            </a:r>
+            <a:r>
+              <a:rPr lang="de-DE" sz="1600" dirty="0" err="1" smtClean="0">
+                <a:latin typeface="Source Code Pro"/>
+                <a:cs typeface="Source Code Pro"/>
+              </a:rPr>
+              <a:t>KlassB</a:t>
+            </a:r>
+            <a:r>
+              <a:rPr lang="de-DE" sz="1600" dirty="0" smtClean="0">
+                <a:latin typeface="Source Code Pro"/>
+                <a:cs typeface="Source Code Pro"/>
+              </a:rPr>
+              <a:t> </a:t>
+            </a:r>
+            <a:r>
+              <a:rPr lang="de-DE" sz="1600" dirty="0" err="1" smtClean="0">
+                <a:solidFill>
+                  <a:srgbClr val="948A54"/>
+                </a:solidFill>
+                <a:latin typeface="Source Code Pro"/>
+                <a:cs typeface="Source Code Pro"/>
+              </a:rPr>
+              <a:t>fake</a:t>
+            </a:r>
+            <a:r>
+              <a:rPr lang="de-DE" sz="1600" dirty="0" smtClean="0">
+                <a:latin typeface="Source Code Pro"/>
+                <a:cs typeface="Source Code Pro"/>
+              </a:rPr>
+              <a:t> = </a:t>
+            </a:r>
+            <a:r>
+              <a:rPr lang="de-DE" sz="1600" b="1" dirty="0" err="1" smtClean="0">
+                <a:solidFill>
+                  <a:srgbClr val="660066"/>
+                </a:solidFill>
+                <a:latin typeface="Source Code Pro"/>
+                <a:cs typeface="Source Code Pro"/>
+              </a:rPr>
+              <a:t>new</a:t>
+            </a:r>
+            <a:r>
+              <a:rPr lang="de-DE" sz="1600" dirty="0" smtClean="0">
+                <a:latin typeface="Source Code Pro"/>
+                <a:cs typeface="Source Code Pro"/>
+              </a:rPr>
+              <a:t> </a:t>
+            </a:r>
+            <a:r>
+              <a:rPr lang="de-DE" sz="1600" dirty="0" err="1" smtClean="0">
+                <a:latin typeface="Source Code Pro"/>
+                <a:cs typeface="Source Code Pro"/>
+              </a:rPr>
+              <a:t>KlassB</a:t>
+            </a:r>
+            <a:r>
+              <a:rPr lang="de-DE" sz="1600" dirty="0" smtClean="0">
+                <a:latin typeface="Source Code Pro"/>
+                <a:cs typeface="Source Code Pro"/>
+              </a:rPr>
+              <a:t>() {</a:t>
+            </a:r>
+          </a:p>
+          <a:p>
+            <a:r>
+              <a:rPr lang="de-DE" sz="1600" dirty="0">
+                <a:latin typeface="Source Code Pro"/>
+                <a:cs typeface="Source Code Pro"/>
+              </a:rPr>
+              <a:t> </a:t>
+            </a:r>
+            <a:r>
+              <a:rPr lang="de-DE" sz="1600" dirty="0" smtClean="0">
+                <a:latin typeface="Source Code Pro"/>
+                <a:cs typeface="Source Code Pro"/>
+              </a:rPr>
+              <a:t>     @</a:t>
+            </a:r>
+            <a:r>
+              <a:rPr lang="de-DE" sz="1600" dirty="0" err="1" smtClean="0">
+                <a:latin typeface="Source Code Pro"/>
+                <a:cs typeface="Source Code Pro"/>
+              </a:rPr>
+              <a:t>Override</a:t>
+            </a:r>
+            <a:endParaRPr lang="de-DE" sz="1600" dirty="0" smtClean="0">
+              <a:latin typeface="Source Code Pro"/>
+              <a:cs typeface="Source Code Pro"/>
+            </a:endParaRPr>
+          </a:p>
+          <a:p>
+            <a:r>
+              <a:rPr lang="de-DE" sz="1600" dirty="0">
+                <a:latin typeface="Source Code Pro"/>
+                <a:cs typeface="Source Code Pro"/>
+              </a:rPr>
+              <a:t> </a:t>
+            </a:r>
+            <a:r>
+              <a:rPr lang="de-DE" sz="1600" dirty="0" smtClean="0">
+                <a:latin typeface="Source Code Pro"/>
+                <a:cs typeface="Source Code Pro"/>
+              </a:rPr>
+              <a:t>     </a:t>
+            </a:r>
+            <a:r>
+              <a:rPr lang="de-DE" sz="1600" b="1" dirty="0" err="1" smtClean="0">
+                <a:solidFill>
+                  <a:srgbClr val="660066"/>
+                </a:solidFill>
+                <a:latin typeface="Source Code Pro"/>
+                <a:cs typeface="Source Code Pro"/>
+              </a:rPr>
+              <a:t>public</a:t>
+            </a:r>
+            <a:r>
+              <a:rPr lang="de-DE" sz="1600" b="1" dirty="0" smtClean="0">
+                <a:solidFill>
+                  <a:srgbClr val="660066"/>
+                </a:solidFill>
+                <a:latin typeface="Source Code Pro"/>
+                <a:cs typeface="Source Code Pro"/>
+              </a:rPr>
+              <a:t> </a:t>
+            </a:r>
+            <a:r>
+              <a:rPr lang="de-DE" sz="1600" b="1" dirty="0" err="1" smtClean="0">
+                <a:solidFill>
+                  <a:srgbClr val="660066"/>
+                </a:solidFill>
+                <a:latin typeface="Source Code Pro"/>
+                <a:cs typeface="Source Code Pro"/>
+              </a:rPr>
+              <a:t>int</a:t>
+            </a:r>
+            <a:r>
+              <a:rPr lang="de-DE" sz="1600" dirty="0" smtClean="0">
+                <a:latin typeface="Source Code Pro"/>
+                <a:cs typeface="Source Code Pro"/>
+              </a:rPr>
+              <a:t> </a:t>
+            </a:r>
+            <a:r>
+              <a:rPr lang="de-DE" sz="1600" dirty="0" err="1" smtClean="0">
+                <a:latin typeface="Source Code Pro"/>
+                <a:cs typeface="Source Code Pro"/>
+              </a:rPr>
+              <a:t>helpDoTheWork</a:t>
+            </a:r>
+            <a:r>
+              <a:rPr lang="de-DE" sz="1600" dirty="0" smtClean="0">
+                <a:latin typeface="Source Code Pro"/>
+                <a:cs typeface="Source Code Pro"/>
+              </a:rPr>
+              <a:t>() { </a:t>
+            </a:r>
+            <a:r>
+              <a:rPr lang="de-DE" sz="1600" b="1" dirty="0" err="1" smtClean="0">
+                <a:solidFill>
+                  <a:srgbClr val="660066"/>
+                </a:solidFill>
+                <a:latin typeface="Source Code Pro"/>
+                <a:cs typeface="Source Code Pro"/>
+              </a:rPr>
+              <a:t>return</a:t>
+            </a:r>
+            <a:r>
+              <a:rPr lang="de-DE" sz="1600" dirty="0" smtClean="0">
+                <a:latin typeface="Source Code Pro"/>
+                <a:cs typeface="Source Code Pro"/>
+              </a:rPr>
+              <a:t> 1; }</a:t>
+            </a:r>
+          </a:p>
+          <a:p>
+            <a:r>
+              <a:rPr lang="de-DE" sz="1600" dirty="0">
+                <a:latin typeface="Source Code Pro"/>
+                <a:cs typeface="Source Code Pro"/>
+              </a:rPr>
+              <a:t> </a:t>
+            </a:r>
+            <a:r>
+              <a:rPr lang="de-DE" sz="1600" dirty="0" smtClean="0">
+                <a:latin typeface="Source Code Pro"/>
+                <a:cs typeface="Source Code Pro"/>
+              </a:rPr>
+              <a:t>  };</a:t>
+            </a:r>
+            <a:endParaRPr lang="de-DE" sz="1600" dirty="0">
+              <a:latin typeface="Source Code Pro"/>
+              <a:cs typeface="Source Code Pro"/>
+            </a:endParaRPr>
+          </a:p>
+          <a:p>
+            <a:r>
+              <a:rPr lang="de-DE" sz="1600" dirty="0" smtClean="0">
+                <a:latin typeface="Source Code Pro"/>
+                <a:cs typeface="Source Code Pro"/>
+              </a:rPr>
+              <a:t>   </a:t>
+            </a:r>
+            <a:r>
+              <a:rPr lang="de-DE" sz="1600" i="1" dirty="0" err="1" smtClean="0">
+                <a:latin typeface="Source Code Pro"/>
+                <a:cs typeface="Source Code Pro"/>
+              </a:rPr>
+              <a:t>assertThat</a:t>
+            </a:r>
+            <a:r>
+              <a:rPr lang="de-DE" sz="1600" dirty="0" smtClean="0">
+                <a:latin typeface="Source Code Pro"/>
+                <a:cs typeface="Source Code Pro"/>
+              </a:rPr>
+              <a:t>(</a:t>
+            </a:r>
+            <a:r>
+              <a:rPr lang="de-DE" sz="1600" b="1" dirty="0" err="1">
+                <a:solidFill>
+                  <a:srgbClr val="660066"/>
+                </a:solidFill>
+                <a:latin typeface="Source Code Pro"/>
+                <a:cs typeface="Source Code Pro"/>
+              </a:rPr>
+              <a:t>new</a:t>
+            </a:r>
+            <a:r>
+              <a:rPr lang="de-DE" sz="1600" dirty="0">
+                <a:latin typeface="Source Code Pro"/>
+                <a:cs typeface="Source Code Pro"/>
+              </a:rPr>
+              <a:t> </a:t>
+            </a:r>
+            <a:r>
+              <a:rPr lang="de-DE" sz="1600" dirty="0" err="1">
+                <a:latin typeface="Source Code Pro"/>
+                <a:cs typeface="Source Code Pro"/>
+              </a:rPr>
+              <a:t>KlassA</a:t>
+            </a:r>
+            <a:r>
+              <a:rPr lang="de-DE" sz="1600" dirty="0" smtClean="0">
+                <a:latin typeface="Source Code Pro"/>
+                <a:cs typeface="Source Code Pro"/>
+              </a:rPr>
+              <a:t>(</a:t>
+            </a:r>
+            <a:r>
+              <a:rPr lang="de-DE" sz="1600" dirty="0" err="1" smtClean="0">
+                <a:solidFill>
+                  <a:srgbClr val="948A54"/>
+                </a:solidFill>
+                <a:latin typeface="Source Code Pro"/>
+                <a:cs typeface="Source Code Pro"/>
+              </a:rPr>
+              <a:t>fake</a:t>
+            </a:r>
+            <a:r>
+              <a:rPr lang="de-DE" sz="1600" dirty="0" smtClean="0">
+                <a:latin typeface="Source Code Pro"/>
+                <a:cs typeface="Source Code Pro"/>
+              </a:rPr>
+              <a:t>)</a:t>
+            </a:r>
+            <a:r>
+              <a:rPr lang="de-DE" sz="1600" dirty="0">
+                <a:latin typeface="Source Code Pro"/>
+                <a:cs typeface="Source Code Pro"/>
+              </a:rPr>
+              <a:t>.</a:t>
+            </a:r>
+            <a:r>
+              <a:rPr lang="de-DE" sz="1600" dirty="0" err="1">
+                <a:latin typeface="Source Code Pro"/>
+                <a:cs typeface="Source Code Pro"/>
+              </a:rPr>
+              <a:t>anInterestingMethod</a:t>
+            </a:r>
+            <a:r>
+              <a:rPr lang="de-DE" sz="1600" dirty="0">
+                <a:latin typeface="Source Code Pro"/>
+                <a:cs typeface="Source Code Pro"/>
+              </a:rPr>
+              <a:t>(), </a:t>
+            </a:r>
+            <a:r>
+              <a:rPr lang="de-DE" sz="1600" i="1" dirty="0" err="1">
+                <a:latin typeface="Source Code Pro"/>
+                <a:cs typeface="Source Code Pro"/>
+              </a:rPr>
+              <a:t>is</a:t>
+            </a:r>
+            <a:r>
+              <a:rPr lang="de-DE" sz="1600" dirty="0">
+                <a:latin typeface="Source Code Pro"/>
+                <a:cs typeface="Source Code Pro"/>
+              </a:rPr>
+              <a:t>(</a:t>
+            </a:r>
+            <a:r>
+              <a:rPr lang="de-DE" sz="1600" b="1" dirty="0" err="1">
+                <a:solidFill>
+                  <a:srgbClr val="660066"/>
+                </a:solidFill>
+                <a:latin typeface="Source Code Pro"/>
+                <a:cs typeface="Source Code Pro"/>
+              </a:rPr>
+              <a:t>true</a:t>
+            </a:r>
+            <a:r>
+              <a:rPr lang="de-DE" sz="1600" dirty="0">
+                <a:latin typeface="Source Code Pro"/>
+                <a:cs typeface="Source Code Pro"/>
+              </a:rPr>
+              <a:t>)</a:t>
+            </a:r>
+            <a:r>
+              <a:rPr lang="de-DE" sz="1600" dirty="0" smtClean="0">
+                <a:latin typeface="Source Code Pro"/>
+                <a:cs typeface="Source Code Pro"/>
+              </a:rPr>
+              <a:t>)</a:t>
+            </a:r>
+            <a:r>
+              <a:rPr lang="de-DE" sz="1600" dirty="0">
+                <a:latin typeface="Source Code Pro"/>
+                <a:cs typeface="Source Code Pro"/>
+              </a:rPr>
+              <a:t>;</a:t>
+            </a:r>
+          </a:p>
+          <a:p>
+            <a:r>
+              <a:rPr lang="de-DE" sz="1600" dirty="0" smtClean="0">
+                <a:latin typeface="Source Code Pro"/>
+                <a:cs typeface="Source Code Pro"/>
+              </a:rPr>
+              <a:t>}</a:t>
+            </a:r>
+            <a:endParaRPr lang="de-DE" sz="1600" dirty="0">
+              <a:latin typeface="Source Code Pro"/>
+              <a:cs typeface="Source Code Pro"/>
+            </a:endParaRPr>
+          </a:p>
+          <a:p>
+            <a:endParaRPr lang="de-DE" sz="1600" dirty="0">
+              <a:latin typeface="Source Code Pro"/>
+              <a:cs typeface="Source Code Pro"/>
+            </a:endParaRPr>
+          </a:p>
+        </p:txBody>
+      </p:sp>
+    </p:spTree>
+    <p:extLst>
+      <p:ext uri="{BB962C8B-B14F-4D97-AF65-F5344CB8AC3E}">
+        <p14:creationId xmlns:p14="http://schemas.microsoft.com/office/powerpoint/2010/main" val="401687663"/>
+      </p:ext>
+    </p:extLst>
+  </p:cSld>
+  <p:clrMapOvr>
+    <a:masterClrMapping/>
+  </p:clrMapOvr>
+  <p:timing>
+    <p:tnLst>
+      <p:par>
+        <p:cTn xmlns:p14="http://schemas.microsoft.com/office/powerpoint/2010/main" id="1" dur="indefinite" restart="never" nodeType="tmRoot"/>
+      </p:par>
+    </p:tnLst>
+  </p:timing>
+</p:sld>
+</file>
+
+<file path=ppt/slides/slide19.xml><?xml version="1.0" encoding="utf-8"?>
+<p:sld xmlns:a="http://schemas.openxmlformats.org/drawingml/2006/main" xmlns:r="http://schemas.openxmlformats.org/officeDocument/2006/relationships" xmlns:p="http://schemas.openxmlformats.org/presentationml/2006/main">
+  <p:cSld>
+    <p:spTree>
+      <p:nvGrpSpPr>
+        <p:cNvPr id="1" name=""/>
+        <p:cNvGrpSpPr/>
+        <p:nvPr/>
+      </p:nvGrpSpPr>
+      <p:grpSpPr>
+        <a:xfrm>
+          <a:off x="0" y="0"/>
+          <a:ext cx="0" cy="0"/>
+          <a:chOff x="0" y="0"/>
+          <a:chExt cx="0" cy="0"/>
+        </a:xfrm>
+      </p:grpSpPr>
+      <p:sp>
+        <p:nvSpPr>
+          <p:cNvPr id="5" name="Rechteck 4"/>
+          <p:cNvSpPr/>
+          <p:nvPr/>
+        </p:nvSpPr>
+        <p:spPr>
+          <a:xfrm>
+            <a:off x="0" y="0"/>
+            <a:ext cx="9144000" cy="5143500"/>
+          </a:xfrm>
+          <a:prstGeom prst="rect">
+            <a:avLst/>
+          </a:prstGeom>
+          <a:solidFill>
+            <a:schemeClr val="bg1">
+              <a:alpha val="74000"/>
+            </a:schemeClr>
+          </a:solidFill>
+        </p:spPr>
+        <p:style>
+          <a:lnRef idx="2">
+            <a:schemeClr val="accent1">
+              <a:shade val="50000"/>
+            </a:schemeClr>
+          </a:lnRef>
+          <a:fillRef idx="1">
+            <a:schemeClr val="accent1"/>
+          </a:fillRef>
+          <a:effectRef idx="0">
+            <a:schemeClr val="accent1"/>
+          </a:effectRef>
+          <a:fontRef idx="minor">
+            <a:schemeClr val="lt1"/>
+          </a:fontRef>
+        </p:style>
+        <p:txBody>
+          <a:bodyPr rtlCol="0" anchor="ctr"/>
+          <a:lstStyle/>
+          <a:p>
+            <a:pPr algn="ctr"/>
+            <a:endParaRPr lang="de-DE" dirty="0"/>
+          </a:p>
+        </p:txBody>
+      </p:sp>
+      <p:sp>
+        <p:nvSpPr>
+          <p:cNvPr id="2" name="Titel 1"/>
+          <p:cNvSpPr>
+            <a:spLocks noGrp="1"/>
+          </p:cNvSpPr>
+          <p:nvPr>
+            <p:ph type="title"/>
+          </p:nvPr>
+        </p:nvSpPr>
+        <p:spPr/>
+        <p:txBody>
+          <a:bodyPr>
+            <a:normAutofit/>
+          </a:bodyPr>
+          <a:lstStyle/>
+          <a:p>
+            <a:r>
+              <a:rPr lang="de-DE" dirty="0" smtClean="0"/>
+              <a:t> </a:t>
+            </a:r>
+            <a:r>
+              <a:rPr lang="de-DE" dirty="0" err="1" smtClean="0"/>
+              <a:t>Spy</a:t>
+            </a:r>
+            <a:endParaRPr lang="de-DE" dirty="0"/>
+          </a:p>
+        </p:txBody>
+      </p:sp>
+      <p:sp>
+        <p:nvSpPr>
+          <p:cNvPr id="7" name="Textfeld 6"/>
+          <p:cNvSpPr txBox="1"/>
+          <p:nvPr/>
+        </p:nvSpPr>
+        <p:spPr>
+          <a:xfrm>
+            <a:off x="395536" y="1419622"/>
+            <a:ext cx="8352928" cy="3539430"/>
+          </a:xfrm>
+          <a:prstGeom prst="rect">
+            <a:avLst/>
+          </a:prstGeom>
+          <a:noFill/>
+        </p:spPr>
+        <p:txBody>
+          <a:bodyPr wrap="square" rtlCol="0">
+            <a:spAutoFit/>
+          </a:bodyPr>
+          <a:lstStyle/>
+          <a:p>
+            <a:r>
+              <a:rPr lang="de-DE" sz="1600" b="1" dirty="0" err="1">
+                <a:solidFill>
+                  <a:srgbClr val="660066"/>
+                </a:solidFill>
+                <a:latin typeface="Source Code Pro"/>
+                <a:cs typeface="Source Code Pro"/>
+              </a:rPr>
+              <a:t>public</a:t>
+            </a:r>
+            <a:r>
+              <a:rPr lang="de-DE" sz="1600" b="1" dirty="0">
+                <a:solidFill>
+                  <a:srgbClr val="660066"/>
+                </a:solidFill>
+                <a:latin typeface="Source Code Pro"/>
+                <a:cs typeface="Source Code Pro"/>
+              </a:rPr>
+              <a:t> </a:t>
+            </a:r>
+            <a:r>
+              <a:rPr lang="de-DE" sz="1600" b="1" dirty="0" err="1">
+                <a:solidFill>
+                  <a:srgbClr val="660066"/>
+                </a:solidFill>
+                <a:latin typeface="Source Code Pro"/>
+                <a:cs typeface="Source Code Pro"/>
+              </a:rPr>
+              <a:t>static</a:t>
+            </a:r>
+            <a:r>
+              <a:rPr lang="de-DE" sz="1600" b="1" dirty="0">
+                <a:solidFill>
+                  <a:srgbClr val="660066"/>
+                </a:solidFill>
+                <a:latin typeface="Source Code Pro"/>
+                <a:cs typeface="Source Code Pro"/>
+              </a:rPr>
+              <a:t> </a:t>
+            </a:r>
+            <a:r>
+              <a:rPr lang="de-DE" sz="1600" b="1" dirty="0" err="1">
+                <a:solidFill>
+                  <a:srgbClr val="660066"/>
+                </a:solidFill>
+                <a:latin typeface="Source Code Pro"/>
+                <a:cs typeface="Source Code Pro"/>
+              </a:rPr>
+              <a:t>class</a:t>
+            </a:r>
+            <a:r>
+              <a:rPr lang="de-DE" sz="1600" dirty="0">
+                <a:latin typeface="Source Code Pro"/>
+                <a:cs typeface="Source Code Pro"/>
+              </a:rPr>
+              <a:t> </a:t>
+            </a:r>
+            <a:r>
+              <a:rPr lang="de-DE" sz="1600" dirty="0" err="1">
+                <a:latin typeface="Source Code Pro"/>
+                <a:cs typeface="Source Code Pro"/>
+              </a:rPr>
+              <a:t>Spy</a:t>
+            </a:r>
+            <a:r>
+              <a:rPr lang="de-DE" sz="1600" dirty="0">
+                <a:latin typeface="Source Code Pro"/>
+                <a:cs typeface="Source Code Pro"/>
+              </a:rPr>
+              <a:t> </a:t>
+            </a:r>
+            <a:r>
+              <a:rPr lang="de-DE" sz="1600" b="1" dirty="0" err="1">
+                <a:solidFill>
+                  <a:srgbClr val="660066"/>
+                </a:solidFill>
+                <a:latin typeface="Source Code Pro"/>
+                <a:cs typeface="Source Code Pro"/>
+              </a:rPr>
+              <a:t>extends</a:t>
+            </a:r>
+            <a:r>
+              <a:rPr lang="de-DE" sz="1600" dirty="0">
+                <a:latin typeface="Source Code Pro"/>
+                <a:cs typeface="Source Code Pro"/>
+              </a:rPr>
+              <a:t> </a:t>
+            </a:r>
+            <a:r>
+              <a:rPr lang="de-DE" sz="1600" dirty="0" err="1">
+                <a:latin typeface="Source Code Pro"/>
+                <a:cs typeface="Source Code Pro"/>
+              </a:rPr>
+              <a:t>KlassB</a:t>
+            </a:r>
+            <a:r>
+              <a:rPr lang="de-DE" sz="1600" dirty="0">
+                <a:latin typeface="Source Code Pro"/>
+                <a:cs typeface="Source Code Pro"/>
+              </a:rPr>
+              <a:t> {</a:t>
+            </a:r>
+          </a:p>
+          <a:p>
+            <a:r>
+              <a:rPr lang="de-DE" sz="1600" dirty="0" smtClean="0">
+                <a:latin typeface="Source Code Pro"/>
+                <a:cs typeface="Source Code Pro"/>
+              </a:rPr>
+              <a:t>   </a:t>
+            </a:r>
+            <a:r>
+              <a:rPr lang="de-DE" sz="1600" b="1" dirty="0" err="1" smtClean="0">
+                <a:solidFill>
+                  <a:srgbClr val="660066"/>
+                </a:solidFill>
+                <a:latin typeface="Source Code Pro"/>
+                <a:cs typeface="Source Code Pro"/>
+              </a:rPr>
+              <a:t>int</a:t>
+            </a:r>
+            <a:r>
+              <a:rPr lang="de-DE" sz="1600" dirty="0" smtClean="0">
+                <a:latin typeface="Source Code Pro"/>
+                <a:cs typeface="Source Code Pro"/>
+              </a:rPr>
+              <a:t> </a:t>
+            </a:r>
+            <a:r>
+              <a:rPr lang="de-DE" sz="1600" dirty="0" err="1">
+                <a:solidFill>
+                  <a:schemeClr val="tx2">
+                    <a:lumMod val="60000"/>
+                    <a:lumOff val="40000"/>
+                  </a:schemeClr>
+                </a:solidFill>
+                <a:latin typeface="Source Code Pro"/>
+                <a:cs typeface="Source Code Pro"/>
+              </a:rPr>
+              <a:t>wasCalled</a:t>
+            </a:r>
+            <a:r>
+              <a:rPr lang="de-DE" sz="1600" dirty="0">
+                <a:latin typeface="Source Code Pro"/>
+                <a:cs typeface="Source Code Pro"/>
+              </a:rPr>
+              <a:t>;</a:t>
+            </a:r>
+          </a:p>
+          <a:p>
+            <a:endParaRPr lang="de-DE" sz="1600" dirty="0">
+              <a:latin typeface="Source Code Pro"/>
+              <a:cs typeface="Source Code Pro"/>
+            </a:endParaRPr>
+          </a:p>
+          <a:p>
+            <a:r>
+              <a:rPr lang="de-DE" sz="1600" dirty="0" smtClean="0">
+                <a:latin typeface="Source Code Pro"/>
+                <a:cs typeface="Source Code Pro"/>
+              </a:rPr>
+              <a:t>   @</a:t>
+            </a:r>
+            <a:r>
+              <a:rPr lang="de-DE" sz="1600" dirty="0" err="1">
+                <a:latin typeface="Source Code Pro"/>
+                <a:cs typeface="Source Code Pro"/>
+              </a:rPr>
+              <a:t>Override</a:t>
+            </a:r>
+            <a:endParaRPr lang="de-DE" sz="1600" dirty="0">
+              <a:latin typeface="Source Code Pro"/>
+              <a:cs typeface="Source Code Pro"/>
+            </a:endParaRPr>
+          </a:p>
+          <a:p>
+            <a:r>
+              <a:rPr lang="de-DE" sz="1600" dirty="0" smtClean="0">
+                <a:latin typeface="Source Code Pro"/>
+                <a:cs typeface="Source Code Pro"/>
+              </a:rPr>
+              <a:t>   </a:t>
+            </a:r>
+            <a:r>
+              <a:rPr lang="de-DE" sz="1600" b="1" dirty="0" err="1" smtClean="0">
+                <a:solidFill>
+                  <a:srgbClr val="660066"/>
+                </a:solidFill>
+                <a:latin typeface="Source Code Pro"/>
+                <a:cs typeface="Source Code Pro"/>
+              </a:rPr>
+              <a:t>public</a:t>
+            </a:r>
+            <a:r>
+              <a:rPr lang="de-DE" sz="1600" b="1" dirty="0" smtClean="0">
+                <a:solidFill>
+                  <a:srgbClr val="660066"/>
+                </a:solidFill>
+                <a:latin typeface="Source Code Pro"/>
+                <a:cs typeface="Source Code Pro"/>
+              </a:rPr>
+              <a:t> </a:t>
+            </a:r>
+            <a:r>
+              <a:rPr lang="de-DE" sz="1600" b="1" dirty="0" err="1">
+                <a:solidFill>
+                  <a:srgbClr val="660066"/>
+                </a:solidFill>
+                <a:latin typeface="Source Code Pro"/>
+                <a:cs typeface="Source Code Pro"/>
+              </a:rPr>
+              <a:t>int</a:t>
+            </a:r>
+            <a:r>
+              <a:rPr lang="de-DE" sz="1600" dirty="0">
+                <a:latin typeface="Source Code Pro"/>
+                <a:cs typeface="Source Code Pro"/>
+              </a:rPr>
+              <a:t> </a:t>
+            </a:r>
+            <a:r>
+              <a:rPr lang="de-DE" sz="1600" dirty="0" err="1">
+                <a:latin typeface="Source Code Pro"/>
+                <a:cs typeface="Source Code Pro"/>
+              </a:rPr>
+              <a:t>helpDoTheWork</a:t>
+            </a:r>
+            <a:r>
+              <a:rPr lang="de-DE" sz="1600" dirty="0">
+                <a:latin typeface="Source Code Pro"/>
+                <a:cs typeface="Source Code Pro"/>
+              </a:rPr>
+              <a:t>() { </a:t>
+            </a:r>
+            <a:r>
+              <a:rPr lang="de-DE" sz="1600" b="1" dirty="0" err="1">
+                <a:solidFill>
+                  <a:srgbClr val="660066"/>
+                </a:solidFill>
+                <a:latin typeface="Source Code Pro"/>
+                <a:cs typeface="Source Code Pro"/>
+              </a:rPr>
+              <a:t>this</a:t>
+            </a:r>
+            <a:r>
+              <a:rPr lang="de-DE" sz="1600" dirty="0" err="1">
+                <a:latin typeface="Source Code Pro"/>
+                <a:cs typeface="Source Code Pro"/>
+              </a:rPr>
+              <a:t>.</a:t>
+            </a:r>
+            <a:r>
+              <a:rPr lang="de-DE" sz="1600" dirty="0" err="1">
+                <a:solidFill>
+                  <a:srgbClr val="558ED5"/>
+                </a:solidFill>
+                <a:latin typeface="Source Code Pro"/>
+                <a:cs typeface="Source Code Pro"/>
+              </a:rPr>
+              <a:t>wasCalled</a:t>
+            </a:r>
+            <a:r>
+              <a:rPr lang="de-DE" sz="1600" dirty="0">
+                <a:latin typeface="Source Code Pro"/>
+                <a:cs typeface="Source Code Pro"/>
+              </a:rPr>
+              <a:t>++; </a:t>
+            </a:r>
+            <a:r>
+              <a:rPr lang="de-DE" sz="1600" b="1" dirty="0" err="1">
+                <a:solidFill>
+                  <a:srgbClr val="660066"/>
+                </a:solidFill>
+                <a:latin typeface="Source Code Pro"/>
+                <a:cs typeface="Source Code Pro"/>
+              </a:rPr>
+              <a:t>return</a:t>
+            </a:r>
+            <a:r>
+              <a:rPr lang="de-DE" sz="1600" dirty="0">
+                <a:latin typeface="Source Code Pro"/>
+                <a:cs typeface="Source Code Pro"/>
+              </a:rPr>
+              <a:t> 1; }</a:t>
+            </a:r>
+          </a:p>
+          <a:p>
+            <a:r>
+              <a:rPr lang="de-DE" sz="1600" dirty="0" smtClean="0">
+                <a:latin typeface="Source Code Pro"/>
+                <a:cs typeface="Source Code Pro"/>
+              </a:rPr>
+              <a:t>}</a:t>
+            </a:r>
+            <a:endParaRPr lang="de-DE" sz="1600" dirty="0">
+              <a:latin typeface="Source Code Pro"/>
+              <a:cs typeface="Source Code Pro"/>
+            </a:endParaRPr>
+          </a:p>
+          <a:p>
+            <a:endParaRPr lang="de-DE" sz="1600" dirty="0">
+              <a:latin typeface="Source Code Pro"/>
+              <a:cs typeface="Source Code Pro"/>
+            </a:endParaRPr>
+          </a:p>
+          <a:p>
+            <a:r>
+              <a:rPr lang="de-DE" sz="1600" dirty="0" smtClean="0">
+                <a:latin typeface="Source Code Pro"/>
+                <a:cs typeface="Source Code Pro"/>
+              </a:rPr>
+              <a:t>@</a:t>
+            </a:r>
+            <a:r>
+              <a:rPr lang="de-DE" sz="1600" dirty="0">
+                <a:latin typeface="Source Code Pro"/>
+                <a:cs typeface="Source Code Pro"/>
+              </a:rPr>
+              <a:t>Test</a:t>
+            </a:r>
+          </a:p>
+          <a:p>
+            <a:r>
+              <a:rPr lang="de-DE" sz="1600" b="1" dirty="0" err="1" smtClean="0">
+                <a:solidFill>
+                  <a:srgbClr val="660066"/>
+                </a:solidFill>
+                <a:latin typeface="Source Code Pro"/>
+                <a:cs typeface="Source Code Pro"/>
+              </a:rPr>
+              <a:t>public</a:t>
+            </a:r>
+            <a:r>
+              <a:rPr lang="de-DE" sz="1600" b="1" dirty="0" smtClean="0">
+                <a:solidFill>
+                  <a:srgbClr val="660066"/>
+                </a:solidFill>
+                <a:latin typeface="Source Code Pro"/>
+                <a:cs typeface="Source Code Pro"/>
+              </a:rPr>
+              <a:t> </a:t>
+            </a:r>
+            <a:r>
+              <a:rPr lang="de-DE" sz="1600" b="1" dirty="0" err="1">
+                <a:solidFill>
+                  <a:srgbClr val="660066"/>
+                </a:solidFill>
+                <a:latin typeface="Source Code Pro"/>
+                <a:cs typeface="Source Code Pro"/>
+              </a:rPr>
+              <a:t>void</a:t>
+            </a:r>
+            <a:r>
+              <a:rPr lang="de-DE" sz="1600" dirty="0">
+                <a:latin typeface="Source Code Pro"/>
+                <a:cs typeface="Source Code Pro"/>
+              </a:rPr>
+              <a:t> </a:t>
+            </a:r>
+            <a:r>
+              <a:rPr lang="de-DE" sz="1600" dirty="0" err="1">
+                <a:latin typeface="Source Code Pro"/>
+                <a:cs typeface="Source Code Pro"/>
+              </a:rPr>
+              <a:t>withManualSpy</a:t>
+            </a:r>
+            <a:r>
+              <a:rPr lang="de-DE" sz="1600" dirty="0">
+                <a:latin typeface="Source Code Pro"/>
+                <a:cs typeface="Source Code Pro"/>
+              </a:rPr>
+              <a:t>() {</a:t>
+            </a:r>
+          </a:p>
+          <a:p>
+            <a:r>
+              <a:rPr lang="de-DE" sz="1600" dirty="0" smtClean="0">
+                <a:latin typeface="Source Code Pro"/>
+                <a:cs typeface="Source Code Pro"/>
+              </a:rPr>
+              <a:t>   </a:t>
+            </a:r>
+            <a:r>
+              <a:rPr lang="de-DE" sz="1600" dirty="0" err="1" smtClean="0">
+                <a:latin typeface="Source Code Pro"/>
+                <a:cs typeface="Source Code Pro"/>
+              </a:rPr>
+              <a:t>Spy</a:t>
+            </a:r>
+            <a:r>
+              <a:rPr lang="de-DE" sz="1600" dirty="0" smtClean="0">
+                <a:latin typeface="Source Code Pro"/>
+                <a:cs typeface="Source Code Pro"/>
+              </a:rPr>
+              <a:t> </a:t>
+            </a:r>
+            <a:r>
+              <a:rPr lang="de-DE" sz="1600" dirty="0" err="1">
+                <a:solidFill>
+                  <a:srgbClr val="948A54"/>
+                </a:solidFill>
+                <a:latin typeface="Source Code Pro"/>
+                <a:cs typeface="Source Code Pro"/>
+              </a:rPr>
+              <a:t>spy</a:t>
+            </a:r>
+            <a:r>
+              <a:rPr lang="de-DE" sz="1600" dirty="0">
+                <a:latin typeface="Source Code Pro"/>
+                <a:cs typeface="Source Code Pro"/>
+              </a:rPr>
+              <a:t> = </a:t>
+            </a:r>
+            <a:r>
+              <a:rPr lang="de-DE" sz="1600" b="1" dirty="0" err="1">
+                <a:solidFill>
+                  <a:srgbClr val="660066"/>
+                </a:solidFill>
+                <a:latin typeface="Source Code Pro"/>
+                <a:cs typeface="Source Code Pro"/>
+              </a:rPr>
+              <a:t>new</a:t>
+            </a:r>
+            <a:r>
+              <a:rPr lang="de-DE" sz="1600" dirty="0">
+                <a:latin typeface="Source Code Pro"/>
+                <a:cs typeface="Source Code Pro"/>
+              </a:rPr>
+              <a:t> </a:t>
+            </a:r>
+            <a:r>
+              <a:rPr lang="de-DE" sz="1600" dirty="0" err="1">
+                <a:latin typeface="Source Code Pro"/>
+                <a:cs typeface="Source Code Pro"/>
+              </a:rPr>
+              <a:t>Spy</a:t>
+            </a:r>
+            <a:r>
+              <a:rPr lang="de-DE" sz="1600" dirty="0">
+                <a:latin typeface="Source Code Pro"/>
+                <a:cs typeface="Source Code Pro"/>
+              </a:rPr>
+              <a:t>();</a:t>
+            </a:r>
+          </a:p>
+          <a:p>
+            <a:r>
+              <a:rPr lang="de-DE" sz="1600" dirty="0" smtClean="0">
+                <a:latin typeface="Source Code Pro"/>
+                <a:cs typeface="Source Code Pro"/>
+              </a:rPr>
+              <a:t>   </a:t>
+            </a:r>
+            <a:r>
+              <a:rPr lang="de-DE" sz="1600" b="1" dirty="0" err="1" smtClean="0">
+                <a:solidFill>
+                  <a:srgbClr val="660066"/>
+                </a:solidFill>
+                <a:latin typeface="Source Code Pro"/>
+                <a:cs typeface="Source Code Pro"/>
+              </a:rPr>
+              <a:t>new</a:t>
+            </a:r>
+            <a:r>
+              <a:rPr lang="de-DE" sz="1600" dirty="0" smtClean="0">
+                <a:latin typeface="Source Code Pro"/>
+                <a:cs typeface="Source Code Pro"/>
+              </a:rPr>
+              <a:t> </a:t>
+            </a:r>
+            <a:r>
+              <a:rPr lang="de-DE" sz="1600" dirty="0" err="1">
+                <a:latin typeface="Source Code Pro"/>
+                <a:cs typeface="Source Code Pro"/>
+              </a:rPr>
+              <a:t>KlassA</a:t>
+            </a:r>
+            <a:r>
+              <a:rPr lang="de-DE" sz="1600" dirty="0">
+                <a:latin typeface="Source Code Pro"/>
+                <a:cs typeface="Source Code Pro"/>
+              </a:rPr>
+              <a:t>(</a:t>
+            </a:r>
+            <a:r>
+              <a:rPr lang="de-DE" sz="1600" dirty="0" err="1">
+                <a:solidFill>
+                  <a:srgbClr val="948A54"/>
+                </a:solidFill>
+                <a:latin typeface="Source Code Pro"/>
+                <a:cs typeface="Source Code Pro"/>
+              </a:rPr>
+              <a:t>spy</a:t>
+            </a:r>
+            <a:r>
+              <a:rPr lang="de-DE" sz="1600" dirty="0">
+                <a:latin typeface="Source Code Pro"/>
+                <a:cs typeface="Source Code Pro"/>
+              </a:rPr>
+              <a:t>).</a:t>
+            </a:r>
+            <a:r>
+              <a:rPr lang="de-DE" sz="1600" dirty="0" err="1">
+                <a:latin typeface="Source Code Pro"/>
+                <a:cs typeface="Source Code Pro"/>
+              </a:rPr>
+              <a:t>anInterestingMethod</a:t>
+            </a:r>
+            <a:r>
+              <a:rPr lang="de-DE" sz="1600" dirty="0">
+                <a:latin typeface="Source Code Pro"/>
+                <a:cs typeface="Source Code Pro"/>
+              </a:rPr>
+              <a:t>();</a:t>
+            </a:r>
+          </a:p>
+          <a:p>
+            <a:r>
+              <a:rPr lang="de-DE" sz="1600" dirty="0" smtClean="0">
+                <a:latin typeface="Source Code Pro"/>
+                <a:cs typeface="Source Code Pro"/>
+              </a:rPr>
+              <a:t>   </a:t>
+            </a:r>
+            <a:r>
+              <a:rPr lang="de-DE" sz="1600" dirty="0" err="1" smtClean="0">
+                <a:latin typeface="Source Code Pro"/>
+                <a:cs typeface="Source Code Pro"/>
+              </a:rPr>
+              <a:t>assertThat</a:t>
+            </a:r>
+            <a:r>
+              <a:rPr lang="de-DE" sz="1600" dirty="0">
+                <a:latin typeface="Source Code Pro"/>
+                <a:cs typeface="Source Code Pro"/>
+              </a:rPr>
+              <a:t>(</a:t>
+            </a:r>
+            <a:r>
+              <a:rPr lang="de-DE" sz="1600" dirty="0" err="1">
+                <a:solidFill>
+                  <a:srgbClr val="948A54"/>
+                </a:solidFill>
+                <a:latin typeface="Source Code Pro"/>
+                <a:cs typeface="Source Code Pro"/>
+              </a:rPr>
+              <a:t>spy</a:t>
+            </a:r>
+            <a:r>
+              <a:rPr lang="de-DE" sz="1600" dirty="0" err="1">
+                <a:latin typeface="Source Code Pro"/>
+                <a:cs typeface="Source Code Pro"/>
+              </a:rPr>
+              <a:t>.</a:t>
+            </a:r>
+            <a:r>
+              <a:rPr lang="de-DE" sz="1600" dirty="0" err="1">
+                <a:solidFill>
+                  <a:srgbClr val="558ED5"/>
+                </a:solidFill>
+                <a:latin typeface="Source Code Pro"/>
+                <a:cs typeface="Source Code Pro"/>
+              </a:rPr>
+              <a:t>wasCalled</a:t>
+            </a:r>
+            <a:r>
+              <a:rPr lang="de-DE" sz="1600" dirty="0">
+                <a:latin typeface="Source Code Pro"/>
+                <a:cs typeface="Source Code Pro"/>
+              </a:rPr>
+              <a:t>, </a:t>
+            </a:r>
+            <a:r>
+              <a:rPr lang="de-DE" sz="1600" dirty="0" err="1">
+                <a:latin typeface="Source Code Pro"/>
+                <a:cs typeface="Source Code Pro"/>
+              </a:rPr>
+              <a:t>is</a:t>
+            </a:r>
+            <a:r>
+              <a:rPr lang="de-DE" sz="1600" dirty="0">
+                <a:latin typeface="Source Code Pro"/>
+                <a:cs typeface="Source Code Pro"/>
+              </a:rPr>
+              <a:t>(1));</a:t>
+            </a:r>
+          </a:p>
+          <a:p>
+            <a:r>
+              <a:rPr lang="de-DE" sz="1600" dirty="0" smtClean="0">
+                <a:latin typeface="Source Code Pro"/>
+                <a:cs typeface="Source Code Pro"/>
+              </a:rPr>
+              <a:t>}</a:t>
+            </a:r>
+            <a:endParaRPr lang="de-DE" sz="1600" dirty="0">
+              <a:latin typeface="Source Code Pro"/>
+              <a:cs typeface="Source Code Pro"/>
+            </a:endParaRPr>
+          </a:p>
+          <a:p>
+            <a:endParaRPr lang="de-DE" sz="1600" dirty="0">
+              <a:latin typeface="Source Code Pro"/>
+              <a:cs typeface="Source Code Pro"/>
+            </a:endParaRPr>
+          </a:p>
+        </p:txBody>
+      </p:sp>
+    </p:spTree>
+    <p:extLst>
+      <p:ext uri="{BB962C8B-B14F-4D97-AF65-F5344CB8AC3E}">
+        <p14:creationId xmlns:p14="http://schemas.microsoft.com/office/powerpoint/2010/main" val="1162914699"/>
+      </p:ext>
+    </p:extLst>
+  </p:cSld>
+  <p:clrMapOvr>
+    <a:masterClrMapping/>
+  </p:clrMapOvr>
+  <p:timing>
+    <p:tnLst>
+      <p:par>
+        <p:cTn xmlns:p14="http://schemas.microsoft.com/office/powerpoint/2010/main" id="1" dur="indefinite" restart="never" nodeType="tmRoot"/>
+      </p:par>
+    </p:tnLst>
+  </p:timing>
+</p:sld>
+</file>
+
+<file path=ppt/slides/slide2.xml><?xml version="1.0" encoding="utf-8"?>
+<p:sld xmlns:a="http://schemas.openxmlformats.org/drawingml/2006/main" xmlns:r="http://schemas.openxmlformats.org/officeDocument/2006/relationships" xmlns:p="http://schemas.openxmlformats.org/presentationml/2006/main">
+  <p:cSld>
+    <p:spTree>
+      <p:nvGrpSpPr>
+        <p:cNvPr id="1" name=""/>
+        <p:cNvGrpSpPr/>
+        <p:nvPr/>
+      </p:nvGrpSpPr>
+      <p:grpSpPr>
+        <a:xfrm>
+          <a:off x="0" y="0"/>
+          <a:ext cx="0" cy="0"/>
+          <a:chOff x="0" y="0"/>
+          <a:chExt cx="0" cy="0"/>
+        </a:xfrm>
+      </p:grpSpPr>
+      <p:pic>
+        <p:nvPicPr>
+          <p:cNvPr id="5" name="Picture 2" descr="C:\Users\Robin\Documents\GitHub\chado presentation\teapot-516024_1280.jpg"/>
+          <p:cNvPicPr>
+            <a:picLocks noChangeAspect="1" noChangeArrowheads="1"/>
+          </p:cNvPicPr>
+          <p:nvPr/>
+        </p:nvPicPr>
+        <p:blipFill>
+          <a:blip r:embed="rId2" cstate="print"/>
+          <a:srcRect/>
+          <a:stretch>
+            <a:fillRect/>
+          </a:stretch>
+        </p:blipFill>
+        <p:spPr bwMode="auto">
+          <a:xfrm>
+            <a:off x="1" y="-380578"/>
+            <a:ext cx="9144000" cy="6094230"/>
+          </a:xfrm>
+          <a:prstGeom prst="rect">
+            <a:avLst/>
+          </a:prstGeom>
+          <a:noFill/>
+        </p:spPr>
+      </p:pic>
+      <p:sp>
+        <p:nvSpPr>
+          <p:cNvPr id="6" name="Rechteck 5"/>
+          <p:cNvSpPr/>
+          <p:nvPr/>
+        </p:nvSpPr>
+        <p:spPr>
+          <a:xfrm>
+            <a:off x="0" y="-380578"/>
+            <a:ext cx="9144000" cy="5832648"/>
+          </a:xfrm>
+          <a:prstGeom prst="rect">
+            <a:avLst/>
+          </a:prstGeom>
+          <a:solidFill>
+            <a:srgbClr val="FFFFFF">
+              <a:alpha val="59000"/>
+            </a:srgbClr>
+          </a:solidFill>
+          <a:ln>
+            <a:noFill/>
+          </a:ln>
+        </p:spPr>
+        <p:style>
+          <a:lnRef idx="2">
+            <a:schemeClr val="accent1">
+              <a:shade val="50000"/>
+            </a:schemeClr>
+          </a:lnRef>
+          <a:fillRef idx="1">
+            <a:schemeClr val="accent1"/>
+          </a:fillRef>
+          <a:effectRef idx="0">
+            <a:schemeClr val="accent1"/>
+          </a:effectRef>
+          <a:fontRef idx="minor">
+            <a:schemeClr val="lt1"/>
+          </a:fontRef>
+        </p:style>
+        <p:txBody>
+          <a:bodyPr rtlCol="0" anchor="ctr"/>
+          <a:lstStyle/>
+          <a:p>
+            <a:pPr algn="ctr"/>
+            <a:endParaRPr lang="de-DE"/>
+          </a:p>
+        </p:txBody>
+      </p:sp>
+      <p:sp>
+        <p:nvSpPr>
+          <p:cNvPr id="2" name="Titel 1"/>
+          <p:cNvSpPr>
+            <a:spLocks noGrp="1"/>
+          </p:cNvSpPr>
+          <p:nvPr>
+            <p:ph type="title"/>
+          </p:nvPr>
+        </p:nvSpPr>
+        <p:spPr/>
+        <p:txBody>
+          <a:bodyPr/>
+          <a:lstStyle/>
+          <a:p>
+            <a:r>
+              <a:rPr lang="de-DE" dirty="0" err="1" smtClean="0"/>
+              <a:t>agenda</a:t>
+            </a:r>
+            <a:endParaRPr lang="de-DE" dirty="0"/>
+          </a:p>
+        </p:txBody>
+      </p:sp>
+      <p:sp>
+        <p:nvSpPr>
+          <p:cNvPr id="3" name="Inhaltsplatzhalter 2"/>
+          <p:cNvSpPr>
+            <a:spLocks noGrp="1"/>
+          </p:cNvSpPr>
+          <p:nvPr>
+            <p:ph idx="1"/>
+          </p:nvPr>
+        </p:nvSpPr>
+        <p:spPr/>
+        <p:txBody>
+          <a:bodyPr>
+            <a:normAutofit lnSpcReduction="10000"/>
+          </a:bodyPr>
+          <a:lstStyle/>
+          <a:p>
+            <a:r>
+              <a:rPr lang="de-DE" dirty="0" smtClean="0"/>
+              <a:t>Motivation</a:t>
+            </a:r>
+          </a:p>
+          <a:p>
+            <a:r>
+              <a:rPr lang="de-DE" dirty="0" err="1" smtClean="0"/>
+              <a:t>Idiosyncrasies</a:t>
+            </a:r>
+            <a:r>
+              <a:rPr lang="de-DE" dirty="0" smtClean="0"/>
+              <a:t> </a:t>
+            </a:r>
+            <a:r>
+              <a:rPr lang="de-DE" dirty="0" err="1" smtClean="0"/>
+              <a:t>of</a:t>
+            </a:r>
+            <a:r>
+              <a:rPr lang="de-DE" dirty="0" smtClean="0"/>
+              <a:t> </a:t>
+            </a:r>
+            <a:r>
+              <a:rPr lang="de-DE" dirty="0" err="1" smtClean="0"/>
+              <a:t>Javascript</a:t>
+            </a:r>
+            <a:endParaRPr lang="de-DE" dirty="0" smtClean="0"/>
+          </a:p>
+          <a:p>
+            <a:r>
+              <a:rPr lang="de-DE" dirty="0" smtClean="0"/>
+              <a:t>Test Doubles</a:t>
+            </a:r>
+          </a:p>
+          <a:p>
+            <a:r>
+              <a:rPr lang="de-DE" dirty="0" err="1" smtClean="0"/>
+              <a:t>Assume</a:t>
+            </a:r>
+            <a:r>
+              <a:rPr lang="de-DE" dirty="0" smtClean="0"/>
+              <a:t>-</a:t>
+            </a:r>
+            <a:r>
+              <a:rPr lang="de-DE" dirty="0" err="1" smtClean="0"/>
+              <a:t>Verify</a:t>
+            </a:r>
+            <a:r>
+              <a:rPr lang="de-DE" dirty="0" smtClean="0"/>
+              <a:t>-Approach</a:t>
+            </a:r>
+          </a:p>
+          <a:p>
+            <a:r>
+              <a:rPr lang="de-DE" dirty="0" err="1" smtClean="0"/>
+              <a:t>Chadojs</a:t>
+            </a:r>
+            <a:endParaRPr lang="de-DE" dirty="0" smtClean="0"/>
+          </a:p>
+          <a:p>
+            <a:r>
+              <a:rPr lang="de-DE" dirty="0" err="1" smtClean="0"/>
+              <a:t>Discussion</a:t>
+            </a:r>
+            <a:endParaRPr lang="de-DE" dirty="0" smtClean="0"/>
+          </a:p>
+          <a:p>
+            <a:endParaRPr lang="de-DE" dirty="0"/>
+          </a:p>
+        </p:txBody>
+      </p:sp>
+    </p:spTree>
+  </p:cSld>
+  <p:clrMapOvr>
+    <a:masterClrMapping/>
+  </p:clrMapOvr>
+  <p:timing>
+    <p:tnLst>
+      <p:par>
+        <p:cTn xmlns:p14="http://schemas.microsoft.com/office/powerpoint/2010/main" id="1" dur="indefinite" restart="never" nodeType="tmRoot"/>
+      </p:par>
+    </p:tnLst>
+  </p:timing>
+</p:sld>
+</file>
+
+<file path=ppt/slides/slide20.xml><?xml version="1.0" encoding="utf-8"?>
+<p:sld xmlns:a="http://schemas.openxmlformats.org/drawingml/2006/main" xmlns:r="http://schemas.openxmlformats.org/officeDocument/2006/relationships" xmlns:p="http://schemas.openxmlformats.org/presentationml/2006/main">
+  <p:cSld>
+    <p:spTree>
+      <p:nvGrpSpPr>
+        <p:cNvPr id="1" name=""/>
+        <p:cNvGrpSpPr/>
+        <p:nvPr/>
+      </p:nvGrpSpPr>
+      <p:grpSpPr>
+        <a:xfrm>
+          <a:off x="0" y="0"/>
+          <a:ext cx="0" cy="0"/>
+          <a:chOff x="0" y="0"/>
+          <a:chExt cx="0" cy="0"/>
+        </a:xfrm>
+      </p:grpSpPr>
+      <p:sp>
+        <p:nvSpPr>
+          <p:cNvPr id="5" name="Rechteck 4"/>
+          <p:cNvSpPr/>
+          <p:nvPr/>
+        </p:nvSpPr>
+        <p:spPr>
+          <a:xfrm>
+            <a:off x="0" y="0"/>
+            <a:ext cx="9144000" cy="5143500"/>
+          </a:xfrm>
+          <a:prstGeom prst="rect">
+            <a:avLst/>
+          </a:prstGeom>
+          <a:solidFill>
+            <a:schemeClr val="bg1">
+              <a:alpha val="74000"/>
+            </a:schemeClr>
+          </a:solidFill>
+        </p:spPr>
+        <p:style>
+          <a:lnRef idx="2">
+            <a:schemeClr val="accent1">
+              <a:shade val="50000"/>
+            </a:schemeClr>
+          </a:lnRef>
+          <a:fillRef idx="1">
+            <a:schemeClr val="accent1"/>
+          </a:fillRef>
+          <a:effectRef idx="0">
+            <a:schemeClr val="accent1"/>
+          </a:effectRef>
+          <a:fontRef idx="minor">
+            <a:schemeClr val="lt1"/>
+          </a:fontRef>
+        </p:style>
+        <p:txBody>
+          <a:bodyPr rtlCol="0" anchor="ctr"/>
+          <a:lstStyle/>
+          <a:p>
+            <a:pPr algn="ctr"/>
+            <a:endParaRPr lang="de-DE" dirty="0"/>
+          </a:p>
+        </p:txBody>
+      </p:sp>
+      <p:sp>
+        <p:nvSpPr>
+          <p:cNvPr id="2" name="Titel 1"/>
+          <p:cNvSpPr>
+            <a:spLocks noGrp="1"/>
+          </p:cNvSpPr>
+          <p:nvPr>
+            <p:ph type="title"/>
+          </p:nvPr>
+        </p:nvSpPr>
+        <p:spPr/>
+        <p:txBody>
+          <a:bodyPr>
+            <a:normAutofit/>
+          </a:bodyPr>
+          <a:lstStyle/>
+          <a:p>
+            <a:r>
+              <a:rPr lang="de-DE" dirty="0" smtClean="0"/>
+              <a:t> </a:t>
+            </a:r>
+            <a:r>
+              <a:rPr lang="de-DE" dirty="0" smtClean="0"/>
+              <a:t>Mock</a:t>
+            </a:r>
+            <a:endParaRPr lang="de-DE" dirty="0"/>
+          </a:p>
+        </p:txBody>
+      </p:sp>
+      <p:sp>
+        <p:nvSpPr>
+          <p:cNvPr id="7" name="Textfeld 6"/>
+          <p:cNvSpPr txBox="1"/>
+          <p:nvPr/>
+        </p:nvSpPr>
+        <p:spPr>
+          <a:xfrm>
+            <a:off x="395536" y="1419622"/>
+            <a:ext cx="8352928" cy="2062103"/>
+          </a:xfrm>
+          <a:prstGeom prst="rect">
+            <a:avLst/>
+          </a:prstGeom>
+          <a:noFill/>
+        </p:spPr>
+        <p:txBody>
+          <a:bodyPr wrap="square" rtlCol="0">
+            <a:spAutoFit/>
+          </a:bodyPr>
+          <a:lstStyle/>
+          <a:p>
+            <a:r>
+              <a:rPr lang="de-DE" sz="1600" dirty="0" smtClean="0">
+                <a:latin typeface="Source Code Pro"/>
+                <a:cs typeface="Source Code Pro"/>
+              </a:rPr>
+              <a:t>@</a:t>
+            </a:r>
+            <a:r>
+              <a:rPr lang="de-DE" sz="1600" dirty="0">
+                <a:latin typeface="Source Code Pro"/>
+                <a:cs typeface="Source Code Pro"/>
+              </a:rPr>
+              <a:t>Test</a:t>
+            </a:r>
+          </a:p>
+          <a:p>
+            <a:r>
+              <a:rPr lang="de-DE" sz="1600" b="1" dirty="0" err="1" smtClean="0">
+                <a:solidFill>
+                  <a:srgbClr val="660066"/>
+                </a:solidFill>
+                <a:latin typeface="Source Code Pro"/>
+                <a:cs typeface="Source Code Pro"/>
+              </a:rPr>
+              <a:t>public</a:t>
+            </a:r>
+            <a:r>
+              <a:rPr lang="de-DE" sz="1600" b="1" dirty="0" smtClean="0">
+                <a:solidFill>
+                  <a:srgbClr val="660066"/>
+                </a:solidFill>
+                <a:latin typeface="Source Code Pro"/>
+                <a:cs typeface="Source Code Pro"/>
+              </a:rPr>
+              <a:t> </a:t>
+            </a:r>
+            <a:r>
+              <a:rPr lang="de-DE" sz="1600" b="1" dirty="0" err="1">
+                <a:solidFill>
+                  <a:srgbClr val="660066"/>
+                </a:solidFill>
+                <a:latin typeface="Source Code Pro"/>
+                <a:cs typeface="Source Code Pro"/>
+              </a:rPr>
+              <a:t>void</a:t>
+            </a:r>
+            <a:r>
+              <a:rPr lang="de-DE" sz="1600" b="1" dirty="0">
+                <a:solidFill>
+                  <a:srgbClr val="660066"/>
+                </a:solidFill>
+                <a:latin typeface="Source Code Pro"/>
+                <a:cs typeface="Source Code Pro"/>
+              </a:rPr>
+              <a:t> </a:t>
+            </a:r>
+            <a:r>
+              <a:rPr lang="de-DE" sz="1600" dirty="0" err="1" smtClean="0">
+                <a:latin typeface="Source Code Pro"/>
+                <a:cs typeface="Source Code Pro"/>
+              </a:rPr>
+              <a:t>withMockitoMock</a:t>
+            </a:r>
+            <a:r>
+              <a:rPr lang="de-DE" sz="1600" dirty="0" smtClean="0">
+                <a:latin typeface="Source Code Pro"/>
+                <a:cs typeface="Source Code Pro"/>
+              </a:rPr>
+              <a:t>(</a:t>
+            </a:r>
+            <a:r>
+              <a:rPr lang="de-DE" sz="1600" dirty="0">
+                <a:latin typeface="Source Code Pro"/>
+                <a:cs typeface="Source Code Pro"/>
+              </a:rPr>
+              <a:t>) {</a:t>
+            </a:r>
+          </a:p>
+          <a:p>
+            <a:r>
+              <a:rPr lang="de-DE" sz="1600" dirty="0" smtClean="0">
+                <a:latin typeface="Source Code Pro"/>
+                <a:cs typeface="Source Code Pro"/>
+              </a:rPr>
+              <a:t>   </a:t>
+            </a:r>
+            <a:r>
+              <a:rPr lang="de-DE" sz="1600" dirty="0" err="1" smtClean="0">
+                <a:latin typeface="Source Code Pro"/>
+                <a:cs typeface="Source Code Pro"/>
+              </a:rPr>
+              <a:t>KlassB</a:t>
+            </a:r>
+            <a:r>
+              <a:rPr lang="de-DE" sz="1600" dirty="0" smtClean="0">
+                <a:latin typeface="Source Code Pro"/>
+                <a:cs typeface="Source Code Pro"/>
+              </a:rPr>
+              <a:t> </a:t>
+            </a:r>
+            <a:r>
+              <a:rPr lang="de-DE" sz="1600" dirty="0" err="1" smtClean="0">
+                <a:solidFill>
+                  <a:srgbClr val="948A54"/>
+                </a:solidFill>
+                <a:latin typeface="Source Code Pro"/>
+                <a:cs typeface="Source Code Pro"/>
+              </a:rPr>
+              <a:t>mock</a:t>
+            </a:r>
+            <a:r>
+              <a:rPr lang="de-DE" sz="1600" dirty="0" smtClean="0">
+                <a:latin typeface="Source Code Pro"/>
+                <a:cs typeface="Source Code Pro"/>
+              </a:rPr>
+              <a:t> </a:t>
+            </a:r>
+            <a:r>
+              <a:rPr lang="de-DE" sz="1600" dirty="0">
+                <a:latin typeface="Source Code Pro"/>
+                <a:cs typeface="Source Code Pro"/>
+              </a:rPr>
+              <a:t>= </a:t>
+            </a:r>
+            <a:r>
+              <a:rPr lang="de-DE" sz="1600" dirty="0" err="1">
+                <a:latin typeface="Source Code Pro"/>
+                <a:cs typeface="Source Code Pro"/>
+              </a:rPr>
+              <a:t>Mockito.</a:t>
+            </a:r>
+            <a:r>
+              <a:rPr lang="de-DE" sz="1600" i="1" dirty="0" err="1">
+                <a:latin typeface="Source Code Pro"/>
+                <a:cs typeface="Source Code Pro"/>
+              </a:rPr>
+              <a:t>mock</a:t>
+            </a:r>
+            <a:r>
+              <a:rPr lang="de-DE" sz="1600" dirty="0">
+                <a:latin typeface="Source Code Pro"/>
+                <a:cs typeface="Source Code Pro"/>
+              </a:rPr>
+              <a:t>(</a:t>
+            </a:r>
+            <a:r>
+              <a:rPr lang="de-DE" sz="1600" dirty="0" err="1">
+                <a:latin typeface="Source Code Pro"/>
+                <a:cs typeface="Source Code Pro"/>
+              </a:rPr>
+              <a:t>KlassB.</a:t>
+            </a:r>
+            <a:r>
+              <a:rPr lang="de-DE" sz="1600" b="1" dirty="0" err="1">
+                <a:solidFill>
+                  <a:srgbClr val="660066"/>
+                </a:solidFill>
+                <a:latin typeface="Source Code Pro"/>
+                <a:cs typeface="Source Code Pro"/>
+              </a:rPr>
+              <a:t>class</a:t>
+            </a:r>
+            <a:r>
+              <a:rPr lang="de-DE" sz="1600" dirty="0">
+                <a:latin typeface="Source Code Pro"/>
+                <a:cs typeface="Source Code Pro"/>
+              </a:rPr>
+              <a:t>)</a:t>
+            </a:r>
+            <a:r>
+              <a:rPr lang="de-DE" sz="1600" dirty="0" smtClean="0">
+                <a:latin typeface="Source Code Pro"/>
+                <a:cs typeface="Source Code Pro"/>
+              </a:rPr>
+              <a:t>;</a:t>
+            </a:r>
+          </a:p>
+          <a:p>
+            <a:r>
+              <a:rPr lang="de-DE" sz="1600" dirty="0">
+                <a:latin typeface="Source Code Pro"/>
+                <a:cs typeface="Source Code Pro"/>
+              </a:rPr>
+              <a:t> </a:t>
+            </a:r>
+            <a:r>
+              <a:rPr lang="de-DE" sz="1600" dirty="0" smtClean="0">
+                <a:latin typeface="Source Code Pro"/>
+                <a:cs typeface="Source Code Pro"/>
+              </a:rPr>
+              <a:t>  </a:t>
+            </a:r>
+            <a:r>
+              <a:rPr lang="de-DE" sz="1600" b="1" dirty="0" err="1">
+                <a:solidFill>
+                  <a:srgbClr val="660066"/>
+                </a:solidFill>
+                <a:latin typeface="Source Code Pro"/>
+                <a:cs typeface="Source Code Pro"/>
+              </a:rPr>
+              <a:t>new</a:t>
+            </a:r>
+            <a:r>
+              <a:rPr lang="de-DE" sz="1600" dirty="0">
+                <a:latin typeface="Source Code Pro"/>
+                <a:cs typeface="Source Code Pro"/>
+              </a:rPr>
+              <a:t> </a:t>
+            </a:r>
+            <a:r>
+              <a:rPr lang="de-DE" sz="1600" dirty="0" err="1">
+                <a:latin typeface="Source Code Pro"/>
+                <a:cs typeface="Source Code Pro"/>
+              </a:rPr>
+              <a:t>KlassA</a:t>
+            </a:r>
+            <a:r>
+              <a:rPr lang="de-DE" sz="1600" dirty="0" smtClean="0">
+                <a:latin typeface="Source Code Pro"/>
+                <a:cs typeface="Source Code Pro"/>
+              </a:rPr>
+              <a:t>(</a:t>
+            </a:r>
+            <a:r>
+              <a:rPr lang="de-DE" sz="1600" dirty="0" err="1" smtClean="0">
+                <a:solidFill>
+                  <a:srgbClr val="948A54"/>
+                </a:solidFill>
+                <a:latin typeface="Source Code Pro"/>
+                <a:cs typeface="Source Code Pro"/>
+              </a:rPr>
+              <a:t>mock</a:t>
+            </a:r>
+            <a:r>
+              <a:rPr lang="de-DE" sz="1600" dirty="0" smtClean="0">
+                <a:latin typeface="Source Code Pro"/>
+                <a:cs typeface="Source Code Pro"/>
+              </a:rPr>
+              <a:t>).</a:t>
+            </a:r>
+            <a:r>
+              <a:rPr lang="de-DE" sz="1600" dirty="0" err="1">
+                <a:latin typeface="Source Code Pro"/>
+                <a:cs typeface="Source Code Pro"/>
+              </a:rPr>
+              <a:t>anInterestingMethod</a:t>
+            </a:r>
+            <a:r>
+              <a:rPr lang="de-DE" sz="1600" dirty="0">
+                <a:latin typeface="Source Code Pro"/>
+                <a:cs typeface="Source Code Pro"/>
+              </a:rPr>
+              <a:t>(</a:t>
+            </a:r>
+            <a:r>
+              <a:rPr lang="de-DE" sz="1600" dirty="0" smtClean="0">
+                <a:latin typeface="Source Code Pro"/>
+                <a:cs typeface="Source Code Pro"/>
+              </a:rPr>
+              <a:t>);</a:t>
+            </a:r>
+          </a:p>
+          <a:p>
+            <a:r>
+              <a:rPr lang="de-DE" sz="1600" dirty="0">
+                <a:latin typeface="Source Code Pro"/>
+                <a:cs typeface="Source Code Pro"/>
+              </a:rPr>
+              <a:t> </a:t>
+            </a:r>
+            <a:r>
+              <a:rPr lang="de-DE" sz="1600" dirty="0" smtClean="0">
+                <a:latin typeface="Source Code Pro"/>
+                <a:cs typeface="Source Code Pro"/>
+              </a:rPr>
+              <a:t>  </a:t>
+            </a:r>
+            <a:r>
+              <a:rPr lang="de-DE" sz="1600" dirty="0" err="1" smtClean="0">
+                <a:latin typeface="Source Code Pro"/>
+                <a:cs typeface="Source Code Pro"/>
+              </a:rPr>
+              <a:t>Mockito.</a:t>
+            </a:r>
+            <a:r>
+              <a:rPr lang="de-DE" sz="1600" i="1" dirty="0" err="1" smtClean="0">
+                <a:latin typeface="Source Code Pro"/>
+                <a:cs typeface="Source Code Pro"/>
+              </a:rPr>
+              <a:t>verify</a:t>
+            </a:r>
+            <a:r>
+              <a:rPr lang="de-DE" sz="1600" dirty="0" smtClean="0">
+                <a:latin typeface="Source Code Pro"/>
+                <a:cs typeface="Source Code Pro"/>
+              </a:rPr>
+              <a:t>(</a:t>
+            </a:r>
+            <a:r>
+              <a:rPr lang="de-DE" sz="1600" dirty="0" err="1" smtClean="0">
+                <a:solidFill>
+                  <a:srgbClr val="948A54"/>
+                </a:solidFill>
+                <a:latin typeface="Source Code Pro"/>
+                <a:cs typeface="Source Code Pro"/>
+              </a:rPr>
+              <a:t>mock</a:t>
+            </a:r>
+            <a:r>
+              <a:rPr lang="de-DE" sz="1600" dirty="0" smtClean="0">
+                <a:latin typeface="Source Code Pro"/>
+                <a:cs typeface="Source Code Pro"/>
+              </a:rPr>
+              <a:t>).</a:t>
+            </a:r>
+            <a:r>
+              <a:rPr lang="de-DE" sz="1600" dirty="0" err="1" smtClean="0">
+                <a:latin typeface="Source Code Pro"/>
+                <a:cs typeface="Source Code Pro"/>
+              </a:rPr>
+              <a:t>helpDoTheWork</a:t>
+            </a:r>
+            <a:r>
+              <a:rPr lang="de-DE" sz="1600" dirty="0" smtClean="0">
+                <a:latin typeface="Source Code Pro"/>
+                <a:cs typeface="Source Code Pro"/>
+              </a:rPr>
+              <a:t>();</a:t>
+            </a:r>
+            <a:endParaRPr lang="de-DE" sz="1600" dirty="0">
+              <a:latin typeface="Source Code Pro"/>
+              <a:cs typeface="Source Code Pro"/>
+            </a:endParaRPr>
+          </a:p>
+          <a:p>
+            <a:r>
+              <a:rPr lang="de-DE" sz="1600" dirty="0" smtClean="0">
+                <a:latin typeface="Source Code Pro"/>
+                <a:cs typeface="Source Code Pro"/>
+              </a:rPr>
+              <a:t>}</a:t>
+            </a:r>
+            <a:endParaRPr lang="de-DE" sz="1600" dirty="0">
+              <a:latin typeface="Source Code Pro"/>
+              <a:cs typeface="Source Code Pro"/>
+            </a:endParaRPr>
+          </a:p>
+          <a:p>
+            <a:endParaRPr lang="de-DE" sz="1600" dirty="0">
+              <a:latin typeface="Source Code Pro"/>
+              <a:cs typeface="Source Code Pro"/>
+            </a:endParaRPr>
+          </a:p>
+          <a:p>
+            <a:endParaRPr lang="de-DE" sz="1600" dirty="0">
+              <a:latin typeface="Source Code Pro"/>
+              <a:cs typeface="Source Code Pro"/>
+            </a:endParaRPr>
+          </a:p>
+        </p:txBody>
+      </p:sp>
+    </p:spTree>
+    <p:extLst>
+      <p:ext uri="{BB962C8B-B14F-4D97-AF65-F5344CB8AC3E}">
+        <p14:creationId xmlns:p14="http://schemas.microsoft.com/office/powerpoint/2010/main" val="2016165428"/>
+      </p:ext>
+    </p:extLst>
+  </p:cSld>
+  <p:clrMapOvr>
+    <a:masterClrMapping/>
+  </p:clrMapOvr>
+  <p:timing>
+    <p:tnLst>
+      <p:par>
+        <p:cTn xmlns:p14="http://schemas.microsoft.com/office/powerpoint/2010/main" id="1" dur="indefinite" restart="never" nodeType="tmRoot"/>
+      </p:par>
+    </p:tnLst>
+  </p:timing>
+</p:sld>
+</file>
+
+<file path=ppt/slides/slide21.xml><?xml version="1.0" encoding="utf-8"?>
 <p:sld xmlns:a="http://schemas.openxmlformats.org/drawingml/2006/main" xmlns:r="http://schemas.openxmlformats.org/officeDocument/2006/relationships" xmlns:p="http://schemas.openxmlformats.org/presentationml/2006/main">
   <p:cSld>
     <p:spTree>
@@ -6264,7 +9622,7 @@
   <p:timing>
     <p:tnLst>
       <p:par>
-        <p:cTn id="1" dur="indefinite" restart="never" nodeType="tmRoot">
+        <p:cTn xmlns:p14="http://schemas.microsoft.com/office/powerpoint/2010/main" id="1" dur="indefinite" restart="never" nodeType="tmRoot">
           <p:childTnLst>
             <p:seq concurrent="1" nextAc="seek">
               <p:cTn id="2" dur="indefinite" nodeType="mainSeq">
@@ -6474,7 +9832,7 @@
 </p:sld>
 </file>
 
-<file path=ppt/slides/slide14.xml><?xml version="1.0" encoding="utf-8"?>
+<file path=ppt/slides/slide22.xml><?xml version="1.0" encoding="utf-8"?>
 <p:sld xmlns:a="http://schemas.openxmlformats.org/drawingml/2006/main" xmlns:r="http://schemas.openxmlformats.org/officeDocument/2006/relationships" xmlns:p="http://schemas.openxmlformats.org/presentationml/2006/main">
   <p:cSld>
     <p:spTree>
@@ -8910,7 +12268,7 @@
   <p:timing>
     <p:tnLst>
       <p:par>
-        <p:cTn id="1" dur="indefinite" restart="never" nodeType="tmRoot">
+        <p:cTn xmlns:p14="http://schemas.microsoft.com/office/powerpoint/2010/main" id="1" dur="indefinite" restart="never" nodeType="tmRoot">
           <p:childTnLst>
             <p:seq concurrent="1" nextAc="seek">
               <p:cTn id="2" dur="indefinite" nodeType="mainSeq">
@@ -9245,7 +12603,7 @@
 </p:sld>
 </file>
 
-<file path=ppt/slides/slide15.xml><?xml version="1.0" encoding="utf-8"?>
+<file path=ppt/slides/slide23.xml><?xml version="1.0" encoding="utf-8"?>
 <p:sld xmlns:a="http://schemas.openxmlformats.org/drawingml/2006/main" xmlns:r="http://schemas.openxmlformats.org/officeDocument/2006/relationships" xmlns:p="http://schemas.openxmlformats.org/presentationml/2006/main">
   <p:cSld>
     <p:spTree>
@@ -11673,14 +15031,14 @@
   <p:timing>
     <p:tnLst>
       <p:par>
-        <p:cTn id="1" dur="indefinite" restart="never" nodeType="tmRoot"/>
+        <p:cTn xmlns:p14="http://schemas.microsoft.com/office/powerpoint/2010/main" id="1" dur="indefinite" restart="never" nodeType="tmRoot"/>
       </p:par>
     </p:tnLst>
   </p:timing>
 </p:sld>
 </file>
 
-<file path=ppt/slides/slide16.xml><?xml version="1.0" encoding="utf-8"?>
+<file path=ppt/slides/slide24.xml><?xml version="1.0" encoding="utf-8"?>
 <p:sld xmlns:a="http://schemas.openxmlformats.org/drawingml/2006/main" xmlns:r="http://schemas.openxmlformats.org/officeDocument/2006/relationships" xmlns:p="http://schemas.openxmlformats.org/presentationml/2006/main">
   <p:cSld>
     <p:spTree>
@@ -14216,7 +17574,7 @@
   <p:timing>
     <p:tnLst>
       <p:par>
-        <p:cTn id="1" dur="indefinite" restart="never" nodeType="tmRoot">
+        <p:cTn xmlns:p14="http://schemas.microsoft.com/office/powerpoint/2010/main" id="1" dur="indefinite" restart="never" nodeType="tmRoot">
           <p:childTnLst>
             <p:seq concurrent="1" nextAc="seek">
               <p:cTn id="2" dur="indefinite" nodeType="mainSeq">
@@ -14340,7 +17698,7 @@
 </p:sld>
 </file>
 
-<file path=ppt/slides/slide17.xml><?xml version="1.0" encoding="utf-8"?>
+<file path=ppt/slides/slide25.xml><?xml version="1.0" encoding="utf-8"?>
 <p:sld xmlns:a="http://schemas.openxmlformats.org/drawingml/2006/main" xmlns:r="http://schemas.openxmlformats.org/officeDocument/2006/relationships" xmlns:p="http://schemas.openxmlformats.org/presentationml/2006/main">
   <p:cSld>
     <p:spTree>
@@ -14732,7 +18090,7 @@
   <p:timing>
     <p:tnLst>
       <p:par>
-        <p:cTn id="1" dur="indefinite" restart="never" nodeType="tmRoot">
+        <p:cTn xmlns:p14="http://schemas.microsoft.com/office/powerpoint/2010/main" id="1" dur="indefinite" restart="never" nodeType="tmRoot">
           <p:childTnLst>
             <p:seq concurrent="1" nextAc="seek">
               <p:cTn id="2" dur="indefinite" nodeType="mainSeq">
@@ -14870,7 +18228,7 @@
 </p:sld>
 </file>
 
-<file path=ppt/slides/slide18.xml><?xml version="1.0" encoding="utf-8"?>
+<file path=ppt/slides/slide26.xml><?xml version="1.0" encoding="utf-8"?>
 <p:sld xmlns:a="http://schemas.openxmlformats.org/drawingml/2006/main" xmlns:r="http://schemas.openxmlformats.org/officeDocument/2006/relationships" xmlns:p="http://schemas.openxmlformats.org/presentationml/2006/main">
   <p:cSld>
     <p:spTree>
@@ -15188,14 +18546,14 @@
   <p:timing>
     <p:tnLst>
       <p:par>
-        <p:cTn id="1" dur="indefinite" restart="never" nodeType="tmRoot"/>
+        <p:cTn xmlns:p14="http://schemas.microsoft.com/office/powerpoint/2010/main" id="1" dur="indefinite" restart="never" nodeType="tmRoot"/>
       </p:par>
     </p:tnLst>
   </p:timing>
 </p:sld>
 </file>
 
-<file path=ppt/slides/slide19.xml><?xml version="1.0" encoding="utf-8"?>
+<file path=ppt/slides/slide27.xml><?xml version="1.0" encoding="utf-8"?>
 <p:sld xmlns:a="http://schemas.openxmlformats.org/drawingml/2006/main" xmlns:r="http://schemas.openxmlformats.org/officeDocument/2006/relationships" xmlns:p="http://schemas.openxmlformats.org/presentationml/2006/main">
   <p:cSld>
     <p:spTree>
@@ -15405,231 +18763,14 @@
   <p:timing>
     <p:tnLst>
       <p:par>
-        <p:cTn id="1" dur="indefinite" restart="never" nodeType="tmRoot"/>
+        <p:cTn xmlns:p14="http://schemas.microsoft.com/office/powerpoint/2010/main" id="1" dur="indefinite" restart="never" nodeType="tmRoot"/>
       </p:par>
     </p:tnLst>
   </p:timing>
 </p:sld>
 </file>
 
-<file path=ppt/slides/slide2.xml><?xml version="1.0" encoding="utf-8"?>
-<p:sld xmlns:a="http://schemas.openxmlformats.org/drawingml/2006/main" xmlns:r="http://schemas.openxmlformats.org/officeDocument/2006/relationships" xmlns:p="http://schemas.openxmlformats.org/presentationml/2006/main">
-  <p:cSld>
-    <p:spTree>
-      <p:nvGrpSpPr>
-        <p:cNvPr id="1" name=""/>
-        <p:cNvGrpSpPr/>
-        <p:nvPr/>
-      </p:nvGrpSpPr>
-      <p:grpSpPr>
-        <a:xfrm>
-          <a:off x="0" y="0"/>
-          <a:ext cx="0" cy="0"/>
-          <a:chOff x="0" y="0"/>
-          <a:chExt cx="0" cy="0"/>
-        </a:xfrm>
-      </p:grpSpPr>
-      <p:pic>
-        <p:nvPicPr>
-          <p:cNvPr id="5" name="Picture 2" descr="C:\Users\Robin\Documents\GitHub\chado presentation\teapot-516024_1280.jpg"/>
-          <p:cNvPicPr>
-            <a:picLocks noChangeAspect="1" noChangeArrowheads="1"/>
-          </p:cNvPicPr>
-          <p:nvPr/>
-        </p:nvPicPr>
-        <p:blipFill>
-          <a:blip r:embed="rId2" cstate="print"/>
-          <a:srcRect/>
-          <a:stretch>
-            <a:fillRect/>
-          </a:stretch>
-        </p:blipFill>
-        <p:spPr bwMode="auto">
-          <a:xfrm>
-            <a:off x="1" y="-380578"/>
-            <a:ext cx="9144000" cy="6094230"/>
-          </a:xfrm>
-          <a:prstGeom prst="rect">
-            <a:avLst/>
-          </a:prstGeom>
-          <a:noFill/>
-        </p:spPr>
-      </p:pic>
-      <p:sp>
-        <p:nvSpPr>
-          <p:cNvPr id="6" name="Rechteck 5"/>
-          <p:cNvSpPr/>
-          <p:nvPr/>
-        </p:nvSpPr>
-        <p:spPr>
-          <a:xfrm>
-            <a:off x="0" y="-380578"/>
-            <a:ext cx="9144000" cy="5832648"/>
-          </a:xfrm>
-          <a:prstGeom prst="rect">
-            <a:avLst/>
-          </a:prstGeom>
-          <a:solidFill>
-            <a:srgbClr val="FFFFFF">
-              <a:alpha val="59000"/>
-            </a:srgbClr>
-          </a:solidFill>
-          <a:ln>
-            <a:noFill/>
-          </a:ln>
-        </p:spPr>
-        <p:style>
-          <a:lnRef idx="2">
-            <a:schemeClr val="accent1">
-              <a:shade val="50000"/>
-            </a:schemeClr>
-          </a:lnRef>
-          <a:fillRef idx="1">
-            <a:schemeClr val="accent1"/>
-          </a:fillRef>
-          <a:effectRef idx="0">
-            <a:schemeClr val="accent1"/>
-          </a:effectRef>
-          <a:fontRef idx="minor">
-            <a:schemeClr val="lt1"/>
-          </a:fontRef>
-        </p:style>
-        <p:txBody>
-          <a:bodyPr rtlCol="0" anchor="ctr"/>
-          <a:lstStyle/>
-          <a:p>
-            <a:pPr algn="ctr"/>
-            <a:endParaRPr lang="de-DE"/>
-          </a:p>
-        </p:txBody>
-      </p:sp>
-      <p:sp>
-        <p:nvSpPr>
-          <p:cNvPr id="2" name="Titel 1"/>
-          <p:cNvSpPr>
-            <a:spLocks noGrp="1"/>
-          </p:cNvSpPr>
-          <p:nvPr>
-            <p:ph type="title"/>
-          </p:nvPr>
-        </p:nvSpPr>
-        <p:spPr/>
-        <p:txBody>
-          <a:bodyPr/>
-          <a:lstStyle/>
-          <a:p>
-            <a:r>
-              <a:rPr lang="de-DE" dirty="0" err="1" smtClean="0"/>
-              <a:t>agenda</a:t>
-            </a:r>
-            <a:endParaRPr lang="de-DE" dirty="0"/>
-          </a:p>
-        </p:txBody>
-      </p:sp>
-      <p:sp>
-        <p:nvSpPr>
-          <p:cNvPr id="3" name="Inhaltsplatzhalter 2"/>
-          <p:cNvSpPr>
-            <a:spLocks noGrp="1"/>
-          </p:cNvSpPr>
-          <p:nvPr>
-            <p:ph idx="1"/>
-          </p:nvPr>
-        </p:nvSpPr>
-        <p:spPr/>
-        <p:txBody>
-          <a:bodyPr>
-            <a:normAutofit lnSpcReduction="10000"/>
-          </a:bodyPr>
-          <a:lstStyle/>
-          <a:p>
-            <a:r>
-              <a:rPr lang="de-DE" dirty="0" smtClean="0"/>
-              <a:t>Motivation</a:t>
-            </a:r>
-          </a:p>
-          <a:p>
-            <a:r>
-              <a:rPr lang="de-DE" dirty="0" err="1" smtClean="0"/>
-              <a:t>Idiosyncrasies</a:t>
-            </a:r>
-            <a:r>
-              <a:rPr lang="de-DE" dirty="0" smtClean="0"/>
-              <a:t> </a:t>
-            </a:r>
-            <a:r>
-              <a:rPr lang="de-DE" dirty="0" err="1" smtClean="0"/>
-              <a:t>of</a:t>
-            </a:r>
-            <a:r>
-              <a:rPr lang="de-DE" dirty="0" smtClean="0"/>
-              <a:t> </a:t>
-            </a:r>
-            <a:r>
-              <a:rPr lang="de-DE" dirty="0" err="1" smtClean="0"/>
-              <a:t>Javascript</a:t>
-            </a:r>
-            <a:endParaRPr lang="de-DE" dirty="0" smtClean="0"/>
-          </a:p>
-          <a:p>
-            <a:r>
-              <a:rPr lang="de-DE" dirty="0" smtClean="0"/>
-              <a:t>Test Doubles</a:t>
-            </a:r>
-          </a:p>
-          <a:p>
-            <a:r>
-              <a:rPr lang="de-DE" dirty="0" err="1" smtClean="0"/>
-              <a:t>Assume</a:t>
-            </a:r>
-            <a:r>
-              <a:rPr lang="de-DE" dirty="0" smtClean="0"/>
-              <a:t>-</a:t>
-            </a:r>
-            <a:r>
-              <a:rPr lang="de-DE" dirty="0" err="1" smtClean="0"/>
-              <a:t>Verify</a:t>
-            </a:r>
-            <a:r>
-              <a:rPr lang="de-DE" dirty="0" smtClean="0"/>
-              <a:t>-Approach</a:t>
-            </a:r>
-          </a:p>
-          <a:p>
-            <a:r>
-              <a:rPr lang="de-DE" dirty="0" err="1" smtClean="0"/>
-              <a:t>Chadojs</a:t>
-            </a:r>
-            <a:endParaRPr lang="de-DE" dirty="0" smtClean="0"/>
-          </a:p>
-          <a:p>
-            <a:r>
-              <a:rPr lang="de-DE" dirty="0" err="1" smtClean="0"/>
-              <a:t>Discussion</a:t>
-            </a:r>
-            <a:endParaRPr lang="de-DE" dirty="0" smtClean="0"/>
-          </a:p>
-          <a:p>
-            <a:endParaRPr lang="de-DE" dirty="0"/>
-          </a:p>
-        </p:txBody>
-      </p:sp>
-    </p:spTree>
-  </p:cSld>
-  <p:clrMapOvr>
-    <a:masterClrMapping/>
-  </p:clrMapOvr>
-  <p:timing>
-    <p:tnLst>
-      <p:par>
-        <p:cTn id="1" dur="indefinite" restart="never" nodeType="tmRoot"/>
-      </p:par>
-    </p:tnLst>
-  </p:timing>
-</p:sld>
-</file>
-
-<file path=ppt/slides/slide20.xml><?xml version="1.0" encoding="utf-8"?>
+<file path=ppt/slides/slide28.xml><?xml version="1.0" encoding="utf-8"?>
 <p:sld xmlns:a="http://schemas.openxmlformats.org/drawingml/2006/main" xmlns:r="http://schemas.openxmlformats.org/officeDocument/2006/relationships" xmlns:p="http://schemas.openxmlformats.org/presentationml/2006/main">
   <p:cSld>
     <p:spTree>
@@ -17576,7 +20717,7 @@
   <p:timing>
     <p:tnLst>
       <p:par>
-        <p:cTn id="1" dur="indefinite" restart="never" nodeType="tmRoot">
+        <p:cTn xmlns:p14="http://schemas.microsoft.com/office/powerpoint/2010/main" id="1" dur="indefinite" restart="never" nodeType="tmRoot">
           <p:childTnLst>
             <p:seq concurrent="1" nextAc="seek">
               <p:cTn id="2" dur="indefinite" nodeType="mainSeq">
@@ -18004,7 +21145,7 @@
 </p:sld>
 </file>
 
-<file path=ppt/slides/slide21.xml><?xml version="1.0" encoding="utf-8"?>
+<file path=ppt/slides/slide29.xml><?xml version="1.0" encoding="utf-8"?>
 <p:sld xmlns:a="http://schemas.openxmlformats.org/drawingml/2006/main" xmlns:r="http://schemas.openxmlformats.org/officeDocument/2006/relationships" xmlns:p="http://schemas.openxmlformats.org/presentationml/2006/main">
   <p:cSld>
     <p:spTree>
@@ -18766,14 +21907,273 @@
   <p:timing>
     <p:tnLst>
       <p:par>
-        <p:cTn id="1" dur="indefinite" restart="never" nodeType="tmRoot"/>
+        <p:cTn xmlns:p14="http://schemas.microsoft.com/office/powerpoint/2010/main" id="1" dur="indefinite" restart="never" nodeType="tmRoot"/>
       </p:par>
     </p:tnLst>
   </p:timing>
 </p:sld>
 </file>
 
-<file path=ppt/slides/slide22.xml><?xml version="1.0" encoding="utf-8"?>
+<file path=ppt/slides/slide3.xml><?xml version="1.0" encoding="utf-8"?>
+<p:sld xmlns:a="http://schemas.openxmlformats.org/drawingml/2006/main" xmlns:r="http://schemas.openxmlformats.org/officeDocument/2006/relationships" xmlns:p="http://schemas.openxmlformats.org/presentationml/2006/main">
+  <p:cSld>
+    <p:spTree>
+      <p:nvGrpSpPr>
+        <p:cNvPr id="1" name=""/>
+        <p:cNvGrpSpPr/>
+        <p:nvPr/>
+      </p:nvGrpSpPr>
+      <p:grpSpPr>
+        <a:xfrm>
+          <a:off x="0" y="0"/>
+          <a:ext cx="0" cy="0"/>
+          <a:chOff x="0" y="0"/>
+          <a:chExt cx="0" cy="0"/>
+        </a:xfrm>
+      </p:grpSpPr>
+      <p:pic>
+        <p:nvPicPr>
+          <p:cNvPr id="16" name="Picture 2" descr="C:\Users\Robin\Documents\GitHub\chado presentation\692px-Monk_in_Tashilhunpo3.jpg"/>
+          <p:cNvPicPr>
+            <a:picLocks noChangeAspect="1" noChangeArrowheads="1"/>
+          </p:cNvPicPr>
+          <p:nvPr/>
+        </p:nvPicPr>
+        <p:blipFill>
+          <a:blip r:embed="rId2" cstate="print"/>
+          <a:srcRect/>
+          <a:stretch>
+            <a:fillRect/>
+          </a:stretch>
+        </p:blipFill>
+        <p:spPr bwMode="auto">
+          <a:xfrm>
+            <a:off x="4110232" y="-1403308"/>
+            <a:ext cx="5033768" cy="6546808"/>
+          </a:xfrm>
+          <a:prstGeom prst="rect">
+            <a:avLst/>
+          </a:prstGeom>
+          <a:noFill/>
+        </p:spPr>
+      </p:pic>
+      <p:sp>
+        <p:nvSpPr>
+          <p:cNvPr id="17" name="Rechteck 16"/>
+          <p:cNvSpPr/>
+          <p:nvPr/>
+        </p:nvSpPr>
+        <p:spPr>
+          <a:xfrm>
+            <a:off x="-36512" y="0"/>
+            <a:ext cx="9180512" cy="5143500"/>
+          </a:xfrm>
+          <a:prstGeom prst="rect">
+            <a:avLst/>
+          </a:prstGeom>
+          <a:solidFill>
+            <a:srgbClr val="FFFFFF">
+              <a:alpha val="83000"/>
+            </a:srgbClr>
+          </a:solidFill>
+          <a:ln>
+            <a:noFill/>
+          </a:ln>
+        </p:spPr>
+        <p:style>
+          <a:lnRef idx="2">
+            <a:schemeClr val="accent1">
+              <a:shade val="50000"/>
+            </a:schemeClr>
+          </a:lnRef>
+          <a:fillRef idx="1">
+            <a:schemeClr val="accent1"/>
+          </a:fillRef>
+          <a:effectRef idx="0">
+            <a:schemeClr val="accent1"/>
+          </a:effectRef>
+          <a:fontRef idx="minor">
+            <a:schemeClr val="lt1"/>
+          </a:fontRef>
+        </p:style>
+        <p:txBody>
+          <a:bodyPr rtlCol="0" anchor="ctr"/>
+          <a:lstStyle/>
+          <a:p>
+            <a:pPr algn="ctr"/>
+            <a:endParaRPr lang="de-DE"/>
+          </a:p>
+        </p:txBody>
+      </p:sp>
+      <p:sp>
+        <p:nvSpPr>
+          <p:cNvPr id="2" name="Titel 1"/>
+          <p:cNvSpPr>
+            <a:spLocks noGrp="1"/>
+          </p:cNvSpPr>
+          <p:nvPr>
+            <p:ph type="title"/>
+          </p:nvPr>
+        </p:nvSpPr>
+        <p:spPr/>
+        <p:txBody>
+          <a:bodyPr>
+            <a:normAutofit/>
+          </a:bodyPr>
+          <a:lstStyle/>
+          <a:p>
+            <a:r>
+              <a:rPr lang="de-DE" dirty="0" smtClean="0"/>
+              <a:t>Motivation</a:t>
+            </a:r>
+            <a:endParaRPr lang="de-DE" dirty="0"/>
+          </a:p>
+        </p:txBody>
+      </p:sp>
+      <p:sp>
+        <p:nvSpPr>
+          <p:cNvPr id="3" name="Inhaltsplatzhalter 2"/>
+          <p:cNvSpPr>
+            <a:spLocks noGrp="1"/>
+          </p:cNvSpPr>
+          <p:nvPr>
+            <p:ph sz="half" idx="1"/>
+          </p:nvPr>
+        </p:nvSpPr>
+        <p:spPr>
+          <a:xfrm>
+            <a:off x="457200" y="1869672"/>
+            <a:ext cx="4038600" cy="1587624"/>
+          </a:xfrm>
+        </p:spPr>
+        <p:txBody>
+          <a:bodyPr>
+            <a:normAutofit fontScale="85000" lnSpcReduction="10000"/>
+          </a:bodyPr>
+          <a:lstStyle/>
+          <a:p>
+            <a:r>
+              <a:rPr lang="de-DE" dirty="0" smtClean="0"/>
+              <a:t>Test </a:t>
+            </a:r>
+            <a:r>
+              <a:rPr lang="de-DE" dirty="0" err="1" smtClean="0"/>
+              <a:t>approach</a:t>
+            </a:r>
+            <a:endParaRPr lang="de-DE" dirty="0" smtClean="0"/>
+          </a:p>
+          <a:p>
+            <a:pPr lvl="1"/>
+            <a:r>
+              <a:rPr lang="de-DE" dirty="0" smtClean="0"/>
+              <a:t>London School</a:t>
+            </a:r>
+          </a:p>
+          <a:p>
+            <a:pPr lvl="1"/>
+            <a:r>
+              <a:rPr lang="de-DE" dirty="0" smtClean="0"/>
+              <a:t>Integrated Tests</a:t>
+            </a:r>
+          </a:p>
+          <a:p>
+            <a:pPr lvl="1"/>
+            <a:r>
+              <a:rPr lang="de-DE" dirty="0" smtClean="0"/>
+              <a:t>Unit Tests</a:t>
+            </a:r>
+          </a:p>
+        </p:txBody>
+      </p:sp>
+      <p:sp>
+        <p:nvSpPr>
+          <p:cNvPr id="7" name="Inhaltsplatzhalter 6"/>
+          <p:cNvSpPr>
+            <a:spLocks noGrp="1"/>
+          </p:cNvSpPr>
+          <p:nvPr>
+            <p:ph sz="half" idx="2"/>
+          </p:nvPr>
+        </p:nvSpPr>
+        <p:spPr>
+          <a:xfrm>
+            <a:off x="4648200" y="1869672"/>
+            <a:ext cx="4038600" cy="1587624"/>
+          </a:xfrm>
+        </p:spPr>
+        <p:txBody>
+          <a:bodyPr>
+            <a:normAutofit fontScale="85000" lnSpcReduction="10000"/>
+          </a:bodyPr>
+          <a:lstStyle/>
+          <a:p>
+            <a:r>
+              <a:rPr lang="de-DE" dirty="0" err="1" smtClean="0"/>
+              <a:t>Idiosyncrasies</a:t>
+            </a:r>
+            <a:r>
+              <a:rPr lang="de-DE" dirty="0" smtClean="0"/>
+              <a:t> </a:t>
+            </a:r>
+            <a:r>
+              <a:rPr lang="de-DE" dirty="0" err="1" smtClean="0"/>
+              <a:t>of</a:t>
+            </a:r>
+            <a:r>
+              <a:rPr lang="de-DE" dirty="0" smtClean="0"/>
+              <a:t> </a:t>
+            </a:r>
+            <a:r>
+              <a:rPr lang="de-DE" dirty="0" err="1" smtClean="0"/>
+              <a:t>Javascript</a:t>
+            </a:r>
+            <a:endParaRPr lang="de-DE" dirty="0" smtClean="0"/>
+          </a:p>
+          <a:p>
+            <a:pPr lvl="1"/>
+            <a:r>
+              <a:rPr lang="de-DE" dirty="0" smtClean="0"/>
+              <a:t>Dynamic</a:t>
+            </a:r>
+          </a:p>
+          <a:p>
+            <a:pPr lvl="1"/>
+            <a:r>
+              <a:rPr lang="de-DE" dirty="0" smtClean="0"/>
+              <a:t>Prototype</a:t>
+            </a:r>
+          </a:p>
+          <a:p>
+            <a:pPr lvl="1"/>
+            <a:r>
+              <a:rPr lang="de-DE" dirty="0" smtClean="0"/>
+              <a:t>Simple</a:t>
+            </a:r>
+            <a:endParaRPr lang="de-DE" dirty="0"/>
+          </a:p>
+        </p:txBody>
+      </p:sp>
+    </p:spTree>
+    <p:extLst>
+      <p:ext uri="{BB962C8B-B14F-4D97-AF65-F5344CB8AC3E}">
+        <p14:creationId xmlns:p14="http://schemas.microsoft.com/office/powerpoint/2010/main" val="2268789953"/>
+      </p:ext>
+    </p:extLst>
+  </p:cSld>
+  <p:clrMapOvr>
+    <a:masterClrMapping/>
+  </p:clrMapOvr>
+  <p:timing>
+    <p:tnLst>
+      <p:par>
+        <p:cTn xmlns:p14="http://schemas.microsoft.com/office/powerpoint/2010/main" id="1" dur="indefinite" restart="never" nodeType="tmRoot"/>
+      </p:par>
+    </p:tnLst>
+  </p:timing>
+</p:sld>
+</file>
+
+<file path=ppt/slides/slide30.xml><?xml version="1.0" encoding="utf-8"?>
 <p:sld xmlns:a="http://schemas.openxmlformats.org/drawingml/2006/main" xmlns:r="http://schemas.openxmlformats.org/officeDocument/2006/relationships" xmlns:p="http://schemas.openxmlformats.org/presentationml/2006/main">
   <p:cSld>
     <p:spTree>
@@ -19922,7 +23322,7 @@
   <p:timing>
     <p:tnLst>
       <p:par>
-        <p:cTn id="1" dur="indefinite" restart="never" nodeType="tmRoot">
+        <p:cTn xmlns:p14="http://schemas.microsoft.com/office/powerpoint/2010/main" id="1" dur="indefinite" restart="never" nodeType="tmRoot">
           <p:childTnLst>
             <p:seq concurrent="1" nextAc="seek">
               <p:cTn id="2" dur="indefinite" nodeType="mainSeq">
@@ -21049,7 +24449,7 @@
 </p:sld>
 </file>
 
-<file path=ppt/slides/slide23.xml><?xml version="1.0" encoding="utf-8"?>
+<file path=ppt/slides/slide31.xml><?xml version="1.0" encoding="utf-8"?>
 <p:sld xmlns:a="http://schemas.openxmlformats.org/drawingml/2006/main" xmlns:r="http://schemas.openxmlformats.org/officeDocument/2006/relationships" xmlns:p="http://schemas.openxmlformats.org/presentationml/2006/main">
   <p:cSld>
     <p:spTree>
@@ -21259,14 +24659,14 @@
   <p:timing>
     <p:tnLst>
       <p:par>
-        <p:cTn id="1" dur="indefinite" restart="never" nodeType="tmRoot"/>
+        <p:cTn xmlns:p14="http://schemas.microsoft.com/office/powerpoint/2010/main" id="1" dur="indefinite" restart="never" nodeType="tmRoot"/>
       </p:par>
     </p:tnLst>
   </p:timing>
 </p:sld>
 </file>
 
-<file path=ppt/slides/slide24.xml><?xml version="1.0" encoding="utf-8"?>
+<file path=ppt/slides/slide32.xml><?xml version="1.0" encoding="utf-8"?>
 <p:sld xmlns:a="http://schemas.openxmlformats.org/drawingml/2006/main" xmlns:r="http://schemas.openxmlformats.org/officeDocument/2006/relationships" xmlns:p="http://schemas.openxmlformats.org/presentationml/2006/main">
   <p:cSld>
     <p:spTree>
@@ -21356,14 +24756,14 @@
   <p:timing>
     <p:tnLst>
       <p:par>
-        <p:cTn id="1" dur="indefinite" restart="never" nodeType="tmRoot"/>
+        <p:cTn xmlns:p14="http://schemas.microsoft.com/office/powerpoint/2010/main" id="1" dur="indefinite" restart="never" nodeType="tmRoot"/>
       </p:par>
     </p:tnLst>
   </p:timing>
 </p:sld>
 </file>
 
-<file path=ppt/slides/slide25.xml><?xml version="1.0" encoding="utf-8"?>
+<file path=ppt/slides/slide33.xml><?xml version="1.0" encoding="utf-8"?>
 <p:sld xmlns:a="http://schemas.openxmlformats.org/drawingml/2006/main" xmlns:r="http://schemas.openxmlformats.org/officeDocument/2006/relationships" xmlns:p="http://schemas.openxmlformats.org/presentationml/2006/main">
   <p:cSld>
     <p:spTree>
@@ -22994,14 +26394,14 @@
   <p:timing>
     <p:tnLst>
       <p:par>
-        <p:cTn id="1" dur="indefinite" restart="never" nodeType="tmRoot"/>
+        <p:cTn xmlns:p14="http://schemas.microsoft.com/office/powerpoint/2010/main" id="1" dur="indefinite" restart="never" nodeType="tmRoot"/>
       </p:par>
     </p:tnLst>
   </p:timing>
 </p:sld>
 </file>
 
-<file path=ppt/slides/slide26.xml><?xml version="1.0" encoding="utf-8"?>
+<file path=ppt/slides/slide34.xml><?xml version="1.0" encoding="utf-8"?>
 <p:sld xmlns:a="http://schemas.openxmlformats.org/drawingml/2006/main" xmlns:r="http://schemas.openxmlformats.org/officeDocument/2006/relationships" xmlns:p="http://schemas.openxmlformats.org/presentationml/2006/main">
   <p:cSld>
     <p:spTree>
@@ -25050,14 +28450,14 @@
   <p:timing>
     <p:tnLst>
       <p:par>
-        <p:cTn id="1" dur="indefinite" restart="never" nodeType="tmRoot"/>
+        <p:cTn xmlns:p14="http://schemas.microsoft.com/office/powerpoint/2010/main" id="1" dur="indefinite" restart="never" nodeType="tmRoot"/>
       </p:par>
     </p:tnLst>
   </p:timing>
 </p:sld>
 </file>
 
-<file path=ppt/slides/slide27.xml><?xml version="1.0" encoding="utf-8"?>
+<file path=ppt/slides/slide35.xml><?xml version="1.0" encoding="utf-8"?>
 <p:sld xmlns:a="http://schemas.openxmlformats.org/drawingml/2006/main" xmlns:r="http://schemas.openxmlformats.org/officeDocument/2006/relationships" xmlns:p="http://schemas.openxmlformats.org/presentationml/2006/main">
   <p:cSld>
     <p:spTree>
@@ -25147,14 +28547,14 @@
   <p:timing>
     <p:tnLst>
       <p:par>
-        <p:cTn id="1" dur="indefinite" restart="never" nodeType="tmRoot"/>
+        <p:cTn xmlns:p14="http://schemas.microsoft.com/office/powerpoint/2010/main" id="1" dur="indefinite" restart="never" nodeType="tmRoot"/>
       </p:par>
     </p:tnLst>
   </p:timing>
 </p:sld>
 </file>
 
-<file path=ppt/slides/slide28.xml><?xml version="1.0" encoding="utf-8"?>
+<file path=ppt/slides/slide36.xml><?xml version="1.0" encoding="utf-8"?>
 <p:sld xmlns:a="http://schemas.openxmlformats.org/drawingml/2006/main" xmlns:r="http://schemas.openxmlformats.org/officeDocument/2006/relationships" xmlns:p="http://schemas.openxmlformats.org/presentationml/2006/main">
   <p:cSld>
     <p:spTree>
@@ -25593,14 +28993,14 @@
   <p:timing>
     <p:tnLst>
       <p:par>
-        <p:cTn id="1" dur="indefinite" restart="never" nodeType="tmRoot"/>
+        <p:cTn xmlns:p14="http://schemas.microsoft.com/office/powerpoint/2010/main" id="1" dur="indefinite" restart="never" nodeType="tmRoot"/>
       </p:par>
     </p:tnLst>
   </p:timing>
 </p:sld>
 </file>
 
-<file path=ppt/slides/slide29.xml><?xml version="1.0" encoding="utf-8"?>
+<file path=ppt/slides/slide37.xml><?xml version="1.0" encoding="utf-8"?>
 <p:sld xmlns:a="http://schemas.openxmlformats.org/drawingml/2006/main" xmlns:r="http://schemas.openxmlformats.org/officeDocument/2006/relationships" xmlns:p="http://schemas.openxmlformats.org/presentationml/2006/main">
   <p:cSld>
     <p:spTree>
@@ -25689,273 +29089,14 @@
   <p:timing>
     <p:tnLst>
       <p:par>
-        <p:cTn id="1" dur="indefinite" restart="never" nodeType="tmRoot"/>
+        <p:cTn xmlns:p14="http://schemas.microsoft.com/office/powerpoint/2010/main" id="1" dur="indefinite" restart="never" nodeType="tmRoot"/>
       </p:par>
     </p:tnLst>
   </p:timing>
 </p:sld>
 </file>
 
-<file path=ppt/slides/slide3.xml><?xml version="1.0" encoding="utf-8"?>
-<p:sld xmlns:a="http://schemas.openxmlformats.org/drawingml/2006/main" xmlns:r="http://schemas.openxmlformats.org/officeDocument/2006/relationships" xmlns:p="http://schemas.openxmlformats.org/presentationml/2006/main">
-  <p:cSld>
-    <p:spTree>
-      <p:nvGrpSpPr>
-        <p:cNvPr id="1" name=""/>
-        <p:cNvGrpSpPr/>
-        <p:nvPr/>
-      </p:nvGrpSpPr>
-      <p:grpSpPr>
-        <a:xfrm>
-          <a:off x="0" y="0"/>
-          <a:ext cx="0" cy="0"/>
-          <a:chOff x="0" y="0"/>
-          <a:chExt cx="0" cy="0"/>
-        </a:xfrm>
-      </p:grpSpPr>
-      <p:pic>
-        <p:nvPicPr>
-          <p:cNvPr id="16" name="Picture 2" descr="C:\Users\Robin\Documents\GitHub\chado presentation\692px-Monk_in_Tashilhunpo3.jpg"/>
-          <p:cNvPicPr>
-            <a:picLocks noChangeAspect="1" noChangeArrowheads="1"/>
-          </p:cNvPicPr>
-          <p:nvPr/>
-        </p:nvPicPr>
-        <p:blipFill>
-          <a:blip r:embed="rId2" cstate="print"/>
-          <a:srcRect/>
-          <a:stretch>
-            <a:fillRect/>
-          </a:stretch>
-        </p:blipFill>
-        <p:spPr bwMode="auto">
-          <a:xfrm>
-            <a:off x="4110232" y="-1403308"/>
-            <a:ext cx="5033768" cy="6546808"/>
-          </a:xfrm>
-          <a:prstGeom prst="rect">
-            <a:avLst/>
-          </a:prstGeom>
-          <a:noFill/>
-        </p:spPr>
-      </p:pic>
-      <p:sp>
-        <p:nvSpPr>
-          <p:cNvPr id="17" name="Rechteck 16"/>
-          <p:cNvSpPr/>
-          <p:nvPr/>
-        </p:nvSpPr>
-        <p:spPr>
-          <a:xfrm>
-            <a:off x="-36512" y="0"/>
-            <a:ext cx="9180512" cy="5143500"/>
-          </a:xfrm>
-          <a:prstGeom prst="rect">
-            <a:avLst/>
-          </a:prstGeom>
-          <a:solidFill>
-            <a:srgbClr val="FFFFFF">
-              <a:alpha val="83000"/>
-            </a:srgbClr>
-          </a:solidFill>
-          <a:ln>
-            <a:noFill/>
-          </a:ln>
-        </p:spPr>
-        <p:style>
-          <a:lnRef idx="2">
-            <a:schemeClr val="accent1">
-              <a:shade val="50000"/>
-            </a:schemeClr>
-          </a:lnRef>
-          <a:fillRef idx="1">
-            <a:schemeClr val="accent1"/>
-          </a:fillRef>
-          <a:effectRef idx="0">
-            <a:schemeClr val="accent1"/>
-          </a:effectRef>
-          <a:fontRef idx="minor">
-            <a:schemeClr val="lt1"/>
-          </a:fontRef>
-        </p:style>
-        <p:txBody>
-          <a:bodyPr rtlCol="0" anchor="ctr"/>
-          <a:lstStyle/>
-          <a:p>
-            <a:pPr algn="ctr"/>
-            <a:endParaRPr lang="de-DE"/>
-          </a:p>
-        </p:txBody>
-      </p:sp>
-      <p:sp>
-        <p:nvSpPr>
-          <p:cNvPr id="2" name="Titel 1"/>
-          <p:cNvSpPr>
-            <a:spLocks noGrp="1"/>
-          </p:cNvSpPr>
-          <p:nvPr>
-            <p:ph type="title"/>
-          </p:nvPr>
-        </p:nvSpPr>
-        <p:spPr/>
-        <p:txBody>
-          <a:bodyPr>
-            <a:normAutofit/>
-          </a:bodyPr>
-          <a:lstStyle/>
-          <a:p>
-            <a:r>
-              <a:rPr lang="de-DE" dirty="0" smtClean="0"/>
-              <a:t>Motivation</a:t>
-            </a:r>
-            <a:endParaRPr lang="de-DE" dirty="0"/>
-          </a:p>
-        </p:txBody>
-      </p:sp>
-      <p:sp>
-        <p:nvSpPr>
-          <p:cNvPr id="3" name="Inhaltsplatzhalter 2"/>
-          <p:cNvSpPr>
-            <a:spLocks noGrp="1"/>
-          </p:cNvSpPr>
-          <p:nvPr>
-            <p:ph sz="half" idx="1"/>
-          </p:nvPr>
-        </p:nvSpPr>
-        <p:spPr>
-          <a:xfrm>
-            <a:off x="457200" y="1869672"/>
-            <a:ext cx="4038600" cy="1587624"/>
-          </a:xfrm>
-        </p:spPr>
-        <p:txBody>
-          <a:bodyPr>
-            <a:normAutofit fontScale="85000" lnSpcReduction="10000"/>
-          </a:bodyPr>
-          <a:lstStyle/>
-          <a:p>
-            <a:r>
-              <a:rPr lang="de-DE" dirty="0" smtClean="0"/>
-              <a:t>Test </a:t>
-            </a:r>
-            <a:r>
-              <a:rPr lang="de-DE" dirty="0" err="1" smtClean="0"/>
-              <a:t>approach</a:t>
-            </a:r>
-            <a:endParaRPr lang="de-DE" dirty="0" smtClean="0"/>
-          </a:p>
-          <a:p>
-            <a:pPr lvl="1"/>
-            <a:r>
-              <a:rPr lang="de-DE" dirty="0" smtClean="0"/>
-              <a:t>London School</a:t>
-            </a:r>
-          </a:p>
-          <a:p>
-            <a:pPr lvl="1"/>
-            <a:r>
-              <a:rPr lang="de-DE" dirty="0" smtClean="0"/>
-              <a:t>Integrated Tests</a:t>
-            </a:r>
-          </a:p>
-          <a:p>
-            <a:pPr lvl="1"/>
-            <a:r>
-              <a:rPr lang="de-DE" dirty="0" smtClean="0"/>
-              <a:t>Unit Tests</a:t>
-            </a:r>
-          </a:p>
-        </p:txBody>
-      </p:sp>
-      <p:sp>
-        <p:nvSpPr>
-          <p:cNvPr id="7" name="Inhaltsplatzhalter 6"/>
-          <p:cNvSpPr>
-            <a:spLocks noGrp="1"/>
-          </p:cNvSpPr>
-          <p:nvPr>
-            <p:ph sz="half" idx="2"/>
-          </p:nvPr>
-        </p:nvSpPr>
-        <p:spPr>
-          <a:xfrm>
-            <a:off x="4648200" y="1869672"/>
-            <a:ext cx="4038600" cy="1587624"/>
-          </a:xfrm>
-        </p:spPr>
-        <p:txBody>
-          <a:bodyPr>
-            <a:normAutofit fontScale="85000" lnSpcReduction="10000"/>
-          </a:bodyPr>
-          <a:lstStyle/>
-          <a:p>
-            <a:r>
-              <a:rPr lang="de-DE" dirty="0" err="1" smtClean="0"/>
-              <a:t>Idiosyncrasies</a:t>
-            </a:r>
-            <a:r>
-              <a:rPr lang="de-DE" dirty="0" smtClean="0"/>
-              <a:t> </a:t>
-            </a:r>
-            <a:r>
-              <a:rPr lang="de-DE" dirty="0" err="1" smtClean="0"/>
-              <a:t>of</a:t>
-            </a:r>
-            <a:r>
-              <a:rPr lang="de-DE" dirty="0" smtClean="0"/>
-              <a:t> </a:t>
-            </a:r>
-            <a:r>
-              <a:rPr lang="de-DE" dirty="0" err="1" smtClean="0"/>
-              <a:t>Javascript</a:t>
-            </a:r>
-            <a:endParaRPr lang="de-DE" dirty="0" smtClean="0"/>
-          </a:p>
-          <a:p>
-            <a:pPr lvl="1"/>
-            <a:r>
-              <a:rPr lang="de-DE" dirty="0" smtClean="0"/>
-              <a:t>Dynamic</a:t>
-            </a:r>
-          </a:p>
-          <a:p>
-            <a:pPr lvl="1"/>
-            <a:r>
-              <a:rPr lang="de-DE" dirty="0" smtClean="0"/>
-              <a:t>Prototype</a:t>
-            </a:r>
-          </a:p>
-          <a:p>
-            <a:pPr lvl="1"/>
-            <a:r>
-              <a:rPr lang="de-DE" dirty="0" smtClean="0"/>
-              <a:t>Simple</a:t>
-            </a:r>
-            <a:endParaRPr lang="de-DE" dirty="0"/>
-          </a:p>
-        </p:txBody>
-      </p:sp>
-    </p:spTree>
-    <p:extLst>
-      <p:ext uri="{BB962C8B-B14F-4D97-AF65-F5344CB8AC3E}">
-        <p14:creationId xmlns="" xmlns:p14="http://schemas.microsoft.com/office/powerpoint/2010/main" val="2268789953"/>
-      </p:ext>
-    </p:extLst>
-  </p:cSld>
-  <p:clrMapOvr>
-    <a:masterClrMapping/>
-  </p:clrMapOvr>
-  <p:timing>
-    <p:tnLst>
-      <p:par>
-        <p:cTn id="1" dur="indefinite" restart="never" nodeType="tmRoot"/>
-      </p:par>
-    </p:tnLst>
-  </p:timing>
-</p:sld>
-</file>
-
-<file path=ppt/slides/slide30.xml><?xml version="1.0" encoding="utf-8"?>
+<file path=ppt/slides/slide38.xml><?xml version="1.0" encoding="utf-8"?>
 <p:sld xmlns:a="http://schemas.openxmlformats.org/drawingml/2006/main" xmlns:r="http://schemas.openxmlformats.org/officeDocument/2006/relationships" xmlns:p="http://schemas.openxmlformats.org/presentationml/2006/main">
   <p:cSld>
     <p:spTree>
@@ -26164,14 +29305,14 @@
   <p:timing>
     <p:tnLst>
       <p:par>
-        <p:cTn id="1" dur="indefinite" restart="never" nodeType="tmRoot"/>
+        <p:cTn xmlns:p14="http://schemas.microsoft.com/office/powerpoint/2010/main" id="1" dur="indefinite" restart="never" nodeType="tmRoot"/>
       </p:par>
     </p:tnLst>
   </p:timing>
 </p:sld>
 </file>
 
-<file path=ppt/slides/slide31.xml><?xml version="1.0" encoding="utf-8"?>
+<file path=ppt/slides/slide39.xml><?xml version="1.0" encoding="utf-8"?>
 <p:sld xmlns:a="http://schemas.openxmlformats.org/drawingml/2006/main" xmlns:r="http://schemas.openxmlformats.org/officeDocument/2006/relationships" xmlns:p="http://schemas.openxmlformats.org/presentationml/2006/main">
   <p:cSld>
     <p:spTree>
@@ -26391,14 +29532,188 @@
   <p:timing>
     <p:tnLst>
       <p:par>
-        <p:cTn id="1" dur="indefinite" restart="never" nodeType="tmRoot"/>
+        <p:cTn xmlns:p14="http://schemas.microsoft.com/office/powerpoint/2010/main" id="1" dur="indefinite" restart="never" nodeType="tmRoot"/>
       </p:par>
     </p:tnLst>
   </p:timing>
 </p:sld>
 </file>
 
-<file path=ppt/slides/slide32.xml><?xml version="1.0" encoding="utf-8"?>
+<file path=ppt/slides/slide4.xml><?xml version="1.0" encoding="utf-8"?>
+<p:sld xmlns:a="http://schemas.openxmlformats.org/drawingml/2006/main" xmlns:r="http://schemas.openxmlformats.org/officeDocument/2006/relationships" xmlns:p="http://schemas.openxmlformats.org/presentationml/2006/main">
+  <p:cSld>
+    <p:spTree>
+      <p:nvGrpSpPr>
+        <p:cNvPr id="1" name=""/>
+        <p:cNvGrpSpPr/>
+        <p:nvPr/>
+      </p:nvGrpSpPr>
+      <p:grpSpPr>
+        <a:xfrm>
+          <a:off x="0" y="0"/>
+          <a:ext cx="0" cy="0"/>
+          <a:chOff x="0" y="0"/>
+          <a:chExt cx="0" cy="0"/>
+        </a:xfrm>
+      </p:grpSpPr>
+      <p:sp>
+        <p:nvSpPr>
+          <p:cNvPr id="2" name="Titel 1"/>
+          <p:cNvSpPr>
+            <a:spLocks noGrp="1"/>
+          </p:cNvSpPr>
+          <p:nvPr>
+            <p:ph type="title"/>
+          </p:nvPr>
+        </p:nvSpPr>
+        <p:spPr/>
+        <p:txBody>
+          <a:bodyPr/>
+          <a:lstStyle/>
+          <a:p>
+            <a:r>
+              <a:rPr lang="de-DE" dirty="0" smtClean="0"/>
+              <a:t>Integrated Tests </a:t>
+            </a:r>
+            <a:r>
+              <a:rPr lang="de-DE" dirty="0" err="1" smtClean="0"/>
+              <a:t>are</a:t>
+            </a:r>
+            <a:r>
+              <a:rPr lang="de-DE" dirty="0" smtClean="0"/>
+              <a:t> a </a:t>
+            </a:r>
+            <a:r>
+              <a:rPr lang="de-DE" dirty="0" err="1" smtClean="0"/>
+              <a:t>Scam</a:t>
+            </a:r>
+            <a:r>
+              <a:rPr lang="de-DE" dirty="0" smtClean="0"/>
+              <a:t> (2010)</a:t>
+            </a:r>
+            <a:endParaRPr lang="de-DE" dirty="0"/>
+          </a:p>
+        </p:txBody>
+      </p:sp>
+      <p:sp>
+        <p:nvSpPr>
+          <p:cNvPr id="3" name="Textfeld 2"/>
+          <p:cNvSpPr txBox="1"/>
+          <p:nvPr/>
+        </p:nvSpPr>
+        <p:spPr>
+          <a:xfrm>
+            <a:off x="777875" y="4462463"/>
+            <a:ext cx="7649145" cy="369332"/>
+          </a:xfrm>
+          <a:prstGeom prst="rect">
+            <a:avLst/>
+          </a:prstGeom>
+          <a:noFill/>
+        </p:spPr>
+        <p:txBody>
+          <a:bodyPr wrap="none" rtlCol="0">
+            <a:spAutoFit/>
+          </a:bodyPr>
+          <a:lstStyle/>
+          <a:p>
+            <a:r>
+              <a:rPr lang="de-DE" dirty="0"/>
+              <a:t>http://</a:t>
+            </a:r>
+            <a:r>
+              <a:rPr lang="de-DE" dirty="0" err="1"/>
+              <a:t>blog.thecodewhisperer.com</a:t>
+            </a:r>
+            <a:r>
+              <a:rPr lang="de-DE" dirty="0"/>
+              <a:t>/</a:t>
+            </a:r>
+            <a:r>
+              <a:rPr lang="de-DE" dirty="0" err="1"/>
+              <a:t>blog</a:t>
+            </a:r>
+            <a:r>
+              <a:rPr lang="de-DE" dirty="0"/>
+              <a:t>/</a:t>
+            </a:r>
+            <a:r>
+              <a:rPr lang="de-DE" dirty="0" err="1"/>
+              <a:t>categories</a:t>
+            </a:r>
+            <a:r>
+              <a:rPr lang="de-DE" dirty="0"/>
+              <a:t>/</a:t>
+            </a:r>
+            <a:r>
+              <a:rPr lang="de-DE" dirty="0" err="1"/>
+              <a:t>integrated</a:t>
+            </a:r>
+            <a:r>
+              <a:rPr lang="de-DE" dirty="0"/>
+              <a:t>-tests-</a:t>
+            </a:r>
+            <a:r>
+              <a:rPr lang="de-DE" dirty="0" err="1"/>
+              <a:t>are</a:t>
+            </a:r>
+            <a:r>
+              <a:rPr lang="de-DE" dirty="0"/>
+              <a:t>-a-</a:t>
+            </a:r>
+            <a:r>
+              <a:rPr lang="de-DE" dirty="0" err="1"/>
+              <a:t>scam</a:t>
+            </a:r>
+            <a:endParaRPr lang="de-DE" dirty="0"/>
+          </a:p>
+        </p:txBody>
+      </p:sp>
+      <p:pic>
+        <p:nvPicPr>
+          <p:cNvPr id="4" name="Bild 3"/>
+          <p:cNvPicPr>
+            <a:picLocks noChangeAspect="1"/>
+          </p:cNvPicPr>
+          <p:nvPr/>
+        </p:nvPicPr>
+        <p:blipFill>
+          <a:blip r:embed="rId2" cstate="print"/>
+          <a:stretch>
+            <a:fillRect/>
+          </a:stretch>
+        </p:blipFill>
+        <p:spPr>
+          <a:xfrm>
+            <a:off x="3556000" y="1809750"/>
+            <a:ext cx="2031746" cy="2031746"/>
+          </a:xfrm>
+          <a:prstGeom prst="rect">
+            <a:avLst/>
+          </a:prstGeom>
+        </p:spPr>
+      </p:pic>
+    </p:spTree>
+    <p:extLst>
+      <p:ext uri="{BB962C8B-B14F-4D97-AF65-F5344CB8AC3E}">
+        <p14:creationId xmlns:p14="http://schemas.microsoft.com/office/powerpoint/2010/main" val="2260232245"/>
+      </p:ext>
+    </p:extLst>
+  </p:cSld>
+  <p:clrMapOvr>
+    <a:masterClrMapping/>
+  </p:clrMapOvr>
+  <p:timing>
+    <p:tnLst>
+      <p:par>
+        <p:cTn xmlns:p14="http://schemas.microsoft.com/office/powerpoint/2010/main" id="1" dur="indefinite" restart="never" nodeType="tmRoot"/>
+      </p:par>
+    </p:tnLst>
+  </p:timing>
+</p:sld>
+</file>
+
+<file path=ppt/slides/slide40.xml><?xml version="1.0" encoding="utf-8"?>
 <p:sld xmlns:a="http://schemas.openxmlformats.org/drawingml/2006/main" xmlns:r="http://schemas.openxmlformats.org/officeDocument/2006/relationships" xmlns:p="http://schemas.openxmlformats.org/presentationml/2006/main">
   <p:cSld>
     <p:spTree>
@@ -26786,14 +30101,14 @@
   <p:timing>
     <p:tnLst>
       <p:par>
-        <p:cTn id="1" dur="indefinite" restart="never" nodeType="tmRoot"/>
+        <p:cTn xmlns:p14="http://schemas.microsoft.com/office/powerpoint/2010/main" id="1" dur="indefinite" restart="never" nodeType="tmRoot"/>
       </p:par>
     </p:tnLst>
   </p:timing>
 </p:sld>
 </file>
 
-<file path=ppt/slides/slide33.xml><?xml version="1.0" encoding="utf-8"?>
+<file path=ppt/slides/slide41.xml><?xml version="1.0" encoding="utf-8"?>
 <p:sld xmlns:a="http://schemas.openxmlformats.org/drawingml/2006/main" xmlns:r="http://schemas.openxmlformats.org/officeDocument/2006/relationships" xmlns:p="http://schemas.openxmlformats.org/presentationml/2006/main">
   <p:cSld>
     <p:spTree>
@@ -27103,14 +30418,14 @@
   <p:timing>
     <p:tnLst>
       <p:par>
-        <p:cTn id="1" dur="indefinite" restart="never" nodeType="tmRoot"/>
+        <p:cTn xmlns:p14="http://schemas.microsoft.com/office/powerpoint/2010/main" id="1" dur="indefinite" restart="never" nodeType="tmRoot"/>
       </p:par>
     </p:tnLst>
   </p:timing>
 </p:sld>
 </file>
 
-<file path=ppt/slides/slide34.xml><?xml version="1.0" encoding="utf-8"?>
+<file path=ppt/slides/slide42.xml><?xml version="1.0" encoding="utf-8"?>
 <p:sld xmlns:a="http://schemas.openxmlformats.org/drawingml/2006/main" xmlns:r="http://schemas.openxmlformats.org/officeDocument/2006/relationships" xmlns:p="http://schemas.openxmlformats.org/presentationml/2006/main">
   <p:cSld>
     <p:spTree>
@@ -27199,181 +30514,7 @@
   <p:timing>
     <p:tnLst>
       <p:par>
-        <p:cTn id="1" dur="indefinite" restart="never" nodeType="tmRoot"/>
-      </p:par>
-    </p:tnLst>
-  </p:timing>
-</p:sld>
-</file>
-
-<file path=ppt/slides/slide4.xml><?xml version="1.0" encoding="utf-8"?>
-<p:sld xmlns:a="http://schemas.openxmlformats.org/drawingml/2006/main" xmlns:r="http://schemas.openxmlformats.org/officeDocument/2006/relationships" xmlns:p="http://schemas.openxmlformats.org/presentationml/2006/main">
-  <p:cSld>
-    <p:spTree>
-      <p:nvGrpSpPr>
-        <p:cNvPr id="1" name=""/>
-        <p:cNvGrpSpPr/>
-        <p:nvPr/>
-      </p:nvGrpSpPr>
-      <p:grpSpPr>
-        <a:xfrm>
-          <a:off x="0" y="0"/>
-          <a:ext cx="0" cy="0"/>
-          <a:chOff x="0" y="0"/>
-          <a:chExt cx="0" cy="0"/>
-        </a:xfrm>
-      </p:grpSpPr>
-      <p:sp>
-        <p:nvSpPr>
-          <p:cNvPr id="2" name="Titel 1"/>
-          <p:cNvSpPr>
-            <a:spLocks noGrp="1"/>
-          </p:cNvSpPr>
-          <p:nvPr>
-            <p:ph type="title"/>
-          </p:nvPr>
-        </p:nvSpPr>
-        <p:spPr/>
-        <p:txBody>
-          <a:bodyPr/>
-          <a:lstStyle/>
-          <a:p>
-            <a:r>
-              <a:rPr lang="de-DE" dirty="0" smtClean="0"/>
-              <a:t>Integrated Tests </a:t>
-            </a:r>
-            <a:r>
-              <a:rPr lang="de-DE" dirty="0" err="1" smtClean="0"/>
-              <a:t>are</a:t>
-            </a:r>
-            <a:r>
-              <a:rPr lang="de-DE" dirty="0" smtClean="0"/>
-              <a:t> a </a:t>
-            </a:r>
-            <a:r>
-              <a:rPr lang="de-DE" dirty="0" err="1" smtClean="0"/>
-              <a:t>Scam</a:t>
-            </a:r>
-            <a:r>
-              <a:rPr lang="de-DE" dirty="0" smtClean="0"/>
-              <a:t> (2010)</a:t>
-            </a:r>
-            <a:endParaRPr lang="de-DE" dirty="0"/>
-          </a:p>
-        </p:txBody>
-      </p:sp>
-      <p:sp>
-        <p:nvSpPr>
-          <p:cNvPr id="3" name="Textfeld 2"/>
-          <p:cNvSpPr txBox="1"/>
-          <p:nvPr/>
-        </p:nvSpPr>
-        <p:spPr>
-          <a:xfrm>
-            <a:off x="777875" y="4462463"/>
-            <a:ext cx="7649145" cy="369332"/>
-          </a:xfrm>
-          <a:prstGeom prst="rect">
-            <a:avLst/>
-          </a:prstGeom>
-          <a:noFill/>
-        </p:spPr>
-        <p:txBody>
-          <a:bodyPr wrap="none" rtlCol="0">
-            <a:spAutoFit/>
-          </a:bodyPr>
-          <a:lstStyle/>
-          <a:p>
-            <a:r>
-              <a:rPr lang="de-DE" dirty="0"/>
-              <a:t>http://</a:t>
-            </a:r>
-            <a:r>
-              <a:rPr lang="de-DE" dirty="0" err="1"/>
-              <a:t>blog.thecodewhisperer.com</a:t>
-            </a:r>
-            <a:r>
-              <a:rPr lang="de-DE" dirty="0"/>
-              <a:t>/</a:t>
-            </a:r>
-            <a:r>
-              <a:rPr lang="de-DE" dirty="0" err="1"/>
-              <a:t>blog</a:t>
-            </a:r>
-            <a:r>
-              <a:rPr lang="de-DE" dirty="0"/>
-              <a:t>/</a:t>
-            </a:r>
-            <a:r>
-              <a:rPr lang="de-DE" dirty="0" err="1"/>
-              <a:t>categories</a:t>
-            </a:r>
-            <a:r>
-              <a:rPr lang="de-DE" dirty="0"/>
-              <a:t>/</a:t>
-            </a:r>
-            <a:r>
-              <a:rPr lang="de-DE" dirty="0" err="1"/>
-              <a:t>integrated</a:t>
-            </a:r>
-            <a:r>
-              <a:rPr lang="de-DE" dirty="0"/>
-              <a:t>-tests-</a:t>
-            </a:r>
-            <a:r>
-              <a:rPr lang="de-DE" dirty="0" err="1"/>
-              <a:t>are</a:t>
-            </a:r>
-            <a:r>
-              <a:rPr lang="de-DE" dirty="0"/>
-              <a:t>-a-</a:t>
-            </a:r>
-            <a:r>
-              <a:rPr lang="de-DE" dirty="0" err="1"/>
-              <a:t>scam</a:t>
-            </a:r>
-            <a:endParaRPr lang="de-DE" dirty="0"/>
-          </a:p>
-        </p:txBody>
-      </p:sp>
-      <p:pic>
-        <p:nvPicPr>
-          <p:cNvPr id="4" name="Bild 3"/>
-          <p:cNvPicPr>
-            <a:picLocks noChangeAspect="1"/>
-          </p:cNvPicPr>
-          <p:nvPr/>
-        </p:nvPicPr>
-        <p:blipFill>
-          <a:blip r:embed="rId2" cstate="print"/>
-          <a:stretch>
-            <a:fillRect/>
-          </a:stretch>
-        </p:blipFill>
-        <p:spPr>
-          <a:xfrm>
-            <a:off x="3556000" y="1809750"/>
-            <a:ext cx="2031746" cy="2031746"/>
-          </a:xfrm>
-          <a:prstGeom prst="rect">
-            <a:avLst/>
-          </a:prstGeom>
-        </p:spPr>
-      </p:pic>
-    </p:spTree>
-    <p:extLst>
-      <p:ext uri="{BB962C8B-B14F-4D97-AF65-F5344CB8AC3E}">
-        <p14:creationId xmlns="" xmlns:p14="http://schemas.microsoft.com/office/powerpoint/2010/main" val="2260232245"/>
-      </p:ext>
-    </p:extLst>
-  </p:cSld>
-  <p:clrMapOvr>
-    <a:masterClrMapping/>
-  </p:clrMapOvr>
-  <p:timing>
-    <p:tnLst>
-      <p:par>
-        <p:cTn id="1" dur="indefinite" restart="never" nodeType="tmRoot"/>
+        <p:cTn xmlns:p14="http://schemas.microsoft.com/office/powerpoint/2010/main" id="1" dur="indefinite" restart="never" nodeType="tmRoot"/>
       </p:par>
     </p:tnLst>
   </p:timing>
@@ -27607,7 +30748,7 @@
   <p:timing>
     <p:tnLst>
       <p:par>
-        <p:cTn id="1" dur="indefinite" restart="never" nodeType="tmRoot"/>
+        <p:cTn xmlns:p14="http://schemas.microsoft.com/office/powerpoint/2010/main" id="1" dur="indefinite" restart="never" nodeType="tmRoot"/>
       </p:par>
     </p:tnLst>
   </p:timing>
@@ -27715,7 +30856,7 @@
     </p:spTree>
     <p:extLst>
       <p:ext uri="{BB962C8B-B14F-4D97-AF65-F5344CB8AC3E}">
-        <p14:creationId xmlns="" xmlns:p14="http://schemas.microsoft.com/office/powerpoint/2010/main" val="732667562"/>
+        <p14:creationId xmlns:p14="http://schemas.microsoft.com/office/powerpoint/2010/main" val="732667562"/>
       </p:ext>
     </p:extLst>
   </p:cSld>
@@ -27725,7 +30866,7 @@
   <p:timing>
     <p:tnLst>
       <p:par>
-        <p:cTn id="1" dur="indefinite" restart="never" nodeType="tmRoot"/>
+        <p:cTn xmlns:p14="http://schemas.microsoft.com/office/powerpoint/2010/main" id="1" dur="indefinite" restart="never" nodeType="tmRoot"/>
       </p:par>
     </p:tnLst>
   </p:timing>
@@ -28135,7 +31276,7 @@
     </p:spTree>
     <p:extLst>
       <p:ext uri="{BB962C8B-B14F-4D97-AF65-F5344CB8AC3E}">
-        <p14:creationId xmlns="" xmlns:p14="http://schemas.microsoft.com/office/powerpoint/2010/main" val="391067495"/>
+        <p14:creationId xmlns:p14="http://schemas.microsoft.com/office/powerpoint/2010/main" val="391067495"/>
       </p:ext>
     </p:extLst>
   </p:cSld>
@@ -28145,7 +31286,7 @@
   <p:timing>
     <p:tnLst>
       <p:par>
-        <p:cTn id="1" dur="indefinite" restart="never" nodeType="tmRoot">
+        <p:cTn xmlns:p14="http://schemas.microsoft.com/office/powerpoint/2010/main" id="1" dur="indefinite" restart="never" nodeType="tmRoot">
           <p:childTnLst>
             <p:seq concurrent="1" nextAc="seek">
               <p:cTn id="2" dur="indefinite" nodeType="mainSeq">
@@ -28785,7 +31926,7 @@
     </p:spTree>
     <p:extLst>
       <p:ext uri="{BB962C8B-B14F-4D97-AF65-F5344CB8AC3E}">
-        <p14:creationId xmlns="" xmlns:p14="http://schemas.microsoft.com/office/powerpoint/2010/main" val="2042807844"/>
+        <p14:creationId xmlns:p14="http://schemas.microsoft.com/office/powerpoint/2010/main" val="2042807844"/>
       </p:ext>
     </p:extLst>
   </p:cSld>
@@ -28795,7 +31936,7 @@
   <p:timing>
     <p:tnLst>
       <p:par>
-        <p:cTn id="1" dur="indefinite" restart="never" nodeType="tmRoot"/>
+        <p:cTn xmlns:p14="http://schemas.microsoft.com/office/powerpoint/2010/main" id="1" dur="indefinite" restart="never" nodeType="tmRoot"/>
       </p:par>
     </p:tnLst>
   </p:timing>
@@ -28957,7 +32098,7 @@
   <p:timing>
     <p:tnLst>
       <p:par>
-        <p:cTn id="1" dur="indefinite" restart="never" nodeType="tmRoot"/>
+        <p:cTn xmlns:p14="http://schemas.microsoft.com/office/powerpoint/2010/main" id="1" dur="indefinite" restart="never" nodeType="tmRoot"/>
       </p:par>
     </p:tnLst>
   </p:timing>

--- a/chadojs - who is testing the mocks - 16zu9.pptx
+++ b/chadojs - who is testing the mocks - 16zu9.pptx
@@ -5,7 +5,7 @@
     <p:sldMasterId id="2147483648" r:id="rId1"/>
   </p:sldMasterIdLst>
   <p:notesMasterIdLst>
-    <p:notesMasterId r:id="rId44"/>
+    <p:notesMasterId r:id="rId47"/>
   </p:notesMasterIdLst>
   <p:sldIdLst>
     <p:sldId id="260" r:id="rId2"/>
@@ -20,36 +20,39 @@
     <p:sldId id="268" r:id="rId11"/>
     <p:sldId id="311" r:id="rId12"/>
     <p:sldId id="271" r:id="rId13"/>
-    <p:sldId id="320" r:id="rId14"/>
-    <p:sldId id="323" r:id="rId15"/>
-    <p:sldId id="321" r:id="rId16"/>
-    <p:sldId id="322" r:id="rId17"/>
-    <p:sldId id="324" r:id="rId18"/>
-    <p:sldId id="327" r:id="rId19"/>
+    <p:sldId id="329" r:id="rId14"/>
+    <p:sldId id="320" r:id="rId15"/>
+    <p:sldId id="324" r:id="rId16"/>
+    <p:sldId id="323" r:id="rId17"/>
+    <p:sldId id="327" r:id="rId18"/>
+    <p:sldId id="321" r:id="rId19"/>
     <p:sldId id="326" r:id="rId20"/>
-    <p:sldId id="325" r:id="rId21"/>
-    <p:sldId id="272" r:id="rId22"/>
-    <p:sldId id="273" r:id="rId23"/>
-    <p:sldId id="274" r:id="rId24"/>
-    <p:sldId id="275" r:id="rId25"/>
-    <p:sldId id="318" r:id="rId26"/>
-    <p:sldId id="277" r:id="rId27"/>
-    <p:sldId id="312" r:id="rId28"/>
-    <p:sldId id="279" r:id="rId29"/>
-    <p:sldId id="280" r:id="rId30"/>
-    <p:sldId id="281" r:id="rId31"/>
-    <p:sldId id="313" r:id="rId32"/>
-    <p:sldId id="283" r:id="rId33"/>
-    <p:sldId id="284" r:id="rId34"/>
-    <p:sldId id="285" r:id="rId35"/>
-    <p:sldId id="286" r:id="rId36"/>
-    <p:sldId id="309" r:id="rId37"/>
-    <p:sldId id="289" r:id="rId38"/>
-    <p:sldId id="290" r:id="rId39"/>
-    <p:sldId id="291" r:id="rId40"/>
-    <p:sldId id="314" r:id="rId41"/>
-    <p:sldId id="292" r:id="rId42"/>
-    <p:sldId id="315" r:id="rId43"/>
+    <p:sldId id="322" r:id="rId21"/>
+    <p:sldId id="325" r:id="rId22"/>
+    <p:sldId id="328" r:id="rId23"/>
+    <p:sldId id="330" r:id="rId24"/>
+    <p:sldId id="272" r:id="rId25"/>
+    <p:sldId id="273" r:id="rId26"/>
+    <p:sldId id="274" r:id="rId27"/>
+    <p:sldId id="275" r:id="rId28"/>
+    <p:sldId id="318" r:id="rId29"/>
+    <p:sldId id="277" r:id="rId30"/>
+    <p:sldId id="312" r:id="rId31"/>
+    <p:sldId id="279" r:id="rId32"/>
+    <p:sldId id="280" r:id="rId33"/>
+    <p:sldId id="281" r:id="rId34"/>
+    <p:sldId id="313" r:id="rId35"/>
+    <p:sldId id="283" r:id="rId36"/>
+    <p:sldId id="284" r:id="rId37"/>
+    <p:sldId id="285" r:id="rId38"/>
+    <p:sldId id="286" r:id="rId39"/>
+    <p:sldId id="309" r:id="rId40"/>
+    <p:sldId id="289" r:id="rId41"/>
+    <p:sldId id="290" r:id="rId42"/>
+    <p:sldId id="291" r:id="rId43"/>
+    <p:sldId id="314" r:id="rId44"/>
+    <p:sldId id="292" r:id="rId45"/>
+    <p:sldId id="315" r:id="rId46"/>
   </p:sldIdLst>
   <p:sldSz cx="9144000" cy="5143500" type="screen16x9"/>
   <p:notesSz cx="6858000" cy="9144000"/>
@@ -234,7 +237,7 @@
             <a:fld id="{4DBE830D-4B1D-43AC-B523-377B51CEDACB}" type="datetimeFigureOut">
               <a:rPr lang="de-DE" smtClean="0"/>
               <a:pPr/>
-              <a:t>15.05.16</a:t>
+              <a:t>17.05.16</a:t>
             </a:fld>
             <a:endParaRPr lang="de-DE"/>
           </a:p>
@@ -546,11 +549,576 @@
         </p:nvSpPr>
         <p:spPr/>
         <p:txBody>
-          <a:bodyPr>
-            <a:normAutofit/>
-          </a:bodyPr>
+          <a:bodyPr/>
           <a:lstStyle/>
           <a:p>
+            <a:pPr marL="0" marR="0" indent="0" algn="l" defTabSz="914400" rtl="0" eaLnBrk="1" fontAlgn="auto" latinLnBrk="0" hangingPunct="1">
+              <a:lnSpc>
+                <a:spcPct val="100000"/>
+              </a:lnSpc>
+              <a:spcBef>
+                <a:spcPts val="0"/>
+              </a:spcBef>
+              <a:spcAft>
+                <a:spcPts val="0"/>
+              </a:spcAft>
+              <a:buClrTx/>
+              <a:buSzTx/>
+              <a:buFontTx/>
+              <a:buNone/>
+              <a:tabLst/>
+              <a:defRPr/>
+            </a:pPr>
+            <a:r>
+              <a:rPr lang="de-DE" dirty="0" smtClean="0"/>
+              <a:t>I </a:t>
+            </a:r>
+            <a:r>
+              <a:rPr lang="de-DE" dirty="0" err="1" smtClean="0"/>
+              <a:t>use</a:t>
+            </a:r>
+            <a:r>
+              <a:rPr lang="de-DE" dirty="0" smtClean="0"/>
+              <a:t> </a:t>
+            </a:r>
+            <a:r>
+              <a:rPr lang="de-DE" dirty="0" err="1" smtClean="0"/>
+              <a:t>the</a:t>
+            </a:r>
+            <a:r>
+              <a:rPr lang="de-DE" dirty="0" smtClean="0"/>
+              <a:t> </a:t>
+            </a:r>
+            <a:r>
+              <a:rPr lang="de-DE" dirty="0" err="1" smtClean="0"/>
+              <a:t>term</a:t>
+            </a:r>
+            <a:r>
+              <a:rPr lang="de-DE" dirty="0" smtClean="0"/>
+              <a:t> </a:t>
+            </a:r>
+            <a:r>
+              <a:rPr lang="de-DE" dirty="0" err="1" smtClean="0"/>
+              <a:t>integrated</a:t>
+            </a:r>
+            <a:r>
+              <a:rPr lang="de-DE" dirty="0" smtClean="0"/>
+              <a:t> </a:t>
+            </a:r>
+            <a:r>
+              <a:rPr lang="de-DE" dirty="0" err="1" smtClean="0"/>
+              <a:t>test</a:t>
+            </a:r>
+            <a:r>
+              <a:rPr lang="de-DE" dirty="0" smtClean="0"/>
+              <a:t> </a:t>
+            </a:r>
+            <a:r>
+              <a:rPr lang="de-DE" dirty="0" err="1" smtClean="0"/>
+              <a:t>to</a:t>
+            </a:r>
+            <a:r>
+              <a:rPr lang="de-DE" dirty="0" smtClean="0"/>
+              <a:t> </a:t>
+            </a:r>
+            <a:r>
+              <a:rPr lang="de-DE" dirty="0" err="1" smtClean="0"/>
+              <a:t>mean</a:t>
+            </a:r>
+            <a:r>
+              <a:rPr lang="de-DE" dirty="0" smtClean="0"/>
+              <a:t> </a:t>
+            </a:r>
+            <a:r>
+              <a:rPr lang="de-DE" dirty="0" err="1" smtClean="0"/>
+              <a:t>any</a:t>
+            </a:r>
+            <a:r>
+              <a:rPr lang="de-DE" dirty="0" smtClean="0"/>
+              <a:t> </a:t>
+            </a:r>
+            <a:r>
+              <a:rPr lang="de-DE" dirty="0" err="1" smtClean="0"/>
+              <a:t>test</a:t>
+            </a:r>
+            <a:r>
+              <a:rPr lang="de-DE" dirty="0" smtClean="0"/>
+              <a:t> </a:t>
+            </a:r>
+            <a:r>
+              <a:rPr lang="de-DE" dirty="0" err="1" smtClean="0"/>
+              <a:t>whose</a:t>
+            </a:r>
+            <a:r>
+              <a:rPr lang="de-DE" dirty="0" smtClean="0"/>
+              <a:t> </a:t>
+            </a:r>
+            <a:r>
+              <a:rPr lang="de-DE" dirty="0" err="1" smtClean="0"/>
+              <a:t>result</a:t>
+            </a:r>
+            <a:r>
+              <a:rPr lang="de-DE" dirty="0" smtClean="0"/>
+              <a:t> (pass </a:t>
+            </a:r>
+            <a:r>
+              <a:rPr lang="de-DE" dirty="0" err="1" smtClean="0"/>
+              <a:t>or</a:t>
+            </a:r>
+            <a:r>
+              <a:rPr lang="de-DE" dirty="0" smtClean="0"/>
+              <a:t> </a:t>
+            </a:r>
+            <a:r>
+              <a:rPr lang="de-DE" dirty="0" err="1" smtClean="0"/>
+              <a:t>fail</a:t>
+            </a:r>
+            <a:r>
+              <a:rPr lang="de-DE" dirty="0" smtClean="0"/>
+              <a:t>) </a:t>
+            </a:r>
+            <a:r>
+              <a:rPr lang="de-DE" dirty="0" err="1" smtClean="0"/>
+              <a:t>depends</a:t>
+            </a:r>
+            <a:r>
+              <a:rPr lang="de-DE" dirty="0" smtClean="0"/>
+              <a:t> on </a:t>
+            </a:r>
+            <a:r>
+              <a:rPr lang="de-DE" dirty="0" err="1" smtClean="0"/>
+              <a:t>the</a:t>
+            </a:r>
+            <a:r>
+              <a:rPr lang="de-DE" dirty="0" smtClean="0"/>
+              <a:t> </a:t>
+            </a:r>
+            <a:r>
+              <a:rPr lang="de-DE" dirty="0" err="1" smtClean="0"/>
+              <a:t>correctness</a:t>
+            </a:r>
+            <a:r>
+              <a:rPr lang="de-DE" dirty="0" smtClean="0"/>
+              <a:t> </a:t>
+            </a:r>
+            <a:r>
+              <a:rPr lang="de-DE" dirty="0" err="1" smtClean="0"/>
+              <a:t>of</a:t>
+            </a:r>
+            <a:r>
+              <a:rPr lang="de-DE" dirty="0" smtClean="0"/>
+              <a:t> </a:t>
+            </a:r>
+            <a:r>
+              <a:rPr lang="de-DE" dirty="0" err="1" smtClean="0"/>
+              <a:t>the</a:t>
+            </a:r>
+            <a:r>
+              <a:rPr lang="de-DE" dirty="0" smtClean="0"/>
+              <a:t> </a:t>
+            </a:r>
+            <a:r>
+              <a:rPr lang="de-DE" dirty="0" err="1" smtClean="0"/>
+              <a:t>implementation</a:t>
+            </a:r>
+            <a:r>
+              <a:rPr lang="de-DE" dirty="0" smtClean="0"/>
+              <a:t> </a:t>
+            </a:r>
+            <a:r>
+              <a:rPr lang="de-DE" dirty="0" err="1" smtClean="0"/>
+              <a:t>of</a:t>
+            </a:r>
+            <a:r>
+              <a:rPr lang="de-DE" dirty="0" smtClean="0"/>
+              <a:t> </a:t>
+            </a:r>
+            <a:r>
+              <a:rPr lang="de-DE" dirty="0" err="1" smtClean="0"/>
+              <a:t>more</a:t>
+            </a:r>
+            <a:r>
+              <a:rPr lang="de-DE" dirty="0" smtClean="0"/>
+              <a:t> </a:t>
+            </a:r>
+            <a:r>
+              <a:rPr lang="de-DE" dirty="0" err="1" smtClean="0"/>
+              <a:t>than</a:t>
+            </a:r>
+            <a:r>
+              <a:rPr lang="de-DE" dirty="0" smtClean="0"/>
+              <a:t> </a:t>
+            </a:r>
+            <a:r>
+              <a:rPr lang="de-DE" dirty="0" err="1" smtClean="0"/>
+              <a:t>one</a:t>
+            </a:r>
+            <a:r>
+              <a:rPr lang="de-DE" dirty="0" smtClean="0"/>
+              <a:t> </a:t>
+            </a:r>
+            <a:r>
+              <a:rPr lang="de-DE" dirty="0" err="1" smtClean="0"/>
+              <a:t>piece</a:t>
+            </a:r>
+            <a:r>
+              <a:rPr lang="de-DE" dirty="0" smtClean="0"/>
+              <a:t> </a:t>
+            </a:r>
+            <a:r>
+              <a:rPr lang="de-DE" dirty="0" err="1" smtClean="0"/>
+              <a:t>of</a:t>
+            </a:r>
+            <a:r>
+              <a:rPr lang="de-DE" dirty="0" smtClean="0"/>
+              <a:t> non-trivial </a:t>
+            </a:r>
+            <a:r>
+              <a:rPr lang="de-DE" dirty="0" err="1" smtClean="0"/>
+              <a:t>behavior</a:t>
+            </a:r>
+            <a:r>
+              <a:rPr lang="de-DE" dirty="0" smtClean="0"/>
+              <a:t>.</a:t>
+            </a:r>
+          </a:p>
+          <a:p>
+            <a:pPr marL="0" marR="0" indent="0" algn="l" defTabSz="914400" rtl="0" eaLnBrk="1" fontAlgn="auto" latinLnBrk="0" hangingPunct="1">
+              <a:lnSpc>
+                <a:spcPct val="100000"/>
+              </a:lnSpc>
+              <a:spcBef>
+                <a:spcPts val="0"/>
+              </a:spcBef>
+              <a:spcAft>
+                <a:spcPts val="0"/>
+              </a:spcAft>
+              <a:buClrTx/>
+              <a:buSzTx/>
+              <a:buFontTx/>
+              <a:buNone/>
+              <a:tabLst/>
+              <a:defRPr/>
+            </a:pPr>
+            <a:endParaRPr lang="de-DE" dirty="0" smtClean="0"/>
+          </a:p>
+          <a:p>
+            <a:pPr marL="0" marR="0" indent="0" algn="l" defTabSz="914400" rtl="0" eaLnBrk="1" fontAlgn="auto" latinLnBrk="0" hangingPunct="1">
+              <a:lnSpc>
+                <a:spcPct val="100000"/>
+              </a:lnSpc>
+              <a:spcBef>
+                <a:spcPts val="0"/>
+              </a:spcBef>
+              <a:spcAft>
+                <a:spcPts val="0"/>
+              </a:spcAft>
+              <a:buClrTx/>
+              <a:buSzTx/>
+              <a:buFontTx/>
+              <a:buNone/>
+              <a:tabLst/>
+              <a:defRPr/>
+            </a:pPr>
+            <a:r>
+              <a:rPr lang="de-DE" dirty="0" smtClean="0"/>
+              <a:t>Unit Tests </a:t>
+            </a:r>
+            <a:r>
+              <a:rPr lang="de-DE" dirty="0" err="1" smtClean="0"/>
+              <a:t>often</a:t>
+            </a:r>
+            <a:r>
+              <a:rPr lang="de-DE" dirty="0" smtClean="0"/>
+              <a:t> not </a:t>
+            </a:r>
+            <a:r>
+              <a:rPr lang="de-DE" dirty="0" err="1" smtClean="0"/>
+              <a:t>enough</a:t>
+            </a:r>
+            <a:r>
+              <a:rPr lang="de-DE" dirty="0" smtClean="0"/>
+              <a:t>. </a:t>
+            </a:r>
+            <a:r>
+              <a:rPr lang="de-DE" dirty="0" err="1" smtClean="0"/>
+              <a:t>Defects</a:t>
+            </a:r>
+            <a:r>
+              <a:rPr lang="de-DE" dirty="0" smtClean="0"/>
+              <a:t> in </a:t>
+            </a:r>
+            <a:r>
+              <a:rPr lang="de-DE" dirty="0" err="1" smtClean="0"/>
+              <a:t>software</a:t>
+            </a:r>
+            <a:r>
+              <a:rPr lang="de-DE" dirty="0" smtClean="0"/>
+              <a:t> </a:t>
+            </a:r>
+            <a:r>
+              <a:rPr lang="de-DE" dirty="0" err="1" smtClean="0"/>
+              <a:t>although</a:t>
+            </a:r>
+            <a:r>
+              <a:rPr lang="de-DE" dirty="0" smtClean="0"/>
+              <a:t> high </a:t>
+            </a:r>
+            <a:r>
+              <a:rPr lang="de-DE" dirty="0" err="1" smtClean="0"/>
+              <a:t>coverage</a:t>
+            </a:r>
+            <a:r>
+              <a:rPr lang="de-DE" dirty="0" smtClean="0"/>
+              <a:t> </a:t>
+            </a:r>
+            <a:r>
+              <a:rPr lang="de-DE" dirty="0" err="1" smtClean="0"/>
+              <a:t>with</a:t>
+            </a:r>
+            <a:r>
+              <a:rPr lang="de-DE" dirty="0" smtClean="0"/>
+              <a:t> </a:t>
+            </a:r>
+            <a:r>
+              <a:rPr lang="de-DE" dirty="0" err="1" smtClean="0"/>
+              <a:t>unit</a:t>
+            </a:r>
+            <a:r>
+              <a:rPr lang="de-DE" dirty="0" smtClean="0"/>
+              <a:t> </a:t>
+            </a:r>
+            <a:r>
+              <a:rPr lang="de-DE" dirty="0" err="1" smtClean="0"/>
+              <a:t>tests</a:t>
+            </a:r>
+            <a:r>
+              <a:rPr lang="de-DE" baseline="0" dirty="0" smtClean="0"/>
+              <a:t> -&gt; „</a:t>
+            </a:r>
+            <a:r>
+              <a:rPr lang="de-DE" baseline="0" dirty="0" err="1" smtClean="0"/>
+              <a:t>Let‘s</a:t>
+            </a:r>
+            <a:r>
+              <a:rPr lang="de-DE" baseline="0" dirty="0" smtClean="0"/>
+              <a:t> </a:t>
+            </a:r>
+            <a:r>
+              <a:rPr lang="de-DE" baseline="0" dirty="0" err="1" smtClean="0"/>
+              <a:t>write</a:t>
+            </a:r>
+            <a:r>
+              <a:rPr lang="de-DE" baseline="0" dirty="0" smtClean="0"/>
+              <a:t> </a:t>
+            </a:r>
+            <a:r>
+              <a:rPr lang="de-DE" baseline="0" dirty="0" err="1" smtClean="0"/>
+              <a:t>integrated</a:t>
+            </a:r>
+            <a:r>
+              <a:rPr lang="de-DE" baseline="0" dirty="0" smtClean="0"/>
+              <a:t> </a:t>
+            </a:r>
+            <a:r>
+              <a:rPr lang="de-DE" baseline="0" dirty="0" err="1" smtClean="0"/>
+              <a:t>tests</a:t>
+            </a:r>
+            <a:r>
+              <a:rPr lang="de-DE" baseline="0" dirty="0" smtClean="0"/>
+              <a:t>!“</a:t>
+            </a:r>
+          </a:p>
+          <a:p>
+            <a:pPr marL="0" marR="0" indent="0" algn="l" defTabSz="914400" rtl="0" eaLnBrk="1" fontAlgn="auto" latinLnBrk="0" hangingPunct="1">
+              <a:lnSpc>
+                <a:spcPct val="100000"/>
+              </a:lnSpc>
+              <a:spcBef>
+                <a:spcPts val="0"/>
+              </a:spcBef>
+              <a:spcAft>
+                <a:spcPts val="0"/>
+              </a:spcAft>
+              <a:buClrTx/>
+              <a:buSzTx/>
+              <a:buFontTx/>
+              <a:buNone/>
+              <a:tabLst/>
+              <a:defRPr/>
+            </a:pPr>
+            <a:endParaRPr lang="de-DE" baseline="0" dirty="0" smtClean="0"/>
+          </a:p>
+          <a:p>
+            <a:pPr marL="0" marR="0" indent="0" algn="l" defTabSz="914400" rtl="0" eaLnBrk="1" fontAlgn="auto" latinLnBrk="0" hangingPunct="1">
+              <a:lnSpc>
+                <a:spcPct val="100000"/>
+              </a:lnSpc>
+              <a:spcBef>
+                <a:spcPts val="0"/>
+              </a:spcBef>
+              <a:spcAft>
+                <a:spcPts val="0"/>
+              </a:spcAft>
+              <a:buClrTx/>
+              <a:buSzTx/>
+              <a:buFontTx/>
+              <a:buNone/>
+              <a:tabLst/>
+              <a:defRPr/>
+            </a:pPr>
+            <a:r>
+              <a:rPr lang="de-DE" dirty="0" smtClean="0"/>
+              <a:t>BANG - </a:t>
+            </a:r>
+            <a:r>
+              <a:rPr lang="de-DE" dirty="0" err="1" smtClean="0"/>
+              <a:t>Combinatory</a:t>
+            </a:r>
+            <a:r>
+              <a:rPr lang="de-DE" dirty="0" smtClean="0"/>
+              <a:t> </a:t>
+            </a:r>
+            <a:r>
+              <a:rPr lang="de-DE" dirty="0" err="1" smtClean="0"/>
+              <a:t>explosion</a:t>
+            </a:r>
+            <a:r>
+              <a:rPr lang="de-DE" dirty="0" smtClean="0"/>
+              <a:t>.</a:t>
+            </a:r>
+          </a:p>
+          <a:p>
+            <a:pPr marL="0" marR="0" indent="0" algn="l" defTabSz="914400" rtl="0" eaLnBrk="1" fontAlgn="auto" latinLnBrk="0" hangingPunct="1">
+              <a:lnSpc>
+                <a:spcPct val="100000"/>
+              </a:lnSpc>
+              <a:spcBef>
+                <a:spcPts val="0"/>
+              </a:spcBef>
+              <a:spcAft>
+                <a:spcPts val="0"/>
+              </a:spcAft>
+              <a:buClrTx/>
+              <a:buSzTx/>
+              <a:buFontTx/>
+              <a:buNone/>
+              <a:tabLst/>
+              <a:defRPr/>
+            </a:pPr>
+            <a:r>
+              <a:rPr lang="de-DE" dirty="0" smtClean="0"/>
+              <a:t>----- Besprechungsnotizen (16.05.16 18:24) -----</a:t>
+            </a:r>
+          </a:p>
+          <a:p>
+            <a:pPr marL="0" marR="0" indent="0" algn="l" defTabSz="914400" rtl="0" eaLnBrk="1" fontAlgn="auto" latinLnBrk="0" hangingPunct="1">
+              <a:lnSpc>
+                <a:spcPct val="100000"/>
+              </a:lnSpc>
+              <a:spcBef>
+                <a:spcPts val="0"/>
+              </a:spcBef>
+              <a:spcAft>
+                <a:spcPts val="0"/>
+              </a:spcAft>
+              <a:buClrTx/>
+              <a:buSzTx/>
+              <a:buFontTx/>
+              <a:buNone/>
+              <a:tabLst/>
+              <a:defRPr/>
+            </a:pPr>
+            <a:r>
+              <a:rPr lang="de-DE" dirty="0" smtClean="0"/>
+              <a:t>Testing your functions in an integrated runtime</a:t>
+            </a:r>
+          </a:p>
+          <a:p>
+            <a:pPr marL="0" marR="0" indent="0" algn="l" defTabSz="914400" rtl="0" eaLnBrk="1" fontAlgn="auto" latinLnBrk="0" hangingPunct="1">
+              <a:lnSpc>
+                <a:spcPct val="100000"/>
+              </a:lnSpc>
+              <a:spcBef>
+                <a:spcPts val="0"/>
+              </a:spcBef>
+              <a:spcAft>
+                <a:spcPts val="0"/>
+              </a:spcAft>
+              <a:buClrTx/>
+              <a:buSzTx/>
+              <a:buFontTx/>
+              <a:buNone/>
+              <a:tabLst/>
+              <a:defRPr/>
+            </a:pPr>
+            <a:endParaRPr lang="de-DE" dirty="0" smtClean="0"/>
+          </a:p>
+          <a:p>
+            <a:pPr marL="0" marR="0" indent="0" algn="l" defTabSz="914400" rtl="0" eaLnBrk="1" fontAlgn="auto" latinLnBrk="0" hangingPunct="1">
+              <a:lnSpc>
+                <a:spcPct val="100000"/>
+              </a:lnSpc>
+              <a:spcBef>
+                <a:spcPts val="0"/>
+              </a:spcBef>
+              <a:spcAft>
+                <a:spcPts val="0"/>
+              </a:spcAft>
+              <a:buClrTx/>
+              <a:buSzTx/>
+              <a:buFontTx/>
+              <a:buNone/>
+              <a:tabLst/>
+              <a:defRPr/>
+            </a:pPr>
+            <a:r>
+              <a:rPr lang="de-DE" dirty="0" smtClean="0"/>
+              <a:t>vs.</a:t>
+            </a:r>
+          </a:p>
+          <a:p>
+            <a:pPr marL="0" marR="0" indent="0" algn="l" defTabSz="914400" rtl="0" eaLnBrk="1" fontAlgn="auto" latinLnBrk="0" hangingPunct="1">
+              <a:lnSpc>
+                <a:spcPct val="100000"/>
+              </a:lnSpc>
+              <a:spcBef>
+                <a:spcPts val="0"/>
+              </a:spcBef>
+              <a:spcAft>
+                <a:spcPts val="0"/>
+              </a:spcAft>
+              <a:buClrTx/>
+              <a:buSzTx/>
+              <a:buFontTx/>
+              <a:buNone/>
+              <a:tabLst/>
+              <a:defRPr/>
+            </a:pPr>
+            <a:endParaRPr lang="de-DE" dirty="0" smtClean="0"/>
+          </a:p>
+          <a:p>
+            <a:pPr marL="0" marR="0" indent="0" algn="l" defTabSz="914400" rtl="0" eaLnBrk="1" fontAlgn="auto" latinLnBrk="0" hangingPunct="1">
+              <a:lnSpc>
+                <a:spcPct val="100000"/>
+              </a:lnSpc>
+              <a:spcBef>
+                <a:spcPts val="0"/>
+              </a:spcBef>
+              <a:spcAft>
+                <a:spcPts val="0"/>
+              </a:spcAft>
+              <a:buClrTx/>
+              <a:buSzTx/>
+              <a:buFontTx/>
+              <a:buNone/>
+              <a:tabLst/>
+              <a:defRPr/>
+            </a:pPr>
+            <a:r>
+              <a:rPr lang="de-DE" dirty="0" smtClean="0"/>
+              <a:t>Test that your modules work even when integrated</a:t>
+            </a:r>
             <a:endParaRPr lang="de-DE" dirty="0"/>
           </a:p>
         </p:txBody>
@@ -573,13 +1141,18 @@
             <a:fld id="{C409E338-0634-4D54-A97B-56A83111FA06}" type="slidenum">
               <a:rPr lang="de-DE" smtClean="0"/>
               <a:pPr/>
-              <a:t>7</a:t>
+              <a:t>4</a:t>
             </a:fld>
             <a:endParaRPr lang="de-DE"/>
           </a:p>
         </p:txBody>
       </p:sp>
     </p:spTree>
+    <p:extLst>
+      <p:ext uri="{BB962C8B-B14F-4D97-AF65-F5344CB8AC3E}">
+        <p14:creationId xmlns:p14="http://schemas.microsoft.com/office/powerpoint/2010/main" val="2883834159"/>
+      </p:ext>
+    </p:extLst>
   </p:cSld>
   <p:clrMapOvr>
     <a:masterClrMapping/>
@@ -628,11 +1201,184 @@
         </p:nvSpPr>
         <p:spPr/>
         <p:txBody>
-          <a:bodyPr>
-            <a:normAutofit/>
-          </a:bodyPr>
+          <a:bodyPr/>
           <a:lstStyle/>
           <a:p>
+            <a:r>
+              <a:rPr lang="de-DE" dirty="0" smtClean="0"/>
+              <a:t>Inside-Out – Starts </a:t>
+            </a:r>
+            <a:r>
+              <a:rPr lang="de-DE" dirty="0" err="1" smtClean="0"/>
+              <a:t>from</a:t>
+            </a:r>
+            <a:r>
+              <a:rPr lang="de-DE" dirty="0" smtClean="0"/>
+              <a:t> </a:t>
+            </a:r>
+            <a:r>
+              <a:rPr lang="de-DE" dirty="0" err="1" smtClean="0"/>
+              <a:t>the</a:t>
+            </a:r>
+            <a:r>
+              <a:rPr lang="de-DE" dirty="0" smtClean="0"/>
+              <a:t> </a:t>
+            </a:r>
+            <a:r>
+              <a:rPr lang="de-DE" dirty="0" err="1" smtClean="0"/>
+              <a:t>innermost</a:t>
+            </a:r>
+            <a:r>
+              <a:rPr lang="de-DE" dirty="0" smtClean="0"/>
+              <a:t> </a:t>
+            </a:r>
+            <a:r>
+              <a:rPr lang="de-DE" dirty="0" err="1" smtClean="0"/>
+              <a:t>unit</a:t>
+            </a:r>
+            <a:endParaRPr lang="de-DE" dirty="0" smtClean="0"/>
+          </a:p>
+          <a:p>
+            <a:r>
+              <a:rPr lang="de-DE" dirty="0" err="1" smtClean="0"/>
+              <a:t>Risks</a:t>
+            </a:r>
+            <a:r>
+              <a:rPr lang="de-DE" dirty="0" smtClean="0"/>
+              <a:t> -&gt; </a:t>
+            </a:r>
+            <a:r>
+              <a:rPr lang="de-DE" dirty="0" err="1" smtClean="0"/>
+              <a:t>overengineering</a:t>
+            </a:r>
+            <a:endParaRPr lang="de-DE" dirty="0" smtClean="0"/>
+          </a:p>
+          <a:p>
+            <a:r>
+              <a:rPr lang="de-DE" dirty="0" smtClean="0"/>
+              <a:t>          -&gt;</a:t>
+            </a:r>
+            <a:r>
+              <a:rPr lang="de-DE" baseline="0" dirty="0" smtClean="0"/>
+              <a:t> </a:t>
+            </a:r>
+            <a:r>
+              <a:rPr lang="de-DE" baseline="0" dirty="0" err="1" smtClean="0"/>
+              <a:t>doesn‘t</a:t>
+            </a:r>
+            <a:r>
+              <a:rPr lang="de-DE" baseline="0" dirty="0" smtClean="0"/>
+              <a:t> </a:t>
+            </a:r>
+            <a:r>
+              <a:rPr lang="de-DE" baseline="0" dirty="0" err="1" smtClean="0"/>
+              <a:t>meet</a:t>
+            </a:r>
+            <a:r>
+              <a:rPr lang="de-DE" baseline="0" dirty="0" smtClean="0"/>
+              <a:t> </a:t>
+            </a:r>
+            <a:r>
+              <a:rPr lang="de-DE" baseline="0" dirty="0" err="1" smtClean="0"/>
+              <a:t>client‘s</a:t>
+            </a:r>
+            <a:r>
+              <a:rPr lang="de-DE" baseline="0" dirty="0" smtClean="0"/>
+              <a:t> </a:t>
+            </a:r>
+            <a:r>
+              <a:rPr lang="de-DE" baseline="0" dirty="0" err="1" smtClean="0"/>
+              <a:t>requirements</a:t>
+            </a:r>
+            <a:endParaRPr lang="de-DE" baseline="0" dirty="0" smtClean="0"/>
+          </a:p>
+          <a:p>
+            <a:endParaRPr lang="de-DE" baseline="0" dirty="0" smtClean="0"/>
+          </a:p>
+          <a:p>
+            <a:r>
+              <a:rPr lang="de-DE" baseline="0" dirty="0" smtClean="0"/>
+              <a:t>Outside-In – </a:t>
+            </a:r>
+            <a:r>
+              <a:rPr lang="de-DE" baseline="0" dirty="0" err="1" smtClean="0"/>
+              <a:t>starts</a:t>
+            </a:r>
+            <a:r>
+              <a:rPr lang="de-DE" baseline="0" dirty="0" smtClean="0"/>
+              <a:t> </a:t>
+            </a:r>
+            <a:r>
+              <a:rPr lang="de-DE" baseline="0" dirty="0" err="1" smtClean="0"/>
+              <a:t>from</a:t>
+            </a:r>
+            <a:r>
+              <a:rPr lang="de-DE" baseline="0" dirty="0" smtClean="0"/>
+              <a:t> </a:t>
+            </a:r>
+            <a:r>
+              <a:rPr lang="de-DE" baseline="0" dirty="0" err="1" smtClean="0"/>
+              <a:t>the</a:t>
+            </a:r>
+            <a:r>
+              <a:rPr lang="de-DE" baseline="0" dirty="0" smtClean="0"/>
+              <a:t> </a:t>
+            </a:r>
+            <a:r>
+              <a:rPr lang="de-DE" baseline="0" dirty="0" err="1" smtClean="0"/>
+              <a:t>clientside</a:t>
+            </a:r>
+            <a:endParaRPr lang="de-DE" baseline="0" dirty="0" smtClean="0"/>
+          </a:p>
+          <a:p>
+            <a:r>
+              <a:rPr lang="de-DE" baseline="0" dirty="0" smtClean="0"/>
+              <a:t>Tests </a:t>
+            </a:r>
+            <a:r>
+              <a:rPr lang="de-DE" baseline="0" dirty="0" err="1" smtClean="0"/>
+              <a:t>are</a:t>
+            </a:r>
+            <a:r>
+              <a:rPr lang="de-DE" baseline="0" dirty="0" smtClean="0"/>
+              <a:t> </a:t>
+            </a:r>
+            <a:r>
+              <a:rPr lang="de-DE" baseline="0" dirty="0" err="1" smtClean="0"/>
+              <a:t>driven</a:t>
+            </a:r>
+            <a:r>
+              <a:rPr lang="de-DE" baseline="0" dirty="0" smtClean="0"/>
+              <a:t> </a:t>
+            </a:r>
+            <a:r>
+              <a:rPr lang="de-DE" baseline="0" dirty="0" err="1" smtClean="0"/>
+              <a:t>by</a:t>
+            </a:r>
+            <a:r>
+              <a:rPr lang="de-DE" baseline="0" dirty="0" smtClean="0"/>
+              <a:t> </a:t>
+            </a:r>
+            <a:r>
+              <a:rPr lang="de-DE" baseline="0" dirty="0" err="1" smtClean="0"/>
+              <a:t>the</a:t>
+            </a:r>
+            <a:r>
+              <a:rPr lang="de-DE" baseline="0" dirty="0" smtClean="0"/>
+              <a:t> </a:t>
+            </a:r>
+            <a:r>
+              <a:rPr lang="de-DE" baseline="0" dirty="0" err="1" smtClean="0"/>
+              <a:t>client</a:t>
+            </a:r>
+            <a:r>
+              <a:rPr lang="de-DE" baseline="0" dirty="0" smtClean="0"/>
+              <a:t> </a:t>
+            </a:r>
+            <a:r>
+              <a:rPr lang="de-DE" baseline="0" dirty="0" err="1" smtClean="0"/>
+              <a:t>usage</a:t>
+            </a:r>
             <a:endParaRPr lang="de-DE" dirty="0"/>
           </a:p>
         </p:txBody>
@@ -655,13 +1401,18 @@
             <a:fld id="{C409E338-0634-4D54-A97B-56A83111FA06}" type="slidenum">
               <a:rPr lang="de-DE" smtClean="0"/>
               <a:pPr/>
-              <a:t>8</a:t>
+              <a:t>6</a:t>
             </a:fld>
             <a:endParaRPr lang="de-DE"/>
           </a:p>
         </p:txBody>
       </p:sp>
     </p:spTree>
+    <p:extLst>
+      <p:ext uri="{BB962C8B-B14F-4D97-AF65-F5344CB8AC3E}">
+        <p14:creationId xmlns:p14="http://schemas.microsoft.com/office/powerpoint/2010/main" val="2636513739"/>
+      </p:ext>
+    </p:extLst>
   </p:cSld>
   <p:clrMapOvr>
     <a:masterClrMapping/>
@@ -715,6 +1466,193 @@
           </a:bodyPr>
           <a:lstStyle/>
           <a:p>
+            <a:r>
+              <a:rPr lang="de-DE" dirty="0" err="1" smtClean="0"/>
+              <a:t>Your</a:t>
+            </a:r>
+            <a:r>
+              <a:rPr lang="de-DE" dirty="0" smtClean="0"/>
+              <a:t> </a:t>
+            </a:r>
+            <a:r>
+              <a:rPr lang="de-DE" dirty="0" err="1" smtClean="0"/>
+              <a:t>girlfriend</a:t>
+            </a:r>
+            <a:r>
+              <a:rPr lang="de-DE" dirty="0" smtClean="0"/>
+              <a:t> </a:t>
+            </a:r>
+            <a:r>
+              <a:rPr lang="de-DE" dirty="0" err="1" smtClean="0"/>
+              <a:t>orders</a:t>
+            </a:r>
+            <a:r>
+              <a:rPr lang="de-DE" dirty="0" smtClean="0"/>
+              <a:t> </a:t>
+            </a:r>
+            <a:r>
+              <a:rPr lang="de-DE" dirty="0" err="1" smtClean="0"/>
+              <a:t>Mititei</a:t>
+            </a:r>
+            <a:endParaRPr lang="de-DE" dirty="0" smtClean="0"/>
+          </a:p>
+          <a:p>
+            <a:r>
+              <a:rPr lang="de-DE" dirty="0" err="1" smtClean="0"/>
+              <a:t>You</a:t>
+            </a:r>
+            <a:r>
+              <a:rPr lang="de-DE" dirty="0" smtClean="0"/>
+              <a:t> </a:t>
+            </a:r>
+            <a:r>
+              <a:rPr lang="de-DE" dirty="0" err="1" smtClean="0"/>
+              <a:t>want</a:t>
+            </a:r>
+            <a:r>
+              <a:rPr lang="de-DE" dirty="0" smtClean="0"/>
+              <a:t> her </a:t>
+            </a:r>
+            <a:r>
+              <a:rPr lang="de-DE" dirty="0" err="1" smtClean="0"/>
+              <a:t>to</a:t>
+            </a:r>
+            <a:r>
+              <a:rPr lang="de-DE" dirty="0" smtClean="0"/>
+              <a:t> </a:t>
+            </a:r>
+            <a:r>
+              <a:rPr lang="de-DE" dirty="0" err="1" smtClean="0"/>
+              <a:t>have</a:t>
+            </a:r>
+            <a:r>
+              <a:rPr lang="de-DE" dirty="0" smtClean="0"/>
+              <a:t> </a:t>
+            </a:r>
+            <a:r>
+              <a:rPr lang="de-DE" dirty="0" err="1" smtClean="0"/>
+              <a:t>healthy</a:t>
+            </a:r>
+            <a:r>
+              <a:rPr lang="de-DE" dirty="0" smtClean="0"/>
+              <a:t> </a:t>
+            </a:r>
+            <a:r>
+              <a:rPr lang="de-DE" dirty="0" err="1" smtClean="0"/>
+              <a:t>food</a:t>
+            </a:r>
+            <a:endParaRPr lang="de-DE" dirty="0" smtClean="0"/>
+          </a:p>
+          <a:p>
+            <a:r>
+              <a:rPr lang="de-DE" dirty="0" smtClean="0"/>
+              <a:t>The </a:t>
+            </a:r>
+            <a:r>
+              <a:rPr lang="de-DE" dirty="0" err="1" smtClean="0"/>
+              <a:t>waiter</a:t>
+            </a:r>
+            <a:r>
+              <a:rPr lang="de-DE" dirty="0" smtClean="0"/>
+              <a:t> </a:t>
+            </a:r>
+            <a:r>
+              <a:rPr lang="de-DE" dirty="0" err="1" smtClean="0"/>
+              <a:t>brings</a:t>
+            </a:r>
+            <a:r>
+              <a:rPr lang="de-DE" dirty="0" smtClean="0"/>
+              <a:t> </a:t>
+            </a:r>
+            <a:r>
+              <a:rPr lang="de-DE" dirty="0" err="1" smtClean="0"/>
+              <a:t>Mititei</a:t>
+            </a:r>
+            <a:endParaRPr lang="de-DE" dirty="0" smtClean="0"/>
+          </a:p>
+          <a:p>
+            <a:r>
+              <a:rPr lang="de-DE" dirty="0" err="1" smtClean="0"/>
+              <a:t>She</a:t>
+            </a:r>
+            <a:r>
+              <a:rPr lang="de-DE" dirty="0" smtClean="0"/>
+              <a:t> </a:t>
+            </a:r>
+            <a:r>
+              <a:rPr lang="de-DE" dirty="0" err="1" smtClean="0"/>
+              <a:t>looks</a:t>
+            </a:r>
+            <a:r>
+              <a:rPr lang="de-DE" dirty="0" smtClean="0"/>
+              <a:t> </a:t>
+            </a:r>
+            <a:r>
+              <a:rPr lang="de-DE" dirty="0" err="1" smtClean="0"/>
+              <a:t>away</a:t>
+            </a:r>
+            <a:r>
+              <a:rPr lang="de-DE" dirty="0" smtClean="0"/>
+              <a:t> – </a:t>
+            </a:r>
+            <a:r>
+              <a:rPr lang="de-DE" dirty="0" err="1" smtClean="0"/>
+              <a:t>and</a:t>
+            </a:r>
+            <a:r>
+              <a:rPr lang="de-DE" dirty="0" smtClean="0"/>
+              <a:t> </a:t>
+            </a:r>
+            <a:r>
+              <a:rPr lang="de-DE" dirty="0" err="1" smtClean="0"/>
+              <a:t>suddenly</a:t>
+            </a:r>
+            <a:r>
+              <a:rPr lang="de-DE" dirty="0" smtClean="0"/>
+              <a:t> (</a:t>
+            </a:r>
+            <a:r>
+              <a:rPr lang="de-DE" dirty="0" err="1" smtClean="0"/>
+              <a:t>magically</a:t>
+            </a:r>
+            <a:r>
+              <a:rPr lang="de-DE" dirty="0" smtClean="0"/>
+              <a:t>) </a:t>
+            </a:r>
+            <a:r>
+              <a:rPr lang="de-DE" dirty="0" err="1" smtClean="0"/>
+              <a:t>it</a:t>
+            </a:r>
+            <a:r>
+              <a:rPr lang="de-DE" dirty="0" smtClean="0"/>
+              <a:t> </a:t>
+            </a:r>
+            <a:r>
+              <a:rPr lang="de-DE" dirty="0" err="1" smtClean="0"/>
+              <a:t>becomes</a:t>
+            </a:r>
+            <a:r>
+              <a:rPr lang="de-DE" baseline="0" dirty="0" smtClean="0"/>
+              <a:t> </a:t>
+            </a:r>
+            <a:r>
+              <a:rPr lang="de-DE" baseline="0" dirty="0" err="1" smtClean="0"/>
+              <a:t>spinach</a:t>
+            </a:r>
+            <a:endParaRPr lang="de-DE" baseline="0" dirty="0" smtClean="0"/>
+          </a:p>
+          <a:p>
+            <a:endParaRPr lang="de-DE" baseline="0" dirty="0" smtClean="0"/>
+          </a:p>
+          <a:p>
+            <a:r>
+              <a:rPr lang="de-DE" baseline="0" dirty="0" smtClean="0"/>
+              <a:t>Cool / </a:t>
+            </a:r>
+            <a:r>
+              <a:rPr lang="de-DE" baseline="0" dirty="0" err="1" smtClean="0"/>
+              <a:t>Spooky</a:t>
+            </a:r>
             <a:endParaRPr lang="de-DE" dirty="0"/>
           </a:p>
         </p:txBody>
@@ -737,6 +1675,170 @@
             <a:fld id="{C409E338-0634-4D54-A97B-56A83111FA06}" type="slidenum">
               <a:rPr lang="de-DE" smtClean="0"/>
               <a:pPr/>
+              <a:t>7</a:t>
+            </a:fld>
+            <a:endParaRPr lang="de-DE"/>
+          </a:p>
+        </p:txBody>
+      </p:sp>
+    </p:spTree>
+  </p:cSld>
+  <p:clrMapOvr>
+    <a:masterClrMapping/>
+  </p:clrMapOvr>
+</p:notes>
+</file>
+
+<file path=ppt/notesSlides/notesSlide4.xml><?xml version="1.0" encoding="utf-8"?>
+<p:notes xmlns:a="http://schemas.openxmlformats.org/drawingml/2006/main" xmlns:r="http://schemas.openxmlformats.org/officeDocument/2006/relationships" xmlns:p="http://schemas.openxmlformats.org/presentationml/2006/main">
+  <p:cSld>
+    <p:spTree>
+      <p:nvGrpSpPr>
+        <p:cNvPr id="1" name=""/>
+        <p:cNvGrpSpPr/>
+        <p:nvPr/>
+      </p:nvGrpSpPr>
+      <p:grpSpPr>
+        <a:xfrm>
+          <a:off x="0" y="0"/>
+          <a:ext cx="0" cy="0"/>
+          <a:chOff x="0" y="0"/>
+          <a:chExt cx="0" cy="0"/>
+        </a:xfrm>
+      </p:grpSpPr>
+      <p:sp>
+        <p:nvSpPr>
+          <p:cNvPr id="2" name="Folienbildplatzhalter 1"/>
+          <p:cNvSpPr>
+            <a:spLocks noGrp="1" noRot="1" noChangeAspect="1"/>
+          </p:cNvSpPr>
+          <p:nvPr>
+            <p:ph type="sldImg"/>
+          </p:nvPr>
+        </p:nvSpPr>
+        <p:spPr/>
+      </p:sp>
+      <p:sp>
+        <p:nvSpPr>
+          <p:cNvPr id="3" name="Notizenplatzhalter 2"/>
+          <p:cNvSpPr>
+            <a:spLocks noGrp="1"/>
+          </p:cNvSpPr>
+          <p:nvPr>
+            <p:ph type="body" idx="1"/>
+          </p:nvPr>
+        </p:nvSpPr>
+        <p:spPr/>
+        <p:txBody>
+          <a:bodyPr>
+            <a:normAutofit/>
+          </a:bodyPr>
+          <a:lstStyle/>
+          <a:p>
+            <a:endParaRPr lang="de-DE" dirty="0"/>
+          </a:p>
+        </p:txBody>
+      </p:sp>
+      <p:sp>
+        <p:nvSpPr>
+          <p:cNvPr id="4" name="Foliennummernplatzhalter 3"/>
+          <p:cNvSpPr>
+            <a:spLocks noGrp="1"/>
+          </p:cNvSpPr>
+          <p:nvPr>
+            <p:ph type="sldNum" sz="quarter" idx="10"/>
+          </p:nvPr>
+        </p:nvSpPr>
+        <p:spPr/>
+        <p:txBody>
+          <a:bodyPr/>
+          <a:lstStyle/>
+          <a:p>
+            <a:fld id="{C409E338-0634-4D54-A97B-56A83111FA06}" type="slidenum">
+              <a:rPr lang="de-DE" smtClean="0"/>
+              <a:pPr/>
+              <a:t>8</a:t>
+            </a:fld>
+            <a:endParaRPr lang="de-DE"/>
+          </a:p>
+        </p:txBody>
+      </p:sp>
+    </p:spTree>
+  </p:cSld>
+  <p:clrMapOvr>
+    <a:masterClrMapping/>
+  </p:clrMapOvr>
+</p:notes>
+</file>
+
+<file path=ppt/notesSlides/notesSlide5.xml><?xml version="1.0" encoding="utf-8"?>
+<p:notes xmlns:a="http://schemas.openxmlformats.org/drawingml/2006/main" xmlns:r="http://schemas.openxmlformats.org/officeDocument/2006/relationships" xmlns:p="http://schemas.openxmlformats.org/presentationml/2006/main">
+  <p:cSld>
+    <p:spTree>
+      <p:nvGrpSpPr>
+        <p:cNvPr id="1" name=""/>
+        <p:cNvGrpSpPr/>
+        <p:nvPr/>
+      </p:nvGrpSpPr>
+      <p:grpSpPr>
+        <a:xfrm>
+          <a:off x="0" y="0"/>
+          <a:ext cx="0" cy="0"/>
+          <a:chOff x="0" y="0"/>
+          <a:chExt cx="0" cy="0"/>
+        </a:xfrm>
+      </p:grpSpPr>
+      <p:sp>
+        <p:nvSpPr>
+          <p:cNvPr id="2" name="Folienbildplatzhalter 1"/>
+          <p:cNvSpPr>
+            <a:spLocks noGrp="1" noRot="1" noChangeAspect="1"/>
+          </p:cNvSpPr>
+          <p:nvPr>
+            <p:ph type="sldImg"/>
+          </p:nvPr>
+        </p:nvSpPr>
+        <p:spPr/>
+      </p:sp>
+      <p:sp>
+        <p:nvSpPr>
+          <p:cNvPr id="3" name="Notizenplatzhalter 2"/>
+          <p:cNvSpPr>
+            <a:spLocks noGrp="1"/>
+          </p:cNvSpPr>
+          <p:nvPr>
+            <p:ph type="body" idx="1"/>
+          </p:nvPr>
+        </p:nvSpPr>
+        <p:spPr/>
+        <p:txBody>
+          <a:bodyPr>
+            <a:normAutofit/>
+          </a:bodyPr>
+          <a:lstStyle/>
+          <a:p>
+            <a:endParaRPr lang="de-DE" dirty="0"/>
+          </a:p>
+        </p:txBody>
+      </p:sp>
+      <p:sp>
+        <p:nvSpPr>
+          <p:cNvPr id="4" name="Foliennummernplatzhalter 3"/>
+          <p:cNvSpPr>
+            <a:spLocks noGrp="1"/>
+          </p:cNvSpPr>
+          <p:nvPr>
+            <p:ph type="sldNum" sz="quarter" idx="10"/>
+          </p:nvPr>
+        </p:nvSpPr>
+        <p:spPr/>
+        <p:txBody>
+          <a:bodyPr/>
+          <a:lstStyle/>
+          <a:p>
+            <a:fld id="{C409E338-0634-4D54-A97B-56A83111FA06}" type="slidenum">
+              <a:rPr lang="de-DE" smtClean="0"/>
+              <a:pPr/>
               <a:t>9</a:t>
             </a:fld>
             <a:endParaRPr lang="de-DE"/>
@@ -744,6 +1846,454 @@
         </p:txBody>
       </p:sp>
     </p:spTree>
+  </p:cSld>
+  <p:clrMapOvr>
+    <a:masterClrMapping/>
+  </p:clrMapOvr>
+</p:notes>
+</file>
+
+<file path=ppt/notesSlides/notesSlide6.xml><?xml version="1.0" encoding="utf-8"?>
+<p:notes xmlns:a="http://schemas.openxmlformats.org/drawingml/2006/main" xmlns:r="http://schemas.openxmlformats.org/officeDocument/2006/relationships" xmlns:p="http://schemas.openxmlformats.org/presentationml/2006/main">
+  <p:cSld>
+    <p:spTree>
+      <p:nvGrpSpPr>
+        <p:cNvPr id="1" name=""/>
+        <p:cNvGrpSpPr/>
+        <p:nvPr/>
+      </p:nvGrpSpPr>
+      <p:grpSpPr>
+        <a:xfrm>
+          <a:off x="0" y="0"/>
+          <a:ext cx="0" cy="0"/>
+          <a:chOff x="0" y="0"/>
+          <a:chExt cx="0" cy="0"/>
+        </a:xfrm>
+      </p:grpSpPr>
+      <p:sp>
+        <p:nvSpPr>
+          <p:cNvPr id="2" name="Folienbildplatzhalter 1"/>
+          <p:cNvSpPr>
+            <a:spLocks noGrp="1" noRot="1" noChangeAspect="1"/>
+          </p:cNvSpPr>
+          <p:nvPr>
+            <p:ph type="sldImg"/>
+          </p:nvPr>
+        </p:nvSpPr>
+        <p:spPr/>
+      </p:sp>
+      <p:sp>
+        <p:nvSpPr>
+          <p:cNvPr id="3" name="Notizenplatzhalter 2"/>
+          <p:cNvSpPr>
+            <a:spLocks noGrp="1"/>
+          </p:cNvSpPr>
+          <p:nvPr>
+            <p:ph type="body" idx="1"/>
+          </p:nvPr>
+        </p:nvSpPr>
+        <p:spPr/>
+        <p:txBody>
+          <a:bodyPr/>
+          <a:lstStyle/>
+          <a:p>
+            <a:r>
+              <a:rPr lang="de-DE" dirty="0" err="1" smtClean="0"/>
+              <a:t>Generic</a:t>
+            </a:r>
+            <a:r>
+              <a:rPr lang="de-DE" dirty="0" smtClean="0"/>
+              <a:t> Term </a:t>
+            </a:r>
+            <a:r>
+              <a:rPr lang="de-DE" dirty="0" err="1" smtClean="0"/>
+              <a:t>for</a:t>
+            </a:r>
+            <a:r>
+              <a:rPr lang="de-DE" dirty="0" smtClean="0"/>
+              <a:t> </a:t>
+            </a:r>
+            <a:r>
+              <a:rPr lang="de-DE" dirty="0" err="1" smtClean="0"/>
+              <a:t>replacing</a:t>
+            </a:r>
+            <a:r>
+              <a:rPr lang="de-DE" dirty="0" smtClean="0"/>
+              <a:t> </a:t>
+            </a:r>
+            <a:r>
+              <a:rPr lang="de-DE" dirty="0" err="1" smtClean="0"/>
+              <a:t>production</a:t>
+            </a:r>
+            <a:r>
+              <a:rPr lang="de-DE" dirty="0" smtClean="0"/>
+              <a:t> </a:t>
+            </a:r>
+            <a:r>
+              <a:rPr lang="de-DE" dirty="0" err="1" smtClean="0"/>
+              <a:t>code</a:t>
+            </a:r>
+            <a:r>
+              <a:rPr lang="de-DE" dirty="0" smtClean="0"/>
+              <a:t> </a:t>
+            </a:r>
+            <a:r>
+              <a:rPr lang="de-DE" dirty="0" err="1" smtClean="0"/>
+              <a:t>inside</a:t>
+            </a:r>
+            <a:r>
+              <a:rPr lang="de-DE" dirty="0" smtClean="0"/>
+              <a:t> </a:t>
+            </a:r>
+            <a:r>
+              <a:rPr lang="de-DE" dirty="0" err="1" smtClean="0"/>
+              <a:t>tests</a:t>
+            </a:r>
+            <a:endParaRPr lang="de-DE" dirty="0" smtClean="0"/>
+          </a:p>
+          <a:p>
+            <a:r>
+              <a:rPr lang="de-DE" dirty="0" smtClean="0"/>
+              <a:t>JAVA</a:t>
+            </a:r>
+          </a:p>
+          <a:p>
+            <a:pPr marL="0" marR="0" indent="0" algn="l" defTabSz="914400" rtl="0" eaLnBrk="1" fontAlgn="auto" latinLnBrk="0" hangingPunct="1">
+              <a:lnSpc>
+                <a:spcPct val="100000"/>
+              </a:lnSpc>
+              <a:spcBef>
+                <a:spcPts val="0"/>
+              </a:spcBef>
+              <a:spcAft>
+                <a:spcPts val="0"/>
+              </a:spcAft>
+              <a:buClrTx/>
+              <a:buSzTx/>
+              <a:buFontTx/>
+              <a:buNone/>
+              <a:tabLst/>
+              <a:defRPr/>
+            </a:pPr>
+            <a:r>
+              <a:rPr lang="de-DE" dirty="0" smtClean="0"/>
+              <a:t>JAVA</a:t>
+            </a:r>
+          </a:p>
+          <a:p>
+            <a:pPr marL="0" marR="0" indent="0" algn="l" defTabSz="914400" rtl="0" eaLnBrk="1" fontAlgn="auto" latinLnBrk="0" hangingPunct="1">
+              <a:lnSpc>
+                <a:spcPct val="100000"/>
+              </a:lnSpc>
+              <a:spcBef>
+                <a:spcPts val="0"/>
+              </a:spcBef>
+              <a:spcAft>
+                <a:spcPts val="0"/>
+              </a:spcAft>
+              <a:buClrTx/>
+              <a:buSzTx/>
+              <a:buFontTx/>
+              <a:buNone/>
+              <a:tabLst/>
+              <a:defRPr/>
+            </a:pPr>
+            <a:r>
+              <a:rPr lang="de-DE" dirty="0" smtClean="0"/>
+              <a:t>JAVA</a:t>
+            </a:r>
+          </a:p>
+          <a:p>
+            <a:pPr marL="0" marR="0" indent="0" algn="l" defTabSz="914400" rtl="0" eaLnBrk="1" fontAlgn="auto" latinLnBrk="0" hangingPunct="1">
+              <a:lnSpc>
+                <a:spcPct val="100000"/>
+              </a:lnSpc>
+              <a:spcBef>
+                <a:spcPts val="0"/>
+              </a:spcBef>
+              <a:spcAft>
+                <a:spcPts val="0"/>
+              </a:spcAft>
+              <a:buClrTx/>
+              <a:buSzTx/>
+              <a:buFontTx/>
+              <a:buNone/>
+              <a:tabLst/>
+              <a:defRPr/>
+            </a:pPr>
+            <a:r>
+              <a:rPr lang="de-DE" dirty="0" smtClean="0"/>
+              <a:t>JAVA</a:t>
+            </a:r>
+          </a:p>
+          <a:p>
+            <a:pPr marL="0" marR="0" indent="0" algn="l" defTabSz="914400" rtl="0" eaLnBrk="1" fontAlgn="auto" latinLnBrk="0" hangingPunct="1">
+              <a:lnSpc>
+                <a:spcPct val="100000"/>
+              </a:lnSpc>
+              <a:spcBef>
+                <a:spcPts val="0"/>
+              </a:spcBef>
+              <a:spcAft>
+                <a:spcPts val="0"/>
+              </a:spcAft>
+              <a:buClrTx/>
+              <a:buSzTx/>
+              <a:buFontTx/>
+              <a:buNone/>
+              <a:tabLst/>
+              <a:defRPr/>
+            </a:pPr>
+            <a:r>
+              <a:rPr lang="de-DE" dirty="0" smtClean="0"/>
+              <a:t>JAVA</a:t>
+            </a:r>
+          </a:p>
+          <a:p>
+            <a:pPr marL="0" marR="0" indent="0" algn="l" defTabSz="914400" rtl="0" eaLnBrk="1" fontAlgn="auto" latinLnBrk="0" hangingPunct="1">
+              <a:lnSpc>
+                <a:spcPct val="100000"/>
+              </a:lnSpc>
+              <a:spcBef>
+                <a:spcPts val="0"/>
+              </a:spcBef>
+              <a:spcAft>
+                <a:spcPts val="0"/>
+              </a:spcAft>
+              <a:buClrTx/>
+              <a:buSzTx/>
+              <a:buFontTx/>
+              <a:buNone/>
+              <a:tabLst/>
+              <a:defRPr/>
+            </a:pPr>
+            <a:r>
+              <a:rPr lang="de-DE" dirty="0" smtClean="0"/>
+              <a:t>JAVA</a:t>
+            </a:r>
+          </a:p>
+          <a:p>
+            <a:pPr marL="0" marR="0" indent="0" algn="l" defTabSz="914400" rtl="0" eaLnBrk="1" fontAlgn="auto" latinLnBrk="0" hangingPunct="1">
+              <a:lnSpc>
+                <a:spcPct val="100000"/>
+              </a:lnSpc>
+              <a:spcBef>
+                <a:spcPts val="0"/>
+              </a:spcBef>
+              <a:spcAft>
+                <a:spcPts val="0"/>
+              </a:spcAft>
+              <a:buClrTx/>
+              <a:buSzTx/>
+              <a:buFontTx/>
+              <a:buNone/>
+              <a:tabLst/>
+              <a:defRPr/>
+            </a:pPr>
+            <a:r>
+              <a:rPr lang="de-DE" dirty="0" smtClean="0"/>
+              <a:t>JAVA</a:t>
+            </a:r>
+          </a:p>
+          <a:p>
+            <a:pPr marL="0" marR="0" indent="0" algn="l" defTabSz="914400" rtl="0" eaLnBrk="1" fontAlgn="auto" latinLnBrk="0" hangingPunct="1">
+              <a:lnSpc>
+                <a:spcPct val="100000"/>
+              </a:lnSpc>
+              <a:spcBef>
+                <a:spcPts val="0"/>
+              </a:spcBef>
+              <a:spcAft>
+                <a:spcPts val="0"/>
+              </a:spcAft>
+              <a:buClrTx/>
+              <a:buSzTx/>
+              <a:buFontTx/>
+              <a:buNone/>
+              <a:tabLst/>
+              <a:defRPr/>
+            </a:pPr>
+            <a:r>
+              <a:rPr lang="de-DE" dirty="0" smtClean="0"/>
+              <a:t>JAVA</a:t>
+            </a:r>
+          </a:p>
+          <a:p>
+            <a:endParaRPr lang="de-DE" dirty="0"/>
+          </a:p>
+        </p:txBody>
+      </p:sp>
+      <p:sp>
+        <p:nvSpPr>
+          <p:cNvPr id="4" name="Foliennummernplatzhalter 3"/>
+          <p:cNvSpPr>
+            <a:spLocks noGrp="1"/>
+          </p:cNvSpPr>
+          <p:nvPr>
+            <p:ph type="sldNum" sz="quarter" idx="10"/>
+          </p:nvPr>
+        </p:nvSpPr>
+        <p:spPr/>
+        <p:txBody>
+          <a:bodyPr/>
+          <a:lstStyle/>
+          <a:p>
+            <a:fld id="{C409E338-0634-4D54-A97B-56A83111FA06}" type="slidenum">
+              <a:rPr lang="de-DE" smtClean="0"/>
+              <a:pPr/>
+              <a:t>12</a:t>
+            </a:fld>
+            <a:endParaRPr lang="de-DE"/>
+          </a:p>
+        </p:txBody>
+      </p:sp>
+    </p:spTree>
+    <p:extLst>
+      <p:ext uri="{BB962C8B-B14F-4D97-AF65-F5344CB8AC3E}">
+        <p14:creationId xmlns:p14="http://schemas.microsoft.com/office/powerpoint/2010/main" val="2947478832"/>
+      </p:ext>
+    </p:extLst>
+  </p:cSld>
+  <p:clrMapOvr>
+    <a:masterClrMapping/>
+  </p:clrMapOvr>
+</p:notes>
+</file>
+
+<file path=ppt/notesSlides/notesSlide7.xml><?xml version="1.0" encoding="utf-8"?>
+<p:notes xmlns:a="http://schemas.openxmlformats.org/drawingml/2006/main" xmlns:r="http://schemas.openxmlformats.org/officeDocument/2006/relationships" xmlns:p="http://schemas.openxmlformats.org/presentationml/2006/main">
+  <p:cSld>
+    <p:spTree>
+      <p:nvGrpSpPr>
+        <p:cNvPr id="1" name=""/>
+        <p:cNvGrpSpPr/>
+        <p:nvPr/>
+      </p:nvGrpSpPr>
+      <p:grpSpPr>
+        <a:xfrm>
+          <a:off x="0" y="0"/>
+          <a:ext cx="0" cy="0"/>
+          <a:chOff x="0" y="0"/>
+          <a:chExt cx="0" cy="0"/>
+        </a:xfrm>
+      </p:grpSpPr>
+      <p:sp>
+        <p:nvSpPr>
+          <p:cNvPr id="2" name="Folienbildplatzhalter 1"/>
+          <p:cNvSpPr>
+            <a:spLocks noGrp="1" noRot="1" noChangeAspect="1"/>
+          </p:cNvSpPr>
+          <p:nvPr>
+            <p:ph type="sldImg"/>
+          </p:nvPr>
+        </p:nvSpPr>
+        <p:spPr/>
+      </p:sp>
+      <p:sp>
+        <p:nvSpPr>
+          <p:cNvPr id="3" name="Notizenplatzhalter 2"/>
+          <p:cNvSpPr>
+            <a:spLocks noGrp="1"/>
+          </p:cNvSpPr>
+          <p:nvPr>
+            <p:ph type="body" idx="1"/>
+          </p:nvPr>
+        </p:nvSpPr>
+        <p:spPr/>
+        <p:txBody>
+          <a:bodyPr/>
+          <a:lstStyle/>
+          <a:p>
+            <a:r>
+              <a:rPr lang="de-DE" dirty="0" err="1" smtClean="0"/>
+              <a:t>Sometimes</a:t>
+            </a:r>
+            <a:r>
+              <a:rPr lang="de-DE" baseline="0" dirty="0" smtClean="0"/>
+              <a:t> a </a:t>
+            </a:r>
+            <a:r>
+              <a:rPr lang="de-DE" baseline="0" dirty="0" err="1" smtClean="0"/>
+              <a:t>test</a:t>
+            </a:r>
+            <a:r>
+              <a:rPr lang="de-DE" baseline="0" dirty="0" smtClean="0"/>
+              <a:t> </a:t>
+            </a:r>
+            <a:r>
+              <a:rPr lang="de-DE" baseline="0" dirty="0" err="1" smtClean="0"/>
+              <a:t>asserts</a:t>
+            </a:r>
+            <a:r>
+              <a:rPr lang="de-DE" baseline="0" dirty="0" smtClean="0"/>
+              <a:t> </a:t>
+            </a:r>
+            <a:r>
+              <a:rPr lang="de-DE" baseline="0" dirty="0" err="1" smtClean="0"/>
+              <a:t>methods</a:t>
+            </a:r>
+            <a:r>
+              <a:rPr lang="de-DE" baseline="0" dirty="0" smtClean="0"/>
+              <a:t> </a:t>
+            </a:r>
+            <a:r>
+              <a:rPr lang="de-DE" baseline="0" dirty="0" err="1" smtClean="0"/>
+              <a:t>of</a:t>
+            </a:r>
+            <a:r>
+              <a:rPr lang="de-DE" baseline="0" dirty="0" smtClean="0"/>
+              <a:t> </a:t>
+            </a:r>
+            <a:r>
+              <a:rPr lang="de-DE" baseline="0" dirty="0" err="1" smtClean="0"/>
+              <a:t>the</a:t>
+            </a:r>
+            <a:r>
+              <a:rPr lang="de-DE" baseline="0" dirty="0" smtClean="0"/>
+              <a:t> </a:t>
+            </a:r>
+            <a:r>
+              <a:rPr lang="de-DE" baseline="0" dirty="0" err="1" smtClean="0"/>
+              <a:t>mock</a:t>
+            </a:r>
+            <a:r>
+              <a:rPr lang="de-DE" baseline="0" dirty="0" smtClean="0"/>
+              <a:t>.</a:t>
+            </a:r>
+            <a:endParaRPr lang="de-DE" dirty="0"/>
+          </a:p>
+        </p:txBody>
+      </p:sp>
+      <p:sp>
+        <p:nvSpPr>
+          <p:cNvPr id="4" name="Foliennummernplatzhalter 3"/>
+          <p:cNvSpPr>
+            <a:spLocks noGrp="1"/>
+          </p:cNvSpPr>
+          <p:nvPr>
+            <p:ph type="sldNum" sz="quarter" idx="10"/>
+          </p:nvPr>
+        </p:nvSpPr>
+        <p:spPr/>
+        <p:txBody>
+          <a:bodyPr/>
+          <a:lstStyle/>
+          <a:p>
+            <a:fld id="{C409E338-0634-4D54-A97B-56A83111FA06}" type="slidenum">
+              <a:rPr lang="de-DE" smtClean="0"/>
+              <a:pPr/>
+              <a:t>22</a:t>
+            </a:fld>
+            <a:endParaRPr lang="de-DE"/>
+          </a:p>
+        </p:txBody>
+      </p:sp>
+    </p:spTree>
+    <p:extLst>
+      <p:ext uri="{BB962C8B-B14F-4D97-AF65-F5344CB8AC3E}">
+        <p14:creationId xmlns:p14="http://schemas.microsoft.com/office/powerpoint/2010/main" val="2947478832"/>
+      </p:ext>
+    </p:extLst>
   </p:cSld>
   <p:clrMapOvr>
     <a:masterClrMapping/>
@@ -933,7 +2483,7 @@
             <a:fld id="{1BA50D42-C9CD-4801-B293-61D1F53EC57E}" type="datetimeFigureOut">
               <a:rPr lang="de-DE" smtClean="0"/>
               <a:pPr/>
-              <a:t>15.05.16</a:t>
+              <a:t>17.05.16</a:t>
             </a:fld>
             <a:endParaRPr lang="de-DE"/>
           </a:p>
@@ -1100,7 +2650,7 @@
             <a:fld id="{1BA50D42-C9CD-4801-B293-61D1F53EC57E}" type="datetimeFigureOut">
               <a:rPr lang="de-DE" smtClean="0"/>
               <a:pPr/>
-              <a:t>15.05.16</a:t>
+              <a:t>17.05.16</a:t>
             </a:fld>
             <a:endParaRPr lang="de-DE"/>
           </a:p>
@@ -1277,7 +2827,7 @@
             <a:fld id="{1BA50D42-C9CD-4801-B293-61D1F53EC57E}" type="datetimeFigureOut">
               <a:rPr lang="de-DE" smtClean="0"/>
               <a:pPr/>
-              <a:t>15.05.16</a:t>
+              <a:t>17.05.16</a:t>
             </a:fld>
             <a:endParaRPr lang="de-DE"/>
           </a:p>
@@ -1444,7 +2994,7 @@
             <a:fld id="{1BA50D42-C9CD-4801-B293-61D1F53EC57E}" type="datetimeFigureOut">
               <a:rPr lang="de-DE" smtClean="0"/>
               <a:pPr/>
-              <a:t>15.05.16</a:t>
+              <a:t>17.05.16</a:t>
             </a:fld>
             <a:endParaRPr lang="de-DE"/>
           </a:p>
@@ -1687,7 +3237,7 @@
             <a:fld id="{1BA50D42-C9CD-4801-B293-61D1F53EC57E}" type="datetimeFigureOut">
               <a:rPr lang="de-DE" smtClean="0"/>
               <a:pPr/>
-              <a:t>15.05.16</a:t>
+              <a:t>17.05.16</a:t>
             </a:fld>
             <a:endParaRPr lang="de-DE"/>
           </a:p>
@@ -1972,7 +3522,7 @@
             <a:fld id="{1BA50D42-C9CD-4801-B293-61D1F53EC57E}" type="datetimeFigureOut">
               <a:rPr lang="de-DE" smtClean="0"/>
               <a:pPr/>
-              <a:t>15.05.16</a:t>
+              <a:t>17.05.16</a:t>
             </a:fld>
             <a:endParaRPr lang="de-DE"/>
           </a:p>
@@ -2391,7 +3941,7 @@
             <a:fld id="{1BA50D42-C9CD-4801-B293-61D1F53EC57E}" type="datetimeFigureOut">
               <a:rPr lang="de-DE" smtClean="0"/>
               <a:pPr/>
-              <a:t>15.05.16</a:t>
+              <a:t>17.05.16</a:t>
             </a:fld>
             <a:endParaRPr lang="de-DE"/>
           </a:p>
@@ -2506,7 +4056,7 @@
             <a:fld id="{1BA50D42-C9CD-4801-B293-61D1F53EC57E}" type="datetimeFigureOut">
               <a:rPr lang="de-DE" smtClean="0"/>
               <a:pPr/>
-              <a:t>15.05.16</a:t>
+              <a:t>17.05.16</a:t>
             </a:fld>
             <a:endParaRPr lang="de-DE"/>
           </a:p>
@@ -2598,7 +4148,7 @@
             <a:fld id="{1BA50D42-C9CD-4801-B293-61D1F53EC57E}" type="datetimeFigureOut">
               <a:rPr lang="de-DE" smtClean="0"/>
               <a:pPr/>
-              <a:t>15.05.16</a:t>
+              <a:t>17.05.16</a:t>
             </a:fld>
             <a:endParaRPr lang="de-DE"/>
           </a:p>
@@ -2872,7 +4422,7 @@
             <a:fld id="{1BA50D42-C9CD-4801-B293-61D1F53EC57E}" type="datetimeFigureOut">
               <a:rPr lang="de-DE" smtClean="0"/>
               <a:pPr/>
-              <a:t>15.05.16</a:t>
+              <a:t>17.05.16</a:t>
             </a:fld>
             <a:endParaRPr lang="de-DE"/>
           </a:p>
@@ -3122,7 +4672,7 @@
             <a:fld id="{1BA50D42-C9CD-4801-B293-61D1F53EC57E}" type="datetimeFigureOut">
               <a:rPr lang="de-DE" smtClean="0"/>
               <a:pPr/>
-              <a:t>15.05.16</a:t>
+              <a:t>17.05.16</a:t>
             </a:fld>
             <a:endParaRPr lang="de-DE"/>
           </a:p>
@@ -3332,7 +4882,7 @@
             <a:fld id="{1BA50D42-C9CD-4801-B293-61D1F53EC57E}" type="datetimeFigureOut">
               <a:rPr lang="de-DE" smtClean="0"/>
               <a:pPr/>
-              <a:t>15.05.16</a:t>
+              <a:t>17.05.16</a:t>
             </a:fld>
             <a:endParaRPr lang="de-DE"/>
           </a:p>
@@ -4531,37 +6081,6 @@
           <a:lstStyle/>
           <a:p>
             <a:r>
-              <a:rPr lang="de-DE" dirty="0" err="1" smtClean="0"/>
-              <a:t>spy</a:t>
-            </a:r>
-            <a:r>
-              <a:rPr lang="de-DE" dirty="0" smtClean="0"/>
-              <a:t>, </a:t>
-            </a:r>
-            <a:r>
-              <a:rPr lang="de-DE" dirty="0" err="1" smtClean="0"/>
-              <a:t>stub</a:t>
-            </a:r>
-            <a:r>
-              <a:rPr lang="de-DE" dirty="0" smtClean="0"/>
-              <a:t>, </a:t>
-            </a:r>
-            <a:r>
-              <a:rPr lang="de-DE" dirty="0" err="1" smtClean="0"/>
-              <a:t>mock</a:t>
-            </a:r>
-            <a:r>
-              <a:rPr lang="de-DE" dirty="0" smtClean="0"/>
-              <a:t>, </a:t>
-            </a:r>
-            <a:r>
-              <a:rPr lang="de-DE" dirty="0" err="1" smtClean="0"/>
-              <a:t>dummy</a:t>
-            </a:r>
-            <a:endParaRPr lang="de-DE" dirty="0" smtClean="0"/>
-          </a:p>
-          <a:p>
-            <a:r>
               <a:rPr lang="de-DE" dirty="0" smtClean="0"/>
               <a:t>in </a:t>
             </a:r>
@@ -4611,93 +6130,39 @@
             </a:r>
             <a:endParaRPr lang="de-DE" dirty="0" smtClean="0"/>
           </a:p>
-        </p:txBody>
-      </p:sp>
-      <p:sp>
-        <p:nvSpPr>
-          <p:cNvPr id="6" name="Abgerundetes Rechteck 5"/>
-          <p:cNvSpPr/>
-          <p:nvPr/>
-        </p:nvSpPr>
-        <p:spPr>
-          <a:xfrm rot="20878690">
-            <a:off x="1771777" y="3110495"/>
-            <a:ext cx="7056784" cy="1134126"/>
-          </a:xfrm>
-          <a:prstGeom prst="roundRect">
-            <a:avLst/>
-          </a:prstGeom>
-          <a:solidFill>
-            <a:schemeClr val="bg1">
-              <a:lumMod val="50000"/>
-            </a:schemeClr>
-          </a:solidFill>
-          <a:ln>
-            <a:solidFill>
-              <a:schemeClr val="bg1"/>
-            </a:solidFill>
-          </a:ln>
-        </p:spPr>
-        <p:style>
-          <a:lnRef idx="2">
-            <a:schemeClr val="accent1">
-              <a:shade val="50000"/>
-            </a:schemeClr>
-          </a:lnRef>
-          <a:fillRef idx="1">
-            <a:schemeClr val="accent1"/>
-          </a:fillRef>
-          <a:effectRef idx="0">
-            <a:schemeClr val="accent1"/>
-          </a:effectRef>
-          <a:fontRef idx="minor">
-            <a:schemeClr val="lt1"/>
-          </a:fontRef>
-        </p:style>
-        <p:txBody>
-          <a:bodyPr rtlCol="0" anchor="ctr"/>
-          <a:lstStyle/>
-          <a:p>
-            <a:r>
-              <a:rPr lang="de-DE" sz="4000" dirty="0" err="1" smtClean="0"/>
-              <a:t>How</a:t>
-            </a:r>
-            <a:r>
-              <a:rPr lang="de-DE" sz="4000" dirty="0" smtClean="0"/>
-              <a:t> do </a:t>
-            </a:r>
-            <a:r>
-              <a:rPr lang="de-DE" sz="4000" dirty="0" err="1" smtClean="0"/>
-              <a:t>you</a:t>
-            </a:r>
-            <a:r>
-              <a:rPr lang="de-DE" sz="4000" dirty="0" smtClean="0"/>
-              <a:t> </a:t>
-            </a:r>
-            <a:r>
-              <a:rPr lang="de-DE" sz="4000" dirty="0" err="1" smtClean="0"/>
-              <a:t>use</a:t>
-            </a:r>
-            <a:r>
-              <a:rPr lang="de-DE" sz="4000" dirty="0" smtClean="0"/>
-              <a:t> </a:t>
-            </a:r>
-            <a:r>
-              <a:rPr lang="de-DE" sz="4000" dirty="0" err="1" smtClean="0"/>
-              <a:t>test</a:t>
-            </a:r>
-            <a:r>
-              <a:rPr lang="de-DE" sz="4000" dirty="0" smtClean="0"/>
-              <a:t> </a:t>
-            </a:r>
-            <a:r>
-              <a:rPr lang="de-DE" sz="4000" dirty="0" err="1" smtClean="0"/>
-              <a:t>doubles</a:t>
-            </a:r>
-            <a:r>
-              <a:rPr lang="de-DE" sz="4000" dirty="0" smtClean="0"/>
-              <a:t>?</a:t>
-            </a:r>
+          <a:p>
+            <a:r>
+              <a:rPr lang="de-DE" dirty="0" err="1"/>
+              <a:t>stub</a:t>
+            </a:r>
+            <a:r>
+              <a:rPr lang="de-DE" dirty="0"/>
+              <a:t>, </a:t>
+            </a:r>
+            <a:r>
+              <a:rPr lang="de-DE" dirty="0" err="1"/>
+              <a:t>fake</a:t>
+            </a:r>
+            <a:r>
+              <a:rPr lang="de-DE" dirty="0"/>
+              <a:t>, </a:t>
+            </a:r>
+            <a:r>
+              <a:rPr lang="de-DE" dirty="0" err="1"/>
+              <a:t>spy</a:t>
+            </a:r>
+            <a:r>
+              <a:rPr lang="de-DE" dirty="0"/>
+              <a:t>, </a:t>
+            </a:r>
+            <a:r>
+              <a:rPr lang="de-DE" dirty="0" err="1"/>
+              <a:t>mock</a:t>
+            </a:r>
+            <a:endParaRPr lang="de-DE" dirty="0"/>
+          </a:p>
+          <a:p>
+            <a:endParaRPr lang="de-DE" dirty="0" smtClean="0"/>
           </a:p>
         </p:txBody>
       </p:sp>
@@ -4709,126 +6174,9 @@
   <p:timing>
     <p:tnLst>
       <p:par>
-        <p:cTn xmlns:p14="http://schemas.microsoft.com/office/powerpoint/2010/main" id="1" dur="indefinite" restart="never" nodeType="tmRoot">
-          <p:childTnLst>
-            <p:seq concurrent="1" nextAc="seek">
-              <p:cTn id="2" dur="indefinite" nodeType="mainSeq">
-                <p:childTnLst>
-                  <p:par>
-                    <p:cTn id="3" fill="hold">
-                      <p:stCondLst>
-                        <p:cond delay="indefinite"/>
-                      </p:stCondLst>
-                      <p:childTnLst>
-                        <p:par>
-                          <p:cTn id="4" fill="hold">
-                            <p:stCondLst>
-                              <p:cond delay="0"/>
-                            </p:stCondLst>
-                            <p:childTnLst>
-                              <p:par>
-                                <p:cTn id="5" presetID="2" presetClass="entr" presetSubtype="4" fill="hold" grpId="0" nodeType="clickEffect">
-                                  <p:stCondLst>
-                                    <p:cond delay="0"/>
-                                  </p:stCondLst>
-                                  <p:childTnLst>
-                                    <p:set>
-                                      <p:cBhvr>
-                                        <p:cTn id="6" dur="1" fill="hold">
-                                          <p:stCondLst>
-                                            <p:cond delay="0"/>
-                                          </p:stCondLst>
-                                        </p:cTn>
-                                        <p:tgtEl>
-                                          <p:spTgt spid="6"/>
-                                        </p:tgtEl>
-                                        <p:attrNameLst>
-                                          <p:attrName>style.visibility</p:attrName>
-                                        </p:attrNameLst>
-                                      </p:cBhvr>
-                                      <p:to>
-                                        <p:strVal val="visible"/>
-                                      </p:to>
-                                    </p:set>
-                                    <p:anim calcmode="lin" valueType="num">
-                                      <p:cBhvr additive="base">
-                                        <p:cTn id="7" dur="500" fill="hold"/>
-                                        <p:tgtEl>
-                                          <p:spTgt spid="6"/>
-                                        </p:tgtEl>
-                                        <p:attrNameLst>
-                                          <p:attrName>ppt_x</p:attrName>
-                                        </p:attrNameLst>
-                                      </p:cBhvr>
-                                      <p:tavLst>
-                                        <p:tav tm="0">
-                                          <p:val>
-                                            <p:strVal val="#ppt_x"/>
-                                          </p:val>
-                                        </p:tav>
-                                        <p:tav tm="100000">
-                                          <p:val>
-                                            <p:strVal val="#ppt_x"/>
-                                          </p:val>
-                                        </p:tav>
-                                      </p:tavLst>
-                                    </p:anim>
-                                    <p:anim calcmode="lin" valueType="num">
-                                      <p:cBhvr additive="base">
-                                        <p:cTn id="8" dur="500" fill="hold"/>
-                                        <p:tgtEl>
-                                          <p:spTgt spid="6"/>
-                                        </p:tgtEl>
-                                        <p:attrNameLst>
-                                          <p:attrName>ppt_y</p:attrName>
-                                        </p:attrNameLst>
-                                      </p:cBhvr>
-                                      <p:tavLst>
-                                        <p:tav tm="0">
-                                          <p:val>
-                                            <p:strVal val="1+#ppt_h/2"/>
-                                          </p:val>
-                                        </p:tav>
-                                        <p:tav tm="100000">
-                                          <p:val>
-                                            <p:strVal val="#ppt_y"/>
-                                          </p:val>
-                                        </p:tav>
-                                      </p:tavLst>
-                                    </p:anim>
-                                  </p:childTnLst>
-                                </p:cTn>
-                              </p:par>
-                            </p:childTnLst>
-                          </p:cTn>
-                        </p:par>
-                      </p:childTnLst>
-                    </p:cTn>
-                  </p:par>
-                </p:childTnLst>
-              </p:cTn>
-              <p:prevCondLst>
-                <p:cond evt="onPrev" delay="0">
-                  <p:tgtEl>
-                    <p:sldTgt/>
-                  </p:tgtEl>
-                </p:cond>
-              </p:prevCondLst>
-              <p:nextCondLst>
-                <p:cond evt="onNext" delay="0">
-                  <p:tgtEl>
-                    <p:sldTgt/>
-                  </p:tgtEl>
-                </p:cond>
-              </p:nextCondLst>
-            </p:seq>
-          </p:childTnLst>
-        </p:cTn>
+        <p:cTn xmlns:p14="http://schemas.microsoft.com/office/powerpoint/2010/main" id="1" dur="indefinite" restart="never" nodeType="tmRoot"/>
       </p:par>
     </p:tnLst>
-    <p:bldLst>
-      <p:bldP spid="6" grpId="0" animBg="1"/>
-    </p:bldLst>
   </p:timing>
 </p:sld>
 </file>
@@ -4907,7 +6255,9 @@
         </p:nvSpPr>
         <p:spPr/>
         <p:txBody>
-          <a:bodyPr/>
+          <a:bodyPr>
+            <a:normAutofit/>
+          </a:bodyPr>
           <a:lstStyle/>
           <a:p>
             <a:r>
@@ -4915,42 +6265,31 @@
               <a:t> </a:t>
             </a:r>
             <a:r>
+              <a:rPr lang="de-DE" dirty="0" smtClean="0"/>
+              <a:t>SUT (</a:t>
+            </a:r>
+            <a:r>
               <a:rPr lang="de-DE" dirty="0" err="1" smtClean="0"/>
-              <a:t>Stub</a:t>
+              <a:t>KlassA</a:t>
+            </a:r>
+            <a:r>
+              <a:rPr lang="de-DE" dirty="0" smtClean="0"/>
+              <a:t>)</a:t>
             </a:r>
             <a:endParaRPr lang="de-DE" dirty="0"/>
           </a:p>
         </p:txBody>
       </p:sp>
-      <p:pic>
-        <p:nvPicPr>
-          <p:cNvPr id="7" name="Inhaltsplatzhalter 6"/>
-          <p:cNvPicPr>
-            <a:picLocks noGrp="1" noChangeAspect="1"/>
-          </p:cNvPicPr>
-          <p:nvPr>
-            <p:ph idx="1"/>
-          </p:nvPr>
-        </p:nvPicPr>
-        <p:blipFill>
-          <a:blip r:embed="rId2"/>
-          <a:srcRect l="-24001" r="-24001"/>
-          <a:stretch>
-            <a:fillRect/>
-          </a:stretch>
-        </p:blipFill>
-        <p:spPr/>
-      </p:pic>
       <p:sp>
         <p:nvSpPr>
-          <p:cNvPr id="8" name="Textfeld 7"/>
+          <p:cNvPr id="7" name="Textfeld 6"/>
           <p:cNvSpPr txBox="1"/>
           <p:nvPr/>
         </p:nvSpPr>
         <p:spPr>
           <a:xfrm>
-            <a:off x="467544" y="4731990"/>
-            <a:ext cx="8208912" cy="276999"/>
+            <a:off x="395536" y="1419622"/>
+            <a:ext cx="8352928" cy="2554545"/>
           </a:xfrm>
           <a:prstGeom prst="rect">
             <a:avLst/>
@@ -4964,77 +6303,504 @@
           <a:lstStyle/>
           <a:p>
             <a:r>
-              <a:rPr lang="de-DE" sz="1200" dirty="0" smtClean="0"/>
-              <a:t>Image Source</a:t>
-            </a:r>
-            <a:r>
-              <a:rPr lang="de-DE" sz="1200" dirty="0"/>
-              <a:t>: </a:t>
-            </a:r>
-            <a:r>
-              <a:rPr lang="de-DE" sz="1200" dirty="0">
-                <a:hlinkClick r:id="rId3"/>
-              </a:rPr>
-              <a:t>http://xunitpatterns.com/Test%</a:t>
-            </a:r>
-            <a:r>
-              <a:rPr lang="de-DE" sz="1200" dirty="0" smtClean="0">
-                <a:hlinkClick r:id="rId3"/>
-              </a:rPr>
-              <a:t>20Stub.html</a:t>
-            </a:r>
-            <a:r>
-              <a:rPr lang="de-DE" sz="1200" dirty="0"/>
+              <a:rPr lang="de-DE" sz="1600" b="1" dirty="0" err="1" smtClean="0">
+                <a:solidFill>
+                  <a:srgbClr val="660066"/>
+                </a:solidFill>
+                <a:latin typeface="Source Code Pro"/>
+                <a:cs typeface="Source Code Pro"/>
+              </a:rPr>
+              <a:t>public</a:t>
+            </a:r>
+            <a:r>
+              <a:rPr lang="de-DE" sz="1600" b="1" dirty="0" smtClean="0">
+                <a:solidFill>
+                  <a:srgbClr val="660066"/>
+                </a:solidFill>
+                <a:latin typeface="Source Code Pro"/>
+                <a:cs typeface="Source Code Pro"/>
+              </a:rPr>
               <a:t> </a:t>
             </a:r>
             <a:r>
-              <a:rPr lang="de-DE" sz="1200" dirty="0" smtClean="0"/>
-              <a:t>- </a:t>
-            </a:r>
-            <a:r>
-              <a:rPr lang="de-DE" sz="1200" dirty="0" err="1" smtClean="0"/>
-              <a:t>With</a:t>
-            </a:r>
-            <a:r>
-              <a:rPr lang="de-DE" sz="1200" dirty="0" smtClean="0"/>
+              <a:rPr lang="de-DE" sz="1600" b="1" dirty="0" err="1" smtClean="0">
+                <a:solidFill>
+                  <a:srgbClr val="660066"/>
+                </a:solidFill>
+                <a:latin typeface="Source Code Pro"/>
+                <a:cs typeface="Source Code Pro"/>
+              </a:rPr>
+              <a:t>class</a:t>
+            </a:r>
+            <a:r>
+              <a:rPr lang="de-DE" sz="1600" dirty="0" smtClean="0">
+                <a:latin typeface="Source Code Pro"/>
+                <a:cs typeface="Source Code Pro"/>
+              </a:rPr>
               <a:t> </a:t>
             </a:r>
             <a:r>
-              <a:rPr lang="de-DE" sz="1200" dirty="0" err="1" smtClean="0"/>
-              <a:t>kind</a:t>
-            </a:r>
-            <a:r>
-              <a:rPr lang="de-DE" sz="1200" dirty="0" smtClean="0"/>
+              <a:rPr lang="de-DE" sz="1600" dirty="0" err="1" smtClean="0">
+                <a:latin typeface="Source Code Pro"/>
+                <a:cs typeface="Source Code Pro"/>
+              </a:rPr>
+              <a:t>KlassA</a:t>
+            </a:r>
+            <a:r>
+              <a:rPr lang="de-DE" sz="1600" dirty="0" smtClean="0">
+                <a:latin typeface="Source Code Pro"/>
+                <a:cs typeface="Source Code Pro"/>
+              </a:rPr>
               <a:t> </a:t>
             </a:r>
             <a:r>
-              <a:rPr lang="de-DE" sz="1200" dirty="0" err="1" smtClean="0"/>
-              <a:t>permission</a:t>
-            </a:r>
-            <a:r>
-              <a:rPr lang="de-DE" sz="1200" dirty="0" smtClean="0"/>
+              <a:rPr lang="de-DE" sz="1600" dirty="0">
+                <a:latin typeface="Source Code Pro"/>
+                <a:cs typeface="Source Code Pro"/>
+              </a:rPr>
+              <a:t>{</a:t>
+            </a:r>
+          </a:p>
+          <a:p>
+            <a:endParaRPr lang="de-DE" sz="1600" dirty="0" smtClean="0">
+              <a:latin typeface="Source Code Pro"/>
+              <a:cs typeface="Source Code Pro"/>
+            </a:endParaRPr>
+          </a:p>
+          <a:p>
+            <a:r>
+              <a:rPr lang="de-DE" sz="1600" dirty="0" smtClean="0">
+                <a:latin typeface="Source Code Pro"/>
+                <a:cs typeface="Source Code Pro"/>
+              </a:rPr>
+              <a:t>   </a:t>
+            </a:r>
+            <a:r>
+              <a:rPr lang="de-DE" sz="1600" b="1" dirty="0" smtClean="0">
+                <a:solidFill>
+                  <a:srgbClr val="660066"/>
+                </a:solidFill>
+                <a:latin typeface="Source Code Pro"/>
+                <a:cs typeface="Source Code Pro"/>
+              </a:rPr>
+              <a:t>private</a:t>
+            </a:r>
+            <a:r>
+              <a:rPr lang="de-DE" sz="1600" dirty="0">
+                <a:latin typeface="Source Code Pro"/>
+                <a:cs typeface="Source Code Pro"/>
+              </a:rPr>
               <a:t> </a:t>
             </a:r>
             <a:r>
-              <a:rPr lang="de-DE" sz="1200" dirty="0" err="1" smtClean="0"/>
-              <a:t>by</a:t>
-            </a:r>
-            <a:r>
-              <a:rPr lang="de-DE" sz="1200" dirty="0" smtClean="0"/>
-              <a:t> Gerard </a:t>
-            </a:r>
-            <a:r>
-              <a:rPr lang="de-DE" sz="1200" dirty="0" err="1" smtClean="0"/>
-              <a:t>Meszaros</a:t>
-            </a:r>
-            <a:endParaRPr lang="de-DE" sz="1200" dirty="0"/>
+              <a:rPr lang="de-DE" sz="1600" dirty="0" err="1" smtClean="0">
+                <a:latin typeface="Source Code Pro"/>
+                <a:cs typeface="Source Code Pro"/>
+              </a:rPr>
+              <a:t>KlassB</a:t>
+            </a:r>
+            <a:r>
+              <a:rPr lang="de-DE" sz="1600" dirty="0" smtClean="0">
+                <a:latin typeface="Source Code Pro"/>
+                <a:cs typeface="Source Code Pro"/>
+              </a:rPr>
+              <a:t> </a:t>
+            </a:r>
+            <a:r>
+              <a:rPr lang="de-DE" sz="1600" dirty="0" err="1" smtClean="0">
+                <a:solidFill>
+                  <a:schemeClr val="tx2">
+                    <a:lumMod val="60000"/>
+                    <a:lumOff val="40000"/>
+                  </a:schemeClr>
+                </a:solidFill>
+                <a:latin typeface="Source Code Pro"/>
+                <a:cs typeface="Source Code Pro"/>
+              </a:rPr>
+              <a:t>klassB</a:t>
+            </a:r>
+            <a:r>
+              <a:rPr lang="de-DE" sz="1600" dirty="0" smtClean="0">
+                <a:latin typeface="Source Code Pro"/>
+                <a:cs typeface="Source Code Pro"/>
+              </a:rPr>
+              <a:t>;</a:t>
+            </a:r>
+            <a:endParaRPr lang="de-DE" sz="1600" dirty="0">
+              <a:latin typeface="Source Code Pro"/>
+              <a:cs typeface="Source Code Pro"/>
+            </a:endParaRPr>
+          </a:p>
+          <a:p>
+            <a:endParaRPr lang="de-DE" sz="1600" b="1" dirty="0" smtClean="0">
+              <a:solidFill>
+                <a:srgbClr val="660066"/>
+              </a:solidFill>
+              <a:latin typeface="Source Code Pro"/>
+              <a:cs typeface="Source Code Pro"/>
+            </a:endParaRPr>
+          </a:p>
+          <a:p>
+            <a:r>
+              <a:rPr lang="de-DE" sz="1600" b="1" dirty="0" smtClean="0">
+                <a:solidFill>
+                  <a:srgbClr val="660066"/>
+                </a:solidFill>
+                <a:latin typeface="Source Code Pro"/>
+                <a:cs typeface="Source Code Pro"/>
+              </a:rPr>
+              <a:t>   </a:t>
+            </a:r>
+            <a:r>
+              <a:rPr lang="de-DE" sz="1600" b="1" dirty="0" err="1" smtClean="0">
+                <a:solidFill>
+                  <a:srgbClr val="660066"/>
+                </a:solidFill>
+                <a:latin typeface="Source Code Pro"/>
+                <a:cs typeface="Source Code Pro"/>
+              </a:rPr>
+              <a:t>public</a:t>
+            </a:r>
+            <a:r>
+              <a:rPr lang="de-DE" sz="1600" b="1" dirty="0" smtClean="0">
+                <a:solidFill>
+                  <a:srgbClr val="660066"/>
+                </a:solidFill>
+                <a:latin typeface="Source Code Pro"/>
+                <a:cs typeface="Source Code Pro"/>
+              </a:rPr>
+              <a:t> </a:t>
+            </a:r>
+            <a:r>
+              <a:rPr lang="de-DE" sz="1600" dirty="0" err="1" smtClean="0">
+                <a:latin typeface="Source Code Pro"/>
+                <a:cs typeface="Source Code Pro"/>
+              </a:rPr>
+              <a:t>KlassA</a:t>
+            </a:r>
+            <a:r>
+              <a:rPr lang="de-DE" sz="1600" dirty="0" smtClean="0">
+                <a:latin typeface="Source Code Pro"/>
+                <a:cs typeface="Source Code Pro"/>
+              </a:rPr>
+              <a:t>(</a:t>
+            </a:r>
+            <a:r>
+              <a:rPr lang="de-DE" sz="1600" dirty="0" err="1" smtClean="0">
+                <a:latin typeface="Source Code Pro"/>
+                <a:cs typeface="Source Code Pro"/>
+              </a:rPr>
+              <a:t>KlassB</a:t>
+            </a:r>
+            <a:r>
+              <a:rPr lang="de-DE" sz="1600" dirty="0" smtClean="0">
+                <a:latin typeface="Source Code Pro"/>
+                <a:cs typeface="Source Code Pro"/>
+              </a:rPr>
+              <a:t> </a:t>
+            </a:r>
+            <a:r>
+              <a:rPr lang="de-DE" sz="1600" dirty="0" err="1" smtClean="0">
+                <a:solidFill>
+                  <a:srgbClr val="948A54"/>
+                </a:solidFill>
+                <a:latin typeface="Source Code Pro"/>
+                <a:cs typeface="Source Code Pro"/>
+              </a:rPr>
+              <a:t>klassB</a:t>
+            </a:r>
+            <a:r>
+              <a:rPr lang="de-DE" sz="1600" dirty="0" smtClean="0">
+                <a:latin typeface="Source Code Pro"/>
+                <a:cs typeface="Source Code Pro"/>
+              </a:rPr>
+              <a:t>) </a:t>
+            </a:r>
+            <a:r>
+              <a:rPr lang="de-DE" sz="1600" dirty="0">
+                <a:latin typeface="Source Code Pro"/>
+                <a:cs typeface="Source Code Pro"/>
+              </a:rPr>
+              <a:t>{ </a:t>
+            </a:r>
+            <a:r>
+              <a:rPr lang="de-DE" sz="1600" b="1" dirty="0" err="1" smtClean="0">
+                <a:solidFill>
+                  <a:srgbClr val="660066"/>
+                </a:solidFill>
+                <a:latin typeface="Source Code Pro"/>
+                <a:cs typeface="Source Code Pro"/>
+              </a:rPr>
+              <a:t>this</a:t>
+            </a:r>
+            <a:r>
+              <a:rPr lang="de-DE" sz="1600" dirty="0" err="1" smtClean="0">
+                <a:latin typeface="Source Code Pro"/>
+                <a:cs typeface="Source Code Pro"/>
+              </a:rPr>
+              <a:t>.</a:t>
+            </a:r>
+            <a:r>
+              <a:rPr lang="de-DE" sz="1600" dirty="0" err="1" smtClean="0">
+                <a:solidFill>
+                  <a:srgbClr val="558ED5"/>
+                </a:solidFill>
+                <a:latin typeface="Source Code Pro"/>
+                <a:cs typeface="Source Code Pro"/>
+              </a:rPr>
+              <a:t>klassB</a:t>
+            </a:r>
+            <a:r>
+              <a:rPr lang="de-DE" sz="1600" dirty="0">
+                <a:latin typeface="Source Code Pro"/>
+                <a:cs typeface="Source Code Pro"/>
+              </a:rPr>
+              <a:t> </a:t>
+            </a:r>
+            <a:r>
+              <a:rPr lang="de-DE" sz="1600" dirty="0" smtClean="0">
+                <a:latin typeface="Source Code Pro"/>
+                <a:cs typeface="Source Code Pro"/>
+              </a:rPr>
+              <a:t>= </a:t>
+            </a:r>
+            <a:r>
+              <a:rPr lang="de-DE" sz="1600" dirty="0" err="1">
+                <a:solidFill>
+                  <a:srgbClr val="948A54"/>
+                </a:solidFill>
+                <a:latin typeface="Source Code Pro"/>
+                <a:cs typeface="Source Code Pro"/>
+              </a:rPr>
+              <a:t>klassB</a:t>
+            </a:r>
+            <a:r>
+              <a:rPr lang="de-DE" sz="1600" dirty="0" smtClean="0">
+                <a:latin typeface="Source Code Pro"/>
+                <a:cs typeface="Source Code Pro"/>
+              </a:rPr>
+              <a:t>; </a:t>
+            </a:r>
+            <a:r>
+              <a:rPr lang="de-DE" sz="1600" dirty="0">
+                <a:latin typeface="Source Code Pro"/>
+                <a:cs typeface="Source Code Pro"/>
+              </a:rPr>
+              <a:t>}</a:t>
+            </a:r>
+          </a:p>
+          <a:p>
+            <a:endParaRPr lang="de-DE" sz="1600" dirty="0">
+              <a:latin typeface="Source Code Pro"/>
+              <a:cs typeface="Source Code Pro"/>
+            </a:endParaRPr>
+          </a:p>
+          <a:p>
+            <a:r>
+              <a:rPr lang="de-DE" sz="1600" b="1" dirty="0" smtClean="0">
+                <a:solidFill>
+                  <a:srgbClr val="660066"/>
+                </a:solidFill>
+                <a:latin typeface="Source Code Pro"/>
+                <a:cs typeface="Source Code Pro"/>
+              </a:rPr>
+              <a:t>   </a:t>
+            </a:r>
+            <a:r>
+              <a:rPr lang="de-DE" sz="1600" b="1" dirty="0" err="1" smtClean="0">
+                <a:solidFill>
+                  <a:srgbClr val="660066"/>
+                </a:solidFill>
+                <a:latin typeface="Source Code Pro"/>
+                <a:cs typeface="Source Code Pro"/>
+              </a:rPr>
+              <a:t>public</a:t>
+            </a:r>
+            <a:r>
+              <a:rPr lang="de-DE" sz="1600" b="1" dirty="0" smtClean="0">
+                <a:solidFill>
+                  <a:srgbClr val="660066"/>
+                </a:solidFill>
+                <a:latin typeface="Source Code Pro"/>
+                <a:cs typeface="Source Code Pro"/>
+              </a:rPr>
+              <a:t> </a:t>
+            </a:r>
+            <a:r>
+              <a:rPr lang="de-DE" sz="1600" b="1" dirty="0" err="1" smtClean="0">
+                <a:solidFill>
+                  <a:srgbClr val="660066"/>
+                </a:solidFill>
+                <a:latin typeface="Source Code Pro"/>
+                <a:cs typeface="Source Code Pro"/>
+              </a:rPr>
+              <a:t>boolean</a:t>
+            </a:r>
+            <a:r>
+              <a:rPr lang="de-DE" sz="1600" dirty="0" smtClean="0">
+                <a:latin typeface="Source Code Pro"/>
+                <a:cs typeface="Source Code Pro"/>
+              </a:rPr>
+              <a:t> </a:t>
+            </a:r>
+            <a:r>
+              <a:rPr lang="de-DE" sz="1600" dirty="0" err="1" smtClean="0">
+                <a:latin typeface="Source Code Pro"/>
+                <a:cs typeface="Source Code Pro"/>
+              </a:rPr>
+              <a:t>anInterestingMethod</a:t>
+            </a:r>
+            <a:r>
+              <a:rPr lang="de-DE" sz="1600" dirty="0" smtClean="0">
+                <a:latin typeface="Source Code Pro"/>
+                <a:cs typeface="Source Code Pro"/>
+              </a:rPr>
+              <a:t>(</a:t>
+            </a:r>
+            <a:r>
+              <a:rPr lang="de-DE" sz="1600" dirty="0">
+                <a:latin typeface="Source Code Pro"/>
+                <a:cs typeface="Source Code Pro"/>
+              </a:rPr>
+              <a:t>) </a:t>
+            </a:r>
+            <a:r>
+              <a:rPr lang="de-DE" sz="1600" dirty="0" smtClean="0">
+                <a:latin typeface="Source Code Pro"/>
+                <a:cs typeface="Source Code Pro"/>
+              </a:rPr>
+              <a:t>{</a:t>
+            </a:r>
+          </a:p>
+          <a:p>
+            <a:r>
+              <a:rPr lang="de-DE" sz="1600" b="1" dirty="0">
+                <a:solidFill>
+                  <a:srgbClr val="660066"/>
+                </a:solidFill>
+                <a:latin typeface="Source Code Pro"/>
+                <a:cs typeface="Source Code Pro"/>
+              </a:rPr>
+              <a:t> </a:t>
+            </a:r>
+            <a:r>
+              <a:rPr lang="de-DE" sz="1600" b="1" dirty="0" smtClean="0">
+                <a:solidFill>
+                  <a:srgbClr val="660066"/>
+                </a:solidFill>
+                <a:latin typeface="Source Code Pro"/>
+                <a:cs typeface="Source Code Pro"/>
+              </a:rPr>
+              <a:t>     </a:t>
+            </a:r>
+            <a:r>
+              <a:rPr lang="de-DE" sz="1600" b="1" dirty="0" err="1" smtClean="0">
+                <a:solidFill>
+                  <a:srgbClr val="660066"/>
+                </a:solidFill>
+                <a:latin typeface="Source Code Pro"/>
+                <a:cs typeface="Source Code Pro"/>
+              </a:rPr>
+              <a:t>return</a:t>
+            </a:r>
+            <a:r>
+              <a:rPr lang="de-DE" sz="1600" b="1" dirty="0" smtClean="0">
+                <a:solidFill>
+                  <a:srgbClr val="660066"/>
+                </a:solidFill>
+                <a:latin typeface="Source Code Pro"/>
+                <a:cs typeface="Source Code Pro"/>
+              </a:rPr>
+              <a:t> </a:t>
+            </a:r>
+            <a:r>
+              <a:rPr lang="de-DE" sz="1600" b="1" dirty="0" err="1" smtClean="0">
+                <a:solidFill>
+                  <a:srgbClr val="660066"/>
+                </a:solidFill>
+                <a:latin typeface="Source Code Pro"/>
+                <a:cs typeface="Source Code Pro"/>
+              </a:rPr>
+              <a:t>this</a:t>
+            </a:r>
+            <a:r>
+              <a:rPr lang="de-DE" sz="1600" dirty="0" err="1" smtClean="0">
+                <a:latin typeface="Source Code Pro"/>
+                <a:cs typeface="Source Code Pro"/>
+              </a:rPr>
+              <a:t>.</a:t>
+            </a:r>
+            <a:r>
+              <a:rPr lang="de-DE" sz="1600" dirty="0" err="1" smtClean="0">
+                <a:solidFill>
+                  <a:srgbClr val="558ED5"/>
+                </a:solidFill>
+                <a:latin typeface="Source Code Pro"/>
+                <a:cs typeface="Source Code Pro"/>
+              </a:rPr>
+              <a:t>klassB</a:t>
+            </a:r>
+            <a:r>
+              <a:rPr lang="de-DE" sz="1600" dirty="0" err="1" smtClean="0">
+                <a:latin typeface="Source Code Pro"/>
+                <a:cs typeface="Source Code Pro"/>
+              </a:rPr>
+              <a:t>.helpDoTheWork</a:t>
+            </a:r>
+            <a:r>
+              <a:rPr lang="de-DE" sz="1600" dirty="0" smtClean="0">
+                <a:latin typeface="Source Code Pro"/>
+                <a:cs typeface="Source Code Pro"/>
+              </a:rPr>
+              <a:t>() &lt; 10; </a:t>
+            </a:r>
+          </a:p>
+          <a:p>
+            <a:r>
+              <a:rPr lang="de-DE" sz="1600" dirty="0">
+                <a:latin typeface="Source Code Pro"/>
+                <a:cs typeface="Source Code Pro"/>
+              </a:rPr>
+              <a:t> </a:t>
+            </a:r>
+            <a:r>
+              <a:rPr lang="de-DE" sz="1600" dirty="0" smtClean="0">
+                <a:latin typeface="Source Code Pro"/>
+                <a:cs typeface="Source Code Pro"/>
+              </a:rPr>
+              <a:t>  </a:t>
+            </a:r>
+            <a:r>
+              <a:rPr lang="de-DE" sz="1600" dirty="0" smtClean="0">
+                <a:latin typeface="Source Code Pro"/>
+                <a:cs typeface="Source Code Pro"/>
+              </a:rPr>
+              <a:t>}</a:t>
+            </a:r>
+            <a:endParaRPr lang="de-DE" sz="1600" dirty="0">
+              <a:latin typeface="Source Code Pro"/>
+              <a:cs typeface="Source Code Pro"/>
+            </a:endParaRPr>
+          </a:p>
+          <a:p>
+            <a:r>
+              <a:rPr lang="de-DE" sz="1600" dirty="0" smtClean="0">
+                <a:latin typeface="Source Code Pro"/>
+                <a:cs typeface="Source Code Pro"/>
+              </a:rPr>
+              <a:t>}</a:t>
+            </a:r>
+            <a:endParaRPr lang="de-DE" sz="1600" dirty="0">
+              <a:latin typeface="Source Code Pro"/>
+              <a:cs typeface="Source Code Pro"/>
+            </a:endParaRPr>
           </a:p>
         </p:txBody>
       </p:sp>
     </p:spTree>
     <p:extLst>
       <p:ext uri="{BB962C8B-B14F-4D97-AF65-F5344CB8AC3E}">
-        <p14:creationId xmlns:p14="http://schemas.microsoft.com/office/powerpoint/2010/main" val="149987943"/>
+        <p14:creationId xmlns:p14="http://schemas.microsoft.com/office/powerpoint/2010/main" val="3075067597"/>
       </p:ext>
     </p:extLst>
   </p:cSld>
@@ -5134,20 +6900,31 @@
             </a:r>
             <a:r>
               <a:rPr lang="de-DE" dirty="0" err="1" smtClean="0"/>
-              <a:t>Fake</a:t>
-            </a:r>
-            <a:r>
-              <a:rPr lang="de-DE" dirty="0" smtClean="0"/>
-              <a:t> </a:t>
-            </a:r>
-            <a:r>
-              <a:rPr lang="de-DE" dirty="0" err="1" smtClean="0"/>
-              <a:t>Object</a:t>
+              <a:t>Stub</a:t>
             </a:r>
             <a:endParaRPr lang="de-DE" dirty="0"/>
           </a:p>
         </p:txBody>
       </p:sp>
+      <p:pic>
+        <p:nvPicPr>
+          <p:cNvPr id="7" name="Inhaltsplatzhalter 6"/>
+          <p:cNvPicPr>
+            <a:picLocks noGrp="1" noChangeAspect="1"/>
+          </p:cNvPicPr>
+          <p:nvPr>
+            <p:ph idx="1"/>
+          </p:nvPr>
+        </p:nvPicPr>
+        <p:blipFill>
+          <a:blip r:embed="rId2"/>
+          <a:srcRect l="-24001" r="-24001"/>
+          <a:stretch>
+            <a:fillRect/>
+          </a:stretch>
+        </p:blipFill>
+        <p:spPr/>
+      </p:pic>
       <p:sp>
         <p:nvSpPr>
           <p:cNvPr id="8" name="Textfeld 7"/>
@@ -5180,19 +6957,23 @@
             </a:r>
             <a:r>
               <a:rPr lang="de-DE" sz="1200" dirty="0">
-                <a:hlinkClick r:id="rId2"/>
-              </a:rPr>
-              <a:t>http://xunitpatterns.com</a:t>
+                <a:hlinkClick r:id="rId3"/>
+              </a:rPr>
+              <a:t>http://xunitpatterns.com/Test%</a:t>
             </a:r>
             <a:r>
               <a:rPr lang="de-DE" sz="1200" dirty="0" smtClean="0">
-                <a:hlinkClick r:id="rId2"/>
-              </a:rPr>
-              <a:t>/Fake%20Object.html</a:t>
+                <a:hlinkClick r:id="rId3"/>
+              </a:rPr>
+              <a:t>20Stub.html</a:t>
+            </a:r>
+            <a:r>
+              <a:rPr lang="de-DE" sz="1200" dirty="0"/>
+              <a:t> </a:t>
             </a:r>
             <a:r>
               <a:rPr lang="de-DE" sz="1200" dirty="0" smtClean="0"/>
-              <a:t> - </a:t>
+              <a:t>- </a:t>
             </a:r>
             <a:r>
               <a:rPr lang="de-DE" sz="1200" dirty="0" err="1" smtClean="0"/>
@@ -5234,29 +7015,10 @@
           </a:p>
         </p:txBody>
       </p:sp>
-      <p:pic>
-        <p:nvPicPr>
-          <p:cNvPr id="6" name="Inhaltsplatzhalter 5"/>
-          <p:cNvPicPr>
-            <a:picLocks noGrp="1" noChangeAspect="1"/>
-          </p:cNvPicPr>
-          <p:nvPr>
-            <p:ph idx="1"/>
-          </p:nvPr>
-        </p:nvPicPr>
-        <p:blipFill>
-          <a:blip r:embed="rId3"/>
-          <a:srcRect l="-21264" r="-21264"/>
-          <a:stretch>
-            <a:fillRect/>
-          </a:stretch>
-        </p:blipFill>
-        <p:spPr/>
-      </p:pic>
     </p:spTree>
     <p:extLst>
       <p:ext uri="{BB962C8B-B14F-4D97-AF65-F5344CB8AC3E}">
-        <p14:creationId xmlns:p14="http://schemas.microsoft.com/office/powerpoint/2010/main" val="3919436087"/>
+        <p14:creationId xmlns:p14="http://schemas.microsoft.com/office/powerpoint/2010/main" val="149987943"/>
       </p:ext>
     </p:extLst>
   </p:cSld>
@@ -5356,7 +7118,7 @@
             </a:r>
             <a:r>
               <a:rPr lang="de-DE" dirty="0" err="1" smtClean="0"/>
-              <a:t>Spy</a:t>
+              <a:t>Stub</a:t>
             </a:r>
             <a:endParaRPr lang="de-DE" dirty="0"/>
           </a:p>
@@ -5364,14 +7126,14 @@
       </p:sp>
       <p:sp>
         <p:nvSpPr>
-          <p:cNvPr id="8" name="Textfeld 7"/>
+          <p:cNvPr id="6" name="Textfeld 5"/>
           <p:cNvSpPr txBox="1"/>
           <p:nvPr/>
         </p:nvSpPr>
         <p:spPr>
           <a:xfrm>
-            <a:off x="467544" y="4731990"/>
-            <a:ext cx="8208912" cy="276999"/>
+            <a:off x="395536" y="1419622"/>
+            <a:ext cx="8352928" cy="2308324"/>
           </a:xfrm>
           <a:prstGeom prst="rect">
             <a:avLst/>
@@ -5385,92 +7147,333 @@
           <a:lstStyle/>
           <a:p>
             <a:r>
-              <a:rPr lang="de-DE" sz="1200" dirty="0" smtClean="0"/>
-              <a:t>Image Source</a:t>
-            </a:r>
-            <a:r>
-              <a:rPr lang="de-DE" sz="1200" dirty="0"/>
-              <a:t>: </a:t>
-            </a:r>
-            <a:r>
-              <a:rPr lang="de-DE" sz="1200" dirty="0">
-                <a:hlinkClick r:id="rId2"/>
-              </a:rPr>
-              <a:t>http://xunitpatterns.com/Test%</a:t>
-            </a:r>
-            <a:r>
-              <a:rPr lang="de-DE" sz="1200" dirty="0" smtClean="0">
-                <a:hlinkClick r:id="rId2"/>
-              </a:rPr>
-              <a:t>20Spy.html</a:t>
-            </a:r>
-            <a:r>
-              <a:rPr lang="de-DE" sz="1200" dirty="0" smtClean="0"/>
-              <a:t> - </a:t>
-            </a:r>
-            <a:r>
-              <a:rPr lang="de-DE" sz="1200" dirty="0" err="1" smtClean="0"/>
-              <a:t>With</a:t>
-            </a:r>
-            <a:r>
-              <a:rPr lang="de-DE" sz="1200" dirty="0" smtClean="0"/>
+              <a:rPr lang="de-DE" sz="1600" dirty="0" smtClean="0">
+                <a:latin typeface="Source Code Pro"/>
+                <a:cs typeface="Source Code Pro"/>
+              </a:rPr>
+              <a:t>@</a:t>
+            </a:r>
+            <a:r>
+              <a:rPr lang="de-DE" sz="1600" dirty="0">
+                <a:latin typeface="Source Code Pro"/>
+                <a:cs typeface="Source Code Pro"/>
+              </a:rPr>
+              <a:t>Test</a:t>
+            </a:r>
+          </a:p>
+          <a:p>
+            <a:r>
+              <a:rPr lang="de-DE" sz="1600" b="1" dirty="0" err="1" smtClean="0">
+                <a:solidFill>
+                  <a:srgbClr val="660066"/>
+                </a:solidFill>
+                <a:latin typeface="Source Code Pro"/>
+                <a:cs typeface="Source Code Pro"/>
+              </a:rPr>
+              <a:t>public</a:t>
+            </a:r>
+            <a:r>
+              <a:rPr lang="de-DE" sz="1600" b="1" dirty="0" smtClean="0">
+                <a:solidFill>
+                  <a:srgbClr val="660066"/>
+                </a:solidFill>
+                <a:latin typeface="Source Code Pro"/>
+                <a:cs typeface="Source Code Pro"/>
+              </a:rPr>
               <a:t> </a:t>
             </a:r>
             <a:r>
-              <a:rPr lang="de-DE" sz="1200" dirty="0" err="1" smtClean="0"/>
-              <a:t>kind</a:t>
-            </a:r>
-            <a:r>
-              <a:rPr lang="de-DE" sz="1200" dirty="0" smtClean="0"/>
+              <a:rPr lang="de-DE" sz="1600" b="1" dirty="0" err="1">
+                <a:solidFill>
+                  <a:srgbClr val="660066"/>
+                </a:solidFill>
+                <a:latin typeface="Source Code Pro"/>
+                <a:cs typeface="Source Code Pro"/>
+              </a:rPr>
+              <a:t>void</a:t>
+            </a:r>
+            <a:r>
+              <a:rPr lang="de-DE" sz="1600" b="1" dirty="0">
+                <a:solidFill>
+                  <a:srgbClr val="660066"/>
+                </a:solidFill>
+                <a:latin typeface="Source Code Pro"/>
+                <a:cs typeface="Source Code Pro"/>
+              </a:rPr>
               <a:t> </a:t>
             </a:r>
             <a:r>
-              <a:rPr lang="de-DE" sz="1200" dirty="0" err="1" smtClean="0"/>
-              <a:t>permission</a:t>
-            </a:r>
-            <a:r>
-              <a:rPr lang="de-DE" sz="1200" dirty="0" smtClean="0"/>
+              <a:rPr lang="de-DE" sz="1600" dirty="0" err="1">
+                <a:latin typeface="Source Code Pro"/>
+                <a:cs typeface="Source Code Pro"/>
+              </a:rPr>
+              <a:t>withMockitoStub</a:t>
+            </a:r>
+            <a:r>
+              <a:rPr lang="de-DE" sz="1600" dirty="0">
+                <a:latin typeface="Source Code Pro"/>
+                <a:cs typeface="Source Code Pro"/>
+              </a:rPr>
+              <a:t>() {</a:t>
+            </a:r>
+          </a:p>
+          <a:p>
+            <a:endParaRPr lang="de-DE" sz="1600" dirty="0">
+              <a:latin typeface="Source Code Pro"/>
+              <a:cs typeface="Source Code Pro"/>
+            </a:endParaRPr>
+          </a:p>
+          <a:p>
+            <a:r>
+              <a:rPr lang="de-DE" sz="1600" dirty="0" smtClean="0">
+                <a:latin typeface="Source Code Pro"/>
+                <a:cs typeface="Source Code Pro"/>
+              </a:rPr>
+              <a:t>   </a:t>
+            </a:r>
+            <a:r>
+              <a:rPr lang="de-DE" sz="1600" dirty="0" err="1" smtClean="0">
+                <a:latin typeface="Source Code Pro"/>
+                <a:cs typeface="Source Code Pro"/>
+              </a:rPr>
+              <a:t>KlassB</a:t>
+            </a:r>
+            <a:r>
+              <a:rPr lang="de-DE" sz="1600" dirty="0" smtClean="0">
+                <a:latin typeface="Source Code Pro"/>
+                <a:cs typeface="Source Code Pro"/>
+              </a:rPr>
               <a:t> </a:t>
             </a:r>
             <a:r>
-              <a:rPr lang="de-DE" sz="1200" dirty="0" err="1" smtClean="0"/>
-              <a:t>by</a:t>
-            </a:r>
-            <a:r>
-              <a:rPr lang="de-DE" sz="1200" dirty="0" smtClean="0"/>
-              <a:t> Gerard </a:t>
-            </a:r>
-            <a:r>
-              <a:rPr lang="de-DE" sz="1200" dirty="0" err="1" smtClean="0"/>
-              <a:t>Meszaros</a:t>
-            </a:r>
-            <a:endParaRPr lang="de-DE" sz="1200" dirty="0"/>
+              <a:rPr lang="de-DE" sz="1600" dirty="0" err="1">
+                <a:solidFill>
+                  <a:schemeClr val="bg2">
+                    <a:lumMod val="50000"/>
+                  </a:schemeClr>
+                </a:solidFill>
+                <a:latin typeface="Source Code Pro"/>
+                <a:cs typeface="Source Code Pro"/>
+              </a:rPr>
+              <a:t>stub</a:t>
+            </a:r>
+            <a:r>
+              <a:rPr lang="de-DE" sz="1600" dirty="0">
+                <a:latin typeface="Source Code Pro"/>
+                <a:cs typeface="Source Code Pro"/>
+              </a:rPr>
+              <a:t> = </a:t>
+            </a:r>
+            <a:r>
+              <a:rPr lang="de-DE" sz="1600" dirty="0" err="1">
+                <a:latin typeface="Source Code Pro"/>
+                <a:cs typeface="Source Code Pro"/>
+              </a:rPr>
+              <a:t>Mockito.</a:t>
+            </a:r>
+            <a:r>
+              <a:rPr lang="de-DE" sz="1600" i="1" dirty="0" err="1">
+                <a:latin typeface="Source Code Pro"/>
+                <a:cs typeface="Source Code Pro"/>
+              </a:rPr>
+              <a:t>mock</a:t>
+            </a:r>
+            <a:r>
+              <a:rPr lang="de-DE" sz="1600" dirty="0">
+                <a:latin typeface="Source Code Pro"/>
+                <a:cs typeface="Source Code Pro"/>
+              </a:rPr>
+              <a:t>(</a:t>
+            </a:r>
+            <a:r>
+              <a:rPr lang="de-DE" sz="1600" dirty="0" err="1">
+                <a:latin typeface="Source Code Pro"/>
+                <a:cs typeface="Source Code Pro"/>
+              </a:rPr>
+              <a:t>KlassB.</a:t>
+            </a:r>
+            <a:r>
+              <a:rPr lang="de-DE" sz="1600" b="1" dirty="0" err="1">
+                <a:solidFill>
+                  <a:srgbClr val="660066"/>
+                </a:solidFill>
+                <a:latin typeface="Source Code Pro"/>
+                <a:cs typeface="Source Code Pro"/>
+              </a:rPr>
+              <a:t>class</a:t>
+            </a:r>
+            <a:r>
+              <a:rPr lang="de-DE" sz="1600" dirty="0">
+                <a:latin typeface="Source Code Pro"/>
+                <a:cs typeface="Source Code Pro"/>
+              </a:rPr>
+              <a:t>)</a:t>
+            </a:r>
+            <a:r>
+              <a:rPr lang="de-DE" sz="1600" dirty="0" smtClean="0">
+                <a:latin typeface="Source Code Pro"/>
+                <a:cs typeface="Source Code Pro"/>
+              </a:rPr>
+              <a:t>;</a:t>
+            </a:r>
+            <a:endParaRPr lang="de-DE" sz="1600" dirty="0">
+              <a:latin typeface="Source Code Pro"/>
+              <a:cs typeface="Source Code Pro"/>
+            </a:endParaRPr>
+          </a:p>
+          <a:p>
+            <a:endParaRPr lang="de-DE" sz="1600" dirty="0" smtClean="0">
+              <a:latin typeface="Source Code Pro"/>
+              <a:cs typeface="Source Code Pro"/>
+            </a:endParaRPr>
+          </a:p>
+          <a:p>
+            <a:r>
+              <a:rPr lang="de-DE" sz="1600" dirty="0" smtClean="0">
+                <a:latin typeface="Source Code Pro"/>
+                <a:cs typeface="Source Code Pro"/>
+              </a:rPr>
+              <a:t>   </a:t>
+            </a:r>
+            <a:r>
+              <a:rPr lang="de-DE" sz="1600" i="1" dirty="0" err="1" smtClean="0">
+                <a:latin typeface="Source Code Pro"/>
+                <a:cs typeface="Source Code Pro"/>
+              </a:rPr>
+              <a:t>assertThat</a:t>
+            </a:r>
+            <a:r>
+              <a:rPr lang="de-DE" sz="1600" dirty="0">
+                <a:latin typeface="Source Code Pro"/>
+                <a:cs typeface="Source Code Pro"/>
+              </a:rPr>
+              <a:t>(</a:t>
+            </a:r>
+            <a:r>
+              <a:rPr lang="de-DE" sz="1600" b="1" dirty="0" err="1">
+                <a:solidFill>
+                  <a:srgbClr val="660066"/>
+                </a:solidFill>
+                <a:latin typeface="Source Code Pro"/>
+                <a:cs typeface="Source Code Pro"/>
+              </a:rPr>
+              <a:t>new</a:t>
+            </a:r>
+            <a:r>
+              <a:rPr lang="de-DE" sz="1600" dirty="0">
+                <a:latin typeface="Source Code Pro"/>
+                <a:cs typeface="Source Code Pro"/>
+              </a:rPr>
+              <a:t> </a:t>
+            </a:r>
+            <a:r>
+              <a:rPr lang="de-DE" sz="1600" dirty="0" err="1">
+                <a:latin typeface="Source Code Pro"/>
+                <a:cs typeface="Source Code Pro"/>
+              </a:rPr>
+              <a:t>KlassA</a:t>
+            </a:r>
+            <a:r>
+              <a:rPr lang="de-DE" sz="1600" dirty="0">
+                <a:latin typeface="Source Code Pro"/>
+                <a:cs typeface="Source Code Pro"/>
+              </a:rPr>
+              <a:t>(</a:t>
+            </a:r>
+            <a:r>
+              <a:rPr lang="de-DE" sz="1600" dirty="0" err="1">
+                <a:solidFill>
+                  <a:srgbClr val="948A54"/>
+                </a:solidFill>
+                <a:latin typeface="Source Code Pro"/>
+                <a:cs typeface="Source Code Pro"/>
+              </a:rPr>
+              <a:t>stub</a:t>
+            </a:r>
+            <a:r>
+              <a:rPr lang="de-DE" sz="1600" dirty="0">
+                <a:latin typeface="Source Code Pro"/>
+                <a:cs typeface="Source Code Pro"/>
+              </a:rPr>
+              <a:t>).</a:t>
+            </a:r>
+            <a:r>
+              <a:rPr lang="de-DE" sz="1600" dirty="0" err="1">
+                <a:latin typeface="Source Code Pro"/>
+                <a:cs typeface="Source Code Pro"/>
+              </a:rPr>
+              <a:t>anInterestingMethod</a:t>
+            </a:r>
+            <a:r>
+              <a:rPr lang="de-DE" sz="1600" dirty="0">
+                <a:latin typeface="Source Code Pro"/>
+                <a:cs typeface="Source Code Pro"/>
+              </a:rPr>
+              <a:t>(), </a:t>
+            </a:r>
+            <a:r>
+              <a:rPr lang="de-DE" sz="1600" i="1" dirty="0" err="1">
+                <a:latin typeface="Source Code Pro"/>
+                <a:cs typeface="Source Code Pro"/>
+              </a:rPr>
+              <a:t>is</a:t>
+            </a:r>
+            <a:r>
+              <a:rPr lang="de-DE" sz="1600" dirty="0">
+                <a:latin typeface="Source Code Pro"/>
+                <a:cs typeface="Source Code Pro"/>
+              </a:rPr>
+              <a:t>(</a:t>
+            </a:r>
+            <a:r>
+              <a:rPr lang="de-DE" sz="1600" b="1" dirty="0" err="1">
+                <a:solidFill>
+                  <a:srgbClr val="660066"/>
+                </a:solidFill>
+                <a:latin typeface="Source Code Pro"/>
+                <a:cs typeface="Source Code Pro"/>
+              </a:rPr>
+              <a:t>true</a:t>
+            </a:r>
+            <a:r>
+              <a:rPr lang="de-DE" sz="1600" dirty="0">
+                <a:latin typeface="Source Code Pro"/>
+                <a:cs typeface="Source Code Pro"/>
+              </a:rPr>
+              <a:t>));</a:t>
+            </a:r>
+          </a:p>
+          <a:p>
+            <a:r>
+              <a:rPr lang="de-DE" sz="1600" dirty="0" smtClean="0">
+                <a:latin typeface="Source Code Pro"/>
+                <a:cs typeface="Source Code Pro"/>
+              </a:rPr>
+              <a:t>}</a:t>
+            </a:r>
+            <a:endParaRPr lang="de-DE" sz="1600" dirty="0">
+              <a:latin typeface="Source Code Pro"/>
+              <a:cs typeface="Source Code Pro"/>
+            </a:endParaRPr>
+          </a:p>
+          <a:p>
+            <a:endParaRPr lang="de-DE" sz="1600" dirty="0">
+              <a:latin typeface="Source Code Pro"/>
+              <a:cs typeface="Source Code Pro"/>
+            </a:endParaRPr>
+          </a:p>
+          <a:p>
+            <a:endParaRPr lang="de-DE" sz="1600" dirty="0">
+              <a:latin typeface="Source Code Pro"/>
+              <a:cs typeface="Source Code Pro"/>
+            </a:endParaRPr>
           </a:p>
         </p:txBody>
       </p:sp>
-      <p:pic>
-        <p:nvPicPr>
-          <p:cNvPr id="6" name="Inhaltsplatzhalter 5"/>
-          <p:cNvPicPr>
-            <a:picLocks noGrp="1" noChangeAspect="1"/>
-          </p:cNvPicPr>
-          <p:nvPr>
-            <p:ph idx="1"/>
-          </p:nvPr>
-        </p:nvPicPr>
-        <p:blipFill>
-          <a:blip r:embed="rId3"/>
-          <a:srcRect l="-19236" r="-19236"/>
-          <a:stretch>
-            <a:fillRect/>
-          </a:stretch>
-        </p:blipFill>
-        <p:spPr/>
-      </p:pic>
     </p:spTree>
     <p:extLst>
       <p:ext uri="{BB962C8B-B14F-4D97-AF65-F5344CB8AC3E}">
-        <p14:creationId xmlns:p14="http://schemas.microsoft.com/office/powerpoint/2010/main" val="3729958523"/>
+        <p14:creationId xmlns:p14="http://schemas.microsoft.com/office/powerpoint/2010/main" val="890252917"/>
       </p:ext>
     </p:extLst>
   </p:cSld>
@@ -5569,8 +7572,16 @@
               <a:t> </a:t>
             </a:r>
             <a:r>
+              <a:rPr lang="de-DE" dirty="0" err="1" smtClean="0"/>
+              <a:t>Fake</a:t>
+            </a:r>
+            <a:r>
               <a:rPr lang="de-DE" dirty="0" smtClean="0"/>
-              <a:t>Mock</a:t>
+              <a:t> </a:t>
+            </a:r>
+            <a:r>
+              <a:rPr lang="de-DE" dirty="0" err="1" smtClean="0"/>
+              <a:t>Object</a:t>
             </a:r>
             <a:endParaRPr lang="de-DE" dirty="0"/>
           </a:p>
@@ -5616,7 +7627,7 @@
               <a:rPr lang="de-DE" sz="1200" dirty="0" smtClean="0">
                 <a:hlinkClick r:id="rId2"/>
               </a:rPr>
-              <a:t>/Mock%20Object.html</a:t>
+              <a:t>/Fake%20Object.html</a:t>
             </a:r>
             <a:r>
               <a:rPr lang="de-DE" sz="1200" dirty="0" smtClean="0"/>
@@ -5664,7 +7675,7 @@
       </p:sp>
       <p:pic>
         <p:nvPicPr>
-          <p:cNvPr id="4" name="Inhaltsplatzhalter 3"/>
+          <p:cNvPr id="6" name="Inhaltsplatzhalter 5"/>
           <p:cNvPicPr>
             <a:picLocks noGrp="1" noChangeAspect="1"/>
           </p:cNvPicPr>
@@ -5674,7 +7685,7 @@
         </p:nvPicPr>
         <p:blipFill>
           <a:blip r:embed="rId3"/>
-          <a:srcRect l="-19236" r="-19236"/>
+          <a:srcRect l="-21264" r="-21264"/>
           <a:stretch>
             <a:fillRect/>
           </a:stretch>
@@ -5684,7 +7695,7 @@
     </p:spTree>
     <p:extLst>
       <p:ext uri="{BB962C8B-B14F-4D97-AF65-F5344CB8AC3E}">
-        <p14:creationId xmlns:p14="http://schemas.microsoft.com/office/powerpoint/2010/main" val="1569405094"/>
+        <p14:creationId xmlns:p14="http://schemas.microsoft.com/office/powerpoint/2010/main" val="3919436087"/>
       </p:ext>
     </p:extLst>
   </p:cSld>
@@ -5775,7 +7786,9 @@
         </p:nvSpPr>
         <p:spPr/>
         <p:txBody>
-          <a:bodyPr/>
+          <a:bodyPr>
+            <a:normAutofit/>
+          </a:bodyPr>
           <a:lstStyle/>
           <a:p>
             <a:r>
@@ -5784,7 +7797,15 @@
             </a:r>
             <a:r>
               <a:rPr lang="de-DE" dirty="0" err="1" smtClean="0"/>
-              <a:t>Stub</a:t>
+              <a:t>Fake</a:t>
+            </a:r>
+            <a:r>
+              <a:rPr lang="de-DE" dirty="0" smtClean="0"/>
+              <a:t> </a:t>
+            </a:r>
+            <a:r>
+              <a:rPr lang="de-DE" dirty="0" err="1" smtClean="0"/>
+              <a:t>Object</a:t>
             </a:r>
             <a:endParaRPr lang="de-DE" dirty="0"/>
           </a:p>
@@ -5792,14 +7813,14 @@
       </p:sp>
       <p:sp>
         <p:nvSpPr>
-          <p:cNvPr id="6" name="Textfeld 5"/>
+          <p:cNvPr id="7" name="Textfeld 6"/>
           <p:cNvSpPr txBox="1"/>
           <p:nvPr/>
         </p:nvSpPr>
         <p:spPr>
           <a:xfrm>
             <a:off x="395536" y="1419622"/>
-            <a:ext cx="8352928" cy="1815882"/>
+            <a:ext cx="8352928" cy="2800766"/>
           </a:xfrm>
           <a:prstGeom prst="rect">
             <a:avLst/>
@@ -5859,98 +7880,276 @@
               <a:t>void</a:t>
             </a:r>
             <a:r>
-              <a:rPr lang="de-DE" sz="1600" b="1" dirty="0">
+              <a:rPr lang="de-DE" sz="1600" dirty="0">
+                <a:latin typeface="Source Code Pro"/>
+                <a:cs typeface="Source Code Pro"/>
+              </a:rPr>
+              <a:t> </a:t>
+            </a:r>
+            <a:r>
+              <a:rPr lang="de-DE" sz="1600" dirty="0" err="1" smtClean="0">
+                <a:latin typeface="Source Code Pro"/>
+                <a:cs typeface="Source Code Pro"/>
+              </a:rPr>
+              <a:t>withFake</a:t>
+            </a:r>
+            <a:r>
+              <a:rPr lang="de-DE" sz="1600" dirty="0" smtClean="0">
+                <a:latin typeface="Source Code Pro"/>
+                <a:cs typeface="Source Code Pro"/>
+              </a:rPr>
+              <a:t>(</a:t>
+            </a:r>
+            <a:r>
+              <a:rPr lang="de-DE" sz="1600" dirty="0">
+                <a:latin typeface="Source Code Pro"/>
+                <a:cs typeface="Source Code Pro"/>
+              </a:rPr>
+              <a:t>) </a:t>
+            </a:r>
+            <a:r>
+              <a:rPr lang="de-DE" sz="1600" dirty="0" smtClean="0">
+                <a:latin typeface="Source Code Pro"/>
+                <a:cs typeface="Source Code Pro"/>
+              </a:rPr>
+              <a:t>{</a:t>
+            </a:r>
+          </a:p>
+          <a:p>
+            <a:endParaRPr lang="de-DE" sz="1600" dirty="0" smtClean="0">
+              <a:latin typeface="Source Code Pro"/>
+              <a:cs typeface="Source Code Pro"/>
+            </a:endParaRPr>
+          </a:p>
+          <a:p>
+            <a:r>
+              <a:rPr lang="de-DE" sz="1600" dirty="0" smtClean="0">
+                <a:latin typeface="Source Code Pro"/>
+                <a:cs typeface="Source Code Pro"/>
+              </a:rPr>
+              <a:t>   </a:t>
+            </a:r>
+            <a:r>
+              <a:rPr lang="de-DE" sz="1600" dirty="0" err="1" smtClean="0">
+                <a:latin typeface="Source Code Pro"/>
+                <a:cs typeface="Source Code Pro"/>
+              </a:rPr>
+              <a:t>KlassB</a:t>
+            </a:r>
+            <a:r>
+              <a:rPr lang="de-DE" sz="1600" dirty="0" smtClean="0">
+                <a:latin typeface="Source Code Pro"/>
+                <a:cs typeface="Source Code Pro"/>
+              </a:rPr>
+              <a:t> </a:t>
+            </a:r>
+            <a:r>
+              <a:rPr lang="de-DE" sz="1600" dirty="0" err="1" smtClean="0">
+                <a:solidFill>
+                  <a:srgbClr val="948A54"/>
+                </a:solidFill>
+                <a:latin typeface="Source Code Pro"/>
+                <a:cs typeface="Source Code Pro"/>
+              </a:rPr>
+              <a:t>fake</a:t>
+            </a:r>
+            <a:r>
+              <a:rPr lang="de-DE" sz="1600" dirty="0" smtClean="0">
+                <a:latin typeface="Source Code Pro"/>
+                <a:cs typeface="Source Code Pro"/>
+              </a:rPr>
+              <a:t> = </a:t>
+            </a:r>
+            <a:r>
+              <a:rPr lang="de-DE" sz="1600" b="1" dirty="0" err="1" smtClean="0">
                 <a:solidFill>
                   <a:srgbClr val="660066"/>
                 </a:solidFill>
                 <a:latin typeface="Source Code Pro"/>
                 <a:cs typeface="Source Code Pro"/>
               </a:rPr>
-              <a:t> </a:t>
-            </a:r>
-            <a:r>
-              <a:rPr lang="de-DE" sz="1600" dirty="0" err="1">
+              <a:t>new</a:t>
+            </a:r>
+            <a:r>
+              <a:rPr lang="de-DE" sz="1600" dirty="0" smtClean="0">
                 <a:latin typeface="Source Code Pro"/>
                 <a:cs typeface="Source Code Pro"/>
               </a:rPr>
-              <a:t>withMockitoStub</a:t>
-            </a:r>
+              <a:t> </a:t>
+            </a:r>
+            <a:r>
+              <a:rPr lang="de-DE" sz="1600" dirty="0" err="1" smtClean="0">
+                <a:latin typeface="Source Code Pro"/>
+                <a:cs typeface="Source Code Pro"/>
+              </a:rPr>
+              <a:t>KlassB</a:t>
+            </a:r>
+            <a:r>
+              <a:rPr lang="de-DE" sz="1600" dirty="0" smtClean="0">
+                <a:latin typeface="Source Code Pro"/>
+                <a:cs typeface="Source Code Pro"/>
+              </a:rPr>
+              <a:t>() {</a:t>
+            </a:r>
+          </a:p>
+          <a:p>
             <a:r>
               <a:rPr lang="de-DE" sz="1600" dirty="0">
                 <a:latin typeface="Source Code Pro"/>
                 <a:cs typeface="Source Code Pro"/>
               </a:rPr>
-              <a:t>() {</a:t>
-            </a:r>
-          </a:p>
-          <a:p>
+              <a:t> </a:t>
+            </a:r>
             <a:r>
               <a:rPr lang="de-DE" sz="1600" dirty="0" smtClean="0">
                 <a:latin typeface="Source Code Pro"/>
                 <a:cs typeface="Source Code Pro"/>
               </a:rPr>
-              <a:t>   </a:t>
+              <a:t>     @</a:t>
             </a:r>
             <a:r>
               <a:rPr lang="de-DE" sz="1600" dirty="0" err="1" smtClean="0">
                 <a:latin typeface="Source Code Pro"/>
                 <a:cs typeface="Source Code Pro"/>
               </a:rPr>
-              <a:t>KlassB</a:t>
+              <a:t>Override</a:t>
+            </a:r>
+            <a:endParaRPr lang="de-DE" sz="1600" dirty="0" smtClean="0">
+              <a:latin typeface="Source Code Pro"/>
+              <a:cs typeface="Source Code Pro"/>
+            </a:endParaRPr>
+          </a:p>
+          <a:p>
+            <a:r>
+              <a:rPr lang="de-DE" sz="1600" dirty="0">
+                <a:latin typeface="Source Code Pro"/>
+                <a:cs typeface="Source Code Pro"/>
+              </a:rPr>
+              <a:t> </a:t>
             </a:r>
             <a:r>
               <a:rPr lang="de-DE" sz="1600" dirty="0" smtClean="0">
                 <a:latin typeface="Source Code Pro"/>
                 <a:cs typeface="Source Code Pro"/>
               </a:rPr>
-              <a:t> </a:t>
-            </a:r>
-            <a:r>
-              <a:rPr lang="de-DE" sz="1600" dirty="0" err="1">
+              <a:t>     </a:t>
+            </a:r>
+            <a:r>
+              <a:rPr lang="de-DE" sz="1600" b="1" dirty="0" err="1" smtClean="0">
                 <a:solidFill>
-                  <a:schemeClr val="bg2">
-                    <a:lumMod val="50000"/>
-                  </a:schemeClr>
+                  <a:srgbClr val="660066"/>
                 </a:solidFill>
                 <a:latin typeface="Source Code Pro"/>
                 <a:cs typeface="Source Code Pro"/>
               </a:rPr>
-              <a:t>stub</a:t>
-            </a:r>
+              <a:t>public</a:t>
+            </a:r>
+            <a:r>
+              <a:rPr lang="de-DE" sz="1600" b="1" dirty="0" smtClean="0">
+                <a:solidFill>
+                  <a:srgbClr val="660066"/>
+                </a:solidFill>
+                <a:latin typeface="Source Code Pro"/>
+                <a:cs typeface="Source Code Pro"/>
+              </a:rPr>
+              <a:t> </a:t>
+            </a:r>
+            <a:r>
+              <a:rPr lang="de-DE" sz="1600" b="1" dirty="0" err="1" smtClean="0">
+                <a:solidFill>
+                  <a:srgbClr val="660066"/>
+                </a:solidFill>
+                <a:latin typeface="Source Code Pro"/>
+                <a:cs typeface="Source Code Pro"/>
+              </a:rPr>
+              <a:t>int</a:t>
+            </a:r>
+            <a:r>
+              <a:rPr lang="de-DE" sz="1600" dirty="0" smtClean="0">
+                <a:latin typeface="Source Code Pro"/>
+                <a:cs typeface="Source Code Pro"/>
+              </a:rPr>
+              <a:t> </a:t>
+            </a:r>
+            <a:r>
+              <a:rPr lang="de-DE" sz="1600" dirty="0" err="1" smtClean="0">
+                <a:latin typeface="Source Code Pro"/>
+                <a:cs typeface="Source Code Pro"/>
+              </a:rPr>
+              <a:t>helpDoTheWork</a:t>
+            </a:r>
+            <a:r>
+              <a:rPr lang="de-DE" sz="1600" dirty="0" smtClean="0">
+                <a:latin typeface="Source Code Pro"/>
+                <a:cs typeface="Source Code Pro"/>
+              </a:rPr>
+              <a:t>() { </a:t>
+            </a:r>
+            <a:r>
+              <a:rPr lang="de-DE" sz="1600" b="1" dirty="0" err="1" smtClean="0">
+                <a:solidFill>
+                  <a:srgbClr val="660066"/>
+                </a:solidFill>
+                <a:latin typeface="Source Code Pro"/>
+                <a:cs typeface="Source Code Pro"/>
+              </a:rPr>
+              <a:t>return</a:t>
+            </a:r>
+            <a:r>
+              <a:rPr lang="de-DE" sz="1600" dirty="0" smtClean="0">
+                <a:latin typeface="Source Code Pro"/>
+                <a:cs typeface="Source Code Pro"/>
+              </a:rPr>
+              <a:t> 1; }</a:t>
+            </a:r>
+          </a:p>
+          <a:p>
             <a:r>
               <a:rPr lang="de-DE" sz="1600" dirty="0">
                 <a:latin typeface="Source Code Pro"/>
                 <a:cs typeface="Source Code Pro"/>
               </a:rPr>
-              <a:t> = </a:t>
-            </a:r>
-            <a:r>
-              <a:rPr lang="de-DE" sz="1600" dirty="0" err="1">
+              <a:t> </a:t>
+            </a:r>
+            <a:r>
+              <a:rPr lang="de-DE" sz="1600" dirty="0" smtClean="0">
                 <a:latin typeface="Source Code Pro"/>
                 <a:cs typeface="Source Code Pro"/>
               </a:rPr>
-              <a:t>Mockito.</a:t>
-            </a:r>
-            <a:r>
-              <a:rPr lang="de-DE" sz="1600" i="1" dirty="0" err="1">
+              <a:t>  };</a:t>
+            </a:r>
+            <a:endParaRPr lang="de-DE" sz="1600" dirty="0">
+              <a:latin typeface="Source Code Pro"/>
+              <a:cs typeface="Source Code Pro"/>
+            </a:endParaRPr>
+          </a:p>
+          <a:p>
+            <a:endParaRPr lang="de-DE" sz="1600" dirty="0" smtClean="0">
+              <a:latin typeface="Source Code Pro"/>
+              <a:cs typeface="Source Code Pro"/>
+            </a:endParaRPr>
+          </a:p>
+          <a:p>
+            <a:r>
+              <a:rPr lang="de-DE" sz="1600" dirty="0" smtClean="0">
                 <a:latin typeface="Source Code Pro"/>
                 <a:cs typeface="Source Code Pro"/>
               </a:rPr>
-              <a:t>mock</a:t>
-            </a:r>
-            <a:r>
-              <a:rPr lang="de-DE" sz="1600" dirty="0">
+              <a:t>   </a:t>
+            </a:r>
+            <a:r>
+              <a:rPr lang="de-DE" sz="1600" i="1" dirty="0" err="1" smtClean="0">
                 <a:latin typeface="Source Code Pro"/>
                 <a:cs typeface="Source Code Pro"/>
               </a:rPr>
-              <a:t>(</a:t>
-            </a:r>
-            <a:r>
-              <a:rPr lang="de-DE" sz="1600" dirty="0" err="1">
+              <a:t>assertThat</a:t>
+            </a:r>
+            <a:r>
+              <a:rPr lang="de-DE" sz="1600" dirty="0" smtClean="0">
                 <a:latin typeface="Source Code Pro"/>
                 <a:cs typeface="Source Code Pro"/>
               </a:rPr>
-              <a:t>KlassB.</a:t>
+              <a:t>(</a:t>
             </a:r>
             <a:r>
               <a:rPr lang="de-DE" sz="1600" b="1" dirty="0" err="1">
@@ -5960,41 +8159,73 @@
                 <a:latin typeface="Source Code Pro"/>
                 <a:cs typeface="Source Code Pro"/>
               </a:rPr>
-              <a:t>class</a:t>
+              <a:t>new</a:t>
             </a:r>
             <a:r>
               <a:rPr lang="de-DE" sz="1600" dirty="0">
                 <a:latin typeface="Source Code Pro"/>
                 <a:cs typeface="Source Code Pro"/>
               </a:rPr>
-              <a:t>)</a:t>
+              <a:t> </a:t>
+            </a:r>
+            <a:r>
+              <a:rPr lang="de-DE" sz="1600" dirty="0" err="1">
+                <a:latin typeface="Source Code Pro"/>
+                <a:cs typeface="Source Code Pro"/>
+              </a:rPr>
+              <a:t>KlassA</a:t>
             </a:r>
             <a:r>
               <a:rPr lang="de-DE" sz="1600" dirty="0" smtClean="0">
                 <a:latin typeface="Source Code Pro"/>
                 <a:cs typeface="Source Code Pro"/>
               </a:rPr>
-              <a:t>;</a:t>
-            </a:r>
-            <a:endParaRPr lang="de-DE" sz="1600" dirty="0">
-              <a:latin typeface="Source Code Pro"/>
-              <a:cs typeface="Source Code Pro"/>
-            </a:endParaRPr>
-          </a:p>
-          <a:p>
+              <a:t>(</a:t>
+            </a:r>
+            <a:r>
+              <a:rPr lang="de-DE" sz="1600" dirty="0" err="1" smtClean="0">
+                <a:solidFill>
+                  <a:srgbClr val="948A54"/>
+                </a:solidFill>
+                <a:latin typeface="Source Code Pro"/>
+                <a:cs typeface="Source Code Pro"/>
+              </a:rPr>
+              <a:t>fake</a:t>
+            </a:r>
             <a:r>
               <a:rPr lang="de-DE" sz="1600" dirty="0" smtClean="0">
                 <a:latin typeface="Source Code Pro"/>
                 <a:cs typeface="Source Code Pro"/>
               </a:rPr>
-              <a:t>   </a:t>
-            </a:r>
-            <a:r>
-              <a:rPr lang="de-DE" sz="1600" i="1" dirty="0" err="1" smtClean="0">
+              <a:t>)</a:t>
+            </a:r>
+            <a:r>
+              <a:rPr lang="de-DE" sz="1600" dirty="0">
                 <a:latin typeface="Source Code Pro"/>
                 <a:cs typeface="Source Code Pro"/>
               </a:rPr>
-              <a:t>assertThat</a:t>
+              <a:t>.</a:t>
+            </a:r>
+            <a:r>
+              <a:rPr lang="de-DE" sz="1600" dirty="0" err="1">
+                <a:latin typeface="Source Code Pro"/>
+                <a:cs typeface="Source Code Pro"/>
+              </a:rPr>
+              <a:t>anInterestingMethod</a:t>
+            </a:r>
+            <a:r>
+              <a:rPr lang="de-DE" sz="1600" dirty="0">
+                <a:latin typeface="Source Code Pro"/>
+                <a:cs typeface="Source Code Pro"/>
+              </a:rPr>
+              <a:t>(), </a:t>
+            </a:r>
+            <a:r>
+              <a:rPr lang="de-DE" sz="1600" i="1" dirty="0" err="1">
+                <a:latin typeface="Source Code Pro"/>
+                <a:cs typeface="Source Code Pro"/>
+              </a:rPr>
+              <a:t>is</a:t>
             </a:r>
             <a:r>
               <a:rPr lang="de-DE" sz="1600" dirty="0">
@@ -6011,90 +8242,28 @@
                 <a:latin typeface="Source Code Pro"/>
                 <a:cs typeface="Source Code Pro"/>
               </a:rPr>
-              <a:t>new</a:t>
+              <a:t>true</a:t>
             </a:r>
             <a:r>
               <a:rPr lang="de-DE" sz="1600" dirty="0">
                 <a:latin typeface="Source Code Pro"/>
                 <a:cs typeface="Source Code Pro"/>
               </a:rPr>
-              <a:t> </a:t>
-            </a:r>
-            <a:r>
-              <a:rPr lang="de-DE" sz="1600" dirty="0" err="1">
+              <a:t>)</a:t>
+            </a:r>
+            <a:r>
+              <a:rPr lang="de-DE" sz="1600" dirty="0" smtClean="0">
                 <a:latin typeface="Source Code Pro"/>
                 <a:cs typeface="Source Code Pro"/>
               </a:rPr>
-              <a:t>KlassA</a:t>
+              <a:t>)</a:t>
             </a:r>
             <a:r>
               <a:rPr lang="de-DE" sz="1600" dirty="0">
                 <a:latin typeface="Source Code Pro"/>
                 <a:cs typeface="Source Code Pro"/>
               </a:rPr>
-              <a:t>(</a:t>
-            </a:r>
-            <a:r>
-              <a:rPr lang="de-DE" sz="1600" dirty="0" err="1">
-                <a:solidFill>
-                  <a:srgbClr val="948A54"/>
-                </a:solidFill>
-                <a:latin typeface="Source Code Pro"/>
-                <a:cs typeface="Source Code Pro"/>
-              </a:rPr>
-              <a:t>stub</a:t>
-            </a:r>
-            <a:r>
-              <a:rPr lang="de-DE" sz="1600" dirty="0">
-                <a:latin typeface="Source Code Pro"/>
-                <a:cs typeface="Source Code Pro"/>
-              </a:rPr>
-              <a:t>).</a:t>
-            </a:r>
-            <a:r>
-              <a:rPr lang="de-DE" sz="1600" dirty="0" err="1">
-                <a:latin typeface="Source Code Pro"/>
-                <a:cs typeface="Source Code Pro"/>
-              </a:rPr>
-              <a:t>anInterestingMethod</a:t>
-            </a:r>
-            <a:r>
-              <a:rPr lang="de-DE" sz="1600" dirty="0">
-                <a:latin typeface="Source Code Pro"/>
-                <a:cs typeface="Source Code Pro"/>
-              </a:rPr>
-              <a:t>(), </a:t>
-            </a:r>
-            <a:r>
-              <a:rPr lang="de-DE" sz="1600" i="1" dirty="0" err="1">
-                <a:latin typeface="Source Code Pro"/>
-                <a:cs typeface="Source Code Pro"/>
-              </a:rPr>
-              <a:t>is</a:t>
-            </a:r>
-            <a:r>
-              <a:rPr lang="de-DE" sz="1600" dirty="0">
-                <a:latin typeface="Source Code Pro"/>
-                <a:cs typeface="Source Code Pro"/>
-              </a:rPr>
-              <a:t>(</a:t>
-            </a:r>
-            <a:r>
-              <a:rPr lang="de-DE" sz="1600" b="1" dirty="0" err="1">
-                <a:solidFill>
-                  <a:srgbClr val="660066"/>
-                </a:solidFill>
-                <a:latin typeface="Source Code Pro"/>
-                <a:cs typeface="Source Code Pro"/>
-              </a:rPr>
-              <a:t>true</a:t>
-            </a:r>
-            <a:r>
-              <a:rPr lang="de-DE" sz="1600" dirty="0">
-                <a:latin typeface="Source Code Pro"/>
-                <a:cs typeface="Source Code Pro"/>
-              </a:rPr>
-              <a:t>));</a:t>
+              <a:t>;</a:t>
             </a:r>
           </a:p>
           <a:p>
@@ -6105,12 +8274,6 @@
               </a:rPr>
               <a:t>}</a:t>
             </a:r>
-            <a:endParaRPr lang="de-DE" sz="1600" dirty="0">
-              <a:latin typeface="Source Code Pro"/>
-              <a:cs typeface="Source Code Pro"/>
-            </a:endParaRPr>
-          </a:p>
-          <a:p>
             <a:endParaRPr lang="de-DE" sz="1600" dirty="0">
               <a:latin typeface="Source Code Pro"/>
               <a:cs typeface="Source Code Pro"/>
@@ -6127,7 +8290,7 @@
     </p:spTree>
     <p:extLst>
       <p:ext uri="{BB962C8B-B14F-4D97-AF65-F5344CB8AC3E}">
-        <p14:creationId xmlns:p14="http://schemas.microsoft.com/office/powerpoint/2010/main" val="890252917"/>
+        <p14:creationId xmlns:p14="http://schemas.microsoft.com/office/powerpoint/2010/main" val="401687663"/>
       </p:ext>
     </p:extLst>
   </p:cSld>
@@ -6218,9 +8381,7 @@
         </p:nvSpPr>
         <p:spPr/>
         <p:txBody>
-          <a:bodyPr>
-            <a:normAutofit/>
-          </a:bodyPr>
+          <a:bodyPr/>
           <a:lstStyle/>
           <a:p>
             <a:r>
@@ -6229,7 +8390,7 @@
             </a:r>
             <a:r>
               <a:rPr lang="de-DE" dirty="0" err="1" smtClean="0"/>
-              <a:t>Fake</a:t>
+              <a:t>Spy</a:t>
             </a:r>
             <a:endParaRPr lang="de-DE" dirty="0"/>
           </a:p>
@@ -6237,14 +8398,14 @@
       </p:sp>
       <p:sp>
         <p:nvSpPr>
-          <p:cNvPr id="7" name="Textfeld 6"/>
+          <p:cNvPr id="8" name="Textfeld 7"/>
           <p:cNvSpPr txBox="1"/>
           <p:nvPr/>
         </p:nvSpPr>
         <p:spPr>
           <a:xfrm>
-            <a:off x="395536" y="1419622"/>
-            <a:ext cx="8352928" cy="2308324"/>
+            <a:off x="467544" y="4731990"/>
+            <a:ext cx="8208912" cy="276999"/>
           </a:xfrm>
           <a:prstGeom prst="rect">
             <a:avLst/>
@@ -6258,458 +8419,92 @@
           <a:lstStyle/>
           <a:p>
             <a:r>
-              <a:rPr lang="de-DE" sz="1600" dirty="0" smtClean="0">
-                <a:latin typeface="Source Code Pro"/>
-                <a:cs typeface="Source Code Pro"/>
-              </a:rPr>
-              <a:t>@</a:t>
-            </a:r>
-            <a:r>
-              <a:rPr lang="de-DE" sz="1600" dirty="0">
-                <a:latin typeface="Source Code Pro"/>
-                <a:cs typeface="Source Code Pro"/>
-              </a:rPr>
-              <a:t>Test</a:t>
-            </a:r>
-          </a:p>
-          <a:p>
-            <a:r>
-              <a:rPr lang="de-DE" sz="1600" b="1" dirty="0" err="1" smtClean="0">
-                <a:solidFill>
-                  <a:srgbClr val="660066"/>
-                </a:solidFill>
-                <a:latin typeface="Source Code Pro"/>
-                <a:cs typeface="Source Code Pro"/>
-              </a:rPr>
-              <a:t>public</a:t>
-            </a:r>
-            <a:r>
-              <a:rPr lang="de-DE" sz="1600" b="1" dirty="0" smtClean="0">
-                <a:solidFill>
-                  <a:srgbClr val="660066"/>
-                </a:solidFill>
-                <a:latin typeface="Source Code Pro"/>
-                <a:cs typeface="Source Code Pro"/>
-              </a:rPr>
+              <a:rPr lang="de-DE" sz="1200" dirty="0" smtClean="0"/>
+              <a:t>Image Source</a:t>
+            </a:r>
+            <a:r>
+              <a:rPr lang="de-DE" sz="1200" dirty="0"/>
+              <a:t>: </a:t>
+            </a:r>
+            <a:r>
+              <a:rPr lang="de-DE" sz="1200" dirty="0">
+                <a:hlinkClick r:id="rId2"/>
+              </a:rPr>
+              <a:t>http://xunitpatterns.com/Test%</a:t>
+            </a:r>
+            <a:r>
+              <a:rPr lang="de-DE" sz="1200" dirty="0" smtClean="0">
+                <a:hlinkClick r:id="rId2"/>
+              </a:rPr>
+              <a:t>20Spy.html</a:t>
+            </a:r>
+            <a:r>
+              <a:rPr lang="de-DE" sz="1200" dirty="0" smtClean="0"/>
+              <a:t> - </a:t>
+            </a:r>
+            <a:r>
+              <a:rPr lang="de-DE" sz="1200" dirty="0" err="1" smtClean="0"/>
+              <a:t>With</a:t>
+            </a:r>
+            <a:r>
+              <a:rPr lang="de-DE" sz="1200" dirty="0" smtClean="0"/>
               <a:t> </a:t>
             </a:r>
             <a:r>
-              <a:rPr lang="de-DE" sz="1600" b="1" dirty="0" err="1">
-                <a:solidFill>
-                  <a:srgbClr val="660066"/>
-                </a:solidFill>
-                <a:latin typeface="Source Code Pro"/>
-                <a:cs typeface="Source Code Pro"/>
-              </a:rPr>
-              <a:t>void</a:t>
-            </a:r>
-            <a:r>
-              <a:rPr lang="de-DE" sz="1600" dirty="0">
-                <a:latin typeface="Source Code Pro"/>
-                <a:cs typeface="Source Code Pro"/>
-              </a:rPr>
+              <a:rPr lang="de-DE" sz="1200" dirty="0" err="1" smtClean="0"/>
+              <a:t>kind</a:t>
+            </a:r>
+            <a:r>
+              <a:rPr lang="de-DE" sz="1200" dirty="0" smtClean="0"/>
               <a:t> </a:t>
             </a:r>
             <a:r>
-              <a:rPr lang="de-DE" sz="1600" dirty="0" err="1" smtClean="0">
-                <a:latin typeface="Source Code Pro"/>
-                <a:cs typeface="Source Code Pro"/>
-              </a:rPr>
-              <a:t>withFake</a:t>
-            </a:r>
-            <a:r>
-              <a:rPr lang="de-DE" sz="1600" dirty="0" smtClean="0">
-                <a:latin typeface="Source Code Pro"/>
-                <a:cs typeface="Source Code Pro"/>
-              </a:rPr>
-              <a:t>(</a:t>
-            </a:r>
-            <a:r>
-              <a:rPr lang="de-DE" sz="1600" dirty="0">
-                <a:latin typeface="Source Code Pro"/>
-                <a:cs typeface="Source Code Pro"/>
-              </a:rPr>
-              <a:t>) </a:t>
-            </a:r>
-            <a:r>
-              <a:rPr lang="de-DE" sz="1600" dirty="0" smtClean="0">
-                <a:latin typeface="Source Code Pro"/>
-                <a:cs typeface="Source Code Pro"/>
-              </a:rPr>
-              <a:t>{</a:t>
-            </a:r>
-          </a:p>
-          <a:p>
-            <a:r>
-              <a:rPr lang="de-DE" sz="1600" dirty="0">
-                <a:latin typeface="Source Code Pro"/>
-                <a:cs typeface="Source Code Pro"/>
-              </a:rPr>
+              <a:rPr lang="de-DE" sz="1200" dirty="0" err="1" smtClean="0"/>
+              <a:t>permission</a:t>
+            </a:r>
+            <a:r>
+              <a:rPr lang="de-DE" sz="1200" dirty="0" smtClean="0"/>
               <a:t> </a:t>
             </a:r>
             <a:r>
-              <a:rPr lang="de-DE" sz="1600" dirty="0" smtClean="0">
-                <a:latin typeface="Source Code Pro"/>
-                <a:cs typeface="Source Code Pro"/>
-              </a:rPr>
-              <a:t>  </a:t>
-            </a:r>
-            <a:r>
-              <a:rPr lang="de-DE" sz="1600" dirty="0" err="1" smtClean="0">
-                <a:latin typeface="Source Code Pro"/>
-                <a:cs typeface="Source Code Pro"/>
-              </a:rPr>
-              <a:t>KlassB</a:t>
-            </a:r>
-            <a:r>
-              <a:rPr lang="de-DE" sz="1600" dirty="0" smtClean="0">
-                <a:latin typeface="Source Code Pro"/>
-                <a:cs typeface="Source Code Pro"/>
-              </a:rPr>
-              <a:t> </a:t>
-            </a:r>
-            <a:r>
-              <a:rPr lang="de-DE" sz="1600" dirty="0" err="1" smtClean="0">
-                <a:solidFill>
-                  <a:srgbClr val="948A54"/>
-                </a:solidFill>
-                <a:latin typeface="Source Code Pro"/>
-                <a:cs typeface="Source Code Pro"/>
-              </a:rPr>
-              <a:t>fake</a:t>
-            </a:r>
-            <a:r>
-              <a:rPr lang="de-DE" sz="1600" dirty="0" smtClean="0">
-                <a:latin typeface="Source Code Pro"/>
-                <a:cs typeface="Source Code Pro"/>
-              </a:rPr>
-              <a:t> = </a:t>
-            </a:r>
-            <a:r>
-              <a:rPr lang="de-DE" sz="1600" b="1" dirty="0" err="1" smtClean="0">
-                <a:solidFill>
-                  <a:srgbClr val="660066"/>
-                </a:solidFill>
-                <a:latin typeface="Source Code Pro"/>
-                <a:cs typeface="Source Code Pro"/>
-              </a:rPr>
-              <a:t>new</a:t>
-            </a:r>
-            <a:r>
-              <a:rPr lang="de-DE" sz="1600" dirty="0" smtClean="0">
-                <a:latin typeface="Source Code Pro"/>
-                <a:cs typeface="Source Code Pro"/>
-              </a:rPr>
-              <a:t> </a:t>
-            </a:r>
-            <a:r>
-              <a:rPr lang="de-DE" sz="1600" dirty="0" err="1" smtClean="0">
-                <a:latin typeface="Source Code Pro"/>
-                <a:cs typeface="Source Code Pro"/>
-              </a:rPr>
-              <a:t>KlassB</a:t>
-            </a:r>
-            <a:r>
-              <a:rPr lang="de-DE" sz="1600" dirty="0" smtClean="0">
-                <a:latin typeface="Source Code Pro"/>
-                <a:cs typeface="Source Code Pro"/>
-              </a:rPr>
-              <a:t>() {</a:t>
-            </a:r>
-          </a:p>
-          <a:p>
-            <a:r>
-              <a:rPr lang="de-DE" sz="1600" dirty="0">
-                <a:latin typeface="Source Code Pro"/>
-                <a:cs typeface="Source Code Pro"/>
-              </a:rPr>
-              <a:t> </a:t>
-            </a:r>
-            <a:r>
-              <a:rPr lang="de-DE" sz="1600" dirty="0" smtClean="0">
-                <a:latin typeface="Source Code Pro"/>
-                <a:cs typeface="Source Code Pro"/>
-              </a:rPr>
-              <a:t>     @</a:t>
-            </a:r>
-            <a:r>
-              <a:rPr lang="de-DE" sz="1600" dirty="0" err="1" smtClean="0">
-                <a:latin typeface="Source Code Pro"/>
-                <a:cs typeface="Source Code Pro"/>
-              </a:rPr>
-              <a:t>Override</a:t>
-            </a:r>
-            <a:endParaRPr lang="de-DE" sz="1600" dirty="0" smtClean="0">
-              <a:latin typeface="Source Code Pro"/>
-              <a:cs typeface="Source Code Pro"/>
-            </a:endParaRPr>
-          </a:p>
-          <a:p>
-            <a:r>
-              <a:rPr lang="de-DE" sz="1600" dirty="0">
-                <a:latin typeface="Source Code Pro"/>
-                <a:cs typeface="Source Code Pro"/>
-              </a:rPr>
-              <a:t> </a:t>
-            </a:r>
-            <a:r>
-              <a:rPr lang="de-DE" sz="1600" dirty="0" smtClean="0">
-                <a:latin typeface="Source Code Pro"/>
-                <a:cs typeface="Source Code Pro"/>
-              </a:rPr>
-              <a:t>     </a:t>
-            </a:r>
-            <a:r>
-              <a:rPr lang="de-DE" sz="1600" b="1" dirty="0" err="1" smtClean="0">
-                <a:solidFill>
-                  <a:srgbClr val="660066"/>
-                </a:solidFill>
-                <a:latin typeface="Source Code Pro"/>
-                <a:cs typeface="Source Code Pro"/>
-              </a:rPr>
-              <a:t>public</a:t>
-            </a:r>
-            <a:r>
-              <a:rPr lang="de-DE" sz="1600" b="1" dirty="0" smtClean="0">
-                <a:solidFill>
-                  <a:srgbClr val="660066"/>
-                </a:solidFill>
-                <a:latin typeface="Source Code Pro"/>
-                <a:cs typeface="Source Code Pro"/>
-              </a:rPr>
-              <a:t> </a:t>
-            </a:r>
-            <a:r>
-              <a:rPr lang="de-DE" sz="1600" b="1" dirty="0" err="1" smtClean="0">
-                <a:solidFill>
-                  <a:srgbClr val="660066"/>
-                </a:solidFill>
-                <a:latin typeface="Source Code Pro"/>
-                <a:cs typeface="Source Code Pro"/>
-              </a:rPr>
-              <a:t>int</a:t>
-            </a:r>
-            <a:r>
-              <a:rPr lang="de-DE" sz="1600" dirty="0" smtClean="0">
-                <a:latin typeface="Source Code Pro"/>
-                <a:cs typeface="Source Code Pro"/>
-              </a:rPr>
-              <a:t> </a:t>
-            </a:r>
-            <a:r>
-              <a:rPr lang="de-DE" sz="1600" dirty="0" err="1" smtClean="0">
-                <a:latin typeface="Source Code Pro"/>
-                <a:cs typeface="Source Code Pro"/>
-              </a:rPr>
-              <a:t>helpDoTheWork</a:t>
-            </a:r>
-            <a:r>
-              <a:rPr lang="de-DE" sz="1600" dirty="0" smtClean="0">
-                <a:latin typeface="Source Code Pro"/>
-                <a:cs typeface="Source Code Pro"/>
-              </a:rPr>
-              <a:t>() { </a:t>
-            </a:r>
-            <a:r>
-              <a:rPr lang="de-DE" sz="1600" b="1" dirty="0" err="1" smtClean="0">
-                <a:solidFill>
-                  <a:srgbClr val="660066"/>
-                </a:solidFill>
-                <a:latin typeface="Source Code Pro"/>
-                <a:cs typeface="Source Code Pro"/>
-              </a:rPr>
-              <a:t>return</a:t>
-            </a:r>
-            <a:r>
-              <a:rPr lang="de-DE" sz="1600" dirty="0" smtClean="0">
-                <a:latin typeface="Source Code Pro"/>
-                <a:cs typeface="Source Code Pro"/>
-              </a:rPr>
-              <a:t> 1; }</a:t>
-            </a:r>
-          </a:p>
-          <a:p>
-            <a:r>
-              <a:rPr lang="de-DE" sz="1600" dirty="0">
-                <a:latin typeface="Source Code Pro"/>
-                <a:cs typeface="Source Code Pro"/>
-              </a:rPr>
-              <a:t> </a:t>
-            </a:r>
-            <a:r>
-              <a:rPr lang="de-DE" sz="1600" dirty="0" smtClean="0">
-                <a:latin typeface="Source Code Pro"/>
-                <a:cs typeface="Source Code Pro"/>
-              </a:rPr>
-              <a:t>  };</a:t>
-            </a:r>
-            <a:endParaRPr lang="de-DE" sz="1600" dirty="0">
-              <a:latin typeface="Source Code Pro"/>
-              <a:cs typeface="Source Code Pro"/>
-            </a:endParaRPr>
-          </a:p>
-          <a:p>
-            <a:r>
-              <a:rPr lang="de-DE" sz="1600" dirty="0" smtClean="0">
-                <a:latin typeface="Source Code Pro"/>
-                <a:cs typeface="Source Code Pro"/>
-              </a:rPr>
-              <a:t>   </a:t>
-            </a:r>
-            <a:r>
-              <a:rPr lang="de-DE" sz="1600" i="1" dirty="0" err="1" smtClean="0">
-                <a:latin typeface="Source Code Pro"/>
-                <a:cs typeface="Source Code Pro"/>
-              </a:rPr>
-              <a:t>assertThat</a:t>
-            </a:r>
-            <a:r>
-              <a:rPr lang="de-DE" sz="1600" dirty="0" smtClean="0">
-                <a:latin typeface="Source Code Pro"/>
-                <a:cs typeface="Source Code Pro"/>
-              </a:rPr>
-              <a:t>(</a:t>
-            </a:r>
-            <a:r>
-              <a:rPr lang="de-DE" sz="1600" b="1" dirty="0" err="1">
-                <a:solidFill>
-                  <a:srgbClr val="660066"/>
-                </a:solidFill>
-                <a:latin typeface="Source Code Pro"/>
-                <a:cs typeface="Source Code Pro"/>
-              </a:rPr>
-              <a:t>new</a:t>
-            </a:r>
-            <a:r>
-              <a:rPr lang="de-DE" sz="1600" dirty="0">
-                <a:latin typeface="Source Code Pro"/>
-                <a:cs typeface="Source Code Pro"/>
-              </a:rPr>
-              <a:t> </a:t>
-            </a:r>
-            <a:r>
-              <a:rPr lang="de-DE" sz="1600" dirty="0" err="1">
-                <a:latin typeface="Source Code Pro"/>
-                <a:cs typeface="Source Code Pro"/>
-              </a:rPr>
-              <a:t>KlassA</a:t>
-            </a:r>
-            <a:r>
-              <a:rPr lang="de-DE" sz="1600" dirty="0" smtClean="0">
-                <a:latin typeface="Source Code Pro"/>
-                <a:cs typeface="Source Code Pro"/>
-              </a:rPr>
-              <a:t>(</a:t>
-            </a:r>
-            <a:r>
-              <a:rPr lang="de-DE" sz="1600" dirty="0" err="1" smtClean="0">
-                <a:solidFill>
-                  <a:srgbClr val="948A54"/>
-                </a:solidFill>
-                <a:latin typeface="Source Code Pro"/>
-                <a:cs typeface="Source Code Pro"/>
-              </a:rPr>
-              <a:t>fake</a:t>
-            </a:r>
-            <a:r>
-              <a:rPr lang="de-DE" sz="1600" dirty="0" smtClean="0">
-                <a:latin typeface="Source Code Pro"/>
-                <a:cs typeface="Source Code Pro"/>
-              </a:rPr>
-              <a:t>)</a:t>
-            </a:r>
-            <a:r>
-              <a:rPr lang="de-DE" sz="1600" dirty="0">
-                <a:latin typeface="Source Code Pro"/>
-                <a:cs typeface="Source Code Pro"/>
-              </a:rPr>
-              <a:t>.</a:t>
-            </a:r>
-            <a:r>
-              <a:rPr lang="de-DE" sz="1600" dirty="0" err="1">
-                <a:latin typeface="Source Code Pro"/>
-                <a:cs typeface="Source Code Pro"/>
-              </a:rPr>
-              <a:t>anInterestingMethod</a:t>
-            </a:r>
-            <a:r>
-              <a:rPr lang="de-DE" sz="1600" dirty="0">
-                <a:latin typeface="Source Code Pro"/>
-                <a:cs typeface="Source Code Pro"/>
-              </a:rPr>
-              <a:t>(), </a:t>
-            </a:r>
-            <a:r>
-              <a:rPr lang="de-DE" sz="1600" i="1" dirty="0" err="1">
-                <a:latin typeface="Source Code Pro"/>
-                <a:cs typeface="Source Code Pro"/>
-              </a:rPr>
-              <a:t>is</a:t>
-            </a:r>
-            <a:r>
-              <a:rPr lang="de-DE" sz="1600" dirty="0">
-                <a:latin typeface="Source Code Pro"/>
-                <a:cs typeface="Source Code Pro"/>
-              </a:rPr>
-              <a:t>(</a:t>
-            </a:r>
-            <a:r>
-              <a:rPr lang="de-DE" sz="1600" b="1" dirty="0" err="1">
-                <a:solidFill>
-                  <a:srgbClr val="660066"/>
-                </a:solidFill>
-                <a:latin typeface="Source Code Pro"/>
-                <a:cs typeface="Source Code Pro"/>
-              </a:rPr>
-              <a:t>true</a:t>
-            </a:r>
-            <a:r>
-              <a:rPr lang="de-DE" sz="1600" dirty="0">
-                <a:latin typeface="Source Code Pro"/>
-                <a:cs typeface="Source Code Pro"/>
-              </a:rPr>
-              <a:t>)</a:t>
-            </a:r>
-            <a:r>
-              <a:rPr lang="de-DE" sz="1600" dirty="0" smtClean="0">
-                <a:latin typeface="Source Code Pro"/>
-                <a:cs typeface="Source Code Pro"/>
-              </a:rPr>
-              <a:t>)</a:t>
-            </a:r>
-            <a:r>
-              <a:rPr lang="de-DE" sz="1600" dirty="0">
-                <a:latin typeface="Source Code Pro"/>
-                <a:cs typeface="Source Code Pro"/>
-              </a:rPr>
-              <a:t>;</a:t>
-            </a:r>
-          </a:p>
-          <a:p>
-            <a:r>
-              <a:rPr lang="de-DE" sz="1600" dirty="0" smtClean="0">
-                <a:latin typeface="Source Code Pro"/>
-                <a:cs typeface="Source Code Pro"/>
-              </a:rPr>
-              <a:t>}</a:t>
-            </a:r>
-            <a:endParaRPr lang="de-DE" sz="1600" dirty="0">
-              <a:latin typeface="Source Code Pro"/>
-              <a:cs typeface="Source Code Pro"/>
-            </a:endParaRPr>
-          </a:p>
-          <a:p>
-            <a:endParaRPr lang="de-DE" sz="1600" dirty="0">
-              <a:latin typeface="Source Code Pro"/>
-              <a:cs typeface="Source Code Pro"/>
-            </a:endParaRPr>
+              <a:rPr lang="de-DE" sz="1200" dirty="0" err="1" smtClean="0"/>
+              <a:t>by</a:t>
+            </a:r>
+            <a:r>
+              <a:rPr lang="de-DE" sz="1200" dirty="0" smtClean="0"/>
+              <a:t> Gerard </a:t>
+            </a:r>
+            <a:r>
+              <a:rPr lang="de-DE" sz="1200" dirty="0" err="1" smtClean="0"/>
+              <a:t>Meszaros</a:t>
+            </a:r>
+            <a:endParaRPr lang="de-DE" sz="1200" dirty="0"/>
           </a:p>
         </p:txBody>
       </p:sp>
+      <p:pic>
+        <p:nvPicPr>
+          <p:cNvPr id="6" name="Inhaltsplatzhalter 5"/>
+          <p:cNvPicPr>
+            <a:picLocks noGrp="1" noChangeAspect="1"/>
+          </p:cNvPicPr>
+          <p:nvPr>
+            <p:ph idx="1"/>
+          </p:nvPr>
+        </p:nvPicPr>
+        <p:blipFill>
+          <a:blip r:embed="rId3"/>
+          <a:srcRect l="-19236" r="-19236"/>
+          <a:stretch>
+            <a:fillRect/>
+          </a:stretch>
+        </p:blipFill>
+        <p:spPr/>
+      </p:pic>
     </p:spTree>
     <p:extLst>
       <p:ext uri="{BB962C8B-B14F-4D97-AF65-F5344CB8AC3E}">
-        <p14:creationId xmlns:p14="http://schemas.microsoft.com/office/powerpoint/2010/main" val="401687663"/>
+        <p14:creationId xmlns:p14="http://schemas.microsoft.com/office/powerpoint/2010/main" val="3729958523"/>
       </p:ext>
     </p:extLst>
   </p:cSld>
@@ -7758,6 +9553,216 @@
         </p:nvSpPr>
         <p:spPr/>
         <p:txBody>
+          <a:bodyPr/>
+          <a:lstStyle/>
+          <a:p>
+            <a:r>
+              <a:rPr lang="de-DE" dirty="0" smtClean="0"/>
+              <a:t> Mock</a:t>
+            </a:r>
+            <a:endParaRPr lang="de-DE" dirty="0"/>
+          </a:p>
+        </p:txBody>
+      </p:sp>
+      <p:sp>
+        <p:nvSpPr>
+          <p:cNvPr id="8" name="Textfeld 7"/>
+          <p:cNvSpPr txBox="1"/>
+          <p:nvPr/>
+        </p:nvSpPr>
+        <p:spPr>
+          <a:xfrm>
+            <a:off x="467544" y="4731990"/>
+            <a:ext cx="8208912" cy="276999"/>
+          </a:xfrm>
+          <a:prstGeom prst="rect">
+            <a:avLst/>
+          </a:prstGeom>
+          <a:noFill/>
+        </p:spPr>
+        <p:txBody>
+          <a:bodyPr wrap="square" rtlCol="0">
+            <a:spAutoFit/>
+          </a:bodyPr>
+          <a:lstStyle/>
+          <a:p>
+            <a:r>
+              <a:rPr lang="de-DE" sz="1200" dirty="0" smtClean="0"/>
+              <a:t>Image Source</a:t>
+            </a:r>
+            <a:r>
+              <a:rPr lang="de-DE" sz="1200" dirty="0"/>
+              <a:t>: </a:t>
+            </a:r>
+            <a:r>
+              <a:rPr lang="de-DE" sz="1200" dirty="0">
+                <a:hlinkClick r:id="rId2"/>
+              </a:rPr>
+              <a:t>http://xunitpatterns.com</a:t>
+            </a:r>
+            <a:r>
+              <a:rPr lang="de-DE" sz="1200" dirty="0" smtClean="0">
+                <a:hlinkClick r:id="rId2"/>
+              </a:rPr>
+              <a:t>/Mock%20Object.html</a:t>
+            </a:r>
+            <a:r>
+              <a:rPr lang="de-DE" sz="1200" dirty="0" smtClean="0"/>
+              <a:t> - </a:t>
+            </a:r>
+            <a:r>
+              <a:rPr lang="de-DE" sz="1200" dirty="0" err="1" smtClean="0"/>
+              <a:t>With</a:t>
+            </a:r>
+            <a:r>
+              <a:rPr lang="de-DE" sz="1200" dirty="0" smtClean="0"/>
+              <a:t> </a:t>
+            </a:r>
+            <a:r>
+              <a:rPr lang="de-DE" sz="1200" dirty="0" err="1" smtClean="0"/>
+              <a:t>kind</a:t>
+            </a:r>
+            <a:r>
+              <a:rPr lang="de-DE" sz="1200" dirty="0" smtClean="0"/>
+              <a:t> </a:t>
+            </a:r>
+            <a:r>
+              <a:rPr lang="de-DE" sz="1200" dirty="0" err="1" smtClean="0"/>
+              <a:t>permission</a:t>
+            </a:r>
+            <a:r>
+              <a:rPr lang="de-DE" sz="1200" dirty="0" smtClean="0"/>
+              <a:t> </a:t>
+            </a:r>
+            <a:r>
+              <a:rPr lang="de-DE" sz="1200" dirty="0" err="1" smtClean="0"/>
+              <a:t>by</a:t>
+            </a:r>
+            <a:r>
+              <a:rPr lang="de-DE" sz="1200" dirty="0" smtClean="0"/>
+              <a:t> Gerard </a:t>
+            </a:r>
+            <a:r>
+              <a:rPr lang="de-DE" sz="1200" dirty="0" err="1" smtClean="0"/>
+              <a:t>Meszaros</a:t>
+            </a:r>
+            <a:endParaRPr lang="de-DE" sz="1200" dirty="0"/>
+          </a:p>
+        </p:txBody>
+      </p:sp>
+      <p:pic>
+        <p:nvPicPr>
+          <p:cNvPr id="4" name="Inhaltsplatzhalter 3"/>
+          <p:cNvPicPr>
+            <a:picLocks noGrp="1" noChangeAspect="1"/>
+          </p:cNvPicPr>
+          <p:nvPr>
+            <p:ph idx="1"/>
+          </p:nvPr>
+        </p:nvPicPr>
+        <p:blipFill>
+          <a:blip r:embed="rId3"/>
+          <a:srcRect l="-19236" r="-19236"/>
+          <a:stretch>
+            <a:fillRect/>
+          </a:stretch>
+        </p:blipFill>
+        <p:spPr/>
+      </p:pic>
+    </p:spTree>
+    <p:extLst>
+      <p:ext uri="{BB962C8B-B14F-4D97-AF65-F5344CB8AC3E}">
+        <p14:creationId xmlns:p14="http://schemas.microsoft.com/office/powerpoint/2010/main" val="1569405094"/>
+      </p:ext>
+    </p:extLst>
+  </p:cSld>
+  <p:clrMapOvr>
+    <a:masterClrMapping/>
+  </p:clrMapOvr>
+  <p:timing>
+    <p:tnLst>
+      <p:par>
+        <p:cTn xmlns:p14="http://schemas.microsoft.com/office/powerpoint/2010/main" id="1" dur="indefinite" restart="never" nodeType="tmRoot"/>
+      </p:par>
+    </p:tnLst>
+  </p:timing>
+</p:sld>
+</file>
+
+<file path=ppt/slides/slide21.xml><?xml version="1.0" encoding="utf-8"?>
+<p:sld xmlns:a="http://schemas.openxmlformats.org/drawingml/2006/main" xmlns:r="http://schemas.openxmlformats.org/officeDocument/2006/relationships" xmlns:p="http://schemas.openxmlformats.org/presentationml/2006/main">
+  <p:cSld>
+    <p:spTree>
+      <p:nvGrpSpPr>
+        <p:cNvPr id="1" name=""/>
+        <p:cNvGrpSpPr/>
+        <p:nvPr/>
+      </p:nvGrpSpPr>
+      <p:grpSpPr>
+        <a:xfrm>
+          <a:off x="0" y="0"/>
+          <a:ext cx="0" cy="0"/>
+          <a:chOff x="0" y="0"/>
+          <a:chExt cx="0" cy="0"/>
+        </a:xfrm>
+      </p:grpSpPr>
+      <p:sp>
+        <p:nvSpPr>
+          <p:cNvPr id="5" name="Rechteck 4"/>
+          <p:cNvSpPr/>
+          <p:nvPr/>
+        </p:nvSpPr>
+        <p:spPr>
+          <a:xfrm>
+            <a:off x="0" y="0"/>
+            <a:ext cx="9144000" cy="5143500"/>
+          </a:xfrm>
+          <a:prstGeom prst="rect">
+            <a:avLst/>
+          </a:prstGeom>
+          <a:solidFill>
+            <a:schemeClr val="bg1">
+              <a:alpha val="74000"/>
+            </a:schemeClr>
+          </a:solidFill>
+        </p:spPr>
+        <p:style>
+          <a:lnRef idx="2">
+            <a:schemeClr val="accent1">
+              <a:shade val="50000"/>
+            </a:schemeClr>
+          </a:lnRef>
+          <a:fillRef idx="1">
+            <a:schemeClr val="accent1"/>
+          </a:fillRef>
+          <a:effectRef idx="0">
+            <a:schemeClr val="accent1"/>
+          </a:effectRef>
+          <a:fontRef idx="minor">
+            <a:schemeClr val="lt1"/>
+          </a:fontRef>
+        </p:style>
+        <p:txBody>
+          <a:bodyPr rtlCol="0" anchor="ctr"/>
+          <a:lstStyle/>
+          <a:p>
+            <a:pPr algn="ctr"/>
+            <a:endParaRPr lang="de-DE" dirty="0"/>
+          </a:p>
+        </p:txBody>
+      </p:sp>
+      <p:sp>
+        <p:nvSpPr>
+          <p:cNvPr id="2" name="Titel 1"/>
+          <p:cNvSpPr>
+            <a:spLocks noGrp="1"/>
+          </p:cNvSpPr>
+          <p:nvPr>
+            <p:ph type="title"/>
+          </p:nvPr>
+        </p:nvSpPr>
+        <p:spPr/>
+        <p:txBody>
           <a:bodyPr>
             <a:normAutofit/>
           </a:bodyPr>
@@ -7765,11 +9770,7 @@
           <a:p>
             <a:r>
               <a:rPr lang="de-DE" dirty="0" smtClean="0"/>
-              <a:t> </a:t>
-            </a:r>
-            <a:r>
-              <a:rPr lang="de-DE" dirty="0" smtClean="0"/>
-              <a:t>Mock</a:t>
+              <a:t> Mock</a:t>
             </a:r>
             <a:endParaRPr lang="de-DE" dirty="0"/>
           </a:p>
@@ -7784,7 +9785,7 @@
         <p:spPr>
           <a:xfrm>
             <a:off x="395536" y="1419622"/>
-            <a:ext cx="8352928" cy="2062103"/>
+            <a:ext cx="8352928" cy="2800766"/>
           </a:xfrm>
           <a:prstGeom prst="rect">
             <a:avLst/>
@@ -7876,6 +9877,12 @@
             </a:r>
           </a:p>
           <a:p>
+            <a:endParaRPr lang="de-DE" sz="1600" dirty="0" smtClean="0">
+              <a:latin typeface="Source Code Pro"/>
+              <a:cs typeface="Source Code Pro"/>
+            </a:endParaRPr>
+          </a:p>
+          <a:p>
             <a:r>
               <a:rPr lang="de-DE" sz="1600" dirty="0" smtClean="0">
                 <a:latin typeface="Source Code Pro"/>
@@ -7975,19 +9982,18 @@
             </a:r>
           </a:p>
           <a:p>
-            <a:r>
-              <a:rPr lang="de-DE" sz="1600" dirty="0">
-                <a:latin typeface="Source Code Pro"/>
-                <a:cs typeface="Source Code Pro"/>
-              </a:rPr>
-              <a:t> </a:t>
-            </a:r>
+            <a:endParaRPr lang="de-DE" sz="1600" dirty="0" smtClean="0">
+              <a:latin typeface="Source Code Pro"/>
+              <a:cs typeface="Source Code Pro"/>
+            </a:endParaRPr>
+          </a:p>
+          <a:p>
             <a:r>
               <a:rPr lang="de-DE" sz="1600" dirty="0" smtClean="0">
                 <a:latin typeface="Source Code Pro"/>
                 <a:cs typeface="Source Code Pro"/>
               </a:rPr>
-              <a:t>  </a:t>
+              <a:t>   </a:t>
             </a:r>
             <a:r>
               <a:rPr lang="de-DE" sz="1600" b="1" dirty="0" err="1">
@@ -8060,19 +10066,18 @@
             </a:r>
           </a:p>
           <a:p>
-            <a:r>
-              <a:rPr lang="de-DE" sz="1600" dirty="0">
-                <a:latin typeface="Source Code Pro"/>
-                <a:cs typeface="Source Code Pro"/>
-              </a:rPr>
-              <a:t> </a:t>
-            </a:r>
+            <a:endParaRPr lang="de-DE" sz="1600" dirty="0" smtClean="0">
+              <a:latin typeface="Source Code Pro"/>
+              <a:cs typeface="Source Code Pro"/>
+            </a:endParaRPr>
+          </a:p>
+          <a:p>
             <a:r>
               <a:rPr lang="de-DE" sz="1600" dirty="0" smtClean="0">
                 <a:latin typeface="Source Code Pro"/>
                 <a:cs typeface="Source Code Pro"/>
               </a:rPr>
-              <a:t>  </a:t>
+              <a:t>   </a:t>
             </a:r>
             <a:r>
               <a:rPr lang="de-DE" sz="1600" dirty="0" err="1" smtClean="0">
@@ -8178,7 +10183,1101 @@
 </p:sld>
 </file>
 
-<file path=ppt/slides/slide21.xml><?xml version="1.0" encoding="utf-8"?>
+<file path=ppt/slides/slide22.xml><?xml version="1.0" encoding="utf-8"?>
+<p:sld xmlns:a="http://schemas.openxmlformats.org/drawingml/2006/main" xmlns:r="http://schemas.openxmlformats.org/officeDocument/2006/relationships" xmlns:p="http://schemas.openxmlformats.org/presentationml/2006/main">
+  <p:cSld>
+    <p:spTree>
+      <p:nvGrpSpPr>
+        <p:cNvPr id="1" name=""/>
+        <p:cNvGrpSpPr/>
+        <p:nvPr/>
+      </p:nvGrpSpPr>
+      <p:grpSpPr>
+        <a:xfrm>
+          <a:off x="0" y="0"/>
+          <a:ext cx="0" cy="0"/>
+          <a:chOff x="0" y="0"/>
+          <a:chExt cx="0" cy="0"/>
+        </a:xfrm>
+      </p:grpSpPr>
+      <p:sp>
+        <p:nvSpPr>
+          <p:cNvPr id="5" name="Rechteck 4"/>
+          <p:cNvSpPr/>
+          <p:nvPr/>
+        </p:nvSpPr>
+        <p:spPr>
+          <a:xfrm>
+            <a:off x="0" y="0"/>
+            <a:ext cx="9144000" cy="5143500"/>
+          </a:xfrm>
+          <a:prstGeom prst="rect">
+            <a:avLst/>
+          </a:prstGeom>
+          <a:solidFill>
+            <a:schemeClr val="bg1">
+              <a:alpha val="74000"/>
+            </a:schemeClr>
+          </a:solidFill>
+        </p:spPr>
+        <p:style>
+          <a:lnRef idx="2">
+            <a:schemeClr val="accent1">
+              <a:shade val="50000"/>
+            </a:schemeClr>
+          </a:lnRef>
+          <a:fillRef idx="1">
+            <a:schemeClr val="accent1"/>
+          </a:fillRef>
+          <a:effectRef idx="0">
+            <a:schemeClr val="accent1"/>
+          </a:effectRef>
+          <a:fontRef idx="minor">
+            <a:schemeClr val="lt1"/>
+          </a:fontRef>
+        </p:style>
+        <p:txBody>
+          <a:bodyPr rtlCol="0" anchor="ctr"/>
+          <a:lstStyle/>
+          <a:p>
+            <a:pPr algn="ctr"/>
+            <a:endParaRPr lang="de-DE"/>
+          </a:p>
+        </p:txBody>
+      </p:sp>
+      <p:sp>
+        <p:nvSpPr>
+          <p:cNvPr id="2" name="Titel 1"/>
+          <p:cNvSpPr>
+            <a:spLocks noGrp="1"/>
+          </p:cNvSpPr>
+          <p:nvPr>
+            <p:ph type="title"/>
+          </p:nvPr>
+        </p:nvSpPr>
+        <p:spPr/>
+        <p:txBody>
+          <a:bodyPr/>
+          <a:lstStyle/>
+          <a:p>
+            <a:r>
+              <a:rPr lang="de-DE" dirty="0" smtClean="0"/>
+              <a:t> Test Doubles</a:t>
+            </a:r>
+            <a:endParaRPr lang="de-DE" dirty="0"/>
+          </a:p>
+        </p:txBody>
+      </p:sp>
+      <p:sp>
+        <p:nvSpPr>
+          <p:cNvPr id="3" name="Inhaltsplatzhalter 2"/>
+          <p:cNvSpPr>
+            <a:spLocks noGrp="1"/>
+          </p:cNvSpPr>
+          <p:nvPr>
+            <p:ph idx="1"/>
+          </p:nvPr>
+        </p:nvSpPr>
+        <p:spPr/>
+        <p:txBody>
+          <a:bodyPr>
+            <a:normAutofit/>
+          </a:bodyPr>
+          <a:lstStyle/>
+          <a:p>
+            <a:r>
+              <a:rPr lang="de-DE" dirty="0" err="1" smtClean="0"/>
+              <a:t>stub</a:t>
+            </a:r>
+            <a:r>
+              <a:rPr lang="de-DE" dirty="0" smtClean="0"/>
+              <a:t>, </a:t>
+            </a:r>
+            <a:r>
+              <a:rPr lang="de-DE" dirty="0" err="1" smtClean="0"/>
+              <a:t>fake</a:t>
+            </a:r>
+            <a:r>
+              <a:rPr lang="de-DE" dirty="0" smtClean="0"/>
+              <a:t>, </a:t>
+            </a:r>
+            <a:r>
+              <a:rPr lang="de-DE" dirty="0" err="1" smtClean="0"/>
+              <a:t>spy</a:t>
+            </a:r>
+            <a:r>
+              <a:rPr lang="de-DE" dirty="0" smtClean="0"/>
+              <a:t>, </a:t>
+            </a:r>
+            <a:r>
+              <a:rPr lang="de-DE" dirty="0" err="1" smtClean="0"/>
+              <a:t>mock</a:t>
+            </a:r>
+            <a:endParaRPr lang="de-DE" dirty="0" smtClean="0"/>
+          </a:p>
+        </p:txBody>
+      </p:sp>
+      <p:sp>
+        <p:nvSpPr>
+          <p:cNvPr id="6" name="Abgerundetes Rechteck 5"/>
+          <p:cNvSpPr/>
+          <p:nvPr/>
+        </p:nvSpPr>
+        <p:spPr>
+          <a:xfrm rot="20878690">
+            <a:off x="1771777" y="3110495"/>
+            <a:ext cx="7056784" cy="1134126"/>
+          </a:xfrm>
+          <a:prstGeom prst="roundRect">
+            <a:avLst/>
+          </a:prstGeom>
+          <a:solidFill>
+            <a:schemeClr val="bg1">
+              <a:lumMod val="50000"/>
+            </a:schemeClr>
+          </a:solidFill>
+          <a:ln>
+            <a:solidFill>
+              <a:schemeClr val="bg1"/>
+            </a:solidFill>
+          </a:ln>
+        </p:spPr>
+        <p:style>
+          <a:lnRef idx="2">
+            <a:schemeClr val="accent1">
+              <a:shade val="50000"/>
+            </a:schemeClr>
+          </a:lnRef>
+          <a:fillRef idx="1">
+            <a:schemeClr val="accent1"/>
+          </a:fillRef>
+          <a:effectRef idx="0">
+            <a:schemeClr val="accent1"/>
+          </a:effectRef>
+          <a:fontRef idx="minor">
+            <a:schemeClr val="lt1"/>
+          </a:fontRef>
+        </p:style>
+        <p:txBody>
+          <a:bodyPr rtlCol="0" anchor="ctr"/>
+          <a:lstStyle/>
+          <a:p>
+            <a:r>
+              <a:rPr lang="de-DE" sz="4000" dirty="0" err="1" smtClean="0"/>
+              <a:t>How</a:t>
+            </a:r>
+            <a:r>
+              <a:rPr lang="de-DE" sz="4000" dirty="0" smtClean="0"/>
+              <a:t> do </a:t>
+            </a:r>
+            <a:r>
+              <a:rPr lang="de-DE" sz="4000" dirty="0" err="1" smtClean="0"/>
+              <a:t>you</a:t>
+            </a:r>
+            <a:r>
+              <a:rPr lang="de-DE" sz="4000" dirty="0" smtClean="0"/>
+              <a:t> </a:t>
+            </a:r>
+            <a:r>
+              <a:rPr lang="de-DE" sz="4000" dirty="0" err="1" smtClean="0"/>
+              <a:t>use</a:t>
+            </a:r>
+            <a:r>
+              <a:rPr lang="de-DE" sz="4000" dirty="0" smtClean="0"/>
+              <a:t> </a:t>
+            </a:r>
+            <a:r>
+              <a:rPr lang="de-DE" sz="4000" dirty="0" err="1" smtClean="0"/>
+              <a:t>test</a:t>
+            </a:r>
+            <a:r>
+              <a:rPr lang="de-DE" sz="4000" dirty="0" smtClean="0"/>
+              <a:t> </a:t>
+            </a:r>
+            <a:r>
+              <a:rPr lang="de-DE" sz="4000" dirty="0" err="1" smtClean="0"/>
+              <a:t>doubles</a:t>
+            </a:r>
+            <a:r>
+              <a:rPr lang="de-DE" sz="4000" dirty="0" smtClean="0"/>
+              <a:t>?</a:t>
+            </a:r>
+          </a:p>
+        </p:txBody>
+      </p:sp>
+    </p:spTree>
+    <p:extLst>
+      <p:ext uri="{BB962C8B-B14F-4D97-AF65-F5344CB8AC3E}">
+        <p14:creationId xmlns:p14="http://schemas.microsoft.com/office/powerpoint/2010/main" val="341076260"/>
+      </p:ext>
+    </p:extLst>
+  </p:cSld>
+  <p:clrMapOvr>
+    <a:masterClrMapping/>
+  </p:clrMapOvr>
+  <p:timing>
+    <p:tnLst>
+      <p:par>
+        <p:cTn xmlns:p14="http://schemas.microsoft.com/office/powerpoint/2010/main" id="1" dur="indefinite" restart="never" nodeType="tmRoot">
+          <p:childTnLst>
+            <p:seq concurrent="1" nextAc="seek">
+              <p:cTn id="2" dur="indefinite" nodeType="mainSeq">
+                <p:childTnLst>
+                  <p:par>
+                    <p:cTn id="3" fill="hold">
+                      <p:stCondLst>
+                        <p:cond delay="indefinite"/>
+                        <p:cond evt="onBegin" delay="0">
+                          <p:tn val="2"/>
+                        </p:cond>
+                      </p:stCondLst>
+                      <p:childTnLst>
+                        <p:par>
+                          <p:cTn id="4" fill="hold">
+                            <p:stCondLst>
+                              <p:cond delay="0"/>
+                            </p:stCondLst>
+                            <p:childTnLst>
+                              <p:par>
+                                <p:cTn id="5" presetID="2" presetClass="entr" presetSubtype="4" fill="hold" grpId="0" nodeType="withEffect">
+                                  <p:stCondLst>
+                                    <p:cond delay="0"/>
+                                  </p:stCondLst>
+                                  <p:childTnLst>
+                                    <p:set>
+                                      <p:cBhvr>
+                                        <p:cTn id="6" dur="1" fill="hold">
+                                          <p:stCondLst>
+                                            <p:cond delay="0"/>
+                                          </p:stCondLst>
+                                        </p:cTn>
+                                        <p:tgtEl>
+                                          <p:spTgt spid="6"/>
+                                        </p:tgtEl>
+                                        <p:attrNameLst>
+                                          <p:attrName>style.visibility</p:attrName>
+                                        </p:attrNameLst>
+                                      </p:cBhvr>
+                                      <p:to>
+                                        <p:strVal val="visible"/>
+                                      </p:to>
+                                    </p:set>
+                                    <p:anim calcmode="lin" valueType="num">
+                                      <p:cBhvr additive="base">
+                                        <p:cTn id="7" dur="500" fill="hold"/>
+                                        <p:tgtEl>
+                                          <p:spTgt spid="6"/>
+                                        </p:tgtEl>
+                                        <p:attrNameLst>
+                                          <p:attrName>ppt_x</p:attrName>
+                                        </p:attrNameLst>
+                                      </p:cBhvr>
+                                      <p:tavLst>
+                                        <p:tav tm="0">
+                                          <p:val>
+                                            <p:strVal val="#ppt_x"/>
+                                          </p:val>
+                                        </p:tav>
+                                        <p:tav tm="100000">
+                                          <p:val>
+                                            <p:strVal val="#ppt_x"/>
+                                          </p:val>
+                                        </p:tav>
+                                      </p:tavLst>
+                                    </p:anim>
+                                    <p:anim calcmode="lin" valueType="num">
+                                      <p:cBhvr additive="base">
+                                        <p:cTn id="8" dur="500" fill="hold"/>
+                                        <p:tgtEl>
+                                          <p:spTgt spid="6"/>
+                                        </p:tgtEl>
+                                        <p:attrNameLst>
+                                          <p:attrName>ppt_y</p:attrName>
+                                        </p:attrNameLst>
+                                      </p:cBhvr>
+                                      <p:tavLst>
+                                        <p:tav tm="0">
+                                          <p:val>
+                                            <p:strVal val="1+#ppt_h/2"/>
+                                          </p:val>
+                                        </p:tav>
+                                        <p:tav tm="100000">
+                                          <p:val>
+                                            <p:strVal val="#ppt_y"/>
+                                          </p:val>
+                                        </p:tav>
+                                      </p:tavLst>
+                                    </p:anim>
+                                  </p:childTnLst>
+                                </p:cTn>
+                              </p:par>
+                            </p:childTnLst>
+                          </p:cTn>
+                        </p:par>
+                      </p:childTnLst>
+                    </p:cTn>
+                  </p:par>
+                </p:childTnLst>
+              </p:cTn>
+              <p:prevCondLst>
+                <p:cond evt="onPrev" delay="0">
+                  <p:tgtEl>
+                    <p:sldTgt/>
+                  </p:tgtEl>
+                </p:cond>
+              </p:prevCondLst>
+              <p:nextCondLst>
+                <p:cond evt="onNext" delay="0">
+                  <p:tgtEl>
+                    <p:sldTgt/>
+                  </p:tgtEl>
+                </p:cond>
+              </p:nextCondLst>
+            </p:seq>
+          </p:childTnLst>
+        </p:cTn>
+      </p:par>
+    </p:tnLst>
+    <p:bldLst>
+      <p:bldP spid="6" grpId="0" animBg="1"/>
+    </p:bldLst>
+  </p:timing>
+</p:sld>
+</file>
+
+<file path=ppt/slides/slide23.xml><?xml version="1.0" encoding="utf-8"?>
+<p:sld xmlns:a="http://schemas.openxmlformats.org/drawingml/2006/main" xmlns:r="http://schemas.openxmlformats.org/officeDocument/2006/relationships" xmlns:p="http://schemas.openxmlformats.org/presentationml/2006/main">
+  <p:cSld>
+    <p:spTree>
+      <p:nvGrpSpPr>
+        <p:cNvPr id="1" name=""/>
+        <p:cNvGrpSpPr/>
+        <p:nvPr/>
+      </p:nvGrpSpPr>
+      <p:grpSpPr>
+        <a:xfrm>
+          <a:off x="0" y="0"/>
+          <a:ext cx="0" cy="0"/>
+          <a:chOff x="0" y="0"/>
+          <a:chExt cx="0" cy="0"/>
+        </a:xfrm>
+      </p:grpSpPr>
+      <p:sp>
+        <p:nvSpPr>
+          <p:cNvPr id="5" name="Rechteck 4"/>
+          <p:cNvSpPr/>
+          <p:nvPr/>
+        </p:nvSpPr>
+        <p:spPr>
+          <a:xfrm>
+            <a:off x="0" y="0"/>
+            <a:ext cx="9144000" cy="5143500"/>
+          </a:xfrm>
+          <a:prstGeom prst="rect">
+            <a:avLst/>
+          </a:prstGeom>
+          <a:solidFill>
+            <a:schemeClr val="bg1">
+              <a:alpha val="74000"/>
+            </a:schemeClr>
+          </a:solidFill>
+        </p:spPr>
+        <p:style>
+          <a:lnRef idx="2">
+            <a:schemeClr val="accent1">
+              <a:shade val="50000"/>
+            </a:schemeClr>
+          </a:lnRef>
+          <a:fillRef idx="1">
+            <a:schemeClr val="accent1"/>
+          </a:fillRef>
+          <a:effectRef idx="0">
+            <a:schemeClr val="accent1"/>
+          </a:effectRef>
+          <a:fontRef idx="minor">
+            <a:schemeClr val="lt1"/>
+          </a:fontRef>
+        </p:style>
+        <p:txBody>
+          <a:bodyPr rtlCol="0" anchor="ctr"/>
+          <a:lstStyle/>
+          <a:p>
+            <a:pPr algn="ctr"/>
+            <a:endParaRPr lang="de-DE" dirty="0"/>
+          </a:p>
+        </p:txBody>
+      </p:sp>
+      <p:sp>
+        <p:nvSpPr>
+          <p:cNvPr id="2" name="Titel 1"/>
+          <p:cNvSpPr>
+            <a:spLocks noGrp="1"/>
+          </p:cNvSpPr>
+          <p:nvPr>
+            <p:ph type="title"/>
+          </p:nvPr>
+        </p:nvSpPr>
+        <p:spPr/>
+        <p:txBody>
+          <a:bodyPr>
+            <a:normAutofit/>
+          </a:bodyPr>
+          <a:lstStyle/>
+          <a:p>
+            <a:r>
+              <a:rPr lang="de-DE" dirty="0" smtClean="0"/>
+              <a:t> </a:t>
+            </a:r>
+            <a:r>
+              <a:rPr lang="de-DE" dirty="0" err="1" smtClean="0"/>
+              <a:t>Useless</a:t>
+            </a:r>
+            <a:r>
+              <a:rPr lang="de-DE" dirty="0" smtClean="0"/>
+              <a:t> Test</a:t>
+            </a:r>
+            <a:endParaRPr lang="de-DE" dirty="0"/>
+          </a:p>
+        </p:txBody>
+      </p:sp>
+      <p:sp>
+        <p:nvSpPr>
+          <p:cNvPr id="7" name="Textfeld 6"/>
+          <p:cNvSpPr txBox="1"/>
+          <p:nvPr/>
+        </p:nvSpPr>
+        <p:spPr>
+          <a:xfrm>
+            <a:off x="395536" y="1419622"/>
+            <a:ext cx="8352928" cy="3293209"/>
+          </a:xfrm>
+          <a:prstGeom prst="rect">
+            <a:avLst/>
+          </a:prstGeom>
+          <a:noFill/>
+        </p:spPr>
+        <p:txBody>
+          <a:bodyPr wrap="square" rtlCol="0">
+            <a:spAutoFit/>
+          </a:bodyPr>
+          <a:lstStyle/>
+          <a:p>
+            <a:r>
+              <a:rPr lang="de-DE" sz="1600" dirty="0" smtClean="0">
+                <a:latin typeface="Source Code Pro"/>
+                <a:cs typeface="Source Code Pro"/>
+              </a:rPr>
+              <a:t>@</a:t>
+            </a:r>
+            <a:r>
+              <a:rPr lang="de-DE" sz="1600" dirty="0">
+                <a:latin typeface="Source Code Pro"/>
+                <a:cs typeface="Source Code Pro"/>
+              </a:rPr>
+              <a:t>Test</a:t>
+            </a:r>
+          </a:p>
+          <a:p>
+            <a:r>
+              <a:rPr lang="de-DE" sz="1600" b="1" dirty="0" err="1" smtClean="0">
+                <a:solidFill>
+                  <a:srgbClr val="660066"/>
+                </a:solidFill>
+                <a:latin typeface="Source Code Pro"/>
+                <a:cs typeface="Source Code Pro"/>
+              </a:rPr>
+              <a:t>public</a:t>
+            </a:r>
+            <a:r>
+              <a:rPr lang="de-DE" sz="1600" b="1" dirty="0" smtClean="0">
+                <a:solidFill>
+                  <a:srgbClr val="660066"/>
+                </a:solidFill>
+                <a:latin typeface="Source Code Pro"/>
+                <a:cs typeface="Source Code Pro"/>
+              </a:rPr>
+              <a:t> </a:t>
+            </a:r>
+            <a:r>
+              <a:rPr lang="de-DE" sz="1600" b="1" dirty="0" err="1">
+                <a:solidFill>
+                  <a:srgbClr val="660066"/>
+                </a:solidFill>
+                <a:latin typeface="Source Code Pro"/>
+                <a:cs typeface="Source Code Pro"/>
+              </a:rPr>
+              <a:t>void</a:t>
+            </a:r>
+            <a:r>
+              <a:rPr lang="de-DE" sz="1600" b="1" dirty="0">
+                <a:solidFill>
+                  <a:srgbClr val="660066"/>
+                </a:solidFill>
+                <a:latin typeface="Source Code Pro"/>
+                <a:cs typeface="Source Code Pro"/>
+              </a:rPr>
+              <a:t> </a:t>
+            </a:r>
+            <a:r>
+              <a:rPr lang="de-DE" sz="1600" dirty="0" err="1" smtClean="0">
+                <a:latin typeface="Source Code Pro"/>
+                <a:cs typeface="Source Code Pro"/>
+              </a:rPr>
+              <a:t>testTheMock</a:t>
+            </a:r>
+            <a:r>
+              <a:rPr lang="de-DE" sz="1600" dirty="0" smtClean="0">
+                <a:latin typeface="Source Code Pro"/>
+                <a:cs typeface="Source Code Pro"/>
+              </a:rPr>
+              <a:t>(</a:t>
+            </a:r>
+            <a:r>
+              <a:rPr lang="de-DE" sz="1600" dirty="0">
+                <a:latin typeface="Source Code Pro"/>
+                <a:cs typeface="Source Code Pro"/>
+              </a:rPr>
+              <a:t>) {</a:t>
+            </a:r>
+          </a:p>
+          <a:p>
+            <a:endParaRPr lang="de-DE" sz="1600" dirty="0" smtClean="0">
+              <a:latin typeface="Source Code Pro"/>
+              <a:cs typeface="Source Code Pro"/>
+            </a:endParaRPr>
+          </a:p>
+          <a:p>
+            <a:r>
+              <a:rPr lang="de-DE" sz="1600" dirty="0" smtClean="0">
+                <a:latin typeface="Source Code Pro"/>
+                <a:cs typeface="Source Code Pro"/>
+              </a:rPr>
+              <a:t>   </a:t>
+            </a:r>
+            <a:r>
+              <a:rPr lang="de-DE" sz="1600" dirty="0" err="1" smtClean="0">
+                <a:latin typeface="Source Code Pro"/>
+                <a:cs typeface="Source Code Pro"/>
+              </a:rPr>
+              <a:t>KlassB</a:t>
+            </a:r>
+            <a:r>
+              <a:rPr lang="de-DE" sz="1600" dirty="0" smtClean="0">
+                <a:latin typeface="Source Code Pro"/>
+                <a:cs typeface="Source Code Pro"/>
+              </a:rPr>
+              <a:t> </a:t>
+            </a:r>
+            <a:r>
+              <a:rPr lang="de-DE" sz="1600" dirty="0" err="1" smtClean="0">
+                <a:solidFill>
+                  <a:srgbClr val="948A54"/>
+                </a:solidFill>
+                <a:latin typeface="Source Code Pro"/>
+                <a:cs typeface="Source Code Pro"/>
+              </a:rPr>
+              <a:t>klassB</a:t>
+            </a:r>
+            <a:r>
+              <a:rPr lang="de-DE" sz="1600" dirty="0" smtClean="0">
+                <a:latin typeface="Source Code Pro"/>
+                <a:cs typeface="Source Code Pro"/>
+              </a:rPr>
+              <a:t> </a:t>
+            </a:r>
+            <a:r>
+              <a:rPr lang="de-DE" sz="1600" dirty="0">
+                <a:latin typeface="Source Code Pro"/>
+                <a:cs typeface="Source Code Pro"/>
+              </a:rPr>
+              <a:t>= </a:t>
+            </a:r>
+            <a:r>
+              <a:rPr lang="de-DE" sz="1600" dirty="0" err="1">
+                <a:latin typeface="Source Code Pro"/>
+                <a:cs typeface="Source Code Pro"/>
+              </a:rPr>
+              <a:t>Mockito.</a:t>
+            </a:r>
+            <a:r>
+              <a:rPr lang="de-DE" sz="1600" i="1" dirty="0" err="1">
+                <a:latin typeface="Source Code Pro"/>
+                <a:cs typeface="Source Code Pro"/>
+              </a:rPr>
+              <a:t>mock</a:t>
+            </a:r>
+            <a:r>
+              <a:rPr lang="de-DE" sz="1600" dirty="0">
+                <a:latin typeface="Source Code Pro"/>
+                <a:cs typeface="Source Code Pro"/>
+              </a:rPr>
+              <a:t>(</a:t>
+            </a:r>
+            <a:r>
+              <a:rPr lang="de-DE" sz="1600" dirty="0" err="1">
+                <a:latin typeface="Source Code Pro"/>
+                <a:cs typeface="Source Code Pro"/>
+              </a:rPr>
+              <a:t>KlassB.</a:t>
+            </a:r>
+            <a:r>
+              <a:rPr lang="de-DE" sz="1600" b="1" dirty="0" err="1">
+                <a:solidFill>
+                  <a:srgbClr val="660066"/>
+                </a:solidFill>
+                <a:latin typeface="Source Code Pro"/>
+                <a:cs typeface="Source Code Pro"/>
+              </a:rPr>
+              <a:t>class</a:t>
+            </a:r>
+            <a:r>
+              <a:rPr lang="de-DE" sz="1600" dirty="0">
+                <a:latin typeface="Source Code Pro"/>
+                <a:cs typeface="Source Code Pro"/>
+              </a:rPr>
+              <a:t>)</a:t>
+            </a:r>
+            <a:r>
+              <a:rPr lang="de-DE" sz="1600" dirty="0" smtClean="0">
+                <a:latin typeface="Source Code Pro"/>
+                <a:cs typeface="Source Code Pro"/>
+              </a:rPr>
+              <a:t>;</a:t>
+            </a:r>
+          </a:p>
+          <a:p>
+            <a:endParaRPr lang="de-DE" sz="1600" dirty="0" smtClean="0">
+              <a:latin typeface="Source Code Pro"/>
+              <a:cs typeface="Source Code Pro"/>
+            </a:endParaRPr>
+          </a:p>
+          <a:p>
+            <a:r>
+              <a:rPr lang="de-DE" sz="1600" dirty="0" smtClean="0">
+                <a:solidFill>
+                  <a:srgbClr val="948A54"/>
+                </a:solidFill>
+                <a:latin typeface="Source Code Pro"/>
+                <a:cs typeface="Source Code Pro"/>
+              </a:rPr>
+              <a:t>   // </a:t>
+            </a:r>
+            <a:r>
+              <a:rPr lang="de-DE" sz="1600" dirty="0" err="1" smtClean="0">
+                <a:solidFill>
+                  <a:srgbClr val="948A54"/>
+                </a:solidFill>
+                <a:latin typeface="Source Code Pro"/>
+                <a:cs typeface="Source Code Pro"/>
+              </a:rPr>
+              <a:t>bla</a:t>
+            </a:r>
+            <a:r>
+              <a:rPr lang="de-DE" sz="1600" dirty="0" smtClean="0">
+                <a:solidFill>
+                  <a:srgbClr val="948A54"/>
+                </a:solidFill>
+                <a:latin typeface="Source Code Pro"/>
+                <a:cs typeface="Source Code Pro"/>
+              </a:rPr>
+              <a:t> </a:t>
+            </a:r>
+            <a:r>
+              <a:rPr lang="de-DE" sz="1600" dirty="0" err="1" smtClean="0">
+                <a:solidFill>
+                  <a:srgbClr val="948A54"/>
+                </a:solidFill>
+                <a:latin typeface="Source Code Pro"/>
+                <a:cs typeface="Source Code Pro"/>
+              </a:rPr>
+              <a:t>bla</a:t>
+            </a:r>
+            <a:r>
+              <a:rPr lang="de-DE" sz="1600" dirty="0" smtClean="0">
+                <a:solidFill>
+                  <a:srgbClr val="948A54"/>
+                </a:solidFill>
+                <a:latin typeface="Source Code Pro"/>
+                <a:cs typeface="Source Code Pro"/>
+              </a:rPr>
+              <a:t> </a:t>
+            </a:r>
+            <a:r>
+              <a:rPr lang="de-DE" sz="1600" dirty="0" err="1" smtClean="0">
+                <a:solidFill>
+                  <a:srgbClr val="948A54"/>
+                </a:solidFill>
+                <a:latin typeface="Source Code Pro"/>
+                <a:cs typeface="Source Code Pro"/>
+              </a:rPr>
+              <a:t>bla</a:t>
+            </a:r>
+            <a:endParaRPr lang="de-DE" sz="1600" dirty="0" smtClean="0">
+              <a:latin typeface="Source Code Pro"/>
+              <a:cs typeface="Source Code Pro"/>
+            </a:endParaRPr>
+          </a:p>
+          <a:p>
+            <a:r>
+              <a:rPr lang="de-DE" sz="1600" dirty="0">
+                <a:solidFill>
+                  <a:srgbClr val="948A54"/>
+                </a:solidFill>
+                <a:latin typeface="Source Code Pro"/>
+                <a:cs typeface="Source Code Pro"/>
+              </a:rPr>
+              <a:t> </a:t>
+            </a:r>
+            <a:r>
+              <a:rPr lang="de-DE" sz="1600" dirty="0" smtClean="0">
+                <a:solidFill>
+                  <a:srgbClr val="948A54"/>
+                </a:solidFill>
+                <a:latin typeface="Source Code Pro"/>
+                <a:cs typeface="Source Code Pro"/>
+              </a:rPr>
+              <a:t>  /</a:t>
+            </a:r>
+            <a:r>
+              <a:rPr lang="de-DE" sz="1600" dirty="0">
+                <a:solidFill>
+                  <a:srgbClr val="948A54"/>
+                </a:solidFill>
+                <a:latin typeface="Source Code Pro"/>
+                <a:cs typeface="Source Code Pro"/>
+              </a:rPr>
+              <a:t>/ </a:t>
+            </a:r>
+            <a:r>
+              <a:rPr lang="de-DE" sz="1600" dirty="0" err="1">
+                <a:solidFill>
+                  <a:srgbClr val="948A54"/>
+                </a:solidFill>
+                <a:latin typeface="Source Code Pro"/>
+                <a:cs typeface="Source Code Pro"/>
+              </a:rPr>
+              <a:t>bla</a:t>
+            </a:r>
+            <a:r>
+              <a:rPr lang="de-DE" sz="1600" dirty="0">
+                <a:solidFill>
+                  <a:srgbClr val="948A54"/>
+                </a:solidFill>
+                <a:latin typeface="Source Code Pro"/>
+                <a:cs typeface="Source Code Pro"/>
+              </a:rPr>
+              <a:t> </a:t>
+            </a:r>
+            <a:r>
+              <a:rPr lang="de-DE" sz="1600" dirty="0" err="1">
+                <a:solidFill>
+                  <a:srgbClr val="948A54"/>
+                </a:solidFill>
+                <a:latin typeface="Source Code Pro"/>
+                <a:cs typeface="Source Code Pro"/>
+              </a:rPr>
+              <a:t>bla</a:t>
+            </a:r>
+            <a:r>
+              <a:rPr lang="de-DE" sz="1600" dirty="0">
+                <a:solidFill>
+                  <a:srgbClr val="948A54"/>
+                </a:solidFill>
+                <a:latin typeface="Source Code Pro"/>
+                <a:cs typeface="Source Code Pro"/>
+              </a:rPr>
+              <a:t> </a:t>
+            </a:r>
+            <a:r>
+              <a:rPr lang="de-DE" sz="1600" dirty="0" err="1" smtClean="0">
+                <a:solidFill>
+                  <a:srgbClr val="948A54"/>
+                </a:solidFill>
+                <a:latin typeface="Source Code Pro"/>
+                <a:cs typeface="Source Code Pro"/>
+              </a:rPr>
+              <a:t>bla</a:t>
+            </a:r>
+            <a:r>
+              <a:rPr lang="de-DE" sz="1600" dirty="0">
+                <a:solidFill>
+                  <a:srgbClr val="948A54"/>
+                </a:solidFill>
+                <a:latin typeface="Source Code Pro"/>
+                <a:cs typeface="Source Code Pro"/>
+              </a:rPr>
+              <a:t> </a:t>
+            </a:r>
+            <a:endParaRPr lang="de-DE" sz="1600" dirty="0" smtClean="0">
+              <a:solidFill>
+                <a:srgbClr val="948A54"/>
+              </a:solidFill>
+              <a:latin typeface="Source Code Pro"/>
+              <a:cs typeface="Source Code Pro"/>
+            </a:endParaRPr>
+          </a:p>
+          <a:p>
+            <a:r>
+              <a:rPr lang="de-DE" sz="1600" dirty="0">
+                <a:solidFill>
+                  <a:srgbClr val="948A54"/>
+                </a:solidFill>
+                <a:latin typeface="Source Code Pro"/>
+                <a:cs typeface="Source Code Pro"/>
+              </a:rPr>
+              <a:t> </a:t>
+            </a:r>
+            <a:r>
+              <a:rPr lang="de-DE" sz="1600" dirty="0" smtClean="0">
+                <a:solidFill>
+                  <a:srgbClr val="948A54"/>
+                </a:solidFill>
+                <a:latin typeface="Source Code Pro"/>
+                <a:cs typeface="Source Code Pro"/>
+              </a:rPr>
+              <a:t>  /</a:t>
+            </a:r>
+            <a:r>
+              <a:rPr lang="de-DE" sz="1600" dirty="0">
+                <a:solidFill>
+                  <a:srgbClr val="948A54"/>
+                </a:solidFill>
+                <a:latin typeface="Source Code Pro"/>
+                <a:cs typeface="Source Code Pro"/>
+              </a:rPr>
+              <a:t>/ </a:t>
+            </a:r>
+            <a:r>
+              <a:rPr lang="de-DE" sz="1600" dirty="0" err="1">
+                <a:solidFill>
+                  <a:srgbClr val="948A54"/>
+                </a:solidFill>
+                <a:latin typeface="Source Code Pro"/>
+                <a:cs typeface="Source Code Pro"/>
+              </a:rPr>
+              <a:t>bla</a:t>
+            </a:r>
+            <a:r>
+              <a:rPr lang="de-DE" sz="1600" dirty="0">
+                <a:solidFill>
+                  <a:srgbClr val="948A54"/>
+                </a:solidFill>
+                <a:latin typeface="Source Code Pro"/>
+                <a:cs typeface="Source Code Pro"/>
+              </a:rPr>
+              <a:t> </a:t>
+            </a:r>
+            <a:r>
+              <a:rPr lang="de-DE" sz="1600" dirty="0" err="1">
+                <a:solidFill>
+                  <a:srgbClr val="948A54"/>
+                </a:solidFill>
+                <a:latin typeface="Source Code Pro"/>
+                <a:cs typeface="Source Code Pro"/>
+              </a:rPr>
+              <a:t>bla</a:t>
+            </a:r>
+            <a:r>
+              <a:rPr lang="de-DE" sz="1600" dirty="0">
+                <a:solidFill>
+                  <a:srgbClr val="948A54"/>
+                </a:solidFill>
+                <a:latin typeface="Source Code Pro"/>
+                <a:cs typeface="Source Code Pro"/>
+              </a:rPr>
+              <a:t> </a:t>
+            </a:r>
+            <a:r>
+              <a:rPr lang="de-DE" sz="1600" dirty="0" err="1" smtClean="0">
+                <a:solidFill>
+                  <a:srgbClr val="948A54"/>
+                </a:solidFill>
+                <a:latin typeface="Source Code Pro"/>
+                <a:cs typeface="Source Code Pro"/>
+              </a:rPr>
+              <a:t>bla</a:t>
+            </a:r>
+            <a:r>
+              <a:rPr lang="de-DE" sz="1600" dirty="0">
+                <a:solidFill>
+                  <a:srgbClr val="948A54"/>
+                </a:solidFill>
+                <a:latin typeface="Source Code Pro"/>
+                <a:cs typeface="Source Code Pro"/>
+              </a:rPr>
+              <a:t> </a:t>
+            </a:r>
+            <a:endParaRPr lang="de-DE" sz="1600" dirty="0" smtClean="0">
+              <a:solidFill>
+                <a:srgbClr val="948A54"/>
+              </a:solidFill>
+              <a:latin typeface="Source Code Pro"/>
+              <a:cs typeface="Source Code Pro"/>
+            </a:endParaRPr>
+          </a:p>
+          <a:p>
+            <a:r>
+              <a:rPr lang="de-DE" sz="1600" dirty="0">
+                <a:solidFill>
+                  <a:srgbClr val="948A54"/>
+                </a:solidFill>
+                <a:latin typeface="Source Code Pro"/>
+                <a:cs typeface="Source Code Pro"/>
+              </a:rPr>
+              <a:t> </a:t>
+            </a:r>
+            <a:r>
+              <a:rPr lang="de-DE" sz="1600" dirty="0" smtClean="0">
+                <a:solidFill>
+                  <a:srgbClr val="948A54"/>
+                </a:solidFill>
+                <a:latin typeface="Source Code Pro"/>
+                <a:cs typeface="Source Code Pro"/>
+              </a:rPr>
+              <a:t>  </a:t>
+            </a:r>
+            <a:r>
+              <a:rPr lang="de-DE" sz="1600" dirty="0" smtClean="0">
+                <a:latin typeface="Source Code Pro"/>
+                <a:cs typeface="Source Code Pro"/>
+              </a:rPr>
+              <a:t> </a:t>
+            </a:r>
+          </a:p>
+          <a:p>
+            <a:r>
+              <a:rPr lang="de-DE" sz="1600" dirty="0">
+                <a:latin typeface="Source Code Pro"/>
+                <a:cs typeface="Source Code Pro"/>
+              </a:rPr>
+              <a:t> </a:t>
+            </a:r>
+            <a:r>
+              <a:rPr lang="de-DE" sz="1600" dirty="0" smtClean="0">
+                <a:latin typeface="Source Code Pro"/>
+                <a:cs typeface="Source Code Pro"/>
+              </a:rPr>
+              <a:t>  </a:t>
+            </a:r>
+            <a:r>
+              <a:rPr lang="de-DE" sz="1600" dirty="0" err="1" smtClean="0">
+                <a:latin typeface="Source Code Pro"/>
+                <a:cs typeface="Source Code Pro"/>
+              </a:rPr>
+              <a:t>assertThat</a:t>
+            </a:r>
+            <a:r>
+              <a:rPr lang="de-DE" sz="1600" dirty="0" smtClean="0">
+                <a:latin typeface="Source Code Pro"/>
+                <a:cs typeface="Source Code Pro"/>
+              </a:rPr>
+              <a:t>(</a:t>
+            </a:r>
+            <a:r>
+              <a:rPr lang="de-DE" sz="1600" dirty="0" err="1" smtClean="0">
+                <a:solidFill>
+                  <a:srgbClr val="948A54"/>
+                </a:solidFill>
+                <a:latin typeface="Source Code Pro"/>
+                <a:cs typeface="Source Code Pro"/>
+              </a:rPr>
+              <a:t>klassB</a:t>
+            </a:r>
+            <a:r>
+              <a:rPr lang="de-DE" sz="1600" dirty="0" err="1" smtClean="0">
+                <a:latin typeface="Source Code Pro"/>
+                <a:cs typeface="Source Code Pro"/>
+              </a:rPr>
+              <a:t>.helpDoTheWork</a:t>
+            </a:r>
+            <a:r>
+              <a:rPr lang="de-DE" sz="1600" dirty="0" smtClean="0">
+                <a:latin typeface="Source Code Pro"/>
+                <a:cs typeface="Source Code Pro"/>
+              </a:rPr>
+              <a:t>(</a:t>
+            </a:r>
+            <a:r>
+              <a:rPr lang="de-DE" sz="1600" dirty="0" smtClean="0">
+                <a:latin typeface="Source Code Pro"/>
+                <a:cs typeface="Source Code Pro"/>
+              </a:rPr>
+              <a:t>), </a:t>
+            </a:r>
+            <a:r>
+              <a:rPr lang="de-DE" sz="1600" i="1" dirty="0" err="1" smtClean="0">
+                <a:latin typeface="Source Code Pro"/>
+                <a:cs typeface="Source Code Pro"/>
+              </a:rPr>
+              <a:t>is</a:t>
+            </a:r>
+            <a:r>
+              <a:rPr lang="de-DE" sz="1600" i="1" dirty="0" smtClean="0">
+                <a:latin typeface="Source Code Pro"/>
+                <a:cs typeface="Source Code Pro"/>
+              </a:rPr>
+              <a:t>(0))</a:t>
+            </a:r>
+            <a:r>
+              <a:rPr lang="de-DE" sz="1600" dirty="0" smtClean="0">
+                <a:latin typeface="Source Code Pro"/>
+                <a:cs typeface="Source Code Pro"/>
+              </a:rPr>
+              <a:t>;</a:t>
+            </a:r>
+            <a:endParaRPr lang="de-DE" sz="1600" dirty="0">
+              <a:latin typeface="Source Code Pro"/>
+              <a:cs typeface="Source Code Pro"/>
+            </a:endParaRPr>
+          </a:p>
+          <a:p>
+            <a:r>
+              <a:rPr lang="de-DE" sz="1600" dirty="0" smtClean="0">
+                <a:latin typeface="Source Code Pro"/>
+                <a:cs typeface="Source Code Pro"/>
+              </a:rPr>
+              <a:t>}</a:t>
+            </a:r>
+            <a:endParaRPr lang="de-DE" sz="1600" dirty="0">
+              <a:latin typeface="Source Code Pro"/>
+              <a:cs typeface="Source Code Pro"/>
+            </a:endParaRPr>
+          </a:p>
+          <a:p>
+            <a:endParaRPr lang="de-DE" sz="1600" dirty="0">
+              <a:latin typeface="Source Code Pro"/>
+              <a:cs typeface="Source Code Pro"/>
+            </a:endParaRPr>
+          </a:p>
+          <a:p>
+            <a:endParaRPr lang="de-DE" sz="1600" dirty="0">
+              <a:latin typeface="Source Code Pro"/>
+              <a:cs typeface="Source Code Pro"/>
+            </a:endParaRPr>
+          </a:p>
+        </p:txBody>
+      </p:sp>
+    </p:spTree>
+    <p:extLst>
+      <p:ext uri="{BB962C8B-B14F-4D97-AF65-F5344CB8AC3E}">
+        <p14:creationId xmlns:p14="http://schemas.microsoft.com/office/powerpoint/2010/main" val="3433374058"/>
+      </p:ext>
+    </p:extLst>
+  </p:cSld>
+  <p:clrMapOvr>
+    <a:masterClrMapping/>
+  </p:clrMapOvr>
+  <p:timing>
+    <p:tnLst>
+      <p:par>
+        <p:cTn xmlns:p14="http://schemas.microsoft.com/office/powerpoint/2010/main" id="1" dur="indefinite" restart="never" nodeType="tmRoot"/>
+      </p:par>
+    </p:tnLst>
+  </p:timing>
+</p:sld>
+</file>
+
+<file path=ppt/slides/slide24.xml><?xml version="1.0" encoding="utf-8"?>
 <p:sld xmlns:a="http://schemas.openxmlformats.org/drawingml/2006/main" xmlns:r="http://schemas.openxmlformats.org/officeDocument/2006/relationships" xmlns:p="http://schemas.openxmlformats.org/presentationml/2006/main">
   <p:cSld>
     <p:spTree>
@@ -9832,7 +12931,7 @@
 </p:sld>
 </file>
 
-<file path=ppt/slides/slide22.xml><?xml version="1.0" encoding="utf-8"?>
+<file path=ppt/slides/slide25.xml><?xml version="1.0" encoding="utf-8"?>
 <p:sld xmlns:a="http://schemas.openxmlformats.org/drawingml/2006/main" xmlns:r="http://schemas.openxmlformats.org/officeDocument/2006/relationships" xmlns:p="http://schemas.openxmlformats.org/presentationml/2006/main">
   <p:cSld>
     <p:spTree>
@@ -12603,7 +15702,7 @@
 </p:sld>
 </file>
 
-<file path=ppt/slides/slide23.xml><?xml version="1.0" encoding="utf-8"?>
+<file path=ppt/slides/slide26.xml><?xml version="1.0" encoding="utf-8"?>
 <p:sld xmlns:a="http://schemas.openxmlformats.org/drawingml/2006/main" xmlns:r="http://schemas.openxmlformats.org/officeDocument/2006/relationships" xmlns:p="http://schemas.openxmlformats.org/presentationml/2006/main">
   <p:cSld>
     <p:spTree>
@@ -15038,7 +18137,7 @@
 </p:sld>
 </file>
 
-<file path=ppt/slides/slide24.xml><?xml version="1.0" encoding="utf-8"?>
+<file path=ppt/slides/slide27.xml><?xml version="1.0" encoding="utf-8"?>
 <p:sld xmlns:a="http://schemas.openxmlformats.org/drawingml/2006/main" xmlns:r="http://schemas.openxmlformats.org/officeDocument/2006/relationships" xmlns:p="http://schemas.openxmlformats.org/presentationml/2006/main">
   <p:cSld>
     <p:spTree>
@@ -17698,7 +20797,7 @@
 </p:sld>
 </file>
 
-<file path=ppt/slides/slide25.xml><?xml version="1.0" encoding="utf-8"?>
+<file path=ppt/slides/slide28.xml><?xml version="1.0" encoding="utf-8"?>
 <p:sld xmlns:a="http://schemas.openxmlformats.org/drawingml/2006/main" xmlns:r="http://schemas.openxmlformats.org/officeDocument/2006/relationships" xmlns:p="http://schemas.openxmlformats.org/presentationml/2006/main">
   <p:cSld>
     <p:spTree>
@@ -18228,7 +21327,7 @@
 </p:sld>
 </file>
 
-<file path=ppt/slides/slide26.xml><?xml version="1.0" encoding="utf-8"?>
+<file path=ppt/slides/slide29.xml><?xml version="1.0" encoding="utf-8"?>
 <p:sld xmlns:a="http://schemas.openxmlformats.org/drawingml/2006/main" xmlns:r="http://schemas.openxmlformats.org/officeDocument/2006/relationships" xmlns:p="http://schemas.openxmlformats.org/presentationml/2006/main">
   <p:cSld>
     <p:spTree>
@@ -18553,7 +21652,266 @@
 </p:sld>
 </file>
 
-<file path=ppt/slides/slide27.xml><?xml version="1.0" encoding="utf-8"?>
+<file path=ppt/slides/slide3.xml><?xml version="1.0" encoding="utf-8"?>
+<p:sld xmlns:a="http://schemas.openxmlformats.org/drawingml/2006/main" xmlns:r="http://schemas.openxmlformats.org/officeDocument/2006/relationships" xmlns:p="http://schemas.openxmlformats.org/presentationml/2006/main">
+  <p:cSld>
+    <p:spTree>
+      <p:nvGrpSpPr>
+        <p:cNvPr id="1" name=""/>
+        <p:cNvGrpSpPr/>
+        <p:nvPr/>
+      </p:nvGrpSpPr>
+      <p:grpSpPr>
+        <a:xfrm>
+          <a:off x="0" y="0"/>
+          <a:ext cx="0" cy="0"/>
+          <a:chOff x="0" y="0"/>
+          <a:chExt cx="0" cy="0"/>
+        </a:xfrm>
+      </p:grpSpPr>
+      <p:pic>
+        <p:nvPicPr>
+          <p:cNvPr id="16" name="Picture 2" descr="C:\Users\Robin\Documents\GitHub\chado presentation\692px-Monk_in_Tashilhunpo3.jpg"/>
+          <p:cNvPicPr>
+            <a:picLocks noChangeAspect="1" noChangeArrowheads="1"/>
+          </p:cNvPicPr>
+          <p:nvPr/>
+        </p:nvPicPr>
+        <p:blipFill>
+          <a:blip r:embed="rId2" cstate="print"/>
+          <a:srcRect/>
+          <a:stretch>
+            <a:fillRect/>
+          </a:stretch>
+        </p:blipFill>
+        <p:spPr bwMode="auto">
+          <a:xfrm>
+            <a:off x="4110232" y="-1403308"/>
+            <a:ext cx="5033768" cy="6546808"/>
+          </a:xfrm>
+          <a:prstGeom prst="rect">
+            <a:avLst/>
+          </a:prstGeom>
+          <a:noFill/>
+        </p:spPr>
+      </p:pic>
+      <p:sp>
+        <p:nvSpPr>
+          <p:cNvPr id="17" name="Rechteck 16"/>
+          <p:cNvSpPr/>
+          <p:nvPr/>
+        </p:nvSpPr>
+        <p:spPr>
+          <a:xfrm>
+            <a:off x="-36512" y="0"/>
+            <a:ext cx="9180512" cy="5143500"/>
+          </a:xfrm>
+          <a:prstGeom prst="rect">
+            <a:avLst/>
+          </a:prstGeom>
+          <a:solidFill>
+            <a:srgbClr val="FFFFFF">
+              <a:alpha val="83000"/>
+            </a:srgbClr>
+          </a:solidFill>
+          <a:ln>
+            <a:noFill/>
+          </a:ln>
+        </p:spPr>
+        <p:style>
+          <a:lnRef idx="2">
+            <a:schemeClr val="accent1">
+              <a:shade val="50000"/>
+            </a:schemeClr>
+          </a:lnRef>
+          <a:fillRef idx="1">
+            <a:schemeClr val="accent1"/>
+          </a:fillRef>
+          <a:effectRef idx="0">
+            <a:schemeClr val="accent1"/>
+          </a:effectRef>
+          <a:fontRef idx="minor">
+            <a:schemeClr val="lt1"/>
+          </a:fontRef>
+        </p:style>
+        <p:txBody>
+          <a:bodyPr rtlCol="0" anchor="ctr"/>
+          <a:lstStyle/>
+          <a:p>
+            <a:pPr algn="ctr"/>
+            <a:endParaRPr lang="de-DE"/>
+          </a:p>
+        </p:txBody>
+      </p:sp>
+      <p:sp>
+        <p:nvSpPr>
+          <p:cNvPr id="2" name="Titel 1"/>
+          <p:cNvSpPr>
+            <a:spLocks noGrp="1"/>
+          </p:cNvSpPr>
+          <p:nvPr>
+            <p:ph type="title"/>
+          </p:nvPr>
+        </p:nvSpPr>
+        <p:spPr/>
+        <p:txBody>
+          <a:bodyPr>
+            <a:normAutofit/>
+          </a:bodyPr>
+          <a:lstStyle/>
+          <a:p>
+            <a:r>
+              <a:rPr lang="de-DE" dirty="0" smtClean="0"/>
+              <a:t>Motivation</a:t>
+            </a:r>
+            <a:endParaRPr lang="de-DE" dirty="0"/>
+          </a:p>
+        </p:txBody>
+      </p:sp>
+      <p:sp>
+        <p:nvSpPr>
+          <p:cNvPr id="3" name="Inhaltsplatzhalter 2"/>
+          <p:cNvSpPr>
+            <a:spLocks noGrp="1"/>
+          </p:cNvSpPr>
+          <p:nvPr>
+            <p:ph sz="half" idx="1"/>
+          </p:nvPr>
+        </p:nvSpPr>
+        <p:spPr>
+          <a:xfrm>
+            <a:off x="457200" y="1869672"/>
+            <a:ext cx="4038600" cy="1587624"/>
+          </a:xfrm>
+        </p:spPr>
+        <p:txBody>
+          <a:bodyPr>
+            <a:normAutofit fontScale="85000" lnSpcReduction="10000"/>
+          </a:bodyPr>
+          <a:lstStyle/>
+          <a:p>
+            <a:r>
+              <a:rPr lang="de-DE" dirty="0" smtClean="0"/>
+              <a:t>Test </a:t>
+            </a:r>
+            <a:r>
+              <a:rPr lang="de-DE" dirty="0" err="1" smtClean="0"/>
+              <a:t>approach</a:t>
+            </a:r>
+            <a:endParaRPr lang="de-DE" dirty="0" smtClean="0"/>
+          </a:p>
+          <a:p>
+            <a:pPr lvl="1"/>
+            <a:r>
+              <a:rPr lang="de-DE" dirty="0" smtClean="0"/>
+              <a:t>London School</a:t>
+            </a:r>
+          </a:p>
+          <a:p>
+            <a:pPr lvl="1"/>
+            <a:r>
+              <a:rPr lang="de-DE" dirty="0" smtClean="0"/>
+              <a:t>Integrated Tests</a:t>
+            </a:r>
+          </a:p>
+          <a:p>
+            <a:pPr lvl="1"/>
+            <a:r>
+              <a:rPr lang="de-DE" dirty="0" smtClean="0"/>
+              <a:t>Unit Tests</a:t>
+            </a:r>
+          </a:p>
+        </p:txBody>
+      </p:sp>
+      <p:sp>
+        <p:nvSpPr>
+          <p:cNvPr id="7" name="Inhaltsplatzhalter 6"/>
+          <p:cNvSpPr>
+            <a:spLocks noGrp="1"/>
+          </p:cNvSpPr>
+          <p:nvPr>
+            <p:ph sz="half" idx="2"/>
+          </p:nvPr>
+        </p:nvSpPr>
+        <p:spPr>
+          <a:xfrm>
+            <a:off x="4648200" y="1869672"/>
+            <a:ext cx="4038600" cy="1587624"/>
+          </a:xfrm>
+        </p:spPr>
+        <p:txBody>
+          <a:bodyPr>
+            <a:normAutofit fontScale="85000" lnSpcReduction="10000"/>
+          </a:bodyPr>
+          <a:lstStyle/>
+          <a:p>
+            <a:r>
+              <a:rPr lang="de-DE" dirty="0" err="1" smtClean="0"/>
+              <a:t>Idiosyncrasies</a:t>
+            </a:r>
+            <a:r>
+              <a:rPr lang="de-DE" dirty="0" smtClean="0"/>
+              <a:t> </a:t>
+            </a:r>
+            <a:r>
+              <a:rPr lang="de-DE" dirty="0" err="1" smtClean="0"/>
+              <a:t>of</a:t>
+            </a:r>
+            <a:r>
+              <a:rPr lang="de-DE" dirty="0" smtClean="0"/>
+              <a:t> </a:t>
+            </a:r>
+            <a:r>
+              <a:rPr lang="de-DE" dirty="0" err="1" smtClean="0"/>
+              <a:t>Javascript</a:t>
+            </a:r>
+            <a:endParaRPr lang="de-DE" dirty="0" smtClean="0"/>
+          </a:p>
+          <a:p>
+            <a:pPr lvl="1"/>
+            <a:r>
+              <a:rPr lang="de-DE" dirty="0" smtClean="0"/>
+              <a:t>Dynamic</a:t>
+            </a:r>
+          </a:p>
+          <a:p>
+            <a:pPr lvl="1"/>
+            <a:r>
+              <a:rPr lang="de-DE" dirty="0" smtClean="0"/>
+              <a:t>Prototype</a:t>
+            </a:r>
+          </a:p>
+          <a:p>
+            <a:pPr lvl="1"/>
+            <a:r>
+              <a:rPr lang="de-DE" dirty="0" smtClean="0"/>
+              <a:t>Simple</a:t>
+            </a:r>
+            <a:endParaRPr lang="de-DE" dirty="0"/>
+          </a:p>
+        </p:txBody>
+      </p:sp>
+    </p:spTree>
+    <p:extLst>
+      <p:ext uri="{BB962C8B-B14F-4D97-AF65-F5344CB8AC3E}">
+        <p14:creationId xmlns:p14="http://schemas.microsoft.com/office/powerpoint/2010/main" val="2268789953"/>
+      </p:ext>
+    </p:extLst>
+  </p:cSld>
+  <p:clrMapOvr>
+    <a:masterClrMapping/>
+  </p:clrMapOvr>
+  <p:timing>
+    <p:tnLst>
+      <p:par>
+        <p:cTn xmlns:p14="http://schemas.microsoft.com/office/powerpoint/2010/main" id="1" dur="indefinite" restart="never" nodeType="tmRoot"/>
+      </p:par>
+    </p:tnLst>
+  </p:timing>
+</p:sld>
+</file>
+
+<file path=ppt/slides/slide30.xml><?xml version="1.0" encoding="utf-8"?>
 <p:sld xmlns:a="http://schemas.openxmlformats.org/drawingml/2006/main" xmlns:r="http://schemas.openxmlformats.org/officeDocument/2006/relationships" xmlns:p="http://schemas.openxmlformats.org/presentationml/2006/main">
   <p:cSld>
     <p:spTree>
@@ -18770,7 +22128,7 @@
 </p:sld>
 </file>
 
-<file path=ppt/slides/slide28.xml><?xml version="1.0" encoding="utf-8"?>
+<file path=ppt/slides/slide31.xml><?xml version="1.0" encoding="utf-8"?>
 <p:sld xmlns:a="http://schemas.openxmlformats.org/drawingml/2006/main" xmlns:r="http://schemas.openxmlformats.org/officeDocument/2006/relationships" xmlns:p="http://schemas.openxmlformats.org/presentationml/2006/main">
   <p:cSld>
     <p:spTree>
@@ -21145,7 +24503,7 @@
 </p:sld>
 </file>
 
-<file path=ppt/slides/slide29.xml><?xml version="1.0" encoding="utf-8"?>
+<file path=ppt/slides/slide32.xml><?xml version="1.0" encoding="utf-8"?>
 <p:sld xmlns:a="http://schemas.openxmlformats.org/drawingml/2006/main" xmlns:r="http://schemas.openxmlformats.org/officeDocument/2006/relationships" xmlns:p="http://schemas.openxmlformats.org/presentationml/2006/main">
   <p:cSld>
     <p:spTree>
@@ -21914,266 +25272,7 @@
 </p:sld>
 </file>
 
-<file path=ppt/slides/slide3.xml><?xml version="1.0" encoding="utf-8"?>
-<p:sld xmlns:a="http://schemas.openxmlformats.org/drawingml/2006/main" xmlns:r="http://schemas.openxmlformats.org/officeDocument/2006/relationships" xmlns:p="http://schemas.openxmlformats.org/presentationml/2006/main">
-  <p:cSld>
-    <p:spTree>
-      <p:nvGrpSpPr>
-        <p:cNvPr id="1" name=""/>
-        <p:cNvGrpSpPr/>
-        <p:nvPr/>
-      </p:nvGrpSpPr>
-      <p:grpSpPr>
-        <a:xfrm>
-          <a:off x="0" y="0"/>
-          <a:ext cx="0" cy="0"/>
-          <a:chOff x="0" y="0"/>
-          <a:chExt cx="0" cy="0"/>
-        </a:xfrm>
-      </p:grpSpPr>
-      <p:pic>
-        <p:nvPicPr>
-          <p:cNvPr id="16" name="Picture 2" descr="C:\Users\Robin\Documents\GitHub\chado presentation\692px-Monk_in_Tashilhunpo3.jpg"/>
-          <p:cNvPicPr>
-            <a:picLocks noChangeAspect="1" noChangeArrowheads="1"/>
-          </p:cNvPicPr>
-          <p:nvPr/>
-        </p:nvPicPr>
-        <p:blipFill>
-          <a:blip r:embed="rId2" cstate="print"/>
-          <a:srcRect/>
-          <a:stretch>
-            <a:fillRect/>
-          </a:stretch>
-        </p:blipFill>
-        <p:spPr bwMode="auto">
-          <a:xfrm>
-            <a:off x="4110232" y="-1403308"/>
-            <a:ext cx="5033768" cy="6546808"/>
-          </a:xfrm>
-          <a:prstGeom prst="rect">
-            <a:avLst/>
-          </a:prstGeom>
-          <a:noFill/>
-        </p:spPr>
-      </p:pic>
-      <p:sp>
-        <p:nvSpPr>
-          <p:cNvPr id="17" name="Rechteck 16"/>
-          <p:cNvSpPr/>
-          <p:nvPr/>
-        </p:nvSpPr>
-        <p:spPr>
-          <a:xfrm>
-            <a:off x="-36512" y="0"/>
-            <a:ext cx="9180512" cy="5143500"/>
-          </a:xfrm>
-          <a:prstGeom prst="rect">
-            <a:avLst/>
-          </a:prstGeom>
-          <a:solidFill>
-            <a:srgbClr val="FFFFFF">
-              <a:alpha val="83000"/>
-            </a:srgbClr>
-          </a:solidFill>
-          <a:ln>
-            <a:noFill/>
-          </a:ln>
-        </p:spPr>
-        <p:style>
-          <a:lnRef idx="2">
-            <a:schemeClr val="accent1">
-              <a:shade val="50000"/>
-            </a:schemeClr>
-          </a:lnRef>
-          <a:fillRef idx="1">
-            <a:schemeClr val="accent1"/>
-          </a:fillRef>
-          <a:effectRef idx="0">
-            <a:schemeClr val="accent1"/>
-          </a:effectRef>
-          <a:fontRef idx="minor">
-            <a:schemeClr val="lt1"/>
-          </a:fontRef>
-        </p:style>
-        <p:txBody>
-          <a:bodyPr rtlCol="0" anchor="ctr"/>
-          <a:lstStyle/>
-          <a:p>
-            <a:pPr algn="ctr"/>
-            <a:endParaRPr lang="de-DE"/>
-          </a:p>
-        </p:txBody>
-      </p:sp>
-      <p:sp>
-        <p:nvSpPr>
-          <p:cNvPr id="2" name="Titel 1"/>
-          <p:cNvSpPr>
-            <a:spLocks noGrp="1"/>
-          </p:cNvSpPr>
-          <p:nvPr>
-            <p:ph type="title"/>
-          </p:nvPr>
-        </p:nvSpPr>
-        <p:spPr/>
-        <p:txBody>
-          <a:bodyPr>
-            <a:normAutofit/>
-          </a:bodyPr>
-          <a:lstStyle/>
-          <a:p>
-            <a:r>
-              <a:rPr lang="de-DE" dirty="0" smtClean="0"/>
-              <a:t>Motivation</a:t>
-            </a:r>
-            <a:endParaRPr lang="de-DE" dirty="0"/>
-          </a:p>
-        </p:txBody>
-      </p:sp>
-      <p:sp>
-        <p:nvSpPr>
-          <p:cNvPr id="3" name="Inhaltsplatzhalter 2"/>
-          <p:cNvSpPr>
-            <a:spLocks noGrp="1"/>
-          </p:cNvSpPr>
-          <p:nvPr>
-            <p:ph sz="half" idx="1"/>
-          </p:nvPr>
-        </p:nvSpPr>
-        <p:spPr>
-          <a:xfrm>
-            <a:off x="457200" y="1869672"/>
-            <a:ext cx="4038600" cy="1587624"/>
-          </a:xfrm>
-        </p:spPr>
-        <p:txBody>
-          <a:bodyPr>
-            <a:normAutofit fontScale="85000" lnSpcReduction="10000"/>
-          </a:bodyPr>
-          <a:lstStyle/>
-          <a:p>
-            <a:r>
-              <a:rPr lang="de-DE" dirty="0" smtClean="0"/>
-              <a:t>Test </a:t>
-            </a:r>
-            <a:r>
-              <a:rPr lang="de-DE" dirty="0" err="1" smtClean="0"/>
-              <a:t>approach</a:t>
-            </a:r>
-            <a:endParaRPr lang="de-DE" dirty="0" smtClean="0"/>
-          </a:p>
-          <a:p>
-            <a:pPr lvl="1"/>
-            <a:r>
-              <a:rPr lang="de-DE" dirty="0" smtClean="0"/>
-              <a:t>London School</a:t>
-            </a:r>
-          </a:p>
-          <a:p>
-            <a:pPr lvl="1"/>
-            <a:r>
-              <a:rPr lang="de-DE" dirty="0" smtClean="0"/>
-              <a:t>Integrated Tests</a:t>
-            </a:r>
-          </a:p>
-          <a:p>
-            <a:pPr lvl="1"/>
-            <a:r>
-              <a:rPr lang="de-DE" dirty="0" smtClean="0"/>
-              <a:t>Unit Tests</a:t>
-            </a:r>
-          </a:p>
-        </p:txBody>
-      </p:sp>
-      <p:sp>
-        <p:nvSpPr>
-          <p:cNvPr id="7" name="Inhaltsplatzhalter 6"/>
-          <p:cNvSpPr>
-            <a:spLocks noGrp="1"/>
-          </p:cNvSpPr>
-          <p:nvPr>
-            <p:ph sz="half" idx="2"/>
-          </p:nvPr>
-        </p:nvSpPr>
-        <p:spPr>
-          <a:xfrm>
-            <a:off x="4648200" y="1869672"/>
-            <a:ext cx="4038600" cy="1587624"/>
-          </a:xfrm>
-        </p:spPr>
-        <p:txBody>
-          <a:bodyPr>
-            <a:normAutofit fontScale="85000" lnSpcReduction="10000"/>
-          </a:bodyPr>
-          <a:lstStyle/>
-          <a:p>
-            <a:r>
-              <a:rPr lang="de-DE" dirty="0" err="1" smtClean="0"/>
-              <a:t>Idiosyncrasies</a:t>
-            </a:r>
-            <a:r>
-              <a:rPr lang="de-DE" dirty="0" smtClean="0"/>
-              <a:t> </a:t>
-            </a:r>
-            <a:r>
-              <a:rPr lang="de-DE" dirty="0" err="1" smtClean="0"/>
-              <a:t>of</a:t>
-            </a:r>
-            <a:r>
-              <a:rPr lang="de-DE" dirty="0" smtClean="0"/>
-              <a:t> </a:t>
-            </a:r>
-            <a:r>
-              <a:rPr lang="de-DE" dirty="0" err="1" smtClean="0"/>
-              <a:t>Javascript</a:t>
-            </a:r>
-            <a:endParaRPr lang="de-DE" dirty="0" smtClean="0"/>
-          </a:p>
-          <a:p>
-            <a:pPr lvl="1"/>
-            <a:r>
-              <a:rPr lang="de-DE" dirty="0" smtClean="0"/>
-              <a:t>Dynamic</a:t>
-            </a:r>
-          </a:p>
-          <a:p>
-            <a:pPr lvl="1"/>
-            <a:r>
-              <a:rPr lang="de-DE" dirty="0" smtClean="0"/>
-              <a:t>Prototype</a:t>
-            </a:r>
-          </a:p>
-          <a:p>
-            <a:pPr lvl="1"/>
-            <a:r>
-              <a:rPr lang="de-DE" dirty="0" smtClean="0"/>
-              <a:t>Simple</a:t>
-            </a:r>
-            <a:endParaRPr lang="de-DE" dirty="0"/>
-          </a:p>
-        </p:txBody>
-      </p:sp>
-    </p:spTree>
-    <p:extLst>
-      <p:ext uri="{BB962C8B-B14F-4D97-AF65-F5344CB8AC3E}">
-        <p14:creationId xmlns:p14="http://schemas.microsoft.com/office/powerpoint/2010/main" val="2268789953"/>
-      </p:ext>
-    </p:extLst>
-  </p:cSld>
-  <p:clrMapOvr>
-    <a:masterClrMapping/>
-  </p:clrMapOvr>
-  <p:timing>
-    <p:tnLst>
-      <p:par>
-        <p:cTn xmlns:p14="http://schemas.microsoft.com/office/powerpoint/2010/main" id="1" dur="indefinite" restart="never" nodeType="tmRoot"/>
-      </p:par>
-    </p:tnLst>
-  </p:timing>
-</p:sld>
-</file>
-
-<file path=ppt/slides/slide30.xml><?xml version="1.0" encoding="utf-8"?>
+<file path=ppt/slides/slide33.xml><?xml version="1.0" encoding="utf-8"?>
 <p:sld xmlns:a="http://schemas.openxmlformats.org/drawingml/2006/main" xmlns:r="http://schemas.openxmlformats.org/officeDocument/2006/relationships" xmlns:p="http://schemas.openxmlformats.org/presentationml/2006/main">
   <p:cSld>
     <p:spTree>
@@ -24449,7 +27548,7 @@
 </p:sld>
 </file>
 
-<file path=ppt/slides/slide31.xml><?xml version="1.0" encoding="utf-8"?>
+<file path=ppt/slides/slide34.xml><?xml version="1.0" encoding="utf-8"?>
 <p:sld xmlns:a="http://schemas.openxmlformats.org/drawingml/2006/main" xmlns:r="http://schemas.openxmlformats.org/officeDocument/2006/relationships" xmlns:p="http://schemas.openxmlformats.org/presentationml/2006/main">
   <p:cSld>
     <p:spTree>
@@ -24666,7 +27765,7 @@
 </p:sld>
 </file>
 
-<file path=ppt/slides/slide32.xml><?xml version="1.0" encoding="utf-8"?>
+<file path=ppt/slides/slide35.xml><?xml version="1.0" encoding="utf-8"?>
 <p:sld xmlns:a="http://schemas.openxmlformats.org/drawingml/2006/main" xmlns:r="http://schemas.openxmlformats.org/officeDocument/2006/relationships" xmlns:p="http://schemas.openxmlformats.org/presentationml/2006/main">
   <p:cSld>
     <p:spTree>
@@ -24763,7 +27862,7 @@
 </p:sld>
 </file>
 
-<file path=ppt/slides/slide33.xml><?xml version="1.0" encoding="utf-8"?>
+<file path=ppt/slides/slide36.xml><?xml version="1.0" encoding="utf-8"?>
 <p:sld xmlns:a="http://schemas.openxmlformats.org/drawingml/2006/main" xmlns:r="http://schemas.openxmlformats.org/officeDocument/2006/relationships" xmlns:p="http://schemas.openxmlformats.org/presentationml/2006/main">
   <p:cSld>
     <p:spTree>
@@ -26401,7 +29500,7 @@
 </p:sld>
 </file>
 
-<file path=ppt/slides/slide34.xml><?xml version="1.0" encoding="utf-8"?>
+<file path=ppt/slides/slide37.xml><?xml version="1.0" encoding="utf-8"?>
 <p:sld xmlns:a="http://schemas.openxmlformats.org/drawingml/2006/main" xmlns:r="http://schemas.openxmlformats.org/officeDocument/2006/relationships" xmlns:p="http://schemas.openxmlformats.org/presentationml/2006/main">
   <p:cSld>
     <p:spTree>
@@ -28457,7 +31556,7 @@
 </p:sld>
 </file>
 
-<file path=ppt/slides/slide35.xml><?xml version="1.0" encoding="utf-8"?>
+<file path=ppt/slides/slide38.xml><?xml version="1.0" encoding="utf-8"?>
 <p:sld xmlns:a="http://schemas.openxmlformats.org/drawingml/2006/main" xmlns:r="http://schemas.openxmlformats.org/officeDocument/2006/relationships" xmlns:p="http://schemas.openxmlformats.org/presentationml/2006/main">
   <p:cSld>
     <p:spTree>
@@ -28554,7 +31653,7 @@
 </p:sld>
 </file>
 
-<file path=ppt/slides/slide36.xml><?xml version="1.0" encoding="utf-8"?>
+<file path=ppt/slides/slide39.xml><?xml version="1.0" encoding="utf-8"?>
 <p:sld xmlns:a="http://schemas.openxmlformats.org/drawingml/2006/main" xmlns:r="http://schemas.openxmlformats.org/officeDocument/2006/relationships" xmlns:p="http://schemas.openxmlformats.org/presentationml/2006/main">
   <p:cSld>
     <p:spTree>
@@ -29000,7 +32099,378 @@
 </p:sld>
 </file>
 
-<file path=ppt/slides/slide37.xml><?xml version="1.0" encoding="utf-8"?>
+<file path=ppt/slides/slide4.xml><?xml version="1.0" encoding="utf-8"?>
+<p:sld xmlns:a="http://schemas.openxmlformats.org/drawingml/2006/main" xmlns:r="http://schemas.openxmlformats.org/officeDocument/2006/relationships" xmlns:p="http://schemas.openxmlformats.org/presentationml/2006/main">
+  <p:cSld>
+    <p:spTree>
+      <p:nvGrpSpPr>
+        <p:cNvPr id="1" name=""/>
+        <p:cNvGrpSpPr/>
+        <p:nvPr/>
+      </p:nvGrpSpPr>
+      <p:grpSpPr>
+        <a:xfrm>
+          <a:off x="0" y="0"/>
+          <a:ext cx="0" cy="0"/>
+          <a:chOff x="0" y="0"/>
+          <a:chExt cx="0" cy="0"/>
+        </a:xfrm>
+      </p:grpSpPr>
+      <p:sp>
+        <p:nvSpPr>
+          <p:cNvPr id="2" name="Titel 1"/>
+          <p:cNvSpPr>
+            <a:spLocks noGrp="1"/>
+          </p:cNvSpPr>
+          <p:nvPr>
+            <p:ph type="title"/>
+          </p:nvPr>
+        </p:nvSpPr>
+        <p:spPr/>
+        <p:txBody>
+          <a:bodyPr/>
+          <a:lstStyle/>
+          <a:p>
+            <a:r>
+              <a:rPr lang="de-DE" dirty="0" smtClean="0"/>
+              <a:t>Integrated Tests </a:t>
+            </a:r>
+            <a:r>
+              <a:rPr lang="de-DE" dirty="0" err="1" smtClean="0"/>
+              <a:t>are</a:t>
+            </a:r>
+            <a:r>
+              <a:rPr lang="de-DE" dirty="0" smtClean="0"/>
+              <a:t> a </a:t>
+            </a:r>
+            <a:r>
+              <a:rPr lang="de-DE" dirty="0" err="1" smtClean="0"/>
+              <a:t>Scam</a:t>
+            </a:r>
+            <a:r>
+              <a:rPr lang="de-DE" dirty="0" smtClean="0"/>
+              <a:t> (2010)</a:t>
+            </a:r>
+            <a:endParaRPr lang="de-DE" dirty="0"/>
+          </a:p>
+        </p:txBody>
+      </p:sp>
+      <p:sp>
+        <p:nvSpPr>
+          <p:cNvPr id="3" name="Textfeld 2"/>
+          <p:cNvSpPr txBox="1"/>
+          <p:nvPr/>
+        </p:nvSpPr>
+        <p:spPr>
+          <a:xfrm>
+            <a:off x="777875" y="4462463"/>
+            <a:ext cx="7182675" cy="369332"/>
+          </a:xfrm>
+          <a:prstGeom prst="rect">
+            <a:avLst/>
+          </a:prstGeom>
+          <a:noFill/>
+        </p:spPr>
+        <p:txBody>
+          <a:bodyPr wrap="none" rtlCol="0">
+            <a:spAutoFit/>
+          </a:bodyPr>
+          <a:lstStyle/>
+          <a:p>
+            <a:r>
+              <a:rPr lang="de-DE" dirty="0"/>
+              <a:t>http://</a:t>
+            </a:r>
+            <a:r>
+              <a:rPr lang="de-DE" dirty="0" err="1"/>
+              <a:t>blog.thecodewhisperer.com</a:t>
+            </a:r>
+            <a:r>
+              <a:rPr lang="de-DE" dirty="0"/>
+              <a:t>/</a:t>
+            </a:r>
+            <a:r>
+              <a:rPr lang="de-DE" dirty="0" err="1"/>
+              <a:t>permalink</a:t>
+            </a:r>
+            <a:r>
+              <a:rPr lang="de-DE" dirty="0"/>
+              <a:t>/</a:t>
+            </a:r>
+            <a:r>
+              <a:rPr lang="de-DE" dirty="0" err="1"/>
+              <a:t>integrated</a:t>
+            </a:r>
+            <a:r>
+              <a:rPr lang="de-DE" dirty="0"/>
+              <a:t>-tests-</a:t>
+            </a:r>
+            <a:r>
+              <a:rPr lang="de-DE" dirty="0" err="1"/>
+              <a:t>are</a:t>
+            </a:r>
+            <a:r>
+              <a:rPr lang="de-DE" dirty="0"/>
+              <a:t>-a-</a:t>
+            </a:r>
+            <a:r>
+              <a:rPr lang="de-DE" dirty="0" err="1"/>
+              <a:t>scam</a:t>
+            </a:r>
+            <a:endParaRPr lang="de-DE" dirty="0"/>
+          </a:p>
+        </p:txBody>
+      </p:sp>
+      <p:pic>
+        <p:nvPicPr>
+          <p:cNvPr id="4" name="Bild 3"/>
+          <p:cNvPicPr>
+            <a:picLocks noChangeAspect="1"/>
+          </p:cNvPicPr>
+          <p:nvPr/>
+        </p:nvPicPr>
+        <p:blipFill>
+          <a:blip r:embed="rId3" cstate="print"/>
+          <a:stretch>
+            <a:fillRect/>
+          </a:stretch>
+        </p:blipFill>
+        <p:spPr>
+          <a:xfrm>
+            <a:off x="467544" y="1563638"/>
+            <a:ext cx="2031746" cy="2031746"/>
+          </a:xfrm>
+          <a:prstGeom prst="rect">
+            <a:avLst/>
+          </a:prstGeom>
+        </p:spPr>
+      </p:pic>
+      <p:sp>
+        <p:nvSpPr>
+          <p:cNvPr id="8" name="Rechteck 7"/>
+          <p:cNvSpPr/>
+          <p:nvPr/>
+        </p:nvSpPr>
+        <p:spPr>
+          <a:xfrm>
+            <a:off x="2843808" y="1563638"/>
+            <a:ext cx="5832648" cy="1569660"/>
+          </a:xfrm>
+          <a:prstGeom prst="rect">
+            <a:avLst/>
+          </a:prstGeom>
+        </p:spPr>
+        <p:txBody>
+          <a:bodyPr wrap="square">
+            <a:spAutoFit/>
+          </a:bodyPr>
+          <a:lstStyle/>
+          <a:p>
+            <a:r>
+              <a:rPr lang="de-DE" sz="2400" b="1" dirty="0" smtClean="0"/>
+              <a:t>„Integrated </a:t>
+            </a:r>
+            <a:r>
+              <a:rPr lang="de-DE" sz="2400" b="1" dirty="0" err="1"/>
+              <a:t>tests</a:t>
+            </a:r>
+            <a:r>
+              <a:rPr lang="de-DE" sz="2400" b="1" dirty="0"/>
+              <a:t> </a:t>
+            </a:r>
+            <a:r>
+              <a:rPr lang="de-DE" sz="2400" b="1" dirty="0" err="1"/>
+              <a:t>are</a:t>
+            </a:r>
+            <a:r>
+              <a:rPr lang="de-DE" sz="2400" b="1" dirty="0"/>
+              <a:t> a </a:t>
+            </a:r>
+            <a:r>
+              <a:rPr lang="de-DE" sz="2400" b="1" dirty="0" err="1"/>
+              <a:t>scam</a:t>
+            </a:r>
+            <a:r>
+              <a:rPr lang="de-DE" sz="2400" b="1" dirty="0"/>
+              <a:t>—a </a:t>
+            </a:r>
+            <a:r>
+              <a:rPr lang="de-DE" sz="2400" b="1" dirty="0" err="1"/>
+              <a:t>self-replicating</a:t>
+            </a:r>
+            <a:r>
+              <a:rPr lang="de-DE" sz="2400" b="1" dirty="0"/>
+              <a:t> </a:t>
+            </a:r>
+            <a:r>
+              <a:rPr lang="de-DE" sz="2400" b="1" dirty="0" err="1"/>
+              <a:t>virus</a:t>
+            </a:r>
+            <a:r>
+              <a:rPr lang="de-DE" sz="2400" b="1" dirty="0"/>
+              <a:t> </a:t>
+            </a:r>
+            <a:r>
+              <a:rPr lang="de-DE" sz="2400" b="1" dirty="0" err="1"/>
+              <a:t>that</a:t>
+            </a:r>
+            <a:r>
+              <a:rPr lang="de-DE" sz="2400" b="1" dirty="0"/>
+              <a:t> </a:t>
+            </a:r>
+            <a:r>
+              <a:rPr lang="de-DE" sz="2400" b="1" dirty="0" err="1"/>
+              <a:t>threatens</a:t>
+            </a:r>
+            <a:r>
+              <a:rPr lang="de-DE" sz="2400" b="1" dirty="0"/>
+              <a:t> </a:t>
+            </a:r>
+            <a:r>
+              <a:rPr lang="de-DE" sz="2400" b="1" dirty="0" err="1"/>
+              <a:t>to</a:t>
+            </a:r>
+            <a:r>
+              <a:rPr lang="de-DE" sz="2400" b="1" dirty="0"/>
+              <a:t> </a:t>
+            </a:r>
+            <a:r>
+              <a:rPr lang="de-DE" sz="2400" b="1" dirty="0" err="1"/>
+              <a:t>infect</a:t>
+            </a:r>
+            <a:r>
+              <a:rPr lang="de-DE" sz="2400" b="1" dirty="0"/>
+              <a:t> </a:t>
+            </a:r>
+            <a:r>
+              <a:rPr lang="de-DE" sz="2400" b="1" dirty="0" err="1"/>
+              <a:t>your</a:t>
+            </a:r>
+            <a:r>
+              <a:rPr lang="de-DE" sz="2400" b="1" dirty="0"/>
+              <a:t> </a:t>
+            </a:r>
+            <a:r>
+              <a:rPr lang="de-DE" sz="2400" b="1" dirty="0" err="1"/>
+              <a:t>code</a:t>
+            </a:r>
+            <a:r>
+              <a:rPr lang="de-DE" sz="2400" b="1" dirty="0"/>
+              <a:t> </a:t>
+            </a:r>
+            <a:r>
+              <a:rPr lang="de-DE" sz="2400" b="1" dirty="0" err="1"/>
+              <a:t>base</a:t>
+            </a:r>
+            <a:r>
+              <a:rPr lang="de-DE" sz="2400" b="1" dirty="0"/>
+              <a:t>, </a:t>
+            </a:r>
+            <a:r>
+              <a:rPr lang="de-DE" sz="2400" b="1" dirty="0" err="1"/>
+              <a:t>your</a:t>
+            </a:r>
+            <a:r>
+              <a:rPr lang="de-DE" sz="2400" b="1" dirty="0"/>
+              <a:t> </a:t>
+            </a:r>
+            <a:r>
+              <a:rPr lang="de-DE" sz="2400" b="1" dirty="0" err="1"/>
+              <a:t>project</a:t>
+            </a:r>
+            <a:r>
+              <a:rPr lang="de-DE" sz="2400" b="1" dirty="0"/>
+              <a:t>, </a:t>
+            </a:r>
+            <a:r>
+              <a:rPr lang="de-DE" sz="2400" b="1" dirty="0" err="1"/>
+              <a:t>and</a:t>
+            </a:r>
+            <a:r>
+              <a:rPr lang="de-DE" sz="2400" b="1" dirty="0"/>
+              <a:t> </a:t>
+            </a:r>
+            <a:r>
+              <a:rPr lang="de-DE" sz="2400" b="1" dirty="0" err="1"/>
+              <a:t>your</a:t>
+            </a:r>
+            <a:r>
+              <a:rPr lang="de-DE" sz="2400" b="1" dirty="0"/>
+              <a:t> </a:t>
+            </a:r>
+            <a:r>
+              <a:rPr lang="de-DE" sz="2400" b="1" dirty="0" err="1"/>
+              <a:t>team</a:t>
+            </a:r>
+            <a:r>
+              <a:rPr lang="de-DE" sz="2400" b="1" dirty="0"/>
+              <a:t> </a:t>
+            </a:r>
+            <a:r>
+              <a:rPr lang="de-DE" sz="2400" b="1" dirty="0" err="1"/>
+              <a:t>with</a:t>
+            </a:r>
+            <a:r>
+              <a:rPr lang="de-DE" sz="2400" b="1" dirty="0"/>
+              <a:t> </a:t>
+            </a:r>
+            <a:r>
+              <a:rPr lang="de-DE" sz="2400" b="1" dirty="0" err="1"/>
+              <a:t>endless</a:t>
+            </a:r>
+            <a:r>
+              <a:rPr lang="de-DE" sz="2400" b="1" dirty="0"/>
+              <a:t> </a:t>
+            </a:r>
+            <a:r>
+              <a:rPr lang="de-DE" sz="2400" b="1" dirty="0" err="1"/>
+              <a:t>pain</a:t>
+            </a:r>
+            <a:r>
+              <a:rPr lang="de-DE" sz="2400" b="1" dirty="0"/>
+              <a:t> </a:t>
+            </a:r>
+            <a:r>
+              <a:rPr lang="de-DE" sz="2400" b="1" dirty="0" err="1"/>
+              <a:t>and</a:t>
+            </a:r>
+            <a:r>
+              <a:rPr lang="de-DE" sz="2400" b="1" dirty="0"/>
+              <a:t> </a:t>
+            </a:r>
+            <a:r>
+              <a:rPr lang="de-DE" sz="2400" b="1" dirty="0" err="1"/>
+              <a:t>suffering</a:t>
+            </a:r>
+            <a:r>
+              <a:rPr lang="de-DE" sz="2400" b="1" dirty="0" smtClean="0"/>
+              <a:t>.“</a:t>
+            </a:r>
+            <a:endParaRPr lang="de-DE" sz="2400" b="1" dirty="0"/>
+          </a:p>
+        </p:txBody>
+      </p:sp>
+    </p:spTree>
+    <p:extLst>
+      <p:ext uri="{BB962C8B-B14F-4D97-AF65-F5344CB8AC3E}">
+        <p14:creationId xmlns:p14="http://schemas.microsoft.com/office/powerpoint/2010/main" val="2260232245"/>
+      </p:ext>
+    </p:extLst>
+  </p:cSld>
+  <p:clrMapOvr>
+    <a:masterClrMapping/>
+  </p:clrMapOvr>
+  <p:timing>
+    <p:tnLst>
+      <p:par>
+        <p:cTn xmlns:p14="http://schemas.microsoft.com/office/powerpoint/2010/main" id="1" dur="indefinite" restart="never" nodeType="tmRoot"/>
+      </p:par>
+    </p:tnLst>
+  </p:timing>
+</p:sld>
+</file>
+
+<file path=ppt/slides/slide40.xml><?xml version="1.0" encoding="utf-8"?>
 <p:sld xmlns:a="http://schemas.openxmlformats.org/drawingml/2006/main" xmlns:r="http://schemas.openxmlformats.org/officeDocument/2006/relationships" xmlns:p="http://schemas.openxmlformats.org/presentationml/2006/main">
   <p:cSld>
     <p:spTree>
@@ -29096,7 +32566,7 @@
 </p:sld>
 </file>
 
-<file path=ppt/slides/slide38.xml><?xml version="1.0" encoding="utf-8"?>
+<file path=ppt/slides/slide41.xml><?xml version="1.0" encoding="utf-8"?>
 <p:sld xmlns:a="http://schemas.openxmlformats.org/drawingml/2006/main" xmlns:r="http://schemas.openxmlformats.org/officeDocument/2006/relationships" xmlns:p="http://schemas.openxmlformats.org/presentationml/2006/main">
   <p:cSld>
     <p:spTree>
@@ -29204,7 +32674,19 @@
               <a:rPr lang="en-US" sz="1600" dirty="0" smtClean="0">
                 <a:hlinkClick r:id="rId3"/>
               </a:rPr>
-              <a:t>http://blog.thecodewhisperer.com/blog/categories/integrated-tests-are-a-scam</a:t>
+              <a:t>http://blog.thecodewhisperer.com</a:t>
+            </a:r>
+            <a:r>
+              <a:rPr lang="en-US" sz="1600" dirty="0" smtClean="0">
+                <a:hlinkClick r:id="rId3"/>
+              </a:rPr>
+              <a:t>/permalink/</a:t>
+            </a:r>
+            <a:r>
+              <a:rPr lang="en-US" sz="1600" dirty="0" smtClean="0">
+                <a:hlinkClick r:id="rId3"/>
+              </a:rPr>
+              <a:t>integrated-tests-are-a-scam</a:t>
             </a:r>
             <a:endParaRPr lang="de-DE" dirty="0" smtClean="0"/>
           </a:p>
@@ -29312,7 +32794,7 @@
 </p:sld>
 </file>
 
-<file path=ppt/slides/slide39.xml><?xml version="1.0" encoding="utf-8"?>
+<file path=ppt/slides/slide42.xml><?xml version="1.0" encoding="utf-8"?>
 <p:sld xmlns:a="http://schemas.openxmlformats.org/drawingml/2006/main" xmlns:r="http://schemas.openxmlformats.org/officeDocument/2006/relationships" xmlns:p="http://schemas.openxmlformats.org/presentationml/2006/main">
   <p:cSld>
     <p:spTree>
@@ -29539,181 +33021,7 @@
 </p:sld>
 </file>
 
-<file path=ppt/slides/slide4.xml><?xml version="1.0" encoding="utf-8"?>
-<p:sld xmlns:a="http://schemas.openxmlformats.org/drawingml/2006/main" xmlns:r="http://schemas.openxmlformats.org/officeDocument/2006/relationships" xmlns:p="http://schemas.openxmlformats.org/presentationml/2006/main">
-  <p:cSld>
-    <p:spTree>
-      <p:nvGrpSpPr>
-        <p:cNvPr id="1" name=""/>
-        <p:cNvGrpSpPr/>
-        <p:nvPr/>
-      </p:nvGrpSpPr>
-      <p:grpSpPr>
-        <a:xfrm>
-          <a:off x="0" y="0"/>
-          <a:ext cx="0" cy="0"/>
-          <a:chOff x="0" y="0"/>
-          <a:chExt cx="0" cy="0"/>
-        </a:xfrm>
-      </p:grpSpPr>
-      <p:sp>
-        <p:nvSpPr>
-          <p:cNvPr id="2" name="Titel 1"/>
-          <p:cNvSpPr>
-            <a:spLocks noGrp="1"/>
-          </p:cNvSpPr>
-          <p:nvPr>
-            <p:ph type="title"/>
-          </p:nvPr>
-        </p:nvSpPr>
-        <p:spPr/>
-        <p:txBody>
-          <a:bodyPr/>
-          <a:lstStyle/>
-          <a:p>
-            <a:r>
-              <a:rPr lang="de-DE" dirty="0" smtClean="0"/>
-              <a:t>Integrated Tests </a:t>
-            </a:r>
-            <a:r>
-              <a:rPr lang="de-DE" dirty="0" err="1" smtClean="0"/>
-              <a:t>are</a:t>
-            </a:r>
-            <a:r>
-              <a:rPr lang="de-DE" dirty="0" smtClean="0"/>
-              <a:t> a </a:t>
-            </a:r>
-            <a:r>
-              <a:rPr lang="de-DE" dirty="0" err="1" smtClean="0"/>
-              <a:t>Scam</a:t>
-            </a:r>
-            <a:r>
-              <a:rPr lang="de-DE" dirty="0" smtClean="0"/>
-              <a:t> (2010)</a:t>
-            </a:r>
-            <a:endParaRPr lang="de-DE" dirty="0"/>
-          </a:p>
-        </p:txBody>
-      </p:sp>
-      <p:sp>
-        <p:nvSpPr>
-          <p:cNvPr id="3" name="Textfeld 2"/>
-          <p:cNvSpPr txBox="1"/>
-          <p:nvPr/>
-        </p:nvSpPr>
-        <p:spPr>
-          <a:xfrm>
-            <a:off x="777875" y="4462463"/>
-            <a:ext cx="7649145" cy="369332"/>
-          </a:xfrm>
-          <a:prstGeom prst="rect">
-            <a:avLst/>
-          </a:prstGeom>
-          <a:noFill/>
-        </p:spPr>
-        <p:txBody>
-          <a:bodyPr wrap="none" rtlCol="0">
-            <a:spAutoFit/>
-          </a:bodyPr>
-          <a:lstStyle/>
-          <a:p>
-            <a:r>
-              <a:rPr lang="de-DE" dirty="0"/>
-              <a:t>http://</a:t>
-            </a:r>
-            <a:r>
-              <a:rPr lang="de-DE" dirty="0" err="1"/>
-              <a:t>blog.thecodewhisperer.com</a:t>
-            </a:r>
-            <a:r>
-              <a:rPr lang="de-DE" dirty="0"/>
-              <a:t>/</a:t>
-            </a:r>
-            <a:r>
-              <a:rPr lang="de-DE" dirty="0" err="1"/>
-              <a:t>blog</a:t>
-            </a:r>
-            <a:r>
-              <a:rPr lang="de-DE" dirty="0"/>
-              <a:t>/</a:t>
-            </a:r>
-            <a:r>
-              <a:rPr lang="de-DE" dirty="0" err="1"/>
-              <a:t>categories</a:t>
-            </a:r>
-            <a:r>
-              <a:rPr lang="de-DE" dirty="0"/>
-              <a:t>/</a:t>
-            </a:r>
-            <a:r>
-              <a:rPr lang="de-DE" dirty="0" err="1"/>
-              <a:t>integrated</a:t>
-            </a:r>
-            <a:r>
-              <a:rPr lang="de-DE" dirty="0"/>
-              <a:t>-tests-</a:t>
-            </a:r>
-            <a:r>
-              <a:rPr lang="de-DE" dirty="0" err="1"/>
-              <a:t>are</a:t>
-            </a:r>
-            <a:r>
-              <a:rPr lang="de-DE" dirty="0"/>
-              <a:t>-a-</a:t>
-            </a:r>
-            <a:r>
-              <a:rPr lang="de-DE" dirty="0" err="1"/>
-              <a:t>scam</a:t>
-            </a:r>
-            <a:endParaRPr lang="de-DE" dirty="0"/>
-          </a:p>
-        </p:txBody>
-      </p:sp>
-      <p:pic>
-        <p:nvPicPr>
-          <p:cNvPr id="4" name="Bild 3"/>
-          <p:cNvPicPr>
-            <a:picLocks noChangeAspect="1"/>
-          </p:cNvPicPr>
-          <p:nvPr/>
-        </p:nvPicPr>
-        <p:blipFill>
-          <a:blip r:embed="rId2" cstate="print"/>
-          <a:stretch>
-            <a:fillRect/>
-          </a:stretch>
-        </p:blipFill>
-        <p:spPr>
-          <a:xfrm>
-            <a:off x="3556000" y="1809750"/>
-            <a:ext cx="2031746" cy="2031746"/>
-          </a:xfrm>
-          <a:prstGeom prst="rect">
-            <a:avLst/>
-          </a:prstGeom>
-        </p:spPr>
-      </p:pic>
-    </p:spTree>
-    <p:extLst>
-      <p:ext uri="{BB962C8B-B14F-4D97-AF65-F5344CB8AC3E}">
-        <p14:creationId xmlns:p14="http://schemas.microsoft.com/office/powerpoint/2010/main" val="2260232245"/>
-      </p:ext>
-    </p:extLst>
-  </p:cSld>
-  <p:clrMapOvr>
-    <a:masterClrMapping/>
-  </p:clrMapOvr>
-  <p:timing>
-    <p:tnLst>
-      <p:par>
-        <p:cTn xmlns:p14="http://schemas.microsoft.com/office/powerpoint/2010/main" id="1" dur="indefinite" restart="never" nodeType="tmRoot"/>
-      </p:par>
-    </p:tnLst>
-  </p:timing>
-</p:sld>
-</file>
-
-<file path=ppt/slides/slide40.xml><?xml version="1.0" encoding="utf-8"?>
+<file path=ppt/slides/slide43.xml><?xml version="1.0" encoding="utf-8"?>
 <p:sld xmlns:a="http://schemas.openxmlformats.org/drawingml/2006/main" xmlns:r="http://schemas.openxmlformats.org/officeDocument/2006/relationships" xmlns:p="http://schemas.openxmlformats.org/presentationml/2006/main">
   <p:cSld>
     <p:spTree>
@@ -30108,7 +33416,7 @@
 </p:sld>
 </file>
 
-<file path=ppt/slides/slide41.xml><?xml version="1.0" encoding="utf-8"?>
+<file path=ppt/slides/slide44.xml><?xml version="1.0" encoding="utf-8"?>
 <p:sld xmlns:a="http://schemas.openxmlformats.org/drawingml/2006/main" xmlns:r="http://schemas.openxmlformats.org/officeDocument/2006/relationships" xmlns:p="http://schemas.openxmlformats.org/presentationml/2006/main">
   <p:cSld>
     <p:spTree>
@@ -30425,7 +33733,7 @@
 </p:sld>
 </file>
 
-<file path=ppt/slides/slide42.xml><?xml version="1.0" encoding="utf-8"?>
+<file path=ppt/slides/slide45.xml><?xml version="1.0" encoding="utf-8"?>
 <p:sld xmlns:a="http://schemas.openxmlformats.org/drawingml/2006/main" xmlns:r="http://schemas.openxmlformats.org/officeDocument/2006/relationships" xmlns:p="http://schemas.openxmlformats.org/presentationml/2006/main">
   <p:cSld>
     <p:spTree>
@@ -30666,8 +33974,8 @@
         </p:nvSpPr>
         <p:spPr>
           <a:xfrm>
-            <a:off x="2123728" y="1995686"/>
-            <a:ext cx="4960589" cy="2123658"/>
+            <a:off x="1605772" y="1528212"/>
+            <a:ext cx="5996503" cy="2585323"/>
           </a:xfrm>
           <a:prstGeom prst="rect">
             <a:avLst/>
@@ -30682,61 +33990,61 @@
           <a:p>
             <a:pPr algn="ctr"/>
             <a:r>
-              <a:rPr lang="de-DE" sz="4400" dirty="0" smtClean="0"/>
+              <a:rPr lang="de-DE" sz="5400" b="1" dirty="0" smtClean="0"/>
               <a:t>Integrated </a:t>
             </a:r>
             <a:r>
-              <a:rPr lang="de-DE" sz="4400" dirty="0" err="1" smtClean="0"/>
+              <a:rPr lang="de-DE" sz="5400" b="1" dirty="0" err="1" smtClean="0"/>
               <a:t>tests</a:t>
             </a:r>
-            <a:endParaRPr lang="de-DE" sz="4400" dirty="0" smtClean="0"/>
+            <a:endParaRPr lang="de-DE" sz="5400" b="1" dirty="0" smtClean="0"/>
           </a:p>
           <a:p>
             <a:pPr algn="ctr"/>
             <a:r>
-              <a:rPr lang="de-DE" sz="4400" dirty="0" smtClean="0"/>
+              <a:rPr lang="de-DE" sz="5400" b="1" dirty="0" smtClean="0"/>
               <a:t> </a:t>
             </a:r>
             <a:r>
-              <a:rPr lang="de-DE" sz="4400" dirty="0" err="1" smtClean="0"/>
+              <a:rPr lang="de-DE" sz="5400" b="1" dirty="0" err="1" smtClean="0"/>
               <a:t>are</a:t>
             </a:r>
             <a:r>
-              <a:rPr lang="de-DE" sz="4400" dirty="0" smtClean="0"/>
+              <a:rPr lang="de-DE" sz="5400" b="1" dirty="0" smtClean="0"/>
               <a:t> not </a:t>
             </a:r>
             <a:r>
-              <a:rPr lang="de-DE" sz="4400" dirty="0" err="1" smtClean="0"/>
+              <a:rPr lang="de-DE" sz="5400" b="1" dirty="0" err="1" smtClean="0"/>
               <a:t>the</a:t>
             </a:r>
             <a:r>
-              <a:rPr lang="de-DE" sz="4400" dirty="0" smtClean="0"/>
+              <a:rPr lang="de-DE" sz="5400" b="1" dirty="0" smtClean="0"/>
               <a:t> same </a:t>
             </a:r>
             <a:r>
-              <a:rPr lang="de-DE" sz="4400" dirty="0" err="1" smtClean="0"/>
+              <a:rPr lang="de-DE" sz="5400" b="1" dirty="0" err="1" smtClean="0"/>
               <a:t>as</a:t>
             </a:r>
             <a:r>
-              <a:rPr lang="de-DE" sz="4400" dirty="0" smtClean="0"/>
+              <a:rPr lang="de-DE" sz="5400" b="1" dirty="0" smtClean="0"/>
               <a:t> </a:t>
             </a:r>
           </a:p>
           <a:p>
             <a:pPr algn="ctr"/>
             <a:r>
-              <a:rPr lang="de-DE" sz="4400" dirty="0" err="1" smtClean="0"/>
+              <a:rPr lang="de-DE" sz="5400" b="1" dirty="0" err="1" smtClean="0"/>
               <a:t>integration</a:t>
             </a:r>
             <a:r>
-              <a:rPr lang="de-DE" sz="4400" dirty="0" smtClean="0"/>
+              <a:rPr lang="de-DE" sz="5400" b="1" dirty="0" smtClean="0"/>
               <a:t> </a:t>
             </a:r>
             <a:r>
-              <a:rPr lang="de-DE" sz="4400" dirty="0" err="1" smtClean="0"/>
+              <a:rPr lang="de-DE" sz="5400" b="1" dirty="0" err="1" smtClean="0"/>
               <a:t>tests</a:t>
             </a:r>
-            <a:endParaRPr lang="de-DE" sz="4400" dirty="0"/>
+            <a:endParaRPr lang="de-DE" sz="5400" b="1" dirty="0"/>
           </a:p>
         </p:txBody>
       </p:sp>
@@ -30804,7 +34112,7 @@
           <p:nvPr/>
         </p:nvPicPr>
         <p:blipFill>
-          <a:blip r:embed="rId2" cstate="print"/>
+          <a:blip r:embed="rId3" cstate="print"/>
           <a:stretch>
             <a:fillRect/>
           </a:stretch>

--- a/chadojs - who is testing the mocks - 16zu9.pptx
+++ b/chadojs - who is testing the mocks - 16zu9.pptx
@@ -237,7 +237,7 @@
             <a:fld id="{4DBE830D-4B1D-43AC-B523-377B51CEDACB}" type="datetimeFigureOut">
               <a:rPr lang="de-DE" smtClean="0"/>
               <a:pPr/>
-              <a:t>17.05.16</a:t>
+              <a:t>17.05.2016</a:t>
             </a:fld>
             <a:endParaRPr lang="de-DE"/>
           </a:p>
@@ -408,7 +408,7 @@
     </p:spTree>
     <p:extLst>
       <p:ext uri="{BB962C8B-B14F-4D97-AF65-F5344CB8AC3E}">
-        <p14:creationId xmlns:p14="http://schemas.microsoft.com/office/powerpoint/2010/main" val="20919523"/>
+        <p14:creationId xmlns:p14="http://schemas.microsoft.com/office/powerpoint/2010/main" xmlns="" val="20919523"/>
       </p:ext>
     </p:extLst>
   </p:cSld>
@@ -1150,7 +1150,7 @@
     </p:spTree>
     <p:extLst>
       <p:ext uri="{BB962C8B-B14F-4D97-AF65-F5344CB8AC3E}">
-        <p14:creationId xmlns:p14="http://schemas.microsoft.com/office/powerpoint/2010/main" val="2883834159"/>
+        <p14:creationId xmlns:p14="http://schemas.microsoft.com/office/powerpoint/2010/main" xmlns="" val="2883834159"/>
       </p:ext>
     </p:extLst>
   </p:cSld>
@@ -1410,7 +1410,7 @@
     </p:spTree>
     <p:extLst>
       <p:ext uri="{BB962C8B-B14F-4D97-AF65-F5344CB8AC3E}">
-        <p14:creationId xmlns:p14="http://schemas.microsoft.com/office/powerpoint/2010/main" val="2636513739"/>
+        <p14:creationId xmlns:p14="http://schemas.microsoft.com/office/powerpoint/2010/main" xmlns="" val="2636513739"/>
       </p:ext>
     </p:extLst>
   </p:cSld>
@@ -2150,7 +2150,7 @@
     </p:spTree>
     <p:extLst>
       <p:ext uri="{BB962C8B-B14F-4D97-AF65-F5344CB8AC3E}">
-        <p14:creationId xmlns:p14="http://schemas.microsoft.com/office/powerpoint/2010/main" val="2947478832"/>
+        <p14:creationId xmlns:p14="http://schemas.microsoft.com/office/powerpoint/2010/main" xmlns="" val="2947478832"/>
       </p:ext>
     </p:extLst>
   </p:cSld>
@@ -2291,7 +2291,7 @@
     </p:spTree>
     <p:extLst>
       <p:ext uri="{BB962C8B-B14F-4D97-AF65-F5344CB8AC3E}">
-        <p14:creationId xmlns:p14="http://schemas.microsoft.com/office/powerpoint/2010/main" val="2947478832"/>
+        <p14:creationId xmlns:p14="http://schemas.microsoft.com/office/powerpoint/2010/main" xmlns="" val="2947478832"/>
       </p:ext>
     </p:extLst>
   </p:cSld>
@@ -2483,7 +2483,7 @@
             <a:fld id="{1BA50D42-C9CD-4801-B293-61D1F53EC57E}" type="datetimeFigureOut">
               <a:rPr lang="de-DE" smtClean="0"/>
               <a:pPr/>
-              <a:t>17.05.16</a:t>
+              <a:t>17.05.2016</a:t>
             </a:fld>
             <a:endParaRPr lang="de-DE"/>
           </a:p>
@@ -2650,7 +2650,7 @@
             <a:fld id="{1BA50D42-C9CD-4801-B293-61D1F53EC57E}" type="datetimeFigureOut">
               <a:rPr lang="de-DE" smtClean="0"/>
               <a:pPr/>
-              <a:t>17.05.16</a:t>
+              <a:t>17.05.2016</a:t>
             </a:fld>
             <a:endParaRPr lang="de-DE"/>
           </a:p>
@@ -2827,7 +2827,7 @@
             <a:fld id="{1BA50D42-C9CD-4801-B293-61D1F53EC57E}" type="datetimeFigureOut">
               <a:rPr lang="de-DE" smtClean="0"/>
               <a:pPr/>
-              <a:t>17.05.16</a:t>
+              <a:t>17.05.2016</a:t>
             </a:fld>
             <a:endParaRPr lang="de-DE"/>
           </a:p>
@@ -2994,7 +2994,7 @@
             <a:fld id="{1BA50D42-C9CD-4801-B293-61D1F53EC57E}" type="datetimeFigureOut">
               <a:rPr lang="de-DE" smtClean="0"/>
               <a:pPr/>
-              <a:t>17.05.16</a:t>
+              <a:t>17.05.2016</a:t>
             </a:fld>
             <a:endParaRPr lang="de-DE"/>
           </a:p>
@@ -3237,7 +3237,7 @@
             <a:fld id="{1BA50D42-C9CD-4801-B293-61D1F53EC57E}" type="datetimeFigureOut">
               <a:rPr lang="de-DE" smtClean="0"/>
               <a:pPr/>
-              <a:t>17.05.16</a:t>
+              <a:t>17.05.2016</a:t>
             </a:fld>
             <a:endParaRPr lang="de-DE"/>
           </a:p>
@@ -3522,7 +3522,7 @@
             <a:fld id="{1BA50D42-C9CD-4801-B293-61D1F53EC57E}" type="datetimeFigureOut">
               <a:rPr lang="de-DE" smtClean="0"/>
               <a:pPr/>
-              <a:t>17.05.16</a:t>
+              <a:t>17.05.2016</a:t>
             </a:fld>
             <a:endParaRPr lang="de-DE"/>
           </a:p>
@@ -3941,7 +3941,7 @@
             <a:fld id="{1BA50D42-C9CD-4801-B293-61D1F53EC57E}" type="datetimeFigureOut">
               <a:rPr lang="de-DE" smtClean="0"/>
               <a:pPr/>
-              <a:t>17.05.16</a:t>
+              <a:t>17.05.2016</a:t>
             </a:fld>
             <a:endParaRPr lang="de-DE"/>
           </a:p>
@@ -4056,7 +4056,7 @@
             <a:fld id="{1BA50D42-C9CD-4801-B293-61D1F53EC57E}" type="datetimeFigureOut">
               <a:rPr lang="de-DE" smtClean="0"/>
               <a:pPr/>
-              <a:t>17.05.16</a:t>
+              <a:t>17.05.2016</a:t>
             </a:fld>
             <a:endParaRPr lang="de-DE"/>
           </a:p>
@@ -4148,7 +4148,7 @@
             <a:fld id="{1BA50D42-C9CD-4801-B293-61D1F53EC57E}" type="datetimeFigureOut">
               <a:rPr lang="de-DE" smtClean="0"/>
               <a:pPr/>
-              <a:t>17.05.16</a:t>
+              <a:t>17.05.2016</a:t>
             </a:fld>
             <a:endParaRPr lang="de-DE"/>
           </a:p>
@@ -4422,7 +4422,7 @@
             <a:fld id="{1BA50D42-C9CD-4801-B293-61D1F53EC57E}" type="datetimeFigureOut">
               <a:rPr lang="de-DE" smtClean="0"/>
               <a:pPr/>
-              <a:t>17.05.16</a:t>
+              <a:t>17.05.2016</a:t>
             </a:fld>
             <a:endParaRPr lang="de-DE"/>
           </a:p>
@@ -4672,7 +4672,7 @@
             <a:fld id="{1BA50D42-C9CD-4801-B293-61D1F53EC57E}" type="datetimeFigureOut">
               <a:rPr lang="de-DE" smtClean="0"/>
               <a:pPr/>
-              <a:t>17.05.16</a:t>
+              <a:t>17.05.2016</a:t>
             </a:fld>
             <a:endParaRPr lang="de-DE"/>
           </a:p>
@@ -4882,7 +4882,7 @@
             <a:fld id="{1BA50D42-C9CD-4801-B293-61D1F53EC57E}" type="datetimeFigureOut">
               <a:rPr lang="de-DE" smtClean="0"/>
               <a:pPr/>
-              <a:t>17.05.16</a:t>
+              <a:t>17.05.2016</a:t>
             </a:fld>
             <a:endParaRPr lang="de-DE"/>
           </a:p>
@@ -5529,7 +5529,7 @@
   <p:timing>
     <p:tnLst>
       <p:par>
-        <p:cTn xmlns:p14="http://schemas.microsoft.com/office/powerpoint/2010/main" id="1" dur="indefinite" restart="never" nodeType="tmRoot"/>
+        <p:cTn id="1" dur="indefinite" restart="never" nodeType="tmRoot"/>
       </p:par>
     </p:tnLst>
   </p:timing>
@@ -5754,7 +5754,7 @@
   <p:timing>
     <p:tnLst>
       <p:par>
-        <p:cTn xmlns:p14="http://schemas.microsoft.com/office/powerpoint/2010/main" id="1" dur="indefinite" restart="never" nodeType="tmRoot"/>
+        <p:cTn id="1" dur="indefinite" restart="never" nodeType="tmRoot"/>
       </p:par>
     </p:tnLst>
   </p:timing>
@@ -5971,7 +5971,7 @@
   <p:timing>
     <p:tnLst>
       <p:par>
-        <p:cTn xmlns:p14="http://schemas.microsoft.com/office/powerpoint/2010/main" id="1" dur="indefinite" restart="never" nodeType="tmRoot"/>
+        <p:cTn id="1" dur="indefinite" restart="never" nodeType="tmRoot"/>
       </p:par>
     </p:tnLst>
   </p:timing>
@@ -6166,6 +6166,110 @@
           </a:p>
         </p:txBody>
       </p:sp>
+      <p:pic>
+        <p:nvPicPr>
+          <p:cNvPr id="6" name="Picture 3" descr="C:\Users\Robin\Documents\GitHub\chado presentation\weitere teebilder\flowers-774816_1280.png"/>
+          <p:cNvPicPr>
+            <a:picLocks noChangeAspect="1" noChangeArrowheads="1"/>
+          </p:cNvPicPr>
+          <p:nvPr/>
+        </p:nvPicPr>
+        <p:blipFill>
+          <a:blip r:embed="rId3" cstate="print"/>
+          <a:srcRect/>
+          <a:stretch>
+            <a:fillRect/>
+          </a:stretch>
+        </p:blipFill>
+        <p:spPr bwMode="auto">
+          <a:xfrm>
+            <a:off x="2339752" y="2672580"/>
+            <a:ext cx="2119164" cy="2119164"/>
+          </a:xfrm>
+          <a:prstGeom prst="rect">
+            <a:avLst/>
+          </a:prstGeom>
+          <a:noFill/>
+        </p:spPr>
+      </p:pic>
+      <p:pic>
+        <p:nvPicPr>
+          <p:cNvPr id="7" name="Picture 4" descr="C:\Users\Robin\Documents\GitHub\chado presentation\weitere teebilder\dried-flower-782768_1280.png"/>
+          <p:cNvPicPr>
+            <a:picLocks noChangeAspect="1" noChangeArrowheads="1"/>
+          </p:cNvPicPr>
+          <p:nvPr/>
+        </p:nvPicPr>
+        <p:blipFill>
+          <a:blip r:embed="rId4" cstate="print"/>
+          <a:srcRect/>
+          <a:stretch>
+            <a:fillRect/>
+          </a:stretch>
+        </p:blipFill>
+        <p:spPr bwMode="auto">
+          <a:xfrm>
+            <a:off x="4572000" y="2672580"/>
+            <a:ext cx="2051720" cy="2051720"/>
+          </a:xfrm>
+          <a:prstGeom prst="rect">
+            <a:avLst/>
+          </a:prstGeom>
+          <a:noFill/>
+        </p:spPr>
+      </p:pic>
+      <p:pic>
+        <p:nvPicPr>
+          <p:cNvPr id="8" name="Picture 5" descr="C:\Users\Robin\Documents\GitHub\chado presentation\weitere teebilder\dried-774823_1280.png"/>
+          <p:cNvPicPr>
+            <a:picLocks noChangeAspect="1" noChangeArrowheads="1"/>
+          </p:cNvPicPr>
+          <p:nvPr/>
+        </p:nvPicPr>
+        <p:blipFill>
+          <a:blip r:embed="rId5" cstate="print"/>
+          <a:srcRect/>
+          <a:stretch>
+            <a:fillRect/>
+          </a:stretch>
+        </p:blipFill>
+        <p:spPr bwMode="auto">
+          <a:xfrm>
+            <a:off x="6732240" y="2672580"/>
+            <a:ext cx="2110880" cy="2110880"/>
+          </a:xfrm>
+          <a:prstGeom prst="rect">
+            <a:avLst/>
+          </a:prstGeom>
+          <a:noFill/>
+        </p:spPr>
+      </p:pic>
+      <p:pic>
+        <p:nvPicPr>
+          <p:cNvPr id="9" name="Picture 6" descr="C:\Users\Robin\Documents\GitHub\chado presentation\weitere teebilder\bilberry-774826_1280.png"/>
+          <p:cNvPicPr>
+            <a:picLocks noChangeAspect="1" noChangeArrowheads="1"/>
+          </p:cNvPicPr>
+          <p:nvPr/>
+        </p:nvPicPr>
+        <p:blipFill>
+          <a:blip r:embed="rId6" cstate="print"/>
+          <a:srcRect/>
+          <a:stretch>
+            <a:fillRect/>
+          </a:stretch>
+        </p:blipFill>
+        <p:spPr bwMode="auto">
+          <a:xfrm>
+            <a:off x="107504" y="2672580"/>
+            <a:ext cx="2131418" cy="2131418"/>
+          </a:xfrm>
+          <a:prstGeom prst="rect">
+            <a:avLst/>
+          </a:prstGeom>
+          <a:noFill/>
+        </p:spPr>
+      </p:pic>
     </p:spTree>
   </p:cSld>
   <p:clrMapOvr>
@@ -6174,7 +6278,7 @@
   <p:timing>
     <p:tnLst>
       <p:par>
-        <p:cTn xmlns:p14="http://schemas.microsoft.com/office/powerpoint/2010/main" id="1" dur="indefinite" restart="never" nodeType="tmRoot"/>
+        <p:cTn id="1" dur="indefinite" restart="never" nodeType="tmRoot"/>
       </p:par>
     </p:tnLst>
   </p:timing>
@@ -6253,7 +6357,12 @@
             <p:ph type="title"/>
           </p:nvPr>
         </p:nvSpPr>
-        <p:spPr/>
+        <p:spPr>
+          <a:xfrm>
+            <a:off x="457200" y="418356"/>
+            <a:ext cx="4906888" cy="857250"/>
+          </a:xfrm>
+        </p:spPr>
         <p:txBody>
           <a:bodyPr>
             <a:normAutofit/>
@@ -6262,11 +6371,7 @@
           <a:p>
             <a:r>
               <a:rPr lang="de-DE" dirty="0" smtClean="0"/>
-              <a:t> </a:t>
-            </a:r>
-            <a:r>
-              <a:rPr lang="de-DE" dirty="0" smtClean="0"/>
-              <a:t>SUT (</a:t>
+              <a:t> SUT (</a:t>
             </a:r>
             <a:r>
               <a:rPr lang="de-DE" dirty="0" err="1" smtClean="0"/>
@@ -6288,7 +6393,7 @@
         </p:nvSpPr>
         <p:spPr>
           <a:xfrm>
-            <a:off x="395536" y="1419622"/>
+            <a:off x="395536" y="1673389"/>
             <a:ext cx="8352928" cy="2554545"/>
           </a:xfrm>
           <a:prstGeom prst="rect">
@@ -6768,14 +6873,7 @@
                 <a:latin typeface="Source Code Pro"/>
                 <a:cs typeface="Source Code Pro"/>
               </a:rPr>
-              <a:t>  </a:t>
-            </a:r>
-            <a:r>
-              <a:rPr lang="de-DE" sz="1600" dirty="0" smtClean="0">
-                <a:latin typeface="Source Code Pro"/>
-                <a:cs typeface="Source Code Pro"/>
-              </a:rPr>
-              <a:t>}</a:t>
+              <a:t>  }</a:t>
             </a:r>
             <a:endParaRPr lang="de-DE" sz="1600" dirty="0">
               <a:latin typeface="Source Code Pro"/>
@@ -6797,10 +6895,36 @@
           </a:p>
         </p:txBody>
       </p:sp>
+      <p:pic>
+        <p:nvPicPr>
+          <p:cNvPr id="1026" name="Picture 2" descr="C:\Users\Robin\Documents\GitHub\chado presentation\weitere teebilder\tea-1234832_1280.jpg"/>
+          <p:cNvPicPr>
+            <a:picLocks noChangeAspect="1" noChangeArrowheads="1"/>
+          </p:cNvPicPr>
+          <p:nvPr/>
+        </p:nvPicPr>
+        <p:blipFill>
+          <a:blip r:embed="rId2" cstate="print"/>
+          <a:srcRect/>
+          <a:stretch>
+            <a:fillRect/>
+          </a:stretch>
+        </p:blipFill>
+        <p:spPr bwMode="auto">
+          <a:xfrm>
+            <a:off x="5621592" y="144016"/>
+            <a:ext cx="3414904" cy="2283718"/>
+          </a:xfrm>
+          <a:prstGeom prst="rect">
+            <a:avLst/>
+          </a:prstGeom>
+          <a:noFill/>
+        </p:spPr>
+      </p:pic>
     </p:spTree>
     <p:extLst>
       <p:ext uri="{BB962C8B-B14F-4D97-AF65-F5344CB8AC3E}">
-        <p14:creationId xmlns:p14="http://schemas.microsoft.com/office/powerpoint/2010/main" val="3075067597"/>
+        <p14:creationId xmlns:p14="http://schemas.microsoft.com/office/powerpoint/2010/main" xmlns="" val="3075067597"/>
       </p:ext>
     </p:extLst>
   </p:cSld>
@@ -6810,7 +6934,7 @@
   <p:timing>
     <p:tnLst>
       <p:par>
-        <p:cTn xmlns:p14="http://schemas.microsoft.com/office/powerpoint/2010/main" id="1" dur="indefinite" restart="never" nodeType="tmRoot"/>
+        <p:cTn id="1" dur="indefinite" restart="never" nodeType="tmRoot"/>
       </p:par>
     </p:tnLst>
   </p:timing>
@@ -6917,7 +7041,7 @@
           </p:nvPr>
         </p:nvPicPr>
         <p:blipFill>
-          <a:blip r:embed="rId2"/>
+          <a:blip r:embed="rId2" cstate="print"/>
           <a:srcRect l="-24001" r="-24001"/>
           <a:stretch>
             <a:fillRect/>
@@ -7015,10 +7139,36 @@
           </a:p>
         </p:txBody>
       </p:sp>
+      <p:pic>
+        <p:nvPicPr>
+          <p:cNvPr id="6" name="Picture 6" descr="C:\Users\Robin\Documents\GitHub\chado presentation\weitere teebilder\bilberry-774826_1280.png"/>
+          <p:cNvPicPr>
+            <a:picLocks noChangeAspect="1" noChangeArrowheads="1"/>
+          </p:cNvPicPr>
+          <p:nvPr/>
+        </p:nvPicPr>
+        <p:blipFill>
+          <a:blip r:embed="rId4" cstate="print"/>
+          <a:srcRect/>
+          <a:stretch>
+            <a:fillRect/>
+          </a:stretch>
+        </p:blipFill>
+        <p:spPr bwMode="auto">
+          <a:xfrm>
+            <a:off x="6977086" y="-452586"/>
+            <a:ext cx="2131418" cy="2131418"/>
+          </a:xfrm>
+          <a:prstGeom prst="rect">
+            <a:avLst/>
+          </a:prstGeom>
+          <a:noFill/>
+        </p:spPr>
+      </p:pic>
     </p:spTree>
     <p:extLst>
       <p:ext uri="{BB962C8B-B14F-4D97-AF65-F5344CB8AC3E}">
-        <p14:creationId xmlns:p14="http://schemas.microsoft.com/office/powerpoint/2010/main" val="149987943"/>
+        <p14:creationId xmlns:p14="http://schemas.microsoft.com/office/powerpoint/2010/main" xmlns="" val="149987943"/>
       </p:ext>
     </p:extLst>
   </p:cSld>
@@ -7028,7 +7178,7 @@
   <p:timing>
     <p:tnLst>
       <p:par>
-        <p:cTn xmlns:p14="http://schemas.microsoft.com/office/powerpoint/2010/main" id="1" dur="indefinite" restart="never" nodeType="tmRoot"/>
+        <p:cTn id="1" dur="indefinite" restart="never" nodeType="tmRoot"/>
       </p:par>
     </p:tnLst>
   </p:timing>
@@ -7054,7 +7204,7 @@
       </p:grpSpPr>
       <p:sp>
         <p:nvSpPr>
-          <p:cNvPr id="5" name="Rechteck 4"/>
+          <p:cNvPr id="8" name="Rechteck 7"/>
           <p:cNvSpPr/>
           <p:nvPr/>
         </p:nvSpPr>
@@ -7470,10 +7620,36 @@
           </a:p>
         </p:txBody>
       </p:sp>
+      <p:pic>
+        <p:nvPicPr>
+          <p:cNvPr id="7" name="Picture 6" descr="C:\Users\Robin\Documents\GitHub\chado presentation\weitere teebilder\bilberry-774826_1280.png"/>
+          <p:cNvPicPr>
+            <a:picLocks noChangeAspect="1" noChangeArrowheads="1"/>
+          </p:cNvPicPr>
+          <p:nvPr/>
+        </p:nvPicPr>
+        <p:blipFill>
+          <a:blip r:embed="rId2" cstate="print"/>
+          <a:srcRect/>
+          <a:stretch>
+            <a:fillRect/>
+          </a:stretch>
+        </p:blipFill>
+        <p:spPr bwMode="auto">
+          <a:xfrm>
+            <a:off x="6977086" y="-452586"/>
+            <a:ext cx="2131418" cy="2131418"/>
+          </a:xfrm>
+          <a:prstGeom prst="rect">
+            <a:avLst/>
+          </a:prstGeom>
+          <a:noFill/>
+        </p:spPr>
+      </p:pic>
     </p:spTree>
     <p:extLst>
       <p:ext uri="{BB962C8B-B14F-4D97-AF65-F5344CB8AC3E}">
-        <p14:creationId xmlns:p14="http://schemas.microsoft.com/office/powerpoint/2010/main" val="890252917"/>
+        <p14:creationId xmlns:p14="http://schemas.microsoft.com/office/powerpoint/2010/main" xmlns="" val="890252917"/>
       </p:ext>
     </p:extLst>
   </p:cSld>
@@ -7483,7 +7659,7 @@
   <p:timing>
     <p:tnLst>
       <p:par>
-        <p:cTn xmlns:p14="http://schemas.microsoft.com/office/powerpoint/2010/main" id="1" dur="indefinite" restart="never" nodeType="tmRoot"/>
+        <p:cTn id="1" dur="indefinite" restart="never" nodeType="tmRoot"/>
       </p:par>
     </p:tnLst>
   </p:timing>
@@ -7684,7 +7860,7 @@
           </p:nvPr>
         </p:nvPicPr>
         <p:blipFill>
-          <a:blip r:embed="rId3"/>
+          <a:blip r:embed="rId3" cstate="print"/>
           <a:srcRect l="-21264" r="-21264"/>
           <a:stretch>
             <a:fillRect/>
@@ -7692,10 +7868,36 @@
         </p:blipFill>
         <p:spPr/>
       </p:pic>
+      <p:pic>
+        <p:nvPicPr>
+          <p:cNvPr id="9" name="Picture 3" descr="C:\Users\Robin\Documents\GitHub\chado presentation\weitere teebilder\flowers-774816_1280.png"/>
+          <p:cNvPicPr>
+            <a:picLocks noChangeAspect="1" noChangeArrowheads="1"/>
+          </p:cNvPicPr>
+          <p:nvPr/>
+        </p:nvPicPr>
+        <p:blipFill>
+          <a:blip r:embed="rId4" cstate="print"/>
+          <a:srcRect/>
+          <a:stretch>
+            <a:fillRect/>
+          </a:stretch>
+        </p:blipFill>
+        <p:spPr bwMode="auto">
+          <a:xfrm>
+            <a:off x="6989340" y="-452586"/>
+            <a:ext cx="2119164" cy="2119164"/>
+          </a:xfrm>
+          <a:prstGeom prst="rect">
+            <a:avLst/>
+          </a:prstGeom>
+          <a:noFill/>
+        </p:spPr>
+      </p:pic>
     </p:spTree>
     <p:extLst>
       <p:ext uri="{BB962C8B-B14F-4D97-AF65-F5344CB8AC3E}">
-        <p14:creationId xmlns:p14="http://schemas.microsoft.com/office/powerpoint/2010/main" val="3919436087"/>
+        <p14:creationId xmlns:p14="http://schemas.microsoft.com/office/powerpoint/2010/main" xmlns="" val="3919436087"/>
       </p:ext>
     </p:extLst>
   </p:cSld>
@@ -7705,7 +7907,7 @@
   <p:timing>
     <p:tnLst>
       <p:par>
-        <p:cTn xmlns:p14="http://schemas.microsoft.com/office/powerpoint/2010/main" id="1" dur="indefinite" restart="never" nodeType="tmRoot"/>
+        <p:cTn id="1" dur="indefinite" restart="never" nodeType="tmRoot"/>
       </p:par>
     </p:tnLst>
   </p:timing>
@@ -8287,10 +8489,36 @@
           </a:p>
         </p:txBody>
       </p:sp>
+      <p:pic>
+        <p:nvPicPr>
+          <p:cNvPr id="8" name="Picture 3" descr="C:\Users\Robin\Documents\GitHub\chado presentation\weitere teebilder\flowers-774816_1280.png"/>
+          <p:cNvPicPr>
+            <a:picLocks noChangeAspect="1" noChangeArrowheads="1"/>
+          </p:cNvPicPr>
+          <p:nvPr/>
+        </p:nvPicPr>
+        <p:blipFill>
+          <a:blip r:embed="rId2" cstate="print"/>
+          <a:srcRect/>
+          <a:stretch>
+            <a:fillRect/>
+          </a:stretch>
+        </p:blipFill>
+        <p:spPr bwMode="auto">
+          <a:xfrm>
+            <a:off x="6989340" y="-452586"/>
+            <a:ext cx="2119164" cy="2119164"/>
+          </a:xfrm>
+          <a:prstGeom prst="rect">
+            <a:avLst/>
+          </a:prstGeom>
+          <a:noFill/>
+        </p:spPr>
+      </p:pic>
     </p:spTree>
     <p:extLst>
       <p:ext uri="{BB962C8B-B14F-4D97-AF65-F5344CB8AC3E}">
-        <p14:creationId xmlns:p14="http://schemas.microsoft.com/office/powerpoint/2010/main" val="401687663"/>
+        <p14:creationId xmlns:p14="http://schemas.microsoft.com/office/powerpoint/2010/main" xmlns="" val="401687663"/>
       </p:ext>
     </p:extLst>
   </p:cSld>
@@ -8300,7 +8528,7 @@
   <p:timing>
     <p:tnLst>
       <p:par>
-        <p:cTn xmlns:p14="http://schemas.microsoft.com/office/powerpoint/2010/main" id="1" dur="indefinite" restart="never" nodeType="tmRoot"/>
+        <p:cTn id="1" dur="indefinite" restart="never" nodeType="tmRoot"/>
       </p:par>
     </p:tnLst>
   </p:timing>
@@ -8493,7 +8721,7 @@
           </p:nvPr>
         </p:nvPicPr>
         <p:blipFill>
-          <a:blip r:embed="rId3"/>
+          <a:blip r:embed="rId3" cstate="print"/>
           <a:srcRect l="-19236" r="-19236"/>
           <a:stretch>
             <a:fillRect/>
@@ -8501,10 +8729,36 @@
         </p:blipFill>
         <p:spPr/>
       </p:pic>
+      <p:pic>
+        <p:nvPicPr>
+          <p:cNvPr id="11" name="Picture 4" descr="C:\Users\Robin\Documents\GitHub\chado presentation\weitere teebilder\dried-flower-782768_1280.png"/>
+          <p:cNvPicPr>
+            <a:picLocks noChangeAspect="1" noChangeArrowheads="1"/>
+          </p:cNvPicPr>
+          <p:nvPr/>
+        </p:nvPicPr>
+        <p:blipFill>
+          <a:blip r:embed="rId4" cstate="print"/>
+          <a:srcRect/>
+          <a:stretch>
+            <a:fillRect/>
+          </a:stretch>
+        </p:blipFill>
+        <p:spPr bwMode="auto">
+          <a:xfrm>
+            <a:off x="7056784" y="-524594"/>
+            <a:ext cx="2051720" cy="2051720"/>
+          </a:xfrm>
+          <a:prstGeom prst="rect">
+            <a:avLst/>
+          </a:prstGeom>
+          <a:noFill/>
+        </p:spPr>
+      </p:pic>
     </p:spTree>
     <p:extLst>
       <p:ext uri="{BB962C8B-B14F-4D97-AF65-F5344CB8AC3E}">
-        <p14:creationId xmlns:p14="http://schemas.microsoft.com/office/powerpoint/2010/main" val="3729958523"/>
+        <p14:creationId xmlns:p14="http://schemas.microsoft.com/office/powerpoint/2010/main" xmlns="" val="3729958523"/>
       </p:ext>
     </p:extLst>
   </p:cSld>
@@ -8514,7 +8768,7 @@
   <p:timing>
     <p:tnLst>
       <p:par>
-        <p:cTn xmlns:p14="http://schemas.microsoft.com/office/powerpoint/2010/main" id="1" dur="indefinite" restart="never" nodeType="tmRoot"/>
+        <p:cTn id="1" dur="indefinite" restart="never" nodeType="tmRoot"/>
       </p:par>
     </p:tnLst>
   </p:timing>
@@ -9242,10 +9496,36 @@
           </a:p>
         </p:txBody>
       </p:sp>
+      <p:pic>
+        <p:nvPicPr>
+          <p:cNvPr id="8" name="Picture 4" descr="C:\Users\Robin\Documents\GitHub\chado presentation\weitere teebilder\dried-flower-782768_1280.png"/>
+          <p:cNvPicPr>
+            <a:picLocks noChangeAspect="1" noChangeArrowheads="1"/>
+          </p:cNvPicPr>
+          <p:nvPr/>
+        </p:nvPicPr>
+        <p:blipFill>
+          <a:blip r:embed="rId2" cstate="print"/>
+          <a:srcRect/>
+          <a:stretch>
+            <a:fillRect/>
+          </a:stretch>
+        </p:blipFill>
+        <p:spPr bwMode="auto">
+          <a:xfrm>
+            <a:off x="7056784" y="-524594"/>
+            <a:ext cx="2051720" cy="2051720"/>
+          </a:xfrm>
+          <a:prstGeom prst="rect">
+            <a:avLst/>
+          </a:prstGeom>
+          <a:noFill/>
+        </p:spPr>
+      </p:pic>
     </p:spTree>
     <p:extLst>
       <p:ext uri="{BB962C8B-B14F-4D97-AF65-F5344CB8AC3E}">
-        <p14:creationId xmlns:p14="http://schemas.microsoft.com/office/powerpoint/2010/main" val="1162914699"/>
+        <p14:creationId xmlns:p14="http://schemas.microsoft.com/office/powerpoint/2010/main" xmlns="" val="1162914699"/>
       </p:ext>
     </p:extLst>
   </p:cSld>
@@ -9255,7 +9535,7 @@
   <p:timing>
     <p:tnLst>
       <p:par>
-        <p:cTn xmlns:p14="http://schemas.microsoft.com/office/powerpoint/2010/main" id="1" dur="indefinite" restart="never" nodeType="tmRoot"/>
+        <p:cTn id="1" dur="indefinite" restart="never" nodeType="tmRoot"/>
       </p:par>
     </p:tnLst>
   </p:timing>
@@ -9472,7 +9752,7 @@
   <p:timing>
     <p:tnLst>
       <p:par>
-        <p:cTn xmlns:p14="http://schemas.microsoft.com/office/powerpoint/2010/main" id="1" dur="indefinite" restart="never" nodeType="tmRoot"/>
+        <p:cTn id="1" dur="indefinite" restart="never" nodeType="tmRoot"/>
       </p:par>
     </p:tnLst>
   </p:timing>
@@ -9661,7 +9941,7 @@
           </p:nvPr>
         </p:nvPicPr>
         <p:blipFill>
-          <a:blip r:embed="rId3"/>
+          <a:blip r:embed="rId3" cstate="print"/>
           <a:srcRect l="-19236" r="-19236"/>
           <a:stretch>
             <a:fillRect/>
@@ -9669,10 +9949,36 @@
         </p:blipFill>
         <p:spPr/>
       </p:pic>
+      <p:pic>
+        <p:nvPicPr>
+          <p:cNvPr id="6" name="Picture 5" descr="C:\Users\Robin\Documents\GitHub\chado presentation\weitere teebilder\dried-774823_1280.png"/>
+          <p:cNvPicPr>
+            <a:picLocks noChangeAspect="1" noChangeArrowheads="1"/>
+          </p:cNvPicPr>
+          <p:nvPr/>
+        </p:nvPicPr>
+        <p:blipFill>
+          <a:blip r:embed="rId4" cstate="print"/>
+          <a:srcRect/>
+          <a:stretch>
+            <a:fillRect/>
+          </a:stretch>
+        </p:blipFill>
+        <p:spPr bwMode="auto">
+          <a:xfrm>
+            <a:off x="6997624" y="-452586"/>
+            <a:ext cx="2110880" cy="2110880"/>
+          </a:xfrm>
+          <a:prstGeom prst="rect">
+            <a:avLst/>
+          </a:prstGeom>
+          <a:noFill/>
+        </p:spPr>
+      </p:pic>
     </p:spTree>
     <p:extLst>
       <p:ext uri="{BB962C8B-B14F-4D97-AF65-F5344CB8AC3E}">
-        <p14:creationId xmlns:p14="http://schemas.microsoft.com/office/powerpoint/2010/main" val="1569405094"/>
+        <p14:creationId xmlns:p14="http://schemas.microsoft.com/office/powerpoint/2010/main" xmlns="" val="1569405094"/>
       </p:ext>
     </p:extLst>
   </p:cSld>
@@ -9682,7 +9988,7 @@
   <p:timing>
     <p:tnLst>
       <p:par>
-        <p:cTn xmlns:p14="http://schemas.microsoft.com/office/powerpoint/2010/main" id="1" dur="indefinite" restart="never" nodeType="tmRoot"/>
+        <p:cTn id="1" dur="indefinite" restart="never" nodeType="tmRoot"/>
       </p:par>
     </p:tnLst>
   </p:timing>
@@ -10163,10 +10469,36 @@
           </a:p>
         </p:txBody>
       </p:sp>
+      <p:pic>
+        <p:nvPicPr>
+          <p:cNvPr id="6" name="Picture 5" descr="C:\Users\Robin\Documents\GitHub\chado presentation\weitere teebilder\dried-774823_1280.png"/>
+          <p:cNvPicPr>
+            <a:picLocks noChangeAspect="1" noChangeArrowheads="1"/>
+          </p:cNvPicPr>
+          <p:nvPr/>
+        </p:nvPicPr>
+        <p:blipFill>
+          <a:blip r:embed="rId2" cstate="print"/>
+          <a:srcRect/>
+          <a:stretch>
+            <a:fillRect/>
+          </a:stretch>
+        </p:blipFill>
+        <p:spPr bwMode="auto">
+          <a:xfrm>
+            <a:off x="6997624" y="-452586"/>
+            <a:ext cx="2110880" cy="2110880"/>
+          </a:xfrm>
+          <a:prstGeom prst="rect">
+            <a:avLst/>
+          </a:prstGeom>
+          <a:noFill/>
+        </p:spPr>
+      </p:pic>
     </p:spTree>
     <p:extLst>
       <p:ext uri="{BB962C8B-B14F-4D97-AF65-F5344CB8AC3E}">
-        <p14:creationId xmlns:p14="http://schemas.microsoft.com/office/powerpoint/2010/main" val="2016165428"/>
+        <p14:creationId xmlns:p14="http://schemas.microsoft.com/office/powerpoint/2010/main" xmlns="" val="2016165428"/>
       </p:ext>
     </p:extLst>
   </p:cSld>
@@ -10176,7 +10508,7 @@
   <p:timing>
     <p:tnLst>
       <p:par>
-        <p:cTn xmlns:p14="http://schemas.microsoft.com/office/powerpoint/2010/main" id="1" dur="indefinite" restart="never" nodeType="tmRoot"/>
+        <p:cTn id="1" dur="indefinite" restart="never" nodeType="tmRoot"/>
       </p:par>
     </p:tnLst>
   </p:timing>
@@ -10200,51 +10532,110 @@
           <a:chExt cx="0" cy="0"/>
         </a:xfrm>
       </p:grpSpPr>
-      <p:sp>
-        <p:nvSpPr>
-          <p:cNvPr id="5" name="Rechteck 4"/>
-          <p:cNvSpPr/>
+      <p:pic>
+        <p:nvPicPr>
+          <p:cNvPr id="11" name="Picture 3" descr="C:\Users\Robin\Documents\GitHub\chado presentation\weitere teebilder\flowers-774816_1280.png"/>
+          <p:cNvPicPr>
+            <a:picLocks noChangeAspect="1" noChangeArrowheads="1"/>
+          </p:cNvPicPr>
           <p:nvPr/>
-        </p:nvSpPr>
-        <p:spPr>
+        </p:nvPicPr>
+        <p:blipFill>
+          <a:blip r:embed="rId3" cstate="print"/>
+          <a:srcRect/>
+          <a:stretch>
+            <a:fillRect/>
+          </a:stretch>
+        </p:blipFill>
+        <p:spPr bwMode="auto">
           <a:xfrm>
-            <a:off x="0" y="0"/>
-            <a:ext cx="9144000" cy="5143500"/>
+            <a:off x="2339752" y="1592460"/>
+            <a:ext cx="2119164" cy="2119164"/>
           </a:xfrm>
           <a:prstGeom prst="rect">
             <a:avLst/>
           </a:prstGeom>
-          <a:solidFill>
-            <a:schemeClr val="bg1">
-              <a:alpha val="74000"/>
-            </a:schemeClr>
-          </a:solidFill>
+          <a:noFill/>
         </p:spPr>
-        <p:style>
-          <a:lnRef idx="2">
-            <a:schemeClr val="accent1">
-              <a:shade val="50000"/>
-            </a:schemeClr>
-          </a:lnRef>
-          <a:fillRef idx="1">
-            <a:schemeClr val="accent1"/>
-          </a:fillRef>
-          <a:effectRef idx="0">
-            <a:schemeClr val="accent1"/>
-          </a:effectRef>
-          <a:fontRef idx="minor">
-            <a:schemeClr val="lt1"/>
-          </a:fontRef>
-        </p:style>
-        <p:txBody>
-          <a:bodyPr rtlCol="0" anchor="ctr"/>
-          <a:lstStyle/>
-          <a:p>
-            <a:pPr algn="ctr"/>
-            <a:endParaRPr lang="de-DE"/>
-          </a:p>
-        </p:txBody>
-      </p:sp>
+      </p:pic>
+      <p:pic>
+        <p:nvPicPr>
+          <p:cNvPr id="12" name="Picture 4" descr="C:\Users\Robin\Documents\GitHub\chado presentation\weitere teebilder\dried-flower-782768_1280.png"/>
+          <p:cNvPicPr>
+            <a:picLocks noChangeAspect="1" noChangeArrowheads="1"/>
+          </p:cNvPicPr>
+          <p:nvPr/>
+        </p:nvPicPr>
+        <p:blipFill>
+          <a:blip r:embed="rId4" cstate="print"/>
+          <a:srcRect/>
+          <a:stretch>
+            <a:fillRect/>
+          </a:stretch>
+        </p:blipFill>
+        <p:spPr bwMode="auto">
+          <a:xfrm>
+            <a:off x="4572000" y="1592460"/>
+            <a:ext cx="2051720" cy="2051720"/>
+          </a:xfrm>
+          <a:prstGeom prst="rect">
+            <a:avLst/>
+          </a:prstGeom>
+          <a:noFill/>
+        </p:spPr>
+      </p:pic>
+      <p:pic>
+        <p:nvPicPr>
+          <p:cNvPr id="13" name="Picture 5" descr="C:\Users\Robin\Documents\GitHub\chado presentation\weitere teebilder\dried-774823_1280.png"/>
+          <p:cNvPicPr>
+            <a:picLocks noChangeAspect="1" noChangeArrowheads="1"/>
+          </p:cNvPicPr>
+          <p:nvPr/>
+        </p:nvPicPr>
+        <p:blipFill>
+          <a:blip r:embed="rId5" cstate="print"/>
+          <a:srcRect/>
+          <a:stretch>
+            <a:fillRect/>
+          </a:stretch>
+        </p:blipFill>
+        <p:spPr bwMode="auto">
+          <a:xfrm>
+            <a:off x="6732240" y="1592460"/>
+            <a:ext cx="2110880" cy="2110880"/>
+          </a:xfrm>
+          <a:prstGeom prst="rect">
+            <a:avLst/>
+          </a:prstGeom>
+          <a:noFill/>
+        </p:spPr>
+      </p:pic>
+      <p:pic>
+        <p:nvPicPr>
+          <p:cNvPr id="14" name="Picture 6" descr="C:\Users\Robin\Documents\GitHub\chado presentation\weitere teebilder\bilberry-774826_1280.png"/>
+          <p:cNvPicPr>
+            <a:picLocks noChangeAspect="1" noChangeArrowheads="1"/>
+          </p:cNvPicPr>
+          <p:nvPr/>
+        </p:nvPicPr>
+        <p:blipFill>
+          <a:blip r:embed="rId6" cstate="print"/>
+          <a:srcRect/>
+          <a:stretch>
+            <a:fillRect/>
+          </a:stretch>
+        </p:blipFill>
+        <p:spPr bwMode="auto">
+          <a:xfrm>
+            <a:off x="107504" y="1592460"/>
+            <a:ext cx="2131418" cy="2131418"/>
+          </a:xfrm>
+          <a:prstGeom prst="rect">
+            <a:avLst/>
+          </a:prstGeom>
+          <a:noFill/>
+        </p:spPr>
+      </p:pic>
       <p:sp>
         <p:nvSpPr>
           <p:cNvPr id="2" name="Titel 1"/>
@@ -10408,7 +10799,7 @@
     </p:spTree>
     <p:extLst>
       <p:ext uri="{BB962C8B-B14F-4D97-AF65-F5344CB8AC3E}">
-        <p14:creationId xmlns:p14="http://schemas.microsoft.com/office/powerpoint/2010/main" val="341076260"/>
+        <p14:creationId xmlns:p14="http://schemas.microsoft.com/office/powerpoint/2010/main" xmlns="" val="341076260"/>
       </p:ext>
     </p:extLst>
   </p:cSld>
@@ -10418,7 +10809,7 @@
   <p:timing>
     <p:tnLst>
       <p:par>
-        <p:cTn xmlns:p14="http://schemas.microsoft.com/office/powerpoint/2010/main" id="1" dur="indefinite" restart="never" nodeType="tmRoot">
+        <p:cTn id="1" dur="indefinite" restart="never" nodeType="tmRoot">
           <p:childTnLst>
             <p:seq concurrent="1" nextAc="seek">
               <p:cTn id="2" dur="indefinite" nodeType="mainSeq">
@@ -11195,14 +11586,7 @@
                 <a:latin typeface="Source Code Pro"/>
                 <a:cs typeface="Source Code Pro"/>
               </a:rPr>
-              <a:t>(</a:t>
-            </a:r>
-            <a:r>
-              <a:rPr lang="de-DE" sz="1600" dirty="0" smtClean="0">
-                <a:latin typeface="Source Code Pro"/>
-                <a:cs typeface="Source Code Pro"/>
-              </a:rPr>
-              <a:t>), </a:t>
+              <a:t>(), </a:t>
             </a:r>
             <a:r>
               <a:rPr lang="de-DE" sz="1600" i="1" dirty="0" err="1" smtClean="0">
@@ -11257,10 +11641,36 @@
           </a:p>
         </p:txBody>
       </p:sp>
+      <p:pic>
+        <p:nvPicPr>
+          <p:cNvPr id="2050" name="Picture 2" descr="C:\Users\Robin\Documents\GitHub\chado presentation\weitere teebilder\tableware-832035_640.jpg"/>
+          <p:cNvPicPr>
+            <a:picLocks noChangeAspect="1" noChangeArrowheads="1"/>
+          </p:cNvPicPr>
+          <p:nvPr/>
+        </p:nvPicPr>
+        <p:blipFill>
+          <a:blip r:embed="rId2" cstate="print"/>
+          <a:srcRect/>
+          <a:stretch>
+            <a:fillRect/>
+          </a:stretch>
+        </p:blipFill>
+        <p:spPr bwMode="auto">
+          <a:xfrm>
+            <a:off x="5110157" y="1923678"/>
+            <a:ext cx="4033844" cy="3075806"/>
+          </a:xfrm>
+          <a:prstGeom prst="rect">
+            <a:avLst/>
+          </a:prstGeom>
+          <a:noFill/>
+        </p:spPr>
+      </p:pic>
     </p:spTree>
     <p:extLst>
       <p:ext uri="{BB962C8B-B14F-4D97-AF65-F5344CB8AC3E}">
-        <p14:creationId xmlns:p14="http://schemas.microsoft.com/office/powerpoint/2010/main" val="3433374058"/>
+        <p14:creationId xmlns:p14="http://schemas.microsoft.com/office/powerpoint/2010/main" xmlns="" val="3433374058"/>
       </p:ext>
     </p:extLst>
   </p:cSld>
@@ -11270,7 +11680,7 @@
   <p:timing>
     <p:tnLst>
       <p:par>
-        <p:cTn xmlns:p14="http://schemas.microsoft.com/office/powerpoint/2010/main" id="1" dur="indefinite" restart="never" nodeType="tmRoot"/>
+        <p:cTn id="1" dur="indefinite" restart="never" nodeType="tmRoot"/>
       </p:par>
     </p:tnLst>
   </p:timing>
@@ -12721,7 +13131,7 @@
   <p:timing>
     <p:tnLst>
       <p:par>
-        <p:cTn xmlns:p14="http://schemas.microsoft.com/office/powerpoint/2010/main" id="1" dur="indefinite" restart="never" nodeType="tmRoot">
+        <p:cTn id="1" dur="indefinite" restart="never" nodeType="tmRoot">
           <p:childTnLst>
             <p:seq concurrent="1" nextAc="seek">
               <p:cTn id="2" dur="indefinite" nodeType="mainSeq">
@@ -15367,7 +15777,7 @@
   <p:timing>
     <p:tnLst>
       <p:par>
-        <p:cTn xmlns:p14="http://schemas.microsoft.com/office/powerpoint/2010/main" id="1" dur="indefinite" restart="never" nodeType="tmRoot">
+        <p:cTn id="1" dur="indefinite" restart="never" nodeType="tmRoot">
           <p:childTnLst>
             <p:seq concurrent="1" nextAc="seek">
               <p:cTn id="2" dur="indefinite" nodeType="mainSeq">
@@ -18130,7 +18540,7 @@
   <p:timing>
     <p:tnLst>
       <p:par>
-        <p:cTn xmlns:p14="http://schemas.microsoft.com/office/powerpoint/2010/main" id="1" dur="indefinite" restart="never" nodeType="tmRoot"/>
+        <p:cTn id="1" dur="indefinite" restart="never" nodeType="tmRoot"/>
       </p:par>
     </p:tnLst>
   </p:timing>
@@ -20673,7 +21083,7 @@
   <p:timing>
     <p:tnLst>
       <p:par>
-        <p:cTn xmlns:p14="http://schemas.microsoft.com/office/powerpoint/2010/main" id="1" dur="indefinite" restart="never" nodeType="tmRoot">
+        <p:cTn id="1" dur="indefinite" restart="never" nodeType="tmRoot">
           <p:childTnLst>
             <p:seq concurrent="1" nextAc="seek">
               <p:cTn id="2" dur="indefinite" nodeType="mainSeq">
@@ -21189,7 +21599,7 @@
   <p:timing>
     <p:tnLst>
       <p:par>
-        <p:cTn xmlns:p14="http://schemas.microsoft.com/office/powerpoint/2010/main" id="1" dur="indefinite" restart="never" nodeType="tmRoot">
+        <p:cTn id="1" dur="indefinite" restart="never" nodeType="tmRoot">
           <p:childTnLst>
             <p:seq concurrent="1" nextAc="seek">
               <p:cTn id="2" dur="indefinite" nodeType="mainSeq">
@@ -21645,7 +22055,7 @@
   <p:timing>
     <p:tnLst>
       <p:par>
-        <p:cTn xmlns:p14="http://schemas.microsoft.com/office/powerpoint/2010/main" id="1" dur="indefinite" restart="never" nodeType="tmRoot"/>
+        <p:cTn id="1" dur="indefinite" restart="never" nodeType="tmRoot"/>
       </p:par>
     </p:tnLst>
   </p:timing>
@@ -21894,7 +22304,7 @@
     </p:spTree>
     <p:extLst>
       <p:ext uri="{BB962C8B-B14F-4D97-AF65-F5344CB8AC3E}">
-        <p14:creationId xmlns:p14="http://schemas.microsoft.com/office/powerpoint/2010/main" val="2268789953"/>
+        <p14:creationId xmlns:p14="http://schemas.microsoft.com/office/powerpoint/2010/main" xmlns="" val="2268789953"/>
       </p:ext>
     </p:extLst>
   </p:cSld>
@@ -21904,7 +22314,7 @@
   <p:timing>
     <p:tnLst>
       <p:par>
-        <p:cTn xmlns:p14="http://schemas.microsoft.com/office/powerpoint/2010/main" id="1" dur="indefinite" restart="never" nodeType="tmRoot"/>
+        <p:cTn id="1" dur="indefinite" restart="never" nodeType="tmRoot"/>
       </p:par>
     </p:tnLst>
   </p:timing>
@@ -22121,7 +22531,7 @@
   <p:timing>
     <p:tnLst>
       <p:par>
-        <p:cTn xmlns:p14="http://schemas.microsoft.com/office/powerpoint/2010/main" id="1" dur="indefinite" restart="never" nodeType="tmRoot"/>
+        <p:cTn id="1" dur="indefinite" restart="never" nodeType="tmRoot"/>
       </p:par>
     </p:tnLst>
   </p:timing>
@@ -24075,7 +24485,7 @@
   <p:timing>
     <p:tnLst>
       <p:par>
-        <p:cTn xmlns:p14="http://schemas.microsoft.com/office/powerpoint/2010/main" id="1" dur="indefinite" restart="never" nodeType="tmRoot">
+        <p:cTn id="1" dur="indefinite" restart="never" nodeType="tmRoot">
           <p:childTnLst>
             <p:seq concurrent="1" nextAc="seek">
               <p:cTn id="2" dur="indefinite" nodeType="mainSeq">
@@ -25265,7 +25675,7 @@
   <p:timing>
     <p:tnLst>
       <p:par>
-        <p:cTn xmlns:p14="http://schemas.microsoft.com/office/powerpoint/2010/main" id="1" dur="indefinite" restart="never" nodeType="tmRoot"/>
+        <p:cTn id="1" dur="indefinite" restart="never" nodeType="tmRoot"/>
       </p:par>
     </p:tnLst>
   </p:timing>
@@ -26421,7 +26831,7 @@
   <p:timing>
     <p:tnLst>
       <p:par>
-        <p:cTn xmlns:p14="http://schemas.microsoft.com/office/powerpoint/2010/main" id="1" dur="indefinite" restart="never" nodeType="tmRoot">
+        <p:cTn id="1" dur="indefinite" restart="never" nodeType="tmRoot">
           <p:childTnLst>
             <p:seq concurrent="1" nextAc="seek">
               <p:cTn id="2" dur="indefinite" nodeType="mainSeq">
@@ -27758,7 +28168,7 @@
   <p:timing>
     <p:tnLst>
       <p:par>
-        <p:cTn xmlns:p14="http://schemas.microsoft.com/office/powerpoint/2010/main" id="1" dur="indefinite" restart="never" nodeType="tmRoot"/>
+        <p:cTn id="1" dur="indefinite" restart="never" nodeType="tmRoot"/>
       </p:par>
     </p:tnLst>
   </p:timing>
@@ -27855,7 +28265,7 @@
   <p:timing>
     <p:tnLst>
       <p:par>
-        <p:cTn xmlns:p14="http://schemas.microsoft.com/office/powerpoint/2010/main" id="1" dur="indefinite" restart="never" nodeType="tmRoot"/>
+        <p:cTn id="1" dur="indefinite" restart="never" nodeType="tmRoot"/>
       </p:par>
     </p:tnLst>
   </p:timing>
@@ -29493,7 +29903,7 @@
   <p:timing>
     <p:tnLst>
       <p:par>
-        <p:cTn xmlns:p14="http://schemas.microsoft.com/office/powerpoint/2010/main" id="1" dur="indefinite" restart="never" nodeType="tmRoot"/>
+        <p:cTn id="1" dur="indefinite" restart="never" nodeType="tmRoot"/>
       </p:par>
     </p:tnLst>
   </p:timing>
@@ -31549,7 +31959,7 @@
   <p:timing>
     <p:tnLst>
       <p:par>
-        <p:cTn xmlns:p14="http://schemas.microsoft.com/office/powerpoint/2010/main" id="1" dur="indefinite" restart="never" nodeType="tmRoot"/>
+        <p:cTn id="1" dur="indefinite" restart="never" nodeType="tmRoot"/>
       </p:par>
     </p:tnLst>
   </p:timing>
@@ -31646,7 +32056,7 @@
   <p:timing>
     <p:tnLst>
       <p:par>
-        <p:cTn xmlns:p14="http://schemas.microsoft.com/office/powerpoint/2010/main" id="1" dur="indefinite" restart="never" nodeType="tmRoot"/>
+        <p:cTn id="1" dur="indefinite" restart="never" nodeType="tmRoot"/>
       </p:par>
     </p:tnLst>
   </p:timing>
@@ -32092,7 +32502,7 @@
   <p:timing>
     <p:tnLst>
       <p:par>
-        <p:cTn xmlns:p14="http://schemas.microsoft.com/office/powerpoint/2010/main" id="1" dur="indefinite" restart="never" nodeType="tmRoot"/>
+        <p:cTn id="1" dur="indefinite" restart="never" nodeType="tmRoot"/>
       </p:par>
     </p:tnLst>
   </p:timing>
@@ -32453,7 +32863,7 @@
     </p:spTree>
     <p:extLst>
       <p:ext uri="{BB962C8B-B14F-4D97-AF65-F5344CB8AC3E}">
-        <p14:creationId xmlns:p14="http://schemas.microsoft.com/office/powerpoint/2010/main" val="2260232245"/>
+        <p14:creationId xmlns:p14="http://schemas.microsoft.com/office/powerpoint/2010/main" xmlns="" val="2260232245"/>
       </p:ext>
     </p:extLst>
   </p:cSld>
@@ -32463,7 +32873,7 @@
   <p:timing>
     <p:tnLst>
       <p:par>
-        <p:cTn xmlns:p14="http://schemas.microsoft.com/office/powerpoint/2010/main" id="1" dur="indefinite" restart="never" nodeType="tmRoot"/>
+        <p:cTn id="1" dur="indefinite" restart="never" nodeType="tmRoot"/>
       </p:par>
     </p:tnLst>
   </p:timing>
@@ -32559,7 +32969,7 @@
   <p:timing>
     <p:tnLst>
       <p:par>
-        <p:cTn xmlns:p14="http://schemas.microsoft.com/office/powerpoint/2010/main" id="1" dur="indefinite" restart="never" nodeType="tmRoot"/>
+        <p:cTn id="1" dur="indefinite" restart="never" nodeType="tmRoot"/>
       </p:par>
     </p:tnLst>
   </p:timing>
@@ -32674,19 +33084,7 @@
               <a:rPr lang="en-US" sz="1600" dirty="0" smtClean="0">
                 <a:hlinkClick r:id="rId3"/>
               </a:rPr>
-              <a:t>http://blog.thecodewhisperer.com</a:t>
-            </a:r>
-            <a:r>
-              <a:rPr lang="en-US" sz="1600" dirty="0" smtClean="0">
-                <a:hlinkClick r:id="rId3"/>
-              </a:rPr>
-              <a:t>/permalink/</a:t>
-            </a:r>
-            <a:r>
-              <a:rPr lang="en-US" sz="1600" dirty="0" smtClean="0">
-                <a:hlinkClick r:id="rId3"/>
-              </a:rPr>
-              <a:t>integrated-tests-are-a-scam</a:t>
+              <a:t>http://blog.thecodewhisperer.com/permalink/integrated-tests-are-a-scam</a:t>
             </a:r>
             <a:endParaRPr lang="de-DE" dirty="0" smtClean="0"/>
           </a:p>
@@ -32787,7 +33185,7 @@
   <p:timing>
     <p:tnLst>
       <p:par>
-        <p:cTn xmlns:p14="http://schemas.microsoft.com/office/powerpoint/2010/main" id="1" dur="indefinite" restart="never" nodeType="tmRoot"/>
+        <p:cTn id="1" dur="indefinite" restart="never" nodeType="tmRoot"/>
       </p:par>
     </p:tnLst>
   </p:timing>
@@ -33014,7 +33412,7 @@
   <p:timing>
     <p:tnLst>
       <p:par>
-        <p:cTn xmlns:p14="http://schemas.microsoft.com/office/powerpoint/2010/main" id="1" dur="indefinite" restart="never" nodeType="tmRoot"/>
+        <p:cTn id="1" dur="indefinite" restart="never" nodeType="tmRoot"/>
       </p:par>
     </p:tnLst>
   </p:timing>
@@ -33409,7 +33807,7 @@
   <p:timing>
     <p:tnLst>
       <p:par>
-        <p:cTn xmlns:p14="http://schemas.microsoft.com/office/powerpoint/2010/main" id="1" dur="indefinite" restart="never" nodeType="tmRoot"/>
+        <p:cTn id="1" dur="indefinite" restart="never" nodeType="tmRoot"/>
       </p:par>
     </p:tnLst>
   </p:timing>
@@ -33726,7 +34124,7 @@
   <p:timing>
     <p:tnLst>
       <p:par>
-        <p:cTn xmlns:p14="http://schemas.microsoft.com/office/powerpoint/2010/main" id="1" dur="indefinite" restart="never" nodeType="tmRoot"/>
+        <p:cTn id="1" dur="indefinite" restart="never" nodeType="tmRoot"/>
       </p:par>
     </p:tnLst>
   </p:timing>
@@ -33822,7 +34220,7 @@
   <p:timing>
     <p:tnLst>
       <p:par>
-        <p:cTn xmlns:p14="http://schemas.microsoft.com/office/powerpoint/2010/main" id="1" dur="indefinite" restart="never" nodeType="tmRoot"/>
+        <p:cTn id="1" dur="indefinite" restart="never" nodeType="tmRoot"/>
       </p:par>
     </p:tnLst>
   </p:timing>
@@ -34056,7 +34454,7 @@
   <p:timing>
     <p:tnLst>
       <p:par>
-        <p:cTn xmlns:p14="http://schemas.microsoft.com/office/powerpoint/2010/main" id="1" dur="indefinite" restart="never" nodeType="tmRoot"/>
+        <p:cTn id="1" dur="indefinite" restart="never" nodeType="tmRoot"/>
       </p:par>
     </p:tnLst>
   </p:timing>
@@ -34164,7 +34562,7 @@
     </p:spTree>
     <p:extLst>
       <p:ext uri="{BB962C8B-B14F-4D97-AF65-F5344CB8AC3E}">
-        <p14:creationId xmlns:p14="http://schemas.microsoft.com/office/powerpoint/2010/main" val="732667562"/>
+        <p14:creationId xmlns:p14="http://schemas.microsoft.com/office/powerpoint/2010/main" xmlns="" val="732667562"/>
       </p:ext>
     </p:extLst>
   </p:cSld>
@@ -34174,7 +34572,7 @@
   <p:timing>
     <p:tnLst>
       <p:par>
-        <p:cTn xmlns:p14="http://schemas.microsoft.com/office/powerpoint/2010/main" id="1" dur="indefinite" restart="never" nodeType="tmRoot"/>
+        <p:cTn id="1" dur="indefinite" restart="never" nodeType="tmRoot"/>
       </p:par>
     </p:tnLst>
   </p:timing>
@@ -34584,7 +34982,7 @@
     </p:spTree>
     <p:extLst>
       <p:ext uri="{BB962C8B-B14F-4D97-AF65-F5344CB8AC3E}">
-        <p14:creationId xmlns:p14="http://schemas.microsoft.com/office/powerpoint/2010/main" val="391067495"/>
+        <p14:creationId xmlns:p14="http://schemas.microsoft.com/office/powerpoint/2010/main" xmlns="" val="391067495"/>
       </p:ext>
     </p:extLst>
   </p:cSld>
@@ -34594,7 +34992,7 @@
   <p:timing>
     <p:tnLst>
       <p:par>
-        <p:cTn xmlns:p14="http://schemas.microsoft.com/office/powerpoint/2010/main" id="1" dur="indefinite" restart="never" nodeType="tmRoot">
+        <p:cTn id="1" dur="indefinite" restart="never" nodeType="tmRoot">
           <p:childTnLst>
             <p:seq concurrent="1" nextAc="seek">
               <p:cTn id="2" dur="indefinite" nodeType="mainSeq">
@@ -35234,7 +35632,7 @@
     </p:spTree>
     <p:extLst>
       <p:ext uri="{BB962C8B-B14F-4D97-AF65-F5344CB8AC3E}">
-        <p14:creationId xmlns:p14="http://schemas.microsoft.com/office/powerpoint/2010/main" val="2042807844"/>
+        <p14:creationId xmlns:p14="http://schemas.microsoft.com/office/powerpoint/2010/main" xmlns="" val="2042807844"/>
       </p:ext>
     </p:extLst>
   </p:cSld>
@@ -35244,7 +35642,7 @@
   <p:timing>
     <p:tnLst>
       <p:par>
-        <p:cTn xmlns:p14="http://schemas.microsoft.com/office/powerpoint/2010/main" id="1" dur="indefinite" restart="never" nodeType="tmRoot"/>
+        <p:cTn id="1" dur="indefinite" restart="never" nodeType="tmRoot"/>
       </p:par>
     </p:tnLst>
   </p:timing>
@@ -35406,7 +35804,7 @@
   <p:timing>
     <p:tnLst>
       <p:par>
-        <p:cTn xmlns:p14="http://schemas.microsoft.com/office/powerpoint/2010/main" id="1" dur="indefinite" restart="never" nodeType="tmRoot"/>
+        <p:cTn id="1" dur="indefinite" restart="never" nodeType="tmRoot"/>
       </p:par>
     </p:tnLst>
   </p:timing>

--- a/chadojs - who is testing the mocks - 16zu9.pptx
+++ b/chadojs - who is testing the mocks - 16zu9.pptx
@@ -5,7 +5,7 @@
     <p:sldMasterId id="2147483648" r:id="rId1"/>
   </p:sldMasterIdLst>
   <p:notesMasterIdLst>
-    <p:notesMasterId r:id="rId47"/>
+    <p:notesMasterId r:id="rId49"/>
   </p:notesMasterIdLst>
   <p:sldIdLst>
     <p:sldId id="260" r:id="rId2"/>
@@ -52,7 +52,9 @@
     <p:sldId id="291" r:id="rId43"/>
     <p:sldId id="314" r:id="rId44"/>
     <p:sldId id="292" r:id="rId45"/>
-    <p:sldId id="315" r:id="rId46"/>
+    <p:sldId id="331" r:id="rId46"/>
+    <p:sldId id="332" r:id="rId47"/>
+    <p:sldId id="315" r:id="rId48"/>
   </p:sldIdLst>
   <p:sldSz cx="9144000" cy="5143500" type="screen16x9"/>
   <p:notesSz cx="6858000" cy="9144000"/>
@@ -237,7 +239,7 @@
             <a:fld id="{4DBE830D-4B1D-43AC-B523-377B51CEDACB}" type="datetimeFigureOut">
               <a:rPr lang="de-DE" smtClean="0"/>
               <a:pPr/>
-              <a:t>17.05.2016</a:t>
+              <a:t>18.05.2016</a:t>
             </a:fld>
             <a:endParaRPr lang="de-DE"/>
           </a:p>
@@ -549,33 +551,37 @@
         </p:nvSpPr>
         <p:spPr/>
         <p:txBody>
-          <a:bodyPr/>
+          <a:bodyPr>
+            <a:normAutofit/>
+          </a:bodyPr>
           <a:lstStyle/>
           <a:p>
-            <a:pPr marL="0" marR="0" indent="0" algn="l" defTabSz="914400" rtl="0" eaLnBrk="1" fontAlgn="auto" latinLnBrk="0" hangingPunct="1">
-              <a:lnSpc>
-                <a:spcPct val="100000"/>
-              </a:lnSpc>
-              <a:spcBef>
-                <a:spcPts val="0"/>
-              </a:spcBef>
-              <a:spcAft>
-                <a:spcPts val="0"/>
-              </a:spcAft>
-              <a:buClrTx/>
-              <a:buSzTx/>
-              <a:buFontTx/>
-              <a:buNone/>
-              <a:tabLst/>
-              <a:defRPr/>
-            </a:pPr>
             <a:r>
               <a:rPr lang="de-DE" dirty="0" smtClean="0"/>
-              <a:t>I </a:t>
+              <a:t>2 </a:t>
             </a:r>
             <a:r>
               <a:rPr lang="de-DE" dirty="0" err="1" smtClean="0"/>
-              <a:t>use</a:t>
+              <a:t>aspects</a:t>
+            </a:r>
+            <a:endParaRPr lang="de-DE" dirty="0" smtClean="0"/>
+          </a:p>
+          <a:p>
+            <a:r>
+              <a:rPr lang="de-DE" dirty="0" smtClean="0"/>
+              <a:t>Test </a:t>
+            </a:r>
+            <a:r>
+              <a:rPr lang="de-DE" dirty="0" err="1" smtClean="0"/>
+              <a:t>approach</a:t>
+            </a:r>
+            <a:r>
+              <a:rPr lang="de-DE" dirty="0" smtClean="0"/>
+              <a:t> – </a:t>
+            </a:r>
+            <a:r>
+              <a:rPr lang="de-DE" dirty="0" err="1" smtClean="0"/>
+              <a:t>technical</a:t>
             </a:r>
             <a:r>
               <a:rPr lang="de-DE" dirty="0" smtClean="0"/>
@@ -583,541 +589,7 @@
             </a:r>
             <a:r>
               <a:rPr lang="de-DE" dirty="0" err="1" smtClean="0"/>
-              <a:t>the</a:t>
-            </a:r>
-            <a:r>
-              <a:rPr lang="de-DE" dirty="0" smtClean="0"/>
-              <a:t> </a:t>
-            </a:r>
-            <a:r>
-              <a:rPr lang="de-DE" dirty="0" err="1" smtClean="0"/>
-              <a:t>term</a:t>
-            </a:r>
-            <a:r>
-              <a:rPr lang="de-DE" dirty="0" smtClean="0"/>
-              <a:t> </a:t>
-            </a:r>
-            <a:r>
-              <a:rPr lang="de-DE" dirty="0" err="1" smtClean="0"/>
-              <a:t>integrated</a:t>
-            </a:r>
-            <a:r>
-              <a:rPr lang="de-DE" dirty="0" smtClean="0"/>
-              <a:t> </a:t>
-            </a:r>
-            <a:r>
-              <a:rPr lang="de-DE" dirty="0" err="1" smtClean="0"/>
-              <a:t>test</a:t>
-            </a:r>
-            <a:r>
-              <a:rPr lang="de-DE" dirty="0" smtClean="0"/>
-              <a:t> </a:t>
-            </a:r>
-            <a:r>
-              <a:rPr lang="de-DE" dirty="0" err="1" smtClean="0"/>
-              <a:t>to</a:t>
-            </a:r>
-            <a:r>
-              <a:rPr lang="de-DE" dirty="0" smtClean="0"/>
-              <a:t> </a:t>
-            </a:r>
-            <a:r>
-              <a:rPr lang="de-DE" dirty="0" err="1" smtClean="0"/>
-              <a:t>mean</a:t>
-            </a:r>
-            <a:r>
-              <a:rPr lang="de-DE" dirty="0" smtClean="0"/>
-              <a:t> </a:t>
-            </a:r>
-            <a:r>
-              <a:rPr lang="de-DE" dirty="0" err="1" smtClean="0"/>
-              <a:t>any</a:t>
-            </a:r>
-            <a:r>
-              <a:rPr lang="de-DE" dirty="0" smtClean="0"/>
-              <a:t> </a:t>
-            </a:r>
-            <a:r>
-              <a:rPr lang="de-DE" dirty="0" err="1" smtClean="0"/>
-              <a:t>test</a:t>
-            </a:r>
-            <a:r>
-              <a:rPr lang="de-DE" dirty="0" smtClean="0"/>
-              <a:t> </a:t>
-            </a:r>
-            <a:r>
-              <a:rPr lang="de-DE" dirty="0" err="1" smtClean="0"/>
-              <a:t>whose</a:t>
-            </a:r>
-            <a:r>
-              <a:rPr lang="de-DE" dirty="0" smtClean="0"/>
-              <a:t> </a:t>
-            </a:r>
-            <a:r>
-              <a:rPr lang="de-DE" dirty="0" err="1" smtClean="0"/>
-              <a:t>result</a:t>
-            </a:r>
-            <a:r>
-              <a:rPr lang="de-DE" dirty="0" smtClean="0"/>
-              <a:t> (pass </a:t>
-            </a:r>
-            <a:r>
-              <a:rPr lang="de-DE" dirty="0" err="1" smtClean="0"/>
-              <a:t>or</a:t>
-            </a:r>
-            <a:r>
-              <a:rPr lang="de-DE" dirty="0" smtClean="0"/>
-              <a:t> </a:t>
-            </a:r>
-            <a:r>
-              <a:rPr lang="de-DE" dirty="0" err="1" smtClean="0"/>
-              <a:t>fail</a:t>
-            </a:r>
-            <a:r>
-              <a:rPr lang="de-DE" dirty="0" smtClean="0"/>
-              <a:t>) </a:t>
-            </a:r>
-            <a:r>
-              <a:rPr lang="de-DE" dirty="0" err="1" smtClean="0"/>
-              <a:t>depends</a:t>
-            </a:r>
-            <a:r>
-              <a:rPr lang="de-DE" dirty="0" smtClean="0"/>
-              <a:t> on </a:t>
-            </a:r>
-            <a:r>
-              <a:rPr lang="de-DE" dirty="0" err="1" smtClean="0"/>
-              <a:t>the</a:t>
-            </a:r>
-            <a:r>
-              <a:rPr lang="de-DE" dirty="0" smtClean="0"/>
-              <a:t> </a:t>
-            </a:r>
-            <a:r>
-              <a:rPr lang="de-DE" dirty="0" err="1" smtClean="0"/>
-              <a:t>correctness</a:t>
-            </a:r>
-            <a:r>
-              <a:rPr lang="de-DE" dirty="0" smtClean="0"/>
-              <a:t> </a:t>
-            </a:r>
-            <a:r>
-              <a:rPr lang="de-DE" dirty="0" err="1" smtClean="0"/>
-              <a:t>of</a:t>
-            </a:r>
-            <a:r>
-              <a:rPr lang="de-DE" dirty="0" smtClean="0"/>
-              <a:t> </a:t>
-            </a:r>
-            <a:r>
-              <a:rPr lang="de-DE" dirty="0" err="1" smtClean="0"/>
-              <a:t>the</a:t>
-            </a:r>
-            <a:r>
-              <a:rPr lang="de-DE" dirty="0" smtClean="0"/>
-              <a:t> </a:t>
-            </a:r>
-            <a:r>
-              <a:rPr lang="de-DE" dirty="0" err="1" smtClean="0"/>
-              <a:t>implementation</a:t>
-            </a:r>
-            <a:r>
-              <a:rPr lang="de-DE" dirty="0" smtClean="0"/>
-              <a:t> </a:t>
-            </a:r>
-            <a:r>
-              <a:rPr lang="de-DE" dirty="0" err="1" smtClean="0"/>
-              <a:t>of</a:t>
-            </a:r>
-            <a:r>
-              <a:rPr lang="de-DE" dirty="0" smtClean="0"/>
-              <a:t> </a:t>
-            </a:r>
-            <a:r>
-              <a:rPr lang="de-DE" dirty="0" err="1" smtClean="0"/>
-              <a:t>more</a:t>
-            </a:r>
-            <a:r>
-              <a:rPr lang="de-DE" dirty="0" smtClean="0"/>
-              <a:t> </a:t>
-            </a:r>
-            <a:r>
-              <a:rPr lang="de-DE" dirty="0" err="1" smtClean="0"/>
-              <a:t>than</a:t>
-            </a:r>
-            <a:r>
-              <a:rPr lang="de-DE" dirty="0" smtClean="0"/>
-              <a:t> </a:t>
-            </a:r>
-            <a:r>
-              <a:rPr lang="de-DE" dirty="0" err="1" smtClean="0"/>
-              <a:t>one</a:t>
-            </a:r>
-            <a:r>
-              <a:rPr lang="de-DE" dirty="0" smtClean="0"/>
-              <a:t> </a:t>
-            </a:r>
-            <a:r>
-              <a:rPr lang="de-DE" dirty="0" err="1" smtClean="0"/>
-              <a:t>piece</a:t>
-            </a:r>
-            <a:r>
-              <a:rPr lang="de-DE" dirty="0" smtClean="0"/>
-              <a:t> </a:t>
-            </a:r>
-            <a:r>
-              <a:rPr lang="de-DE" dirty="0" err="1" smtClean="0"/>
-              <a:t>of</a:t>
-            </a:r>
-            <a:r>
-              <a:rPr lang="de-DE" dirty="0" smtClean="0"/>
-              <a:t> non-trivial </a:t>
-            </a:r>
-            <a:r>
-              <a:rPr lang="de-DE" dirty="0" err="1" smtClean="0"/>
-              <a:t>behavior</a:t>
-            </a:r>
-            <a:r>
-              <a:rPr lang="de-DE" dirty="0" smtClean="0"/>
-              <a:t>.</a:t>
-            </a:r>
-          </a:p>
-          <a:p>
-            <a:pPr marL="0" marR="0" indent="0" algn="l" defTabSz="914400" rtl="0" eaLnBrk="1" fontAlgn="auto" latinLnBrk="0" hangingPunct="1">
-              <a:lnSpc>
-                <a:spcPct val="100000"/>
-              </a:lnSpc>
-              <a:spcBef>
-                <a:spcPts val="0"/>
-              </a:spcBef>
-              <a:spcAft>
-                <a:spcPts val="0"/>
-              </a:spcAft>
-              <a:buClrTx/>
-              <a:buSzTx/>
-              <a:buFontTx/>
-              <a:buNone/>
-              <a:tabLst/>
-              <a:defRPr/>
-            </a:pPr>
-            <a:endParaRPr lang="de-DE" dirty="0" smtClean="0"/>
-          </a:p>
-          <a:p>
-            <a:pPr marL="0" marR="0" indent="0" algn="l" defTabSz="914400" rtl="0" eaLnBrk="1" fontAlgn="auto" latinLnBrk="0" hangingPunct="1">
-              <a:lnSpc>
-                <a:spcPct val="100000"/>
-              </a:lnSpc>
-              <a:spcBef>
-                <a:spcPts val="0"/>
-              </a:spcBef>
-              <a:spcAft>
-                <a:spcPts val="0"/>
-              </a:spcAft>
-              <a:buClrTx/>
-              <a:buSzTx/>
-              <a:buFontTx/>
-              <a:buNone/>
-              <a:tabLst/>
-              <a:defRPr/>
-            </a:pPr>
-            <a:r>
-              <a:rPr lang="de-DE" dirty="0" smtClean="0"/>
-              <a:t>Unit Tests </a:t>
-            </a:r>
-            <a:r>
-              <a:rPr lang="de-DE" dirty="0" err="1" smtClean="0"/>
-              <a:t>often</a:t>
-            </a:r>
-            <a:r>
-              <a:rPr lang="de-DE" dirty="0" smtClean="0"/>
-              <a:t> not </a:t>
-            </a:r>
-            <a:r>
-              <a:rPr lang="de-DE" dirty="0" err="1" smtClean="0"/>
-              <a:t>enough</a:t>
-            </a:r>
-            <a:r>
-              <a:rPr lang="de-DE" dirty="0" smtClean="0"/>
-              <a:t>. </a:t>
-            </a:r>
-            <a:r>
-              <a:rPr lang="de-DE" dirty="0" err="1" smtClean="0"/>
-              <a:t>Defects</a:t>
-            </a:r>
-            <a:r>
-              <a:rPr lang="de-DE" dirty="0" smtClean="0"/>
-              <a:t> in </a:t>
-            </a:r>
-            <a:r>
-              <a:rPr lang="de-DE" dirty="0" err="1" smtClean="0"/>
-              <a:t>software</a:t>
-            </a:r>
-            <a:r>
-              <a:rPr lang="de-DE" dirty="0" smtClean="0"/>
-              <a:t> </a:t>
-            </a:r>
-            <a:r>
-              <a:rPr lang="de-DE" dirty="0" err="1" smtClean="0"/>
-              <a:t>although</a:t>
-            </a:r>
-            <a:r>
-              <a:rPr lang="de-DE" dirty="0" smtClean="0"/>
-              <a:t> high </a:t>
-            </a:r>
-            <a:r>
-              <a:rPr lang="de-DE" dirty="0" err="1" smtClean="0"/>
-              <a:t>coverage</a:t>
-            </a:r>
-            <a:r>
-              <a:rPr lang="de-DE" dirty="0" smtClean="0"/>
-              <a:t> </a:t>
-            </a:r>
-            <a:r>
-              <a:rPr lang="de-DE" dirty="0" err="1" smtClean="0"/>
-              <a:t>with</a:t>
-            </a:r>
-            <a:r>
-              <a:rPr lang="de-DE" dirty="0" smtClean="0"/>
-              <a:t> </a:t>
-            </a:r>
-            <a:r>
-              <a:rPr lang="de-DE" dirty="0" err="1" smtClean="0"/>
-              <a:t>unit</a:t>
-            </a:r>
-            <a:r>
-              <a:rPr lang="de-DE" dirty="0" smtClean="0"/>
-              <a:t> </a:t>
-            </a:r>
-            <a:r>
-              <a:rPr lang="de-DE" dirty="0" err="1" smtClean="0"/>
-              <a:t>tests</a:t>
-            </a:r>
-            <a:r>
-              <a:rPr lang="de-DE" baseline="0" dirty="0" smtClean="0"/>
-              <a:t> -&gt; „</a:t>
-            </a:r>
-            <a:r>
-              <a:rPr lang="de-DE" baseline="0" dirty="0" err="1" smtClean="0"/>
-              <a:t>Let‘s</a:t>
-            </a:r>
-            <a:r>
-              <a:rPr lang="de-DE" baseline="0" dirty="0" smtClean="0"/>
-              <a:t> </a:t>
-            </a:r>
-            <a:r>
-              <a:rPr lang="de-DE" baseline="0" dirty="0" err="1" smtClean="0"/>
-              <a:t>write</a:t>
-            </a:r>
-            <a:r>
-              <a:rPr lang="de-DE" baseline="0" dirty="0" smtClean="0"/>
-              <a:t> </a:t>
-            </a:r>
-            <a:r>
-              <a:rPr lang="de-DE" baseline="0" dirty="0" err="1" smtClean="0"/>
-              <a:t>integrated</a:t>
-            </a:r>
-            <a:r>
-              <a:rPr lang="de-DE" baseline="0" dirty="0" smtClean="0"/>
-              <a:t> </a:t>
-            </a:r>
-            <a:r>
-              <a:rPr lang="de-DE" baseline="0" dirty="0" err="1" smtClean="0"/>
-              <a:t>tests</a:t>
-            </a:r>
-            <a:r>
-              <a:rPr lang="de-DE" baseline="0" dirty="0" smtClean="0"/>
-              <a:t>!“</a:t>
-            </a:r>
-          </a:p>
-          <a:p>
-            <a:pPr marL="0" marR="0" indent="0" algn="l" defTabSz="914400" rtl="0" eaLnBrk="1" fontAlgn="auto" latinLnBrk="0" hangingPunct="1">
-              <a:lnSpc>
-                <a:spcPct val="100000"/>
-              </a:lnSpc>
-              <a:spcBef>
-                <a:spcPts val="0"/>
-              </a:spcBef>
-              <a:spcAft>
-                <a:spcPts val="0"/>
-              </a:spcAft>
-              <a:buClrTx/>
-              <a:buSzTx/>
-              <a:buFontTx/>
-              <a:buNone/>
-              <a:tabLst/>
-              <a:defRPr/>
-            </a:pPr>
-            <a:endParaRPr lang="de-DE" baseline="0" dirty="0" smtClean="0"/>
-          </a:p>
-          <a:p>
-            <a:pPr marL="0" marR="0" indent="0" algn="l" defTabSz="914400" rtl="0" eaLnBrk="1" fontAlgn="auto" latinLnBrk="0" hangingPunct="1">
-              <a:lnSpc>
-                <a:spcPct val="100000"/>
-              </a:lnSpc>
-              <a:spcBef>
-                <a:spcPts val="0"/>
-              </a:spcBef>
-              <a:spcAft>
-                <a:spcPts val="0"/>
-              </a:spcAft>
-              <a:buClrTx/>
-              <a:buSzTx/>
-              <a:buFontTx/>
-              <a:buNone/>
-              <a:tabLst/>
-              <a:defRPr/>
-            </a:pPr>
-            <a:r>
-              <a:rPr lang="de-DE" dirty="0" smtClean="0"/>
-              <a:t>BANG - </a:t>
-            </a:r>
-            <a:r>
-              <a:rPr lang="de-DE" dirty="0" err="1" smtClean="0"/>
-              <a:t>Combinatory</a:t>
-            </a:r>
-            <a:r>
-              <a:rPr lang="de-DE" dirty="0" smtClean="0"/>
-              <a:t> </a:t>
-            </a:r>
-            <a:r>
-              <a:rPr lang="de-DE" dirty="0" err="1" smtClean="0"/>
-              <a:t>explosion</a:t>
-            </a:r>
-            <a:r>
-              <a:rPr lang="de-DE" dirty="0" smtClean="0"/>
-              <a:t>.</a:t>
-            </a:r>
-          </a:p>
-          <a:p>
-            <a:pPr marL="0" marR="0" indent="0" algn="l" defTabSz="914400" rtl="0" eaLnBrk="1" fontAlgn="auto" latinLnBrk="0" hangingPunct="1">
-              <a:lnSpc>
-                <a:spcPct val="100000"/>
-              </a:lnSpc>
-              <a:spcBef>
-                <a:spcPts val="0"/>
-              </a:spcBef>
-              <a:spcAft>
-                <a:spcPts val="0"/>
-              </a:spcAft>
-              <a:buClrTx/>
-              <a:buSzTx/>
-              <a:buFontTx/>
-              <a:buNone/>
-              <a:tabLst/>
-              <a:defRPr/>
-            </a:pPr>
-            <a:r>
-              <a:rPr lang="de-DE" dirty="0" smtClean="0"/>
-              <a:t>----- Besprechungsnotizen (16.05.16 18:24) -----</a:t>
-            </a:r>
-          </a:p>
-          <a:p>
-            <a:pPr marL="0" marR="0" indent="0" algn="l" defTabSz="914400" rtl="0" eaLnBrk="1" fontAlgn="auto" latinLnBrk="0" hangingPunct="1">
-              <a:lnSpc>
-                <a:spcPct val="100000"/>
-              </a:lnSpc>
-              <a:spcBef>
-                <a:spcPts val="0"/>
-              </a:spcBef>
-              <a:spcAft>
-                <a:spcPts val="0"/>
-              </a:spcAft>
-              <a:buClrTx/>
-              <a:buSzTx/>
-              <a:buFontTx/>
-              <a:buNone/>
-              <a:tabLst/>
-              <a:defRPr/>
-            </a:pPr>
-            <a:r>
-              <a:rPr lang="de-DE" dirty="0" smtClean="0"/>
-              <a:t>Testing your functions in an integrated runtime</a:t>
-            </a:r>
-          </a:p>
-          <a:p>
-            <a:pPr marL="0" marR="0" indent="0" algn="l" defTabSz="914400" rtl="0" eaLnBrk="1" fontAlgn="auto" latinLnBrk="0" hangingPunct="1">
-              <a:lnSpc>
-                <a:spcPct val="100000"/>
-              </a:lnSpc>
-              <a:spcBef>
-                <a:spcPts val="0"/>
-              </a:spcBef>
-              <a:spcAft>
-                <a:spcPts val="0"/>
-              </a:spcAft>
-              <a:buClrTx/>
-              <a:buSzTx/>
-              <a:buFontTx/>
-              <a:buNone/>
-              <a:tabLst/>
-              <a:defRPr/>
-            </a:pPr>
-            <a:endParaRPr lang="de-DE" dirty="0" smtClean="0"/>
-          </a:p>
-          <a:p>
-            <a:pPr marL="0" marR="0" indent="0" algn="l" defTabSz="914400" rtl="0" eaLnBrk="1" fontAlgn="auto" latinLnBrk="0" hangingPunct="1">
-              <a:lnSpc>
-                <a:spcPct val="100000"/>
-              </a:lnSpc>
-              <a:spcBef>
-                <a:spcPts val="0"/>
-              </a:spcBef>
-              <a:spcAft>
-                <a:spcPts val="0"/>
-              </a:spcAft>
-              <a:buClrTx/>
-              <a:buSzTx/>
-              <a:buFontTx/>
-              <a:buNone/>
-              <a:tabLst/>
-              <a:defRPr/>
-            </a:pPr>
-            <a:r>
-              <a:rPr lang="de-DE" dirty="0" smtClean="0"/>
-              <a:t>vs.</a:t>
-            </a:r>
-          </a:p>
-          <a:p>
-            <a:pPr marL="0" marR="0" indent="0" algn="l" defTabSz="914400" rtl="0" eaLnBrk="1" fontAlgn="auto" latinLnBrk="0" hangingPunct="1">
-              <a:lnSpc>
-                <a:spcPct val="100000"/>
-              </a:lnSpc>
-              <a:spcBef>
-                <a:spcPts val="0"/>
-              </a:spcBef>
-              <a:spcAft>
-                <a:spcPts val="0"/>
-              </a:spcAft>
-              <a:buClrTx/>
-              <a:buSzTx/>
-              <a:buFontTx/>
-              <a:buNone/>
-              <a:tabLst/>
-              <a:defRPr/>
-            </a:pPr>
-            <a:endParaRPr lang="de-DE" dirty="0" smtClean="0"/>
-          </a:p>
-          <a:p>
-            <a:pPr marL="0" marR="0" indent="0" algn="l" defTabSz="914400" rtl="0" eaLnBrk="1" fontAlgn="auto" latinLnBrk="0" hangingPunct="1">
-              <a:lnSpc>
-                <a:spcPct val="100000"/>
-              </a:lnSpc>
-              <a:spcBef>
-                <a:spcPts val="0"/>
-              </a:spcBef>
-              <a:spcAft>
-                <a:spcPts val="0"/>
-              </a:spcAft>
-              <a:buClrTx/>
-              <a:buSzTx/>
-              <a:buFontTx/>
-              <a:buNone/>
-              <a:tabLst/>
-              <a:defRPr/>
-            </a:pPr>
-            <a:r>
-              <a:rPr lang="de-DE" dirty="0" smtClean="0"/>
-              <a:t>Test that your modules work even when integrated</a:t>
+              <a:t>reasons</a:t>
             </a:r>
             <a:endParaRPr lang="de-DE" dirty="0"/>
           </a:p>
@@ -1141,18 +613,13 @@
             <a:fld id="{C409E338-0634-4D54-A97B-56A83111FA06}" type="slidenum">
               <a:rPr lang="de-DE" smtClean="0"/>
               <a:pPr/>
-              <a:t>4</a:t>
+              <a:t>3</a:t>
             </a:fld>
             <a:endParaRPr lang="de-DE"/>
           </a:p>
         </p:txBody>
       </p:sp>
     </p:spTree>
-    <p:extLst>
-      <p:ext uri="{BB962C8B-B14F-4D97-AF65-F5344CB8AC3E}">
-        <p14:creationId xmlns:p14="http://schemas.microsoft.com/office/powerpoint/2010/main" xmlns="" val="2883834159"/>
-      </p:ext>
-    </p:extLst>
   </p:cSld>
   <p:clrMapOvr>
     <a:masterClrMapping/>
@@ -1187,7 +654,12 @@
             <p:ph type="sldImg"/>
           </p:nvPr>
         </p:nvSpPr>
-        <p:spPr/>
+        <p:spPr>
+          <a:xfrm>
+            <a:off x="381000" y="685800"/>
+            <a:ext cx="6096000" cy="3429000"/>
+          </a:xfrm>
+        </p:spPr>
       </p:sp>
       <p:sp>
         <p:nvSpPr>
@@ -1204,13 +676,30 @@
           <a:bodyPr/>
           <a:lstStyle/>
           <a:p>
+            <a:pPr marL="0" marR="0" indent="0" algn="l" defTabSz="914400" rtl="0" eaLnBrk="1" fontAlgn="auto" latinLnBrk="0" hangingPunct="1">
+              <a:lnSpc>
+                <a:spcPct val="100000"/>
+              </a:lnSpc>
+              <a:spcBef>
+                <a:spcPts val="0"/>
+              </a:spcBef>
+              <a:spcAft>
+                <a:spcPts val="0"/>
+              </a:spcAft>
+              <a:buClrTx/>
+              <a:buSzTx/>
+              <a:buFontTx/>
+              <a:buNone/>
+              <a:tabLst/>
+              <a:defRPr/>
+            </a:pPr>
             <a:r>
               <a:rPr lang="de-DE" dirty="0" smtClean="0"/>
-              <a:t>Inside-Out – Starts </a:t>
+              <a:t>I </a:t>
             </a:r>
             <a:r>
               <a:rPr lang="de-DE" dirty="0" err="1" smtClean="0"/>
-              <a:t>from</a:t>
+              <a:t>use</a:t>
             </a:r>
             <a:r>
               <a:rPr lang="de-DE" dirty="0" smtClean="0"/>
@@ -1226,7 +715,7 @@
             </a:r>
             <a:r>
               <a:rPr lang="de-DE" dirty="0" err="1" smtClean="0"/>
-              <a:t>innermost</a:t>
+              <a:t>term</a:t>
             </a:r>
             <a:r>
               <a:rPr lang="de-DE" dirty="0" smtClean="0"/>
@@ -1234,29 +723,306 @@
             </a:r>
             <a:r>
               <a:rPr lang="de-DE" dirty="0" err="1" smtClean="0"/>
+              <a:t>integrated</a:t>
+            </a:r>
+            <a:r>
+              <a:rPr lang="de-DE" dirty="0" smtClean="0"/>
+              <a:t> </a:t>
+            </a:r>
+            <a:r>
+              <a:rPr lang="de-DE" dirty="0" err="1" smtClean="0"/>
+              <a:t>test</a:t>
+            </a:r>
+            <a:r>
+              <a:rPr lang="de-DE" dirty="0" smtClean="0"/>
+              <a:t> </a:t>
+            </a:r>
+            <a:r>
+              <a:rPr lang="de-DE" dirty="0" err="1" smtClean="0"/>
+              <a:t>to</a:t>
+            </a:r>
+            <a:r>
+              <a:rPr lang="de-DE" dirty="0" smtClean="0"/>
+              <a:t> </a:t>
+            </a:r>
+            <a:r>
+              <a:rPr lang="de-DE" dirty="0" err="1" smtClean="0"/>
+              <a:t>mean</a:t>
+            </a:r>
+            <a:r>
+              <a:rPr lang="de-DE" dirty="0" smtClean="0"/>
+              <a:t> </a:t>
+            </a:r>
+            <a:r>
+              <a:rPr lang="de-DE" dirty="0" err="1" smtClean="0"/>
+              <a:t>any</a:t>
+            </a:r>
+            <a:r>
+              <a:rPr lang="de-DE" dirty="0" smtClean="0"/>
+              <a:t> </a:t>
+            </a:r>
+            <a:r>
+              <a:rPr lang="de-DE" dirty="0" err="1" smtClean="0"/>
+              <a:t>test</a:t>
+            </a:r>
+            <a:r>
+              <a:rPr lang="de-DE" dirty="0" smtClean="0"/>
+              <a:t> </a:t>
+            </a:r>
+            <a:r>
+              <a:rPr lang="de-DE" dirty="0" err="1" smtClean="0"/>
+              <a:t>whose</a:t>
+            </a:r>
+            <a:r>
+              <a:rPr lang="de-DE" dirty="0" smtClean="0"/>
+              <a:t> </a:t>
+            </a:r>
+            <a:r>
+              <a:rPr lang="de-DE" dirty="0" err="1" smtClean="0"/>
+              <a:t>result</a:t>
+            </a:r>
+            <a:r>
+              <a:rPr lang="de-DE" dirty="0" smtClean="0"/>
+              <a:t> (pass </a:t>
+            </a:r>
+            <a:r>
+              <a:rPr lang="de-DE" dirty="0" err="1" smtClean="0"/>
+              <a:t>or</a:t>
+            </a:r>
+            <a:r>
+              <a:rPr lang="de-DE" dirty="0" smtClean="0"/>
+              <a:t> </a:t>
+            </a:r>
+            <a:r>
+              <a:rPr lang="de-DE" dirty="0" err="1" smtClean="0"/>
+              <a:t>fail</a:t>
+            </a:r>
+            <a:r>
+              <a:rPr lang="de-DE" dirty="0" smtClean="0"/>
+              <a:t>) </a:t>
+            </a:r>
+            <a:r>
+              <a:rPr lang="de-DE" dirty="0" err="1" smtClean="0"/>
+              <a:t>depends</a:t>
+            </a:r>
+            <a:r>
+              <a:rPr lang="de-DE" dirty="0" smtClean="0"/>
+              <a:t> on </a:t>
+            </a:r>
+            <a:r>
+              <a:rPr lang="de-DE" dirty="0" err="1" smtClean="0"/>
+              <a:t>the</a:t>
+            </a:r>
+            <a:r>
+              <a:rPr lang="de-DE" dirty="0" smtClean="0"/>
+              <a:t> </a:t>
+            </a:r>
+            <a:r>
+              <a:rPr lang="de-DE" dirty="0" err="1" smtClean="0"/>
+              <a:t>correctness</a:t>
+            </a:r>
+            <a:r>
+              <a:rPr lang="de-DE" dirty="0" smtClean="0"/>
+              <a:t> </a:t>
+            </a:r>
+            <a:r>
+              <a:rPr lang="de-DE" dirty="0" err="1" smtClean="0"/>
+              <a:t>of</a:t>
+            </a:r>
+            <a:r>
+              <a:rPr lang="de-DE" dirty="0" smtClean="0"/>
+              <a:t> </a:t>
+            </a:r>
+            <a:r>
+              <a:rPr lang="de-DE" dirty="0" err="1" smtClean="0"/>
+              <a:t>the</a:t>
+            </a:r>
+            <a:r>
+              <a:rPr lang="de-DE" dirty="0" smtClean="0"/>
+              <a:t> </a:t>
+            </a:r>
+            <a:r>
+              <a:rPr lang="de-DE" dirty="0" err="1" smtClean="0"/>
+              <a:t>implementation</a:t>
+            </a:r>
+            <a:r>
+              <a:rPr lang="de-DE" dirty="0" smtClean="0"/>
+              <a:t> </a:t>
+            </a:r>
+            <a:r>
+              <a:rPr lang="de-DE" dirty="0" err="1" smtClean="0"/>
+              <a:t>of</a:t>
+            </a:r>
+            <a:r>
+              <a:rPr lang="de-DE" dirty="0" smtClean="0"/>
+              <a:t> </a:t>
+            </a:r>
+            <a:r>
+              <a:rPr lang="de-DE" dirty="0" err="1" smtClean="0"/>
+              <a:t>more</a:t>
+            </a:r>
+            <a:r>
+              <a:rPr lang="de-DE" dirty="0" smtClean="0"/>
+              <a:t> </a:t>
+            </a:r>
+            <a:r>
+              <a:rPr lang="de-DE" dirty="0" err="1" smtClean="0"/>
+              <a:t>than</a:t>
+            </a:r>
+            <a:r>
+              <a:rPr lang="de-DE" dirty="0" smtClean="0"/>
+              <a:t> </a:t>
+            </a:r>
+            <a:r>
+              <a:rPr lang="de-DE" dirty="0" err="1" smtClean="0"/>
+              <a:t>one</a:t>
+            </a:r>
+            <a:r>
+              <a:rPr lang="de-DE" dirty="0" smtClean="0"/>
+              <a:t> </a:t>
+            </a:r>
+            <a:r>
+              <a:rPr lang="de-DE" dirty="0" err="1" smtClean="0"/>
+              <a:t>piece</a:t>
+            </a:r>
+            <a:r>
+              <a:rPr lang="de-DE" dirty="0" smtClean="0"/>
+              <a:t> </a:t>
+            </a:r>
+            <a:r>
+              <a:rPr lang="de-DE" dirty="0" err="1" smtClean="0"/>
+              <a:t>of</a:t>
+            </a:r>
+            <a:r>
+              <a:rPr lang="de-DE" dirty="0" smtClean="0"/>
+              <a:t> non-trivial </a:t>
+            </a:r>
+            <a:r>
+              <a:rPr lang="de-DE" dirty="0" err="1" smtClean="0"/>
+              <a:t>behavior</a:t>
+            </a:r>
+            <a:r>
+              <a:rPr lang="de-DE" dirty="0" smtClean="0"/>
+              <a:t>.</a:t>
+            </a:r>
+          </a:p>
+          <a:p>
+            <a:pPr marL="0" marR="0" indent="0" algn="l" defTabSz="914400" rtl="0" eaLnBrk="1" fontAlgn="auto" latinLnBrk="0" hangingPunct="1">
+              <a:lnSpc>
+                <a:spcPct val="100000"/>
+              </a:lnSpc>
+              <a:spcBef>
+                <a:spcPts val="0"/>
+              </a:spcBef>
+              <a:spcAft>
+                <a:spcPts val="0"/>
+              </a:spcAft>
+              <a:buClrTx/>
+              <a:buSzTx/>
+              <a:buFontTx/>
+              <a:buNone/>
+              <a:tabLst/>
+              <a:defRPr/>
+            </a:pPr>
+            <a:endParaRPr lang="de-DE" dirty="0" smtClean="0"/>
+          </a:p>
+          <a:p>
+            <a:pPr marL="0" marR="0" indent="0" algn="l" defTabSz="914400" rtl="0" eaLnBrk="1" fontAlgn="auto" latinLnBrk="0" hangingPunct="1">
+              <a:lnSpc>
+                <a:spcPct val="100000"/>
+              </a:lnSpc>
+              <a:spcBef>
+                <a:spcPts val="0"/>
+              </a:spcBef>
+              <a:spcAft>
+                <a:spcPts val="0"/>
+              </a:spcAft>
+              <a:buClrTx/>
+              <a:buSzTx/>
+              <a:buFontTx/>
+              <a:buNone/>
+              <a:tabLst/>
+              <a:defRPr/>
+            </a:pPr>
+            <a:r>
+              <a:rPr lang="de-DE" dirty="0" smtClean="0"/>
+              <a:t>Unit Tests </a:t>
+            </a:r>
+            <a:r>
+              <a:rPr lang="de-DE" dirty="0" err="1" smtClean="0"/>
+              <a:t>often</a:t>
+            </a:r>
+            <a:r>
+              <a:rPr lang="de-DE" dirty="0" smtClean="0"/>
+              <a:t> not </a:t>
+            </a:r>
+            <a:r>
+              <a:rPr lang="de-DE" dirty="0" err="1" smtClean="0"/>
+              <a:t>enough</a:t>
+            </a:r>
+            <a:r>
+              <a:rPr lang="de-DE" dirty="0" smtClean="0"/>
+              <a:t>. </a:t>
+            </a:r>
+            <a:r>
+              <a:rPr lang="de-DE" dirty="0" err="1" smtClean="0"/>
+              <a:t>Defects</a:t>
+            </a:r>
+            <a:r>
+              <a:rPr lang="de-DE" dirty="0" smtClean="0"/>
+              <a:t> in </a:t>
+            </a:r>
+            <a:r>
+              <a:rPr lang="de-DE" dirty="0" err="1" smtClean="0"/>
+              <a:t>software</a:t>
+            </a:r>
+            <a:r>
+              <a:rPr lang="de-DE" dirty="0" smtClean="0"/>
+              <a:t> </a:t>
+            </a:r>
+            <a:r>
+              <a:rPr lang="de-DE" dirty="0" err="1" smtClean="0"/>
+              <a:t>although</a:t>
+            </a:r>
+            <a:r>
+              <a:rPr lang="de-DE" dirty="0" smtClean="0"/>
+              <a:t> high </a:t>
+            </a:r>
+            <a:r>
+              <a:rPr lang="de-DE" dirty="0" err="1" smtClean="0"/>
+              <a:t>coverage</a:t>
+            </a:r>
+            <a:r>
+              <a:rPr lang="de-DE" dirty="0" smtClean="0"/>
+              <a:t> </a:t>
+            </a:r>
+            <a:r>
+              <a:rPr lang="de-DE" dirty="0" err="1" smtClean="0"/>
+              <a:t>with</a:t>
+            </a:r>
+            <a:r>
+              <a:rPr lang="de-DE" dirty="0" smtClean="0"/>
+              <a:t> </a:t>
+            </a:r>
+            <a:r>
+              <a:rPr lang="de-DE" dirty="0" err="1" smtClean="0"/>
               <a:t>unit</a:t>
             </a:r>
-            <a:endParaRPr lang="de-DE" dirty="0" smtClean="0"/>
-          </a:p>
-          <a:p>
+            <a:r>
+              <a:rPr lang="de-DE" dirty="0" smtClean="0"/>
+              <a:t> </a:t>
+            </a:r>
             <a:r>
               <a:rPr lang="de-DE" dirty="0" err="1" smtClean="0"/>
-              <a:t>Risks</a:t>
-            </a:r>
-            <a:r>
-              <a:rPr lang="de-DE" dirty="0" smtClean="0"/>
-              <a:t> -&gt; </a:t>
-            </a:r>
-            <a:r>
-              <a:rPr lang="de-DE" dirty="0" err="1" smtClean="0"/>
-              <a:t>overengineering</a:t>
-            </a:r>
-            <a:endParaRPr lang="de-DE" dirty="0" smtClean="0"/>
-          </a:p>
-          <a:p>
-            <a:r>
-              <a:rPr lang="de-DE" dirty="0" smtClean="0"/>
-              <a:t>          -&gt;</a:t>
+              <a:t>tests</a:t>
+            </a:r>
+            <a:r>
+              <a:rPr lang="de-DE" baseline="0" dirty="0" smtClean="0"/>
+              <a:t> -&gt; „</a:t>
+            </a:r>
+            <a:r>
+              <a:rPr lang="de-DE" baseline="0" dirty="0" err="1" smtClean="0"/>
+              <a:t>Let‘s</a:t>
             </a:r>
             <a:r>
               <a:rPr lang="de-DE" baseline="0" dirty="0" smtClean="0"/>
@@ -1264,7 +1030,7 @@
             </a:r>
             <a:r>
               <a:rPr lang="de-DE" baseline="0" dirty="0" err="1" smtClean="0"/>
-              <a:t>doesn‘t</a:t>
+              <a:t>write</a:t>
             </a:r>
             <a:r>
               <a:rPr lang="de-DE" baseline="0" dirty="0" smtClean="0"/>
@@ -1272,7 +1038,7 @@
             </a:r>
             <a:r>
               <a:rPr lang="de-DE" baseline="0" dirty="0" err="1" smtClean="0"/>
-              <a:t>meet</a:t>
+              <a:t>integrated</a:t>
             </a:r>
             <a:r>
               <a:rPr lang="de-DE" baseline="0" dirty="0" smtClean="0"/>
@@ -1280,104 +1046,202 @@
             </a:r>
             <a:r>
               <a:rPr lang="de-DE" baseline="0" dirty="0" err="1" smtClean="0"/>
-              <a:t>client‘s</a:t>
+              <a:t>tests</a:t>
             </a:r>
             <a:r>
               <a:rPr lang="de-DE" baseline="0" dirty="0" smtClean="0"/>
+              <a:t>!“</a:t>
+            </a:r>
+          </a:p>
+          <a:p>
+            <a:pPr marL="0" marR="0" indent="0" algn="l" defTabSz="914400" rtl="0" eaLnBrk="1" fontAlgn="auto" latinLnBrk="0" hangingPunct="1">
+              <a:lnSpc>
+                <a:spcPct val="100000"/>
+              </a:lnSpc>
+              <a:spcBef>
+                <a:spcPts val="0"/>
+              </a:spcBef>
+              <a:spcAft>
+                <a:spcPts val="0"/>
+              </a:spcAft>
+              <a:buClrTx/>
+              <a:buSzTx/>
+              <a:buFontTx/>
+              <a:buNone/>
+              <a:tabLst/>
+              <a:defRPr/>
+            </a:pPr>
+            <a:endParaRPr lang="de-DE" baseline="0" dirty="0" smtClean="0"/>
+          </a:p>
+          <a:p>
+            <a:pPr marL="0" marR="0" indent="0" algn="l" defTabSz="914400" rtl="0" eaLnBrk="1" fontAlgn="auto" latinLnBrk="0" hangingPunct="1">
+              <a:lnSpc>
+                <a:spcPct val="100000"/>
+              </a:lnSpc>
+              <a:spcBef>
+                <a:spcPts val="0"/>
+              </a:spcBef>
+              <a:spcAft>
+                <a:spcPts val="0"/>
+              </a:spcAft>
+              <a:buClrTx/>
+              <a:buSzTx/>
+              <a:buFontTx/>
+              <a:buNone/>
+              <a:tabLst/>
+              <a:defRPr/>
+            </a:pPr>
+            <a:r>
+              <a:rPr lang="de-DE" dirty="0" smtClean="0"/>
+              <a:t>BANG - </a:t>
+            </a:r>
+            <a:r>
+              <a:rPr lang="de-DE" dirty="0" err="1" smtClean="0"/>
+              <a:t>Combinatory</a:t>
+            </a:r>
+            <a:r>
+              <a:rPr lang="de-DE" dirty="0" smtClean="0"/>
               <a:t> </a:t>
             </a:r>
             <a:r>
-              <a:rPr lang="de-DE" baseline="0" dirty="0" err="1" smtClean="0"/>
-              <a:t>requirements</a:t>
-            </a:r>
-            <a:endParaRPr lang="de-DE" baseline="0" dirty="0" smtClean="0"/>
-          </a:p>
-          <a:p>
-            <a:endParaRPr lang="de-DE" baseline="0" dirty="0" smtClean="0"/>
-          </a:p>
-          <a:p>
-            <a:r>
-              <a:rPr lang="de-DE" baseline="0" dirty="0" smtClean="0"/>
-              <a:t>Outside-In – </a:t>
-            </a:r>
-            <a:r>
-              <a:rPr lang="de-DE" baseline="0" dirty="0" err="1" smtClean="0"/>
-              <a:t>starts</a:t>
-            </a:r>
-            <a:r>
-              <a:rPr lang="de-DE" baseline="0" dirty="0" smtClean="0"/>
-              <a:t> </a:t>
-            </a:r>
-            <a:r>
-              <a:rPr lang="de-DE" baseline="0" dirty="0" err="1" smtClean="0"/>
-              <a:t>from</a:t>
-            </a:r>
-            <a:r>
-              <a:rPr lang="de-DE" baseline="0" dirty="0" smtClean="0"/>
-              <a:t> </a:t>
-            </a:r>
-            <a:r>
-              <a:rPr lang="de-DE" baseline="0" dirty="0" err="1" smtClean="0"/>
-              <a:t>the</a:t>
-            </a:r>
-            <a:r>
-              <a:rPr lang="de-DE" baseline="0" dirty="0" smtClean="0"/>
-              <a:t> </a:t>
-            </a:r>
-            <a:r>
-              <a:rPr lang="de-DE" baseline="0" dirty="0" err="1" smtClean="0"/>
-              <a:t>clientside</a:t>
-            </a:r>
-            <a:endParaRPr lang="de-DE" baseline="0" dirty="0" smtClean="0"/>
-          </a:p>
-          <a:p>
-            <a:r>
-              <a:rPr lang="de-DE" baseline="0" dirty="0" smtClean="0"/>
-              <a:t>Tests </a:t>
-            </a:r>
-            <a:r>
-              <a:rPr lang="de-DE" baseline="0" dirty="0" err="1" smtClean="0"/>
-              <a:t>are</a:t>
-            </a:r>
-            <a:r>
-              <a:rPr lang="de-DE" baseline="0" dirty="0" smtClean="0"/>
-              <a:t> </a:t>
-            </a:r>
-            <a:r>
-              <a:rPr lang="de-DE" baseline="0" dirty="0" err="1" smtClean="0"/>
-              <a:t>driven</a:t>
-            </a:r>
-            <a:r>
-              <a:rPr lang="de-DE" baseline="0" dirty="0" smtClean="0"/>
-              <a:t> </a:t>
-            </a:r>
-            <a:r>
-              <a:rPr lang="de-DE" baseline="0" dirty="0" err="1" smtClean="0"/>
-              <a:t>by</a:t>
-            </a:r>
-            <a:r>
-              <a:rPr lang="de-DE" baseline="0" dirty="0" smtClean="0"/>
-              <a:t> </a:t>
-            </a:r>
-            <a:r>
-              <a:rPr lang="de-DE" baseline="0" dirty="0" err="1" smtClean="0"/>
-              <a:t>the</a:t>
-            </a:r>
-            <a:r>
-              <a:rPr lang="de-DE" baseline="0" dirty="0" smtClean="0"/>
-              <a:t> </a:t>
-            </a:r>
-            <a:r>
-              <a:rPr lang="de-DE" baseline="0" dirty="0" err="1" smtClean="0"/>
-              <a:t>client</a:t>
-            </a:r>
-            <a:r>
-              <a:rPr lang="de-DE" baseline="0" dirty="0" smtClean="0"/>
-              <a:t> </a:t>
-            </a:r>
-            <a:r>
-              <a:rPr lang="de-DE" baseline="0" dirty="0" err="1" smtClean="0"/>
-              <a:t>usage</a:t>
+              <a:rPr lang="de-DE" dirty="0" err="1" smtClean="0"/>
+              <a:t>explosion</a:t>
+            </a:r>
+            <a:r>
+              <a:rPr lang="de-DE" dirty="0" smtClean="0"/>
+              <a:t>.</a:t>
+            </a:r>
+          </a:p>
+          <a:p>
+            <a:pPr marL="0" marR="0" indent="0" algn="l" defTabSz="914400" rtl="0" eaLnBrk="1" fontAlgn="auto" latinLnBrk="0" hangingPunct="1">
+              <a:lnSpc>
+                <a:spcPct val="100000"/>
+              </a:lnSpc>
+              <a:spcBef>
+                <a:spcPts val="0"/>
+              </a:spcBef>
+              <a:spcAft>
+                <a:spcPts val="0"/>
+              </a:spcAft>
+              <a:buClrTx/>
+              <a:buSzTx/>
+              <a:buFontTx/>
+              <a:buNone/>
+              <a:tabLst/>
+              <a:defRPr/>
+            </a:pPr>
+            <a:r>
+              <a:rPr lang="de-DE" dirty="0" smtClean="0"/>
+              <a:t>----- Besprechungsnotizen (16.05.16 18:24) -----</a:t>
+            </a:r>
+          </a:p>
+          <a:p>
+            <a:pPr marL="0" marR="0" indent="0" algn="l" defTabSz="914400" rtl="0" eaLnBrk="1" fontAlgn="auto" latinLnBrk="0" hangingPunct="1">
+              <a:lnSpc>
+                <a:spcPct val="100000"/>
+              </a:lnSpc>
+              <a:spcBef>
+                <a:spcPts val="0"/>
+              </a:spcBef>
+              <a:spcAft>
+                <a:spcPts val="0"/>
+              </a:spcAft>
+              <a:buClrTx/>
+              <a:buSzTx/>
+              <a:buFontTx/>
+              <a:buNone/>
+              <a:tabLst/>
+              <a:defRPr/>
+            </a:pPr>
+            <a:r>
+              <a:rPr lang="de-DE" dirty="0" smtClean="0"/>
+              <a:t>Testing your functions in an integrated runtime</a:t>
+            </a:r>
+          </a:p>
+          <a:p>
+            <a:pPr marL="0" marR="0" indent="0" algn="l" defTabSz="914400" rtl="0" eaLnBrk="1" fontAlgn="auto" latinLnBrk="0" hangingPunct="1">
+              <a:lnSpc>
+                <a:spcPct val="100000"/>
+              </a:lnSpc>
+              <a:spcBef>
+                <a:spcPts val="0"/>
+              </a:spcBef>
+              <a:spcAft>
+                <a:spcPts val="0"/>
+              </a:spcAft>
+              <a:buClrTx/>
+              <a:buSzTx/>
+              <a:buFontTx/>
+              <a:buNone/>
+              <a:tabLst/>
+              <a:defRPr/>
+            </a:pPr>
+            <a:endParaRPr lang="de-DE" dirty="0" smtClean="0"/>
+          </a:p>
+          <a:p>
+            <a:pPr marL="0" marR="0" indent="0" algn="l" defTabSz="914400" rtl="0" eaLnBrk="1" fontAlgn="auto" latinLnBrk="0" hangingPunct="1">
+              <a:lnSpc>
+                <a:spcPct val="100000"/>
+              </a:lnSpc>
+              <a:spcBef>
+                <a:spcPts val="0"/>
+              </a:spcBef>
+              <a:spcAft>
+                <a:spcPts val="0"/>
+              </a:spcAft>
+              <a:buClrTx/>
+              <a:buSzTx/>
+              <a:buFontTx/>
+              <a:buNone/>
+              <a:tabLst/>
+              <a:defRPr/>
+            </a:pPr>
+            <a:r>
+              <a:rPr lang="de-DE" dirty="0" smtClean="0"/>
+              <a:t>vs.</a:t>
+            </a:r>
+          </a:p>
+          <a:p>
+            <a:pPr marL="0" marR="0" indent="0" algn="l" defTabSz="914400" rtl="0" eaLnBrk="1" fontAlgn="auto" latinLnBrk="0" hangingPunct="1">
+              <a:lnSpc>
+                <a:spcPct val="100000"/>
+              </a:lnSpc>
+              <a:spcBef>
+                <a:spcPts val="0"/>
+              </a:spcBef>
+              <a:spcAft>
+                <a:spcPts val="0"/>
+              </a:spcAft>
+              <a:buClrTx/>
+              <a:buSzTx/>
+              <a:buFontTx/>
+              <a:buNone/>
+              <a:tabLst/>
+              <a:defRPr/>
+            </a:pPr>
+            <a:endParaRPr lang="de-DE" dirty="0" smtClean="0"/>
+          </a:p>
+          <a:p>
+            <a:pPr marL="0" marR="0" indent="0" algn="l" defTabSz="914400" rtl="0" eaLnBrk="1" fontAlgn="auto" latinLnBrk="0" hangingPunct="1">
+              <a:lnSpc>
+                <a:spcPct val="100000"/>
+              </a:lnSpc>
+              <a:spcBef>
+                <a:spcPts val="0"/>
+              </a:spcBef>
+              <a:spcAft>
+                <a:spcPts val="0"/>
+              </a:spcAft>
+              <a:buClrTx/>
+              <a:buSzTx/>
+              <a:buFontTx/>
+              <a:buNone/>
+              <a:tabLst/>
+              <a:defRPr/>
+            </a:pPr>
+            <a:r>
+              <a:rPr lang="de-DE" dirty="0" smtClean="0"/>
+              <a:t>Test that your modules work even when integrated</a:t>
             </a:r>
             <a:endParaRPr lang="de-DE" dirty="0"/>
           </a:p>
@@ -1401,6 +1265,271 @@
             <a:fld id="{C409E338-0634-4D54-A97B-56A83111FA06}" type="slidenum">
               <a:rPr lang="de-DE" smtClean="0"/>
               <a:pPr/>
+              <a:t>4</a:t>
+            </a:fld>
+            <a:endParaRPr lang="de-DE"/>
+          </a:p>
+        </p:txBody>
+      </p:sp>
+    </p:spTree>
+    <p:extLst>
+      <p:ext uri="{BB962C8B-B14F-4D97-AF65-F5344CB8AC3E}">
+        <p14:creationId xmlns:p14="http://schemas.microsoft.com/office/powerpoint/2010/main" xmlns="" val="2883834159"/>
+      </p:ext>
+    </p:extLst>
+  </p:cSld>
+  <p:clrMapOvr>
+    <a:masterClrMapping/>
+  </p:clrMapOvr>
+</p:notes>
+</file>
+
+<file path=ppt/notesSlides/notesSlide3.xml><?xml version="1.0" encoding="utf-8"?>
+<p:notes xmlns:a="http://schemas.openxmlformats.org/drawingml/2006/main" xmlns:r="http://schemas.openxmlformats.org/officeDocument/2006/relationships" xmlns:p="http://schemas.openxmlformats.org/presentationml/2006/main">
+  <p:cSld>
+    <p:spTree>
+      <p:nvGrpSpPr>
+        <p:cNvPr id="1" name=""/>
+        <p:cNvGrpSpPr/>
+        <p:nvPr/>
+      </p:nvGrpSpPr>
+      <p:grpSpPr>
+        <a:xfrm>
+          <a:off x="0" y="0"/>
+          <a:ext cx="0" cy="0"/>
+          <a:chOff x="0" y="0"/>
+          <a:chExt cx="0" cy="0"/>
+        </a:xfrm>
+      </p:grpSpPr>
+      <p:sp>
+        <p:nvSpPr>
+          <p:cNvPr id="2" name="Folienbildplatzhalter 1"/>
+          <p:cNvSpPr>
+            <a:spLocks noGrp="1" noRot="1" noChangeAspect="1"/>
+          </p:cNvSpPr>
+          <p:nvPr>
+            <p:ph type="sldImg"/>
+          </p:nvPr>
+        </p:nvSpPr>
+        <p:spPr>
+          <a:xfrm>
+            <a:off x="381000" y="685800"/>
+            <a:ext cx="6096000" cy="3429000"/>
+          </a:xfrm>
+        </p:spPr>
+      </p:sp>
+      <p:sp>
+        <p:nvSpPr>
+          <p:cNvPr id="3" name="Notizenplatzhalter 2"/>
+          <p:cNvSpPr>
+            <a:spLocks noGrp="1"/>
+          </p:cNvSpPr>
+          <p:nvPr>
+            <p:ph type="body" idx="1"/>
+          </p:nvPr>
+        </p:nvSpPr>
+        <p:spPr/>
+        <p:txBody>
+          <a:bodyPr/>
+          <a:lstStyle/>
+          <a:p>
+            <a:r>
+              <a:rPr lang="de-DE" dirty="0" smtClean="0"/>
+              <a:t>Inside-Out – Starts </a:t>
+            </a:r>
+            <a:r>
+              <a:rPr lang="de-DE" dirty="0" err="1" smtClean="0"/>
+              <a:t>from</a:t>
+            </a:r>
+            <a:r>
+              <a:rPr lang="de-DE" dirty="0" smtClean="0"/>
+              <a:t> </a:t>
+            </a:r>
+            <a:r>
+              <a:rPr lang="de-DE" dirty="0" err="1" smtClean="0"/>
+              <a:t>the</a:t>
+            </a:r>
+            <a:r>
+              <a:rPr lang="de-DE" dirty="0" smtClean="0"/>
+              <a:t> </a:t>
+            </a:r>
+            <a:r>
+              <a:rPr lang="de-DE" dirty="0" err="1" smtClean="0"/>
+              <a:t>innermost</a:t>
+            </a:r>
+            <a:r>
+              <a:rPr lang="de-DE" dirty="0" smtClean="0"/>
+              <a:t> </a:t>
+            </a:r>
+            <a:r>
+              <a:rPr lang="de-DE" dirty="0" err="1" smtClean="0"/>
+              <a:t>unit</a:t>
+            </a:r>
+            <a:endParaRPr lang="de-DE" dirty="0" smtClean="0"/>
+          </a:p>
+          <a:p>
+            <a:r>
+              <a:rPr lang="de-DE" dirty="0" err="1" smtClean="0"/>
+              <a:t>Risks</a:t>
+            </a:r>
+            <a:r>
+              <a:rPr lang="de-DE" dirty="0" smtClean="0"/>
+              <a:t> -&gt; </a:t>
+            </a:r>
+            <a:r>
+              <a:rPr lang="de-DE" dirty="0" err="1" smtClean="0"/>
+              <a:t>overengineering</a:t>
+            </a:r>
+            <a:endParaRPr lang="de-DE" dirty="0" smtClean="0"/>
+          </a:p>
+          <a:p>
+            <a:r>
+              <a:rPr lang="de-DE" dirty="0" smtClean="0"/>
+              <a:t>          -&gt;</a:t>
+            </a:r>
+            <a:r>
+              <a:rPr lang="de-DE" baseline="0" dirty="0" smtClean="0"/>
+              <a:t> </a:t>
+            </a:r>
+            <a:r>
+              <a:rPr lang="de-DE" baseline="0" dirty="0" err="1" smtClean="0"/>
+              <a:t>doesn‘t</a:t>
+            </a:r>
+            <a:r>
+              <a:rPr lang="de-DE" baseline="0" dirty="0" smtClean="0"/>
+              <a:t> </a:t>
+            </a:r>
+            <a:r>
+              <a:rPr lang="de-DE" baseline="0" dirty="0" err="1" smtClean="0"/>
+              <a:t>meet</a:t>
+            </a:r>
+            <a:r>
+              <a:rPr lang="de-DE" baseline="0" dirty="0" smtClean="0"/>
+              <a:t> </a:t>
+            </a:r>
+            <a:r>
+              <a:rPr lang="de-DE" baseline="0" dirty="0" err="1" smtClean="0"/>
+              <a:t>client‘s</a:t>
+            </a:r>
+            <a:r>
+              <a:rPr lang="de-DE" baseline="0" dirty="0" smtClean="0"/>
+              <a:t> </a:t>
+            </a:r>
+            <a:r>
+              <a:rPr lang="de-DE" baseline="0" dirty="0" err="1" smtClean="0"/>
+              <a:t>requirements</a:t>
+            </a:r>
+            <a:endParaRPr lang="de-DE" baseline="0" dirty="0" smtClean="0"/>
+          </a:p>
+          <a:p>
+            <a:endParaRPr lang="de-DE" baseline="0" dirty="0" smtClean="0"/>
+          </a:p>
+          <a:p>
+            <a:r>
+              <a:rPr lang="de-DE" baseline="0" dirty="0" smtClean="0"/>
+              <a:t>Outside-In – </a:t>
+            </a:r>
+            <a:r>
+              <a:rPr lang="de-DE" baseline="0" dirty="0" err="1" smtClean="0"/>
+              <a:t>starts</a:t>
+            </a:r>
+            <a:r>
+              <a:rPr lang="de-DE" baseline="0" dirty="0" smtClean="0"/>
+              <a:t> </a:t>
+            </a:r>
+            <a:r>
+              <a:rPr lang="de-DE" baseline="0" dirty="0" err="1" smtClean="0"/>
+              <a:t>from</a:t>
+            </a:r>
+            <a:r>
+              <a:rPr lang="de-DE" baseline="0" dirty="0" smtClean="0"/>
+              <a:t> </a:t>
+            </a:r>
+            <a:r>
+              <a:rPr lang="de-DE" baseline="0" dirty="0" err="1" smtClean="0"/>
+              <a:t>the</a:t>
+            </a:r>
+            <a:r>
+              <a:rPr lang="de-DE" baseline="0" dirty="0" smtClean="0"/>
+              <a:t> </a:t>
+            </a:r>
+            <a:r>
+              <a:rPr lang="de-DE" baseline="0" dirty="0" err="1" smtClean="0"/>
+              <a:t>clientside</a:t>
+            </a:r>
+            <a:endParaRPr lang="de-DE" baseline="0" dirty="0" smtClean="0"/>
+          </a:p>
+          <a:p>
+            <a:r>
+              <a:rPr lang="de-DE" baseline="0" dirty="0" smtClean="0"/>
+              <a:t>Tests </a:t>
+            </a:r>
+            <a:r>
+              <a:rPr lang="de-DE" baseline="0" dirty="0" err="1" smtClean="0"/>
+              <a:t>are</a:t>
+            </a:r>
+            <a:r>
+              <a:rPr lang="de-DE" baseline="0" dirty="0" smtClean="0"/>
+              <a:t> </a:t>
+            </a:r>
+            <a:r>
+              <a:rPr lang="de-DE" baseline="0" dirty="0" err="1" smtClean="0"/>
+              <a:t>driven</a:t>
+            </a:r>
+            <a:r>
+              <a:rPr lang="de-DE" baseline="0" dirty="0" smtClean="0"/>
+              <a:t> </a:t>
+            </a:r>
+            <a:r>
+              <a:rPr lang="de-DE" baseline="0" dirty="0" err="1" smtClean="0"/>
+              <a:t>by</a:t>
+            </a:r>
+            <a:r>
+              <a:rPr lang="de-DE" baseline="0" dirty="0" smtClean="0"/>
+              <a:t> </a:t>
+            </a:r>
+            <a:r>
+              <a:rPr lang="de-DE" baseline="0" dirty="0" err="1" smtClean="0"/>
+              <a:t>the</a:t>
+            </a:r>
+            <a:r>
+              <a:rPr lang="de-DE" baseline="0" dirty="0" smtClean="0"/>
+              <a:t> </a:t>
+            </a:r>
+            <a:r>
+              <a:rPr lang="de-DE" baseline="0" dirty="0" err="1" smtClean="0"/>
+              <a:t>client</a:t>
+            </a:r>
+            <a:r>
+              <a:rPr lang="de-DE" baseline="0" dirty="0" smtClean="0"/>
+              <a:t> </a:t>
+            </a:r>
+            <a:r>
+              <a:rPr lang="de-DE" baseline="0" dirty="0" err="1" smtClean="0"/>
+              <a:t>usage</a:t>
+            </a:r>
+            <a:endParaRPr lang="de-DE" dirty="0"/>
+          </a:p>
+        </p:txBody>
+      </p:sp>
+      <p:sp>
+        <p:nvSpPr>
+          <p:cNvPr id="4" name="Foliennummernplatzhalter 3"/>
+          <p:cNvSpPr>
+            <a:spLocks noGrp="1"/>
+          </p:cNvSpPr>
+          <p:nvPr>
+            <p:ph type="sldNum" sz="quarter" idx="10"/>
+          </p:nvPr>
+        </p:nvSpPr>
+        <p:spPr/>
+        <p:txBody>
+          <a:bodyPr/>
+          <a:lstStyle/>
+          <a:p>
+            <a:fld id="{C409E338-0634-4D54-A97B-56A83111FA06}" type="slidenum">
+              <a:rPr lang="de-DE" smtClean="0"/>
+              <a:pPr/>
               <a:t>6</a:t>
             </a:fld>
             <a:endParaRPr lang="de-DE"/>
@@ -1420,7 +1549,913 @@
 </p:notes>
 </file>
 
-<file path=ppt/notesSlides/notesSlide3.xml><?xml version="1.0" encoding="utf-8"?>
+<file path=ppt/notesSlides/notesSlide4.xml><?xml version="1.0" encoding="utf-8"?>
+<p:notes xmlns:a="http://schemas.openxmlformats.org/drawingml/2006/main" xmlns:r="http://schemas.openxmlformats.org/officeDocument/2006/relationships" xmlns:p="http://schemas.openxmlformats.org/presentationml/2006/main">
+  <p:cSld>
+    <p:spTree>
+      <p:nvGrpSpPr>
+        <p:cNvPr id="1" name=""/>
+        <p:cNvGrpSpPr/>
+        <p:nvPr/>
+      </p:nvGrpSpPr>
+      <p:grpSpPr>
+        <a:xfrm>
+          <a:off x="0" y="0"/>
+          <a:ext cx="0" cy="0"/>
+          <a:chOff x="0" y="0"/>
+          <a:chExt cx="0" cy="0"/>
+        </a:xfrm>
+      </p:grpSpPr>
+      <p:sp>
+        <p:nvSpPr>
+          <p:cNvPr id="2" name="Folienbildplatzhalter 1"/>
+          <p:cNvSpPr>
+            <a:spLocks noGrp="1" noRot="1" noChangeAspect="1"/>
+          </p:cNvSpPr>
+          <p:nvPr>
+            <p:ph type="sldImg"/>
+          </p:nvPr>
+        </p:nvSpPr>
+        <p:spPr>
+          <a:xfrm>
+            <a:off x="381000" y="685800"/>
+            <a:ext cx="6096000" cy="3429000"/>
+          </a:xfrm>
+        </p:spPr>
+      </p:sp>
+      <p:sp>
+        <p:nvSpPr>
+          <p:cNvPr id="3" name="Notizenplatzhalter 2"/>
+          <p:cNvSpPr>
+            <a:spLocks noGrp="1"/>
+          </p:cNvSpPr>
+          <p:nvPr>
+            <p:ph type="body" idx="1"/>
+          </p:nvPr>
+        </p:nvSpPr>
+        <p:spPr/>
+        <p:txBody>
+          <a:bodyPr>
+            <a:normAutofit/>
+          </a:bodyPr>
+          <a:lstStyle/>
+          <a:p>
+            <a:r>
+              <a:rPr lang="de-DE" dirty="0" err="1" smtClean="0"/>
+              <a:t>Your</a:t>
+            </a:r>
+            <a:r>
+              <a:rPr lang="de-DE" dirty="0" smtClean="0"/>
+              <a:t> </a:t>
+            </a:r>
+            <a:r>
+              <a:rPr lang="de-DE" dirty="0" err="1" smtClean="0"/>
+              <a:t>girlfriend</a:t>
+            </a:r>
+            <a:r>
+              <a:rPr lang="de-DE" dirty="0" smtClean="0"/>
+              <a:t> </a:t>
+            </a:r>
+            <a:r>
+              <a:rPr lang="de-DE" dirty="0" err="1" smtClean="0"/>
+              <a:t>orders</a:t>
+            </a:r>
+            <a:r>
+              <a:rPr lang="de-DE" dirty="0" smtClean="0"/>
+              <a:t> </a:t>
+            </a:r>
+            <a:r>
+              <a:rPr lang="de-DE" dirty="0" err="1" smtClean="0"/>
+              <a:t>Mititei</a:t>
+            </a:r>
+            <a:endParaRPr lang="de-DE" dirty="0" smtClean="0"/>
+          </a:p>
+          <a:p>
+            <a:r>
+              <a:rPr lang="de-DE" dirty="0" err="1" smtClean="0"/>
+              <a:t>You</a:t>
+            </a:r>
+            <a:r>
+              <a:rPr lang="de-DE" dirty="0" smtClean="0"/>
+              <a:t> </a:t>
+            </a:r>
+            <a:r>
+              <a:rPr lang="de-DE" dirty="0" err="1" smtClean="0"/>
+              <a:t>want</a:t>
+            </a:r>
+            <a:r>
+              <a:rPr lang="de-DE" dirty="0" smtClean="0"/>
+              <a:t> her </a:t>
+            </a:r>
+            <a:r>
+              <a:rPr lang="de-DE" dirty="0" err="1" smtClean="0"/>
+              <a:t>to</a:t>
+            </a:r>
+            <a:r>
+              <a:rPr lang="de-DE" dirty="0" smtClean="0"/>
+              <a:t> </a:t>
+            </a:r>
+            <a:r>
+              <a:rPr lang="de-DE" dirty="0" err="1" smtClean="0"/>
+              <a:t>have</a:t>
+            </a:r>
+            <a:r>
+              <a:rPr lang="de-DE" dirty="0" smtClean="0"/>
+              <a:t> </a:t>
+            </a:r>
+            <a:r>
+              <a:rPr lang="de-DE" dirty="0" err="1" smtClean="0"/>
+              <a:t>healthy</a:t>
+            </a:r>
+            <a:r>
+              <a:rPr lang="de-DE" dirty="0" smtClean="0"/>
+              <a:t> </a:t>
+            </a:r>
+            <a:r>
+              <a:rPr lang="de-DE" dirty="0" err="1" smtClean="0"/>
+              <a:t>food</a:t>
+            </a:r>
+            <a:endParaRPr lang="de-DE" dirty="0" smtClean="0"/>
+          </a:p>
+          <a:p>
+            <a:r>
+              <a:rPr lang="de-DE" dirty="0" smtClean="0"/>
+              <a:t>The </a:t>
+            </a:r>
+            <a:r>
+              <a:rPr lang="de-DE" dirty="0" err="1" smtClean="0"/>
+              <a:t>waiter</a:t>
+            </a:r>
+            <a:r>
+              <a:rPr lang="de-DE" dirty="0" smtClean="0"/>
+              <a:t> </a:t>
+            </a:r>
+            <a:r>
+              <a:rPr lang="de-DE" dirty="0" err="1" smtClean="0"/>
+              <a:t>brings</a:t>
+            </a:r>
+            <a:r>
+              <a:rPr lang="de-DE" dirty="0" smtClean="0"/>
+              <a:t> </a:t>
+            </a:r>
+            <a:r>
+              <a:rPr lang="de-DE" dirty="0" err="1" smtClean="0"/>
+              <a:t>Mititei</a:t>
+            </a:r>
+            <a:endParaRPr lang="de-DE" dirty="0" smtClean="0"/>
+          </a:p>
+          <a:p>
+            <a:r>
+              <a:rPr lang="de-DE" dirty="0" err="1" smtClean="0"/>
+              <a:t>She</a:t>
+            </a:r>
+            <a:r>
+              <a:rPr lang="de-DE" dirty="0" smtClean="0"/>
+              <a:t> </a:t>
+            </a:r>
+            <a:r>
+              <a:rPr lang="de-DE" dirty="0" err="1" smtClean="0"/>
+              <a:t>looks</a:t>
+            </a:r>
+            <a:r>
+              <a:rPr lang="de-DE" dirty="0" smtClean="0"/>
+              <a:t> </a:t>
+            </a:r>
+            <a:r>
+              <a:rPr lang="de-DE" dirty="0" err="1" smtClean="0"/>
+              <a:t>away</a:t>
+            </a:r>
+            <a:r>
+              <a:rPr lang="de-DE" dirty="0" smtClean="0"/>
+              <a:t> – </a:t>
+            </a:r>
+            <a:r>
+              <a:rPr lang="de-DE" dirty="0" err="1" smtClean="0"/>
+              <a:t>and</a:t>
+            </a:r>
+            <a:r>
+              <a:rPr lang="de-DE" dirty="0" smtClean="0"/>
+              <a:t> </a:t>
+            </a:r>
+            <a:r>
+              <a:rPr lang="de-DE" dirty="0" err="1" smtClean="0"/>
+              <a:t>suddenly</a:t>
+            </a:r>
+            <a:r>
+              <a:rPr lang="de-DE" dirty="0" smtClean="0"/>
+              <a:t> (</a:t>
+            </a:r>
+            <a:r>
+              <a:rPr lang="de-DE" dirty="0" err="1" smtClean="0"/>
+              <a:t>magically</a:t>
+            </a:r>
+            <a:r>
+              <a:rPr lang="de-DE" dirty="0" smtClean="0"/>
+              <a:t>) </a:t>
+            </a:r>
+            <a:r>
+              <a:rPr lang="de-DE" dirty="0" err="1" smtClean="0"/>
+              <a:t>it</a:t>
+            </a:r>
+            <a:r>
+              <a:rPr lang="de-DE" dirty="0" smtClean="0"/>
+              <a:t> </a:t>
+            </a:r>
+            <a:r>
+              <a:rPr lang="de-DE" dirty="0" err="1" smtClean="0"/>
+              <a:t>becomes</a:t>
+            </a:r>
+            <a:r>
+              <a:rPr lang="de-DE" baseline="0" dirty="0" smtClean="0"/>
+              <a:t> </a:t>
+            </a:r>
+            <a:r>
+              <a:rPr lang="de-DE" baseline="0" dirty="0" err="1" smtClean="0"/>
+              <a:t>spinach</a:t>
+            </a:r>
+            <a:endParaRPr lang="de-DE" baseline="0" dirty="0" smtClean="0"/>
+          </a:p>
+          <a:p>
+            <a:endParaRPr lang="de-DE" baseline="0" dirty="0" smtClean="0"/>
+          </a:p>
+          <a:p>
+            <a:r>
+              <a:rPr lang="de-DE" baseline="0" dirty="0" smtClean="0"/>
+              <a:t>Cool / </a:t>
+            </a:r>
+            <a:r>
+              <a:rPr lang="de-DE" baseline="0" dirty="0" err="1" smtClean="0"/>
+              <a:t>Spooky</a:t>
+            </a:r>
+            <a:endParaRPr lang="de-DE" dirty="0"/>
+          </a:p>
+        </p:txBody>
+      </p:sp>
+      <p:sp>
+        <p:nvSpPr>
+          <p:cNvPr id="4" name="Foliennummernplatzhalter 3"/>
+          <p:cNvSpPr>
+            <a:spLocks noGrp="1"/>
+          </p:cNvSpPr>
+          <p:nvPr>
+            <p:ph type="sldNum" sz="quarter" idx="10"/>
+          </p:nvPr>
+        </p:nvSpPr>
+        <p:spPr/>
+        <p:txBody>
+          <a:bodyPr/>
+          <a:lstStyle/>
+          <a:p>
+            <a:fld id="{C409E338-0634-4D54-A97B-56A83111FA06}" type="slidenum">
+              <a:rPr lang="de-DE" smtClean="0"/>
+              <a:pPr/>
+              <a:t>7</a:t>
+            </a:fld>
+            <a:endParaRPr lang="de-DE"/>
+          </a:p>
+        </p:txBody>
+      </p:sp>
+    </p:spTree>
+  </p:cSld>
+  <p:clrMapOvr>
+    <a:masterClrMapping/>
+  </p:clrMapOvr>
+</p:notes>
+</file>
+
+<file path=ppt/notesSlides/notesSlide5.xml><?xml version="1.0" encoding="utf-8"?>
+<p:notes xmlns:a="http://schemas.openxmlformats.org/drawingml/2006/main" xmlns:r="http://schemas.openxmlformats.org/officeDocument/2006/relationships" xmlns:p="http://schemas.openxmlformats.org/presentationml/2006/main">
+  <p:cSld>
+    <p:spTree>
+      <p:nvGrpSpPr>
+        <p:cNvPr id="1" name=""/>
+        <p:cNvGrpSpPr/>
+        <p:nvPr/>
+      </p:nvGrpSpPr>
+      <p:grpSpPr>
+        <a:xfrm>
+          <a:off x="0" y="0"/>
+          <a:ext cx="0" cy="0"/>
+          <a:chOff x="0" y="0"/>
+          <a:chExt cx="0" cy="0"/>
+        </a:xfrm>
+      </p:grpSpPr>
+      <p:sp>
+        <p:nvSpPr>
+          <p:cNvPr id="2" name="Folienbildplatzhalter 1"/>
+          <p:cNvSpPr>
+            <a:spLocks noGrp="1" noRot="1" noChangeAspect="1"/>
+          </p:cNvSpPr>
+          <p:nvPr>
+            <p:ph type="sldImg"/>
+          </p:nvPr>
+        </p:nvSpPr>
+        <p:spPr>
+          <a:xfrm>
+            <a:off x="381000" y="685800"/>
+            <a:ext cx="6096000" cy="3429000"/>
+          </a:xfrm>
+        </p:spPr>
+      </p:sp>
+      <p:sp>
+        <p:nvSpPr>
+          <p:cNvPr id="3" name="Notizenplatzhalter 2"/>
+          <p:cNvSpPr>
+            <a:spLocks noGrp="1"/>
+          </p:cNvSpPr>
+          <p:nvPr>
+            <p:ph type="body" idx="1"/>
+          </p:nvPr>
+        </p:nvSpPr>
+        <p:spPr/>
+        <p:txBody>
+          <a:bodyPr>
+            <a:normAutofit/>
+          </a:bodyPr>
+          <a:lstStyle/>
+          <a:p>
+            <a:endParaRPr lang="de-DE" dirty="0"/>
+          </a:p>
+        </p:txBody>
+      </p:sp>
+      <p:sp>
+        <p:nvSpPr>
+          <p:cNvPr id="4" name="Foliennummernplatzhalter 3"/>
+          <p:cNvSpPr>
+            <a:spLocks noGrp="1"/>
+          </p:cNvSpPr>
+          <p:nvPr>
+            <p:ph type="sldNum" sz="quarter" idx="10"/>
+          </p:nvPr>
+        </p:nvSpPr>
+        <p:spPr/>
+        <p:txBody>
+          <a:bodyPr/>
+          <a:lstStyle/>
+          <a:p>
+            <a:fld id="{C409E338-0634-4D54-A97B-56A83111FA06}" type="slidenum">
+              <a:rPr lang="de-DE" smtClean="0"/>
+              <a:pPr/>
+              <a:t>8</a:t>
+            </a:fld>
+            <a:endParaRPr lang="de-DE"/>
+          </a:p>
+        </p:txBody>
+      </p:sp>
+    </p:spTree>
+  </p:cSld>
+  <p:clrMapOvr>
+    <a:masterClrMapping/>
+  </p:clrMapOvr>
+</p:notes>
+</file>
+
+<file path=ppt/notesSlides/notesSlide6.xml><?xml version="1.0" encoding="utf-8"?>
+<p:notes xmlns:a="http://schemas.openxmlformats.org/drawingml/2006/main" xmlns:r="http://schemas.openxmlformats.org/officeDocument/2006/relationships" xmlns:p="http://schemas.openxmlformats.org/presentationml/2006/main">
+  <p:cSld>
+    <p:spTree>
+      <p:nvGrpSpPr>
+        <p:cNvPr id="1" name=""/>
+        <p:cNvGrpSpPr/>
+        <p:nvPr/>
+      </p:nvGrpSpPr>
+      <p:grpSpPr>
+        <a:xfrm>
+          <a:off x="0" y="0"/>
+          <a:ext cx="0" cy="0"/>
+          <a:chOff x="0" y="0"/>
+          <a:chExt cx="0" cy="0"/>
+        </a:xfrm>
+      </p:grpSpPr>
+      <p:sp>
+        <p:nvSpPr>
+          <p:cNvPr id="2" name="Folienbildplatzhalter 1"/>
+          <p:cNvSpPr>
+            <a:spLocks noGrp="1" noRot="1" noChangeAspect="1"/>
+          </p:cNvSpPr>
+          <p:nvPr>
+            <p:ph type="sldImg"/>
+          </p:nvPr>
+        </p:nvSpPr>
+        <p:spPr>
+          <a:xfrm>
+            <a:off x="381000" y="685800"/>
+            <a:ext cx="6096000" cy="3429000"/>
+          </a:xfrm>
+        </p:spPr>
+      </p:sp>
+      <p:sp>
+        <p:nvSpPr>
+          <p:cNvPr id="3" name="Notizenplatzhalter 2"/>
+          <p:cNvSpPr>
+            <a:spLocks noGrp="1"/>
+          </p:cNvSpPr>
+          <p:nvPr>
+            <p:ph type="body" idx="1"/>
+          </p:nvPr>
+        </p:nvSpPr>
+        <p:spPr/>
+        <p:txBody>
+          <a:bodyPr>
+            <a:normAutofit/>
+          </a:bodyPr>
+          <a:lstStyle/>
+          <a:p>
+            <a:endParaRPr lang="de-DE" dirty="0"/>
+          </a:p>
+        </p:txBody>
+      </p:sp>
+      <p:sp>
+        <p:nvSpPr>
+          <p:cNvPr id="4" name="Foliennummernplatzhalter 3"/>
+          <p:cNvSpPr>
+            <a:spLocks noGrp="1"/>
+          </p:cNvSpPr>
+          <p:nvPr>
+            <p:ph type="sldNum" sz="quarter" idx="10"/>
+          </p:nvPr>
+        </p:nvSpPr>
+        <p:spPr/>
+        <p:txBody>
+          <a:bodyPr/>
+          <a:lstStyle/>
+          <a:p>
+            <a:fld id="{C409E338-0634-4D54-A97B-56A83111FA06}" type="slidenum">
+              <a:rPr lang="de-DE" smtClean="0"/>
+              <a:pPr/>
+              <a:t>9</a:t>
+            </a:fld>
+            <a:endParaRPr lang="de-DE"/>
+          </a:p>
+        </p:txBody>
+      </p:sp>
+    </p:spTree>
+  </p:cSld>
+  <p:clrMapOvr>
+    <a:masterClrMapping/>
+  </p:clrMapOvr>
+</p:notes>
+</file>
+
+<file path=ppt/notesSlides/notesSlide7.xml><?xml version="1.0" encoding="utf-8"?>
+<p:notes xmlns:a="http://schemas.openxmlformats.org/drawingml/2006/main" xmlns:r="http://schemas.openxmlformats.org/officeDocument/2006/relationships" xmlns:p="http://schemas.openxmlformats.org/presentationml/2006/main">
+  <p:cSld>
+    <p:spTree>
+      <p:nvGrpSpPr>
+        <p:cNvPr id="1" name=""/>
+        <p:cNvGrpSpPr/>
+        <p:nvPr/>
+      </p:nvGrpSpPr>
+      <p:grpSpPr>
+        <a:xfrm>
+          <a:off x="0" y="0"/>
+          <a:ext cx="0" cy="0"/>
+          <a:chOff x="0" y="0"/>
+          <a:chExt cx="0" cy="0"/>
+        </a:xfrm>
+      </p:grpSpPr>
+      <p:sp>
+        <p:nvSpPr>
+          <p:cNvPr id="2" name="Folienbildplatzhalter 1"/>
+          <p:cNvSpPr>
+            <a:spLocks noGrp="1" noRot="1" noChangeAspect="1"/>
+          </p:cNvSpPr>
+          <p:nvPr>
+            <p:ph type="sldImg"/>
+          </p:nvPr>
+        </p:nvSpPr>
+        <p:spPr>
+          <a:xfrm>
+            <a:off x="381000" y="685800"/>
+            <a:ext cx="6096000" cy="3429000"/>
+          </a:xfrm>
+        </p:spPr>
+      </p:sp>
+      <p:sp>
+        <p:nvSpPr>
+          <p:cNvPr id="3" name="Notizenplatzhalter 2"/>
+          <p:cNvSpPr>
+            <a:spLocks noGrp="1"/>
+          </p:cNvSpPr>
+          <p:nvPr>
+            <p:ph type="body" idx="1"/>
+          </p:nvPr>
+        </p:nvSpPr>
+        <p:spPr/>
+        <p:txBody>
+          <a:bodyPr/>
+          <a:lstStyle/>
+          <a:p>
+            <a:r>
+              <a:rPr lang="de-DE" dirty="0" err="1" smtClean="0"/>
+              <a:t>Generic</a:t>
+            </a:r>
+            <a:r>
+              <a:rPr lang="de-DE" dirty="0" smtClean="0"/>
+              <a:t> Term </a:t>
+            </a:r>
+            <a:r>
+              <a:rPr lang="de-DE" dirty="0" err="1" smtClean="0"/>
+              <a:t>for</a:t>
+            </a:r>
+            <a:r>
+              <a:rPr lang="de-DE" dirty="0" smtClean="0"/>
+              <a:t> </a:t>
+            </a:r>
+            <a:r>
+              <a:rPr lang="de-DE" dirty="0" err="1" smtClean="0"/>
+              <a:t>replacing</a:t>
+            </a:r>
+            <a:r>
+              <a:rPr lang="de-DE" dirty="0" smtClean="0"/>
+              <a:t> </a:t>
+            </a:r>
+            <a:r>
+              <a:rPr lang="de-DE" dirty="0" err="1" smtClean="0"/>
+              <a:t>production</a:t>
+            </a:r>
+            <a:r>
+              <a:rPr lang="de-DE" dirty="0" smtClean="0"/>
+              <a:t> </a:t>
+            </a:r>
+            <a:r>
+              <a:rPr lang="de-DE" dirty="0" err="1" smtClean="0"/>
+              <a:t>code</a:t>
+            </a:r>
+            <a:r>
+              <a:rPr lang="de-DE" dirty="0" smtClean="0"/>
+              <a:t> </a:t>
+            </a:r>
+            <a:r>
+              <a:rPr lang="de-DE" dirty="0" err="1" smtClean="0"/>
+              <a:t>inside</a:t>
+            </a:r>
+            <a:r>
+              <a:rPr lang="de-DE" dirty="0" smtClean="0"/>
+              <a:t> </a:t>
+            </a:r>
+            <a:r>
+              <a:rPr lang="de-DE" dirty="0" err="1" smtClean="0"/>
+              <a:t>tests</a:t>
+            </a:r>
+            <a:endParaRPr lang="de-DE" dirty="0" smtClean="0"/>
+          </a:p>
+          <a:p>
+            <a:r>
+              <a:rPr lang="de-DE" dirty="0" smtClean="0"/>
+              <a:t>JAVA</a:t>
+            </a:r>
+          </a:p>
+          <a:p>
+            <a:pPr marL="0" marR="0" indent="0" algn="l" defTabSz="914400" rtl="0" eaLnBrk="1" fontAlgn="auto" latinLnBrk="0" hangingPunct="1">
+              <a:lnSpc>
+                <a:spcPct val="100000"/>
+              </a:lnSpc>
+              <a:spcBef>
+                <a:spcPts val="0"/>
+              </a:spcBef>
+              <a:spcAft>
+                <a:spcPts val="0"/>
+              </a:spcAft>
+              <a:buClrTx/>
+              <a:buSzTx/>
+              <a:buFontTx/>
+              <a:buNone/>
+              <a:tabLst/>
+              <a:defRPr/>
+            </a:pPr>
+            <a:r>
+              <a:rPr lang="de-DE" dirty="0" smtClean="0"/>
+              <a:t>JAVA</a:t>
+            </a:r>
+          </a:p>
+          <a:p>
+            <a:pPr marL="0" marR="0" indent="0" algn="l" defTabSz="914400" rtl="0" eaLnBrk="1" fontAlgn="auto" latinLnBrk="0" hangingPunct="1">
+              <a:lnSpc>
+                <a:spcPct val="100000"/>
+              </a:lnSpc>
+              <a:spcBef>
+                <a:spcPts val="0"/>
+              </a:spcBef>
+              <a:spcAft>
+                <a:spcPts val="0"/>
+              </a:spcAft>
+              <a:buClrTx/>
+              <a:buSzTx/>
+              <a:buFontTx/>
+              <a:buNone/>
+              <a:tabLst/>
+              <a:defRPr/>
+            </a:pPr>
+            <a:r>
+              <a:rPr lang="de-DE" dirty="0" smtClean="0"/>
+              <a:t>JAVA</a:t>
+            </a:r>
+          </a:p>
+          <a:p>
+            <a:pPr marL="0" marR="0" indent="0" algn="l" defTabSz="914400" rtl="0" eaLnBrk="1" fontAlgn="auto" latinLnBrk="0" hangingPunct="1">
+              <a:lnSpc>
+                <a:spcPct val="100000"/>
+              </a:lnSpc>
+              <a:spcBef>
+                <a:spcPts val="0"/>
+              </a:spcBef>
+              <a:spcAft>
+                <a:spcPts val="0"/>
+              </a:spcAft>
+              <a:buClrTx/>
+              <a:buSzTx/>
+              <a:buFontTx/>
+              <a:buNone/>
+              <a:tabLst/>
+              <a:defRPr/>
+            </a:pPr>
+            <a:r>
+              <a:rPr lang="de-DE" dirty="0" smtClean="0"/>
+              <a:t>JAVA</a:t>
+            </a:r>
+          </a:p>
+          <a:p>
+            <a:pPr marL="0" marR="0" indent="0" algn="l" defTabSz="914400" rtl="0" eaLnBrk="1" fontAlgn="auto" latinLnBrk="0" hangingPunct="1">
+              <a:lnSpc>
+                <a:spcPct val="100000"/>
+              </a:lnSpc>
+              <a:spcBef>
+                <a:spcPts val="0"/>
+              </a:spcBef>
+              <a:spcAft>
+                <a:spcPts val="0"/>
+              </a:spcAft>
+              <a:buClrTx/>
+              <a:buSzTx/>
+              <a:buFontTx/>
+              <a:buNone/>
+              <a:tabLst/>
+              <a:defRPr/>
+            </a:pPr>
+            <a:r>
+              <a:rPr lang="de-DE" dirty="0" smtClean="0"/>
+              <a:t>JAVA</a:t>
+            </a:r>
+          </a:p>
+          <a:p>
+            <a:pPr marL="0" marR="0" indent="0" algn="l" defTabSz="914400" rtl="0" eaLnBrk="1" fontAlgn="auto" latinLnBrk="0" hangingPunct="1">
+              <a:lnSpc>
+                <a:spcPct val="100000"/>
+              </a:lnSpc>
+              <a:spcBef>
+                <a:spcPts val="0"/>
+              </a:spcBef>
+              <a:spcAft>
+                <a:spcPts val="0"/>
+              </a:spcAft>
+              <a:buClrTx/>
+              <a:buSzTx/>
+              <a:buFontTx/>
+              <a:buNone/>
+              <a:tabLst/>
+              <a:defRPr/>
+            </a:pPr>
+            <a:r>
+              <a:rPr lang="de-DE" dirty="0" smtClean="0"/>
+              <a:t>JAVA</a:t>
+            </a:r>
+          </a:p>
+          <a:p>
+            <a:pPr marL="0" marR="0" indent="0" algn="l" defTabSz="914400" rtl="0" eaLnBrk="1" fontAlgn="auto" latinLnBrk="0" hangingPunct="1">
+              <a:lnSpc>
+                <a:spcPct val="100000"/>
+              </a:lnSpc>
+              <a:spcBef>
+                <a:spcPts val="0"/>
+              </a:spcBef>
+              <a:spcAft>
+                <a:spcPts val="0"/>
+              </a:spcAft>
+              <a:buClrTx/>
+              <a:buSzTx/>
+              <a:buFontTx/>
+              <a:buNone/>
+              <a:tabLst/>
+              <a:defRPr/>
+            </a:pPr>
+            <a:r>
+              <a:rPr lang="de-DE" dirty="0" smtClean="0"/>
+              <a:t>JAVA</a:t>
+            </a:r>
+          </a:p>
+          <a:p>
+            <a:pPr marL="0" marR="0" indent="0" algn="l" defTabSz="914400" rtl="0" eaLnBrk="1" fontAlgn="auto" latinLnBrk="0" hangingPunct="1">
+              <a:lnSpc>
+                <a:spcPct val="100000"/>
+              </a:lnSpc>
+              <a:spcBef>
+                <a:spcPts val="0"/>
+              </a:spcBef>
+              <a:spcAft>
+                <a:spcPts val="0"/>
+              </a:spcAft>
+              <a:buClrTx/>
+              <a:buSzTx/>
+              <a:buFontTx/>
+              <a:buNone/>
+              <a:tabLst/>
+              <a:defRPr/>
+            </a:pPr>
+            <a:r>
+              <a:rPr lang="de-DE" dirty="0" smtClean="0"/>
+              <a:t>JAVA</a:t>
+            </a:r>
+          </a:p>
+          <a:p>
+            <a:endParaRPr lang="de-DE" dirty="0"/>
+          </a:p>
+        </p:txBody>
+      </p:sp>
+      <p:sp>
+        <p:nvSpPr>
+          <p:cNvPr id="4" name="Foliennummernplatzhalter 3"/>
+          <p:cNvSpPr>
+            <a:spLocks noGrp="1"/>
+          </p:cNvSpPr>
+          <p:nvPr>
+            <p:ph type="sldNum" sz="quarter" idx="10"/>
+          </p:nvPr>
+        </p:nvSpPr>
+        <p:spPr/>
+        <p:txBody>
+          <a:bodyPr/>
+          <a:lstStyle/>
+          <a:p>
+            <a:fld id="{C409E338-0634-4D54-A97B-56A83111FA06}" type="slidenum">
+              <a:rPr lang="de-DE" smtClean="0"/>
+              <a:pPr/>
+              <a:t>12</a:t>
+            </a:fld>
+            <a:endParaRPr lang="de-DE"/>
+          </a:p>
+        </p:txBody>
+      </p:sp>
+    </p:spTree>
+    <p:extLst>
+      <p:ext uri="{BB962C8B-B14F-4D97-AF65-F5344CB8AC3E}">
+        <p14:creationId xmlns:p14="http://schemas.microsoft.com/office/powerpoint/2010/main" xmlns="" val="2947478832"/>
+      </p:ext>
+    </p:extLst>
+  </p:cSld>
+  <p:clrMapOvr>
+    <a:masterClrMapping/>
+  </p:clrMapOvr>
+</p:notes>
+</file>
+
+<file path=ppt/notesSlides/notesSlide8.xml><?xml version="1.0" encoding="utf-8"?>
+<p:notes xmlns:a="http://schemas.openxmlformats.org/drawingml/2006/main" xmlns:r="http://schemas.openxmlformats.org/officeDocument/2006/relationships" xmlns:p="http://schemas.openxmlformats.org/presentationml/2006/main">
+  <p:cSld>
+    <p:spTree>
+      <p:nvGrpSpPr>
+        <p:cNvPr id="1" name=""/>
+        <p:cNvGrpSpPr/>
+        <p:nvPr/>
+      </p:nvGrpSpPr>
+      <p:grpSpPr>
+        <a:xfrm>
+          <a:off x="0" y="0"/>
+          <a:ext cx="0" cy="0"/>
+          <a:chOff x="0" y="0"/>
+          <a:chExt cx="0" cy="0"/>
+        </a:xfrm>
+      </p:grpSpPr>
+      <p:sp>
+        <p:nvSpPr>
+          <p:cNvPr id="2" name="Folienbildplatzhalter 1"/>
+          <p:cNvSpPr>
+            <a:spLocks noGrp="1" noRot="1" noChangeAspect="1"/>
+          </p:cNvSpPr>
+          <p:nvPr>
+            <p:ph type="sldImg"/>
+          </p:nvPr>
+        </p:nvSpPr>
+        <p:spPr>
+          <a:xfrm>
+            <a:off x="381000" y="685800"/>
+            <a:ext cx="6096000" cy="3429000"/>
+          </a:xfrm>
+        </p:spPr>
+      </p:sp>
+      <p:sp>
+        <p:nvSpPr>
+          <p:cNvPr id="3" name="Notizenplatzhalter 2"/>
+          <p:cNvSpPr>
+            <a:spLocks noGrp="1"/>
+          </p:cNvSpPr>
+          <p:nvPr>
+            <p:ph type="body" idx="1"/>
+          </p:nvPr>
+        </p:nvSpPr>
+        <p:spPr/>
+        <p:txBody>
+          <a:bodyPr/>
+          <a:lstStyle/>
+          <a:p>
+            <a:r>
+              <a:rPr lang="de-DE" dirty="0" err="1" smtClean="0"/>
+              <a:t>Sometimes</a:t>
+            </a:r>
+            <a:r>
+              <a:rPr lang="de-DE" baseline="0" dirty="0" smtClean="0"/>
+              <a:t> a </a:t>
+            </a:r>
+            <a:r>
+              <a:rPr lang="de-DE" baseline="0" dirty="0" err="1" smtClean="0"/>
+              <a:t>test</a:t>
+            </a:r>
+            <a:r>
+              <a:rPr lang="de-DE" baseline="0" dirty="0" smtClean="0"/>
+              <a:t> </a:t>
+            </a:r>
+            <a:r>
+              <a:rPr lang="de-DE" baseline="0" dirty="0" err="1" smtClean="0"/>
+              <a:t>asserts</a:t>
+            </a:r>
+            <a:r>
+              <a:rPr lang="de-DE" baseline="0" dirty="0" smtClean="0"/>
+              <a:t> </a:t>
+            </a:r>
+            <a:r>
+              <a:rPr lang="de-DE" baseline="0" dirty="0" err="1" smtClean="0"/>
+              <a:t>methods</a:t>
+            </a:r>
+            <a:r>
+              <a:rPr lang="de-DE" baseline="0" dirty="0" smtClean="0"/>
+              <a:t> </a:t>
+            </a:r>
+            <a:r>
+              <a:rPr lang="de-DE" baseline="0" dirty="0" err="1" smtClean="0"/>
+              <a:t>of</a:t>
+            </a:r>
+            <a:r>
+              <a:rPr lang="de-DE" baseline="0" dirty="0" smtClean="0"/>
+              <a:t> </a:t>
+            </a:r>
+            <a:r>
+              <a:rPr lang="de-DE" baseline="0" dirty="0" err="1" smtClean="0"/>
+              <a:t>the</a:t>
+            </a:r>
+            <a:r>
+              <a:rPr lang="de-DE" baseline="0" dirty="0" smtClean="0"/>
+              <a:t> </a:t>
+            </a:r>
+            <a:r>
+              <a:rPr lang="de-DE" baseline="0" dirty="0" err="1" smtClean="0"/>
+              <a:t>mock</a:t>
+            </a:r>
+            <a:r>
+              <a:rPr lang="de-DE" baseline="0" dirty="0" smtClean="0"/>
+              <a:t>.</a:t>
+            </a:r>
+            <a:endParaRPr lang="de-DE" dirty="0"/>
+          </a:p>
+        </p:txBody>
+      </p:sp>
+      <p:sp>
+        <p:nvSpPr>
+          <p:cNvPr id="4" name="Foliennummernplatzhalter 3"/>
+          <p:cNvSpPr>
+            <a:spLocks noGrp="1"/>
+          </p:cNvSpPr>
+          <p:nvPr>
+            <p:ph type="sldNum" sz="quarter" idx="10"/>
+          </p:nvPr>
+        </p:nvSpPr>
+        <p:spPr/>
+        <p:txBody>
+          <a:bodyPr/>
+          <a:lstStyle/>
+          <a:p>
+            <a:fld id="{C409E338-0634-4D54-A97B-56A83111FA06}" type="slidenum">
+              <a:rPr lang="de-DE" smtClean="0"/>
+              <a:pPr/>
+              <a:t>22</a:t>
+            </a:fld>
+            <a:endParaRPr lang="de-DE"/>
+          </a:p>
+        </p:txBody>
+      </p:sp>
+    </p:spTree>
+    <p:extLst>
+      <p:ext uri="{BB962C8B-B14F-4D97-AF65-F5344CB8AC3E}">
+        <p14:creationId xmlns:p14="http://schemas.microsoft.com/office/powerpoint/2010/main" xmlns="" val="2947478832"/>
+      </p:ext>
+    </p:extLst>
+  </p:cSld>
+  <p:clrMapOvr>
+    <a:masterClrMapping/>
+  </p:clrMapOvr>
+</p:notes>
+</file>
+
+<file path=ppt/notesSlides/notesSlide9.xml><?xml version="1.0" encoding="utf-8"?>
 <p:notes xmlns:a="http://schemas.openxmlformats.org/drawingml/2006/main" xmlns:r="http://schemas.openxmlformats.org/officeDocument/2006/relationships" xmlns:p="http://schemas.openxmlformats.org/presentationml/2006/main">
   <p:cSld>
     <p:spTree>
@@ -1467,169 +2502,8 @@
           <a:lstStyle/>
           <a:p>
             <a:r>
-              <a:rPr lang="de-DE" dirty="0" err="1" smtClean="0"/>
-              <a:t>Your</a:t>
-            </a:r>
-            <a:r>
               <a:rPr lang="de-DE" dirty="0" smtClean="0"/>
-              <a:t> </a:t>
-            </a:r>
-            <a:r>
-              <a:rPr lang="de-DE" dirty="0" err="1" smtClean="0"/>
-              <a:t>girlfriend</a:t>
-            </a:r>
-            <a:r>
-              <a:rPr lang="de-DE" dirty="0" smtClean="0"/>
-              <a:t> </a:t>
-            </a:r>
-            <a:r>
-              <a:rPr lang="de-DE" dirty="0" err="1" smtClean="0"/>
-              <a:t>orders</a:t>
-            </a:r>
-            <a:r>
-              <a:rPr lang="de-DE" dirty="0" smtClean="0"/>
-              <a:t> </a:t>
-            </a:r>
-            <a:r>
-              <a:rPr lang="de-DE" dirty="0" err="1" smtClean="0"/>
-              <a:t>Mititei</a:t>
-            </a:r>
-            <a:endParaRPr lang="de-DE" dirty="0" smtClean="0"/>
-          </a:p>
-          <a:p>
-            <a:r>
-              <a:rPr lang="de-DE" dirty="0" err="1" smtClean="0"/>
-              <a:t>You</a:t>
-            </a:r>
-            <a:r>
-              <a:rPr lang="de-DE" dirty="0" smtClean="0"/>
-              <a:t> </a:t>
-            </a:r>
-            <a:r>
-              <a:rPr lang="de-DE" dirty="0" err="1" smtClean="0"/>
-              <a:t>want</a:t>
-            </a:r>
-            <a:r>
-              <a:rPr lang="de-DE" dirty="0" smtClean="0"/>
-              <a:t> her </a:t>
-            </a:r>
-            <a:r>
-              <a:rPr lang="de-DE" dirty="0" err="1" smtClean="0"/>
-              <a:t>to</a:t>
-            </a:r>
-            <a:r>
-              <a:rPr lang="de-DE" dirty="0" smtClean="0"/>
-              <a:t> </a:t>
-            </a:r>
-            <a:r>
-              <a:rPr lang="de-DE" dirty="0" err="1" smtClean="0"/>
-              <a:t>have</a:t>
-            </a:r>
-            <a:r>
-              <a:rPr lang="de-DE" dirty="0" smtClean="0"/>
-              <a:t> </a:t>
-            </a:r>
-            <a:r>
-              <a:rPr lang="de-DE" dirty="0" err="1" smtClean="0"/>
-              <a:t>healthy</a:t>
-            </a:r>
-            <a:r>
-              <a:rPr lang="de-DE" dirty="0" smtClean="0"/>
-              <a:t> </a:t>
-            </a:r>
-            <a:r>
-              <a:rPr lang="de-DE" dirty="0" err="1" smtClean="0"/>
-              <a:t>food</a:t>
-            </a:r>
-            <a:endParaRPr lang="de-DE" dirty="0" smtClean="0"/>
-          </a:p>
-          <a:p>
-            <a:r>
-              <a:rPr lang="de-DE" dirty="0" smtClean="0"/>
-              <a:t>The </a:t>
-            </a:r>
-            <a:r>
-              <a:rPr lang="de-DE" dirty="0" err="1" smtClean="0"/>
-              <a:t>waiter</a:t>
-            </a:r>
-            <a:r>
-              <a:rPr lang="de-DE" dirty="0" smtClean="0"/>
-              <a:t> </a:t>
-            </a:r>
-            <a:r>
-              <a:rPr lang="de-DE" dirty="0" err="1" smtClean="0"/>
-              <a:t>brings</a:t>
-            </a:r>
-            <a:r>
-              <a:rPr lang="de-DE" dirty="0" smtClean="0"/>
-              <a:t> </a:t>
-            </a:r>
-            <a:r>
-              <a:rPr lang="de-DE" dirty="0" err="1" smtClean="0"/>
-              <a:t>Mititei</a:t>
-            </a:r>
-            <a:endParaRPr lang="de-DE" dirty="0" smtClean="0"/>
-          </a:p>
-          <a:p>
-            <a:r>
-              <a:rPr lang="de-DE" dirty="0" err="1" smtClean="0"/>
-              <a:t>She</a:t>
-            </a:r>
-            <a:r>
-              <a:rPr lang="de-DE" dirty="0" smtClean="0"/>
-              <a:t> </a:t>
-            </a:r>
-            <a:r>
-              <a:rPr lang="de-DE" dirty="0" err="1" smtClean="0"/>
-              <a:t>looks</a:t>
-            </a:r>
-            <a:r>
-              <a:rPr lang="de-DE" dirty="0" smtClean="0"/>
-              <a:t> </a:t>
-            </a:r>
-            <a:r>
-              <a:rPr lang="de-DE" dirty="0" err="1" smtClean="0"/>
-              <a:t>away</a:t>
-            </a:r>
-            <a:r>
-              <a:rPr lang="de-DE" dirty="0" smtClean="0"/>
-              <a:t> – </a:t>
-            </a:r>
-            <a:r>
-              <a:rPr lang="de-DE" dirty="0" err="1" smtClean="0"/>
-              <a:t>and</a:t>
-            </a:r>
-            <a:r>
-              <a:rPr lang="de-DE" dirty="0" smtClean="0"/>
-              <a:t> </a:t>
-            </a:r>
-            <a:r>
-              <a:rPr lang="de-DE" dirty="0" err="1" smtClean="0"/>
-              <a:t>suddenly</a:t>
-            </a:r>
-            <a:r>
-              <a:rPr lang="de-DE" dirty="0" smtClean="0"/>
-              <a:t> (</a:t>
-            </a:r>
-            <a:r>
-              <a:rPr lang="de-DE" dirty="0" err="1" smtClean="0"/>
-              <a:t>magically</a:t>
-            </a:r>
-            <a:r>
-              <a:rPr lang="de-DE" dirty="0" smtClean="0"/>
-              <a:t>) </a:t>
-            </a:r>
-            <a:r>
-              <a:rPr lang="de-DE" dirty="0" err="1" smtClean="0"/>
-              <a:t>it</a:t>
-            </a:r>
-            <a:r>
-              <a:rPr lang="de-DE" dirty="0" smtClean="0"/>
-              <a:t> </a:t>
-            </a:r>
-            <a:r>
-              <a:rPr lang="de-DE" dirty="0" err="1" smtClean="0"/>
-              <a:t>becomes</a:t>
+              <a:t>More</a:t>
             </a:r>
             <a:r>
               <a:rPr lang="de-DE" baseline="0" dirty="0" smtClean="0"/>
@@ -1637,21 +2511,364 @@
             </a:r>
             <a:r>
               <a:rPr lang="de-DE" baseline="0" dirty="0" err="1" smtClean="0"/>
-              <a:t>spinach</a:t>
+              <a:t>problem</a:t>
+            </a:r>
+            <a:r>
+              <a:rPr lang="de-DE" baseline="0" dirty="0" smtClean="0"/>
+              <a:t> in </a:t>
+            </a:r>
+            <a:r>
+              <a:rPr lang="de-DE" baseline="0" dirty="0" err="1" smtClean="0"/>
+              <a:t>dynamic</a:t>
+            </a:r>
+            <a:r>
+              <a:rPr lang="de-DE" baseline="0" dirty="0" smtClean="0"/>
+              <a:t> </a:t>
+            </a:r>
+            <a:r>
+              <a:rPr lang="de-DE" baseline="0" dirty="0" err="1" smtClean="0"/>
+              <a:t>languages</a:t>
             </a:r>
             <a:endParaRPr lang="de-DE" baseline="0" dirty="0" smtClean="0"/>
           </a:p>
           <a:p>
+            <a:r>
+              <a:rPr lang="de-DE" baseline="0" dirty="0" smtClean="0"/>
+              <a:t>But also in </a:t>
+            </a:r>
+            <a:r>
+              <a:rPr lang="de-DE" baseline="0" dirty="0" err="1" smtClean="0"/>
+              <a:t>java</a:t>
+            </a:r>
             <a:endParaRPr lang="de-DE" baseline="0" dirty="0" smtClean="0"/>
           </a:p>
           <a:p>
             <a:r>
               <a:rPr lang="de-DE" baseline="0" dirty="0" smtClean="0"/>
-              <a:t>Cool / </a:t>
+              <a:t>Return </a:t>
             </a:r>
             <a:r>
               <a:rPr lang="de-DE" baseline="0" dirty="0" err="1" smtClean="0"/>
-              <a:t>Spooky</a:t>
+              <a:t>boolean</a:t>
+            </a:r>
+            <a:r>
+              <a:rPr lang="de-DE" baseline="0" dirty="0" smtClean="0"/>
+              <a:t> </a:t>
+            </a:r>
+            <a:r>
+              <a:rPr lang="de-DE" baseline="0" dirty="0" err="1" smtClean="0"/>
+              <a:t>as</a:t>
+            </a:r>
+            <a:r>
+              <a:rPr lang="de-DE" baseline="0" dirty="0" smtClean="0"/>
+              <a:t> </a:t>
+            </a:r>
+            <a:r>
+              <a:rPr lang="de-DE" baseline="0" dirty="0" err="1" smtClean="0"/>
+              <a:t>errorflag</a:t>
+            </a:r>
+            <a:r>
+              <a:rPr lang="de-DE" baseline="0" dirty="0" smtClean="0"/>
+              <a:t>. True </a:t>
+            </a:r>
+            <a:r>
+              <a:rPr lang="de-DE" baseline="0" dirty="0" err="1" smtClean="0"/>
+              <a:t>means</a:t>
+            </a:r>
+            <a:r>
+              <a:rPr lang="de-DE" baseline="0" dirty="0" smtClean="0"/>
+              <a:t> </a:t>
+            </a:r>
+            <a:r>
+              <a:rPr lang="de-DE" baseline="0" dirty="0" err="1" smtClean="0"/>
+              <a:t>error</a:t>
+            </a:r>
+            <a:r>
+              <a:rPr lang="de-DE" baseline="0" dirty="0" smtClean="0"/>
+              <a:t> </a:t>
+            </a:r>
+            <a:r>
+              <a:rPr lang="de-DE" baseline="0" dirty="0" err="1" smtClean="0"/>
+              <a:t>or</a:t>
+            </a:r>
+            <a:r>
+              <a:rPr lang="de-DE" baseline="0" dirty="0" smtClean="0"/>
+              <a:t> </a:t>
+            </a:r>
+            <a:r>
+              <a:rPr lang="de-DE" baseline="0" dirty="0" err="1" smtClean="0"/>
+              <a:t>no</a:t>
+            </a:r>
+            <a:r>
+              <a:rPr lang="de-DE" baseline="0" dirty="0" smtClean="0"/>
+              <a:t> </a:t>
+            </a:r>
+            <a:r>
+              <a:rPr lang="de-DE" baseline="0" dirty="0" err="1" smtClean="0"/>
+              <a:t>error</a:t>
+            </a:r>
+            <a:r>
+              <a:rPr lang="de-DE" baseline="0" dirty="0" smtClean="0"/>
+              <a:t> (</a:t>
+            </a:r>
+            <a:r>
+              <a:rPr lang="de-DE" baseline="0" dirty="0" err="1" smtClean="0"/>
+              <a:t>successfull</a:t>
+            </a:r>
+            <a:r>
+              <a:rPr lang="de-DE" baseline="0" dirty="0" smtClean="0"/>
+              <a:t> </a:t>
+            </a:r>
+            <a:r>
+              <a:rPr lang="de-DE" baseline="0" dirty="0" err="1" smtClean="0"/>
+              <a:t>operation</a:t>
+            </a:r>
+            <a:r>
+              <a:rPr lang="de-DE" baseline="0" dirty="0" smtClean="0"/>
+              <a:t>)</a:t>
+            </a:r>
+          </a:p>
+          <a:p>
+            <a:endParaRPr lang="de-DE" baseline="0" dirty="0" smtClean="0"/>
+          </a:p>
+          <a:p>
+            <a:r>
+              <a:rPr lang="de-DE" baseline="0" dirty="0" smtClean="0"/>
+              <a:t>Bug in a </a:t>
+            </a:r>
+            <a:r>
+              <a:rPr lang="de-DE" baseline="0" dirty="0" err="1" smtClean="0"/>
+              <a:t>core</a:t>
+            </a:r>
+            <a:r>
+              <a:rPr lang="de-DE" baseline="0" dirty="0" smtClean="0"/>
+              <a:t> </a:t>
+            </a:r>
+            <a:r>
+              <a:rPr lang="de-DE" baseline="0" dirty="0" err="1" smtClean="0"/>
+              <a:t>service</a:t>
+            </a:r>
+            <a:r>
+              <a:rPr lang="de-DE" baseline="0" dirty="0" smtClean="0"/>
+              <a:t> - &gt; talk </a:t>
+            </a:r>
+            <a:r>
+              <a:rPr lang="de-DE" baseline="0" dirty="0" err="1" smtClean="0"/>
+              <a:t>to</a:t>
+            </a:r>
+            <a:r>
+              <a:rPr lang="de-DE" baseline="0" dirty="0" smtClean="0"/>
+              <a:t> </a:t>
+            </a:r>
+            <a:r>
+              <a:rPr lang="de-DE" baseline="0" dirty="0" err="1" smtClean="0"/>
+              <a:t>core</a:t>
+            </a:r>
+            <a:r>
+              <a:rPr lang="de-DE" baseline="0" dirty="0" smtClean="0"/>
+              <a:t> </a:t>
+            </a:r>
+            <a:r>
+              <a:rPr lang="de-DE" baseline="0" dirty="0" err="1" smtClean="0"/>
+              <a:t>team</a:t>
+            </a:r>
+            <a:r>
+              <a:rPr lang="de-DE" baseline="0" dirty="0" smtClean="0"/>
+              <a:t> -&gt; </a:t>
+            </a:r>
+            <a:r>
+              <a:rPr lang="de-DE" baseline="0" dirty="0" err="1" smtClean="0"/>
+              <a:t>yes</a:t>
+            </a:r>
+            <a:r>
+              <a:rPr lang="de-DE" baseline="0" dirty="0" smtClean="0"/>
+              <a:t> </a:t>
+            </a:r>
+            <a:r>
+              <a:rPr lang="de-DE" baseline="0" dirty="0" err="1" smtClean="0"/>
+              <a:t>we</a:t>
+            </a:r>
+            <a:r>
+              <a:rPr lang="de-DE" baseline="0" dirty="0" smtClean="0"/>
+              <a:t> </a:t>
+            </a:r>
+            <a:r>
+              <a:rPr lang="de-DE" baseline="0" dirty="0" err="1" smtClean="0"/>
+              <a:t>know</a:t>
+            </a:r>
+            <a:r>
+              <a:rPr lang="de-DE" baseline="0" dirty="0" smtClean="0"/>
+              <a:t> but </a:t>
+            </a:r>
+            <a:r>
+              <a:rPr lang="de-DE" baseline="0" dirty="0" err="1" smtClean="0"/>
+              <a:t>we</a:t>
+            </a:r>
+            <a:r>
+              <a:rPr lang="de-DE" baseline="0" dirty="0" smtClean="0"/>
+              <a:t> </a:t>
+            </a:r>
+            <a:r>
+              <a:rPr lang="de-DE" baseline="0" dirty="0" err="1" smtClean="0"/>
+              <a:t>can‘t</a:t>
+            </a:r>
+            <a:r>
+              <a:rPr lang="de-DE" baseline="0" dirty="0" smtClean="0"/>
+              <a:t> </a:t>
+            </a:r>
+            <a:r>
+              <a:rPr lang="de-DE" baseline="0" dirty="0" err="1" smtClean="0"/>
+              <a:t>change</a:t>
+            </a:r>
+            <a:r>
+              <a:rPr lang="de-DE" baseline="0" dirty="0" smtClean="0"/>
+              <a:t> </a:t>
+            </a:r>
+            <a:r>
+              <a:rPr lang="de-DE" baseline="0" dirty="0" err="1" smtClean="0"/>
+              <a:t>it</a:t>
+            </a:r>
+            <a:endParaRPr lang="de-DE" baseline="0" dirty="0" smtClean="0"/>
+          </a:p>
+          <a:p>
+            <a:r>
+              <a:rPr lang="de-DE" baseline="0" dirty="0" err="1" smtClean="0"/>
+              <a:t>Because</a:t>
+            </a:r>
+            <a:r>
+              <a:rPr lang="de-DE" baseline="0" dirty="0" smtClean="0"/>
+              <a:t> all </a:t>
+            </a:r>
+            <a:r>
+              <a:rPr lang="de-DE" baseline="0" dirty="0" err="1" smtClean="0"/>
+              <a:t>units</a:t>
+            </a:r>
+            <a:r>
+              <a:rPr lang="de-DE" baseline="0" dirty="0" smtClean="0"/>
+              <a:t>, </a:t>
+            </a:r>
+            <a:r>
+              <a:rPr lang="de-DE" baseline="0" dirty="0" err="1" smtClean="0"/>
+              <a:t>which</a:t>
+            </a:r>
+            <a:r>
+              <a:rPr lang="de-DE" baseline="0" dirty="0" smtClean="0"/>
+              <a:t> </a:t>
+            </a:r>
+            <a:r>
+              <a:rPr lang="de-DE" baseline="0" dirty="0" err="1" smtClean="0"/>
+              <a:t>are</a:t>
+            </a:r>
+            <a:r>
+              <a:rPr lang="de-DE" baseline="0" dirty="0" smtClean="0"/>
+              <a:t> </a:t>
+            </a:r>
+            <a:r>
+              <a:rPr lang="de-DE" baseline="0" dirty="0" err="1" smtClean="0"/>
+              <a:t>using</a:t>
+            </a:r>
+            <a:r>
+              <a:rPr lang="de-DE" baseline="0" dirty="0" smtClean="0"/>
+              <a:t> </a:t>
+            </a:r>
+            <a:r>
+              <a:rPr lang="de-DE" baseline="0" dirty="0" err="1" smtClean="0"/>
+              <a:t>this</a:t>
+            </a:r>
+            <a:r>
+              <a:rPr lang="de-DE" baseline="0" dirty="0" smtClean="0"/>
+              <a:t> </a:t>
+            </a:r>
+            <a:r>
+              <a:rPr lang="de-DE" baseline="0" dirty="0" err="1" smtClean="0"/>
+              <a:t>service</a:t>
+            </a:r>
+            <a:r>
+              <a:rPr lang="de-DE" baseline="0" dirty="0" smtClean="0"/>
+              <a:t> </a:t>
+            </a:r>
+            <a:r>
+              <a:rPr lang="de-DE" baseline="0" dirty="0" err="1" smtClean="0"/>
+              <a:t>have</a:t>
+            </a:r>
+            <a:r>
+              <a:rPr lang="de-DE" baseline="0" dirty="0" smtClean="0"/>
+              <a:t> </a:t>
+            </a:r>
+            <a:r>
+              <a:rPr lang="de-DE" baseline="0" dirty="0" err="1" smtClean="0"/>
+              <a:t>created</a:t>
+            </a:r>
+            <a:r>
+              <a:rPr lang="de-DE" baseline="0" dirty="0" smtClean="0"/>
+              <a:t> a </a:t>
+            </a:r>
+            <a:r>
+              <a:rPr lang="de-DE" baseline="0" dirty="0" err="1" smtClean="0"/>
+              <a:t>workaround</a:t>
+            </a:r>
+            <a:endParaRPr lang="de-DE" baseline="0" dirty="0" smtClean="0"/>
+          </a:p>
+          <a:p>
+            <a:r>
+              <a:rPr lang="de-DE" baseline="0" dirty="0" err="1" smtClean="0"/>
+              <a:t>And</a:t>
+            </a:r>
+            <a:r>
+              <a:rPr lang="de-DE" baseline="0" dirty="0" smtClean="0"/>
+              <a:t> </a:t>
+            </a:r>
+            <a:r>
+              <a:rPr lang="de-DE" baseline="0" dirty="0" err="1" smtClean="0"/>
+              <a:t>when</a:t>
+            </a:r>
+            <a:r>
+              <a:rPr lang="de-DE" baseline="0" dirty="0" smtClean="0"/>
+              <a:t> </a:t>
+            </a:r>
+            <a:r>
+              <a:rPr lang="de-DE" baseline="0" dirty="0" err="1" smtClean="0"/>
+              <a:t>we</a:t>
+            </a:r>
+            <a:r>
+              <a:rPr lang="de-DE" baseline="0" dirty="0" smtClean="0"/>
+              <a:t> </a:t>
+            </a:r>
+            <a:r>
+              <a:rPr lang="de-DE" baseline="0" dirty="0" err="1" smtClean="0"/>
+              <a:t>change</a:t>
+            </a:r>
+            <a:r>
+              <a:rPr lang="de-DE" baseline="0" dirty="0" smtClean="0"/>
+              <a:t> </a:t>
+            </a:r>
+            <a:r>
+              <a:rPr lang="de-DE" baseline="0" dirty="0" err="1" smtClean="0"/>
+              <a:t>it</a:t>
+            </a:r>
+            <a:r>
+              <a:rPr lang="de-DE" baseline="0" dirty="0" smtClean="0"/>
+              <a:t>, </a:t>
+            </a:r>
+            <a:r>
+              <a:rPr lang="de-DE" baseline="0" dirty="0" err="1" smtClean="0"/>
+              <a:t>these</a:t>
+            </a:r>
+            <a:r>
+              <a:rPr lang="de-DE" baseline="0" dirty="0" smtClean="0"/>
+              <a:t> </a:t>
+            </a:r>
+            <a:r>
+              <a:rPr lang="de-DE" baseline="0" dirty="0" err="1" smtClean="0"/>
+              <a:t>services</a:t>
+            </a:r>
+            <a:r>
+              <a:rPr lang="de-DE" baseline="0" dirty="0" smtClean="0"/>
+              <a:t> </a:t>
+            </a:r>
+            <a:r>
+              <a:rPr lang="de-DE" baseline="0" smtClean="0"/>
+              <a:t>will break.</a:t>
             </a:r>
             <a:endParaRPr lang="de-DE" dirty="0"/>
           </a:p>
@@ -1675,625 +2892,13 @@
             <a:fld id="{C409E338-0634-4D54-A97B-56A83111FA06}" type="slidenum">
               <a:rPr lang="de-DE" smtClean="0"/>
               <a:pPr/>
-              <a:t>7</a:t>
+              <a:t>25</a:t>
             </a:fld>
             <a:endParaRPr lang="de-DE"/>
           </a:p>
         </p:txBody>
       </p:sp>
     </p:spTree>
-  </p:cSld>
-  <p:clrMapOvr>
-    <a:masterClrMapping/>
-  </p:clrMapOvr>
-</p:notes>
-</file>
-
-<file path=ppt/notesSlides/notesSlide4.xml><?xml version="1.0" encoding="utf-8"?>
-<p:notes xmlns:a="http://schemas.openxmlformats.org/drawingml/2006/main" xmlns:r="http://schemas.openxmlformats.org/officeDocument/2006/relationships" xmlns:p="http://schemas.openxmlformats.org/presentationml/2006/main">
-  <p:cSld>
-    <p:spTree>
-      <p:nvGrpSpPr>
-        <p:cNvPr id="1" name=""/>
-        <p:cNvGrpSpPr/>
-        <p:nvPr/>
-      </p:nvGrpSpPr>
-      <p:grpSpPr>
-        <a:xfrm>
-          <a:off x="0" y="0"/>
-          <a:ext cx="0" cy="0"/>
-          <a:chOff x="0" y="0"/>
-          <a:chExt cx="0" cy="0"/>
-        </a:xfrm>
-      </p:grpSpPr>
-      <p:sp>
-        <p:nvSpPr>
-          <p:cNvPr id="2" name="Folienbildplatzhalter 1"/>
-          <p:cNvSpPr>
-            <a:spLocks noGrp="1" noRot="1" noChangeAspect="1"/>
-          </p:cNvSpPr>
-          <p:nvPr>
-            <p:ph type="sldImg"/>
-          </p:nvPr>
-        </p:nvSpPr>
-        <p:spPr/>
-      </p:sp>
-      <p:sp>
-        <p:nvSpPr>
-          <p:cNvPr id="3" name="Notizenplatzhalter 2"/>
-          <p:cNvSpPr>
-            <a:spLocks noGrp="1"/>
-          </p:cNvSpPr>
-          <p:nvPr>
-            <p:ph type="body" idx="1"/>
-          </p:nvPr>
-        </p:nvSpPr>
-        <p:spPr/>
-        <p:txBody>
-          <a:bodyPr>
-            <a:normAutofit/>
-          </a:bodyPr>
-          <a:lstStyle/>
-          <a:p>
-            <a:endParaRPr lang="de-DE" dirty="0"/>
-          </a:p>
-        </p:txBody>
-      </p:sp>
-      <p:sp>
-        <p:nvSpPr>
-          <p:cNvPr id="4" name="Foliennummernplatzhalter 3"/>
-          <p:cNvSpPr>
-            <a:spLocks noGrp="1"/>
-          </p:cNvSpPr>
-          <p:nvPr>
-            <p:ph type="sldNum" sz="quarter" idx="10"/>
-          </p:nvPr>
-        </p:nvSpPr>
-        <p:spPr/>
-        <p:txBody>
-          <a:bodyPr/>
-          <a:lstStyle/>
-          <a:p>
-            <a:fld id="{C409E338-0634-4D54-A97B-56A83111FA06}" type="slidenum">
-              <a:rPr lang="de-DE" smtClean="0"/>
-              <a:pPr/>
-              <a:t>8</a:t>
-            </a:fld>
-            <a:endParaRPr lang="de-DE"/>
-          </a:p>
-        </p:txBody>
-      </p:sp>
-    </p:spTree>
-  </p:cSld>
-  <p:clrMapOvr>
-    <a:masterClrMapping/>
-  </p:clrMapOvr>
-</p:notes>
-</file>
-
-<file path=ppt/notesSlides/notesSlide5.xml><?xml version="1.0" encoding="utf-8"?>
-<p:notes xmlns:a="http://schemas.openxmlformats.org/drawingml/2006/main" xmlns:r="http://schemas.openxmlformats.org/officeDocument/2006/relationships" xmlns:p="http://schemas.openxmlformats.org/presentationml/2006/main">
-  <p:cSld>
-    <p:spTree>
-      <p:nvGrpSpPr>
-        <p:cNvPr id="1" name=""/>
-        <p:cNvGrpSpPr/>
-        <p:nvPr/>
-      </p:nvGrpSpPr>
-      <p:grpSpPr>
-        <a:xfrm>
-          <a:off x="0" y="0"/>
-          <a:ext cx="0" cy="0"/>
-          <a:chOff x="0" y="0"/>
-          <a:chExt cx="0" cy="0"/>
-        </a:xfrm>
-      </p:grpSpPr>
-      <p:sp>
-        <p:nvSpPr>
-          <p:cNvPr id="2" name="Folienbildplatzhalter 1"/>
-          <p:cNvSpPr>
-            <a:spLocks noGrp="1" noRot="1" noChangeAspect="1"/>
-          </p:cNvSpPr>
-          <p:nvPr>
-            <p:ph type="sldImg"/>
-          </p:nvPr>
-        </p:nvSpPr>
-        <p:spPr/>
-      </p:sp>
-      <p:sp>
-        <p:nvSpPr>
-          <p:cNvPr id="3" name="Notizenplatzhalter 2"/>
-          <p:cNvSpPr>
-            <a:spLocks noGrp="1"/>
-          </p:cNvSpPr>
-          <p:nvPr>
-            <p:ph type="body" idx="1"/>
-          </p:nvPr>
-        </p:nvSpPr>
-        <p:spPr/>
-        <p:txBody>
-          <a:bodyPr>
-            <a:normAutofit/>
-          </a:bodyPr>
-          <a:lstStyle/>
-          <a:p>
-            <a:endParaRPr lang="de-DE" dirty="0"/>
-          </a:p>
-        </p:txBody>
-      </p:sp>
-      <p:sp>
-        <p:nvSpPr>
-          <p:cNvPr id="4" name="Foliennummernplatzhalter 3"/>
-          <p:cNvSpPr>
-            <a:spLocks noGrp="1"/>
-          </p:cNvSpPr>
-          <p:nvPr>
-            <p:ph type="sldNum" sz="quarter" idx="10"/>
-          </p:nvPr>
-        </p:nvSpPr>
-        <p:spPr/>
-        <p:txBody>
-          <a:bodyPr/>
-          <a:lstStyle/>
-          <a:p>
-            <a:fld id="{C409E338-0634-4D54-A97B-56A83111FA06}" type="slidenum">
-              <a:rPr lang="de-DE" smtClean="0"/>
-              <a:pPr/>
-              <a:t>9</a:t>
-            </a:fld>
-            <a:endParaRPr lang="de-DE"/>
-          </a:p>
-        </p:txBody>
-      </p:sp>
-    </p:spTree>
-  </p:cSld>
-  <p:clrMapOvr>
-    <a:masterClrMapping/>
-  </p:clrMapOvr>
-</p:notes>
-</file>
-
-<file path=ppt/notesSlides/notesSlide6.xml><?xml version="1.0" encoding="utf-8"?>
-<p:notes xmlns:a="http://schemas.openxmlformats.org/drawingml/2006/main" xmlns:r="http://schemas.openxmlformats.org/officeDocument/2006/relationships" xmlns:p="http://schemas.openxmlformats.org/presentationml/2006/main">
-  <p:cSld>
-    <p:spTree>
-      <p:nvGrpSpPr>
-        <p:cNvPr id="1" name=""/>
-        <p:cNvGrpSpPr/>
-        <p:nvPr/>
-      </p:nvGrpSpPr>
-      <p:grpSpPr>
-        <a:xfrm>
-          <a:off x="0" y="0"/>
-          <a:ext cx="0" cy="0"/>
-          <a:chOff x="0" y="0"/>
-          <a:chExt cx="0" cy="0"/>
-        </a:xfrm>
-      </p:grpSpPr>
-      <p:sp>
-        <p:nvSpPr>
-          <p:cNvPr id="2" name="Folienbildplatzhalter 1"/>
-          <p:cNvSpPr>
-            <a:spLocks noGrp="1" noRot="1" noChangeAspect="1"/>
-          </p:cNvSpPr>
-          <p:nvPr>
-            <p:ph type="sldImg"/>
-          </p:nvPr>
-        </p:nvSpPr>
-        <p:spPr/>
-      </p:sp>
-      <p:sp>
-        <p:nvSpPr>
-          <p:cNvPr id="3" name="Notizenplatzhalter 2"/>
-          <p:cNvSpPr>
-            <a:spLocks noGrp="1"/>
-          </p:cNvSpPr>
-          <p:nvPr>
-            <p:ph type="body" idx="1"/>
-          </p:nvPr>
-        </p:nvSpPr>
-        <p:spPr/>
-        <p:txBody>
-          <a:bodyPr/>
-          <a:lstStyle/>
-          <a:p>
-            <a:r>
-              <a:rPr lang="de-DE" dirty="0" err="1" smtClean="0"/>
-              <a:t>Generic</a:t>
-            </a:r>
-            <a:r>
-              <a:rPr lang="de-DE" dirty="0" smtClean="0"/>
-              <a:t> Term </a:t>
-            </a:r>
-            <a:r>
-              <a:rPr lang="de-DE" dirty="0" err="1" smtClean="0"/>
-              <a:t>for</a:t>
-            </a:r>
-            <a:r>
-              <a:rPr lang="de-DE" dirty="0" smtClean="0"/>
-              <a:t> </a:t>
-            </a:r>
-            <a:r>
-              <a:rPr lang="de-DE" dirty="0" err="1" smtClean="0"/>
-              <a:t>replacing</a:t>
-            </a:r>
-            <a:r>
-              <a:rPr lang="de-DE" dirty="0" smtClean="0"/>
-              <a:t> </a:t>
-            </a:r>
-            <a:r>
-              <a:rPr lang="de-DE" dirty="0" err="1" smtClean="0"/>
-              <a:t>production</a:t>
-            </a:r>
-            <a:r>
-              <a:rPr lang="de-DE" dirty="0" smtClean="0"/>
-              <a:t> </a:t>
-            </a:r>
-            <a:r>
-              <a:rPr lang="de-DE" dirty="0" err="1" smtClean="0"/>
-              <a:t>code</a:t>
-            </a:r>
-            <a:r>
-              <a:rPr lang="de-DE" dirty="0" smtClean="0"/>
-              <a:t> </a:t>
-            </a:r>
-            <a:r>
-              <a:rPr lang="de-DE" dirty="0" err="1" smtClean="0"/>
-              <a:t>inside</a:t>
-            </a:r>
-            <a:r>
-              <a:rPr lang="de-DE" dirty="0" smtClean="0"/>
-              <a:t> </a:t>
-            </a:r>
-            <a:r>
-              <a:rPr lang="de-DE" dirty="0" err="1" smtClean="0"/>
-              <a:t>tests</a:t>
-            </a:r>
-            <a:endParaRPr lang="de-DE" dirty="0" smtClean="0"/>
-          </a:p>
-          <a:p>
-            <a:r>
-              <a:rPr lang="de-DE" dirty="0" smtClean="0"/>
-              <a:t>JAVA</a:t>
-            </a:r>
-          </a:p>
-          <a:p>
-            <a:pPr marL="0" marR="0" indent="0" algn="l" defTabSz="914400" rtl="0" eaLnBrk="1" fontAlgn="auto" latinLnBrk="0" hangingPunct="1">
-              <a:lnSpc>
-                <a:spcPct val="100000"/>
-              </a:lnSpc>
-              <a:spcBef>
-                <a:spcPts val="0"/>
-              </a:spcBef>
-              <a:spcAft>
-                <a:spcPts val="0"/>
-              </a:spcAft>
-              <a:buClrTx/>
-              <a:buSzTx/>
-              <a:buFontTx/>
-              <a:buNone/>
-              <a:tabLst/>
-              <a:defRPr/>
-            </a:pPr>
-            <a:r>
-              <a:rPr lang="de-DE" dirty="0" smtClean="0"/>
-              <a:t>JAVA</a:t>
-            </a:r>
-          </a:p>
-          <a:p>
-            <a:pPr marL="0" marR="0" indent="0" algn="l" defTabSz="914400" rtl="0" eaLnBrk="1" fontAlgn="auto" latinLnBrk="0" hangingPunct="1">
-              <a:lnSpc>
-                <a:spcPct val="100000"/>
-              </a:lnSpc>
-              <a:spcBef>
-                <a:spcPts val="0"/>
-              </a:spcBef>
-              <a:spcAft>
-                <a:spcPts val="0"/>
-              </a:spcAft>
-              <a:buClrTx/>
-              <a:buSzTx/>
-              <a:buFontTx/>
-              <a:buNone/>
-              <a:tabLst/>
-              <a:defRPr/>
-            </a:pPr>
-            <a:r>
-              <a:rPr lang="de-DE" dirty="0" smtClean="0"/>
-              <a:t>JAVA</a:t>
-            </a:r>
-          </a:p>
-          <a:p>
-            <a:pPr marL="0" marR="0" indent="0" algn="l" defTabSz="914400" rtl="0" eaLnBrk="1" fontAlgn="auto" latinLnBrk="0" hangingPunct="1">
-              <a:lnSpc>
-                <a:spcPct val="100000"/>
-              </a:lnSpc>
-              <a:spcBef>
-                <a:spcPts val="0"/>
-              </a:spcBef>
-              <a:spcAft>
-                <a:spcPts val="0"/>
-              </a:spcAft>
-              <a:buClrTx/>
-              <a:buSzTx/>
-              <a:buFontTx/>
-              <a:buNone/>
-              <a:tabLst/>
-              <a:defRPr/>
-            </a:pPr>
-            <a:r>
-              <a:rPr lang="de-DE" dirty="0" smtClean="0"/>
-              <a:t>JAVA</a:t>
-            </a:r>
-          </a:p>
-          <a:p>
-            <a:pPr marL="0" marR="0" indent="0" algn="l" defTabSz="914400" rtl="0" eaLnBrk="1" fontAlgn="auto" latinLnBrk="0" hangingPunct="1">
-              <a:lnSpc>
-                <a:spcPct val="100000"/>
-              </a:lnSpc>
-              <a:spcBef>
-                <a:spcPts val="0"/>
-              </a:spcBef>
-              <a:spcAft>
-                <a:spcPts val="0"/>
-              </a:spcAft>
-              <a:buClrTx/>
-              <a:buSzTx/>
-              <a:buFontTx/>
-              <a:buNone/>
-              <a:tabLst/>
-              <a:defRPr/>
-            </a:pPr>
-            <a:r>
-              <a:rPr lang="de-DE" dirty="0" smtClean="0"/>
-              <a:t>JAVA</a:t>
-            </a:r>
-          </a:p>
-          <a:p>
-            <a:pPr marL="0" marR="0" indent="0" algn="l" defTabSz="914400" rtl="0" eaLnBrk="1" fontAlgn="auto" latinLnBrk="0" hangingPunct="1">
-              <a:lnSpc>
-                <a:spcPct val="100000"/>
-              </a:lnSpc>
-              <a:spcBef>
-                <a:spcPts val="0"/>
-              </a:spcBef>
-              <a:spcAft>
-                <a:spcPts val="0"/>
-              </a:spcAft>
-              <a:buClrTx/>
-              <a:buSzTx/>
-              <a:buFontTx/>
-              <a:buNone/>
-              <a:tabLst/>
-              <a:defRPr/>
-            </a:pPr>
-            <a:r>
-              <a:rPr lang="de-DE" dirty="0" smtClean="0"/>
-              <a:t>JAVA</a:t>
-            </a:r>
-          </a:p>
-          <a:p>
-            <a:pPr marL="0" marR="0" indent="0" algn="l" defTabSz="914400" rtl="0" eaLnBrk="1" fontAlgn="auto" latinLnBrk="0" hangingPunct="1">
-              <a:lnSpc>
-                <a:spcPct val="100000"/>
-              </a:lnSpc>
-              <a:spcBef>
-                <a:spcPts val="0"/>
-              </a:spcBef>
-              <a:spcAft>
-                <a:spcPts val="0"/>
-              </a:spcAft>
-              <a:buClrTx/>
-              <a:buSzTx/>
-              <a:buFontTx/>
-              <a:buNone/>
-              <a:tabLst/>
-              <a:defRPr/>
-            </a:pPr>
-            <a:r>
-              <a:rPr lang="de-DE" dirty="0" smtClean="0"/>
-              <a:t>JAVA</a:t>
-            </a:r>
-          </a:p>
-          <a:p>
-            <a:pPr marL="0" marR="0" indent="0" algn="l" defTabSz="914400" rtl="0" eaLnBrk="1" fontAlgn="auto" latinLnBrk="0" hangingPunct="1">
-              <a:lnSpc>
-                <a:spcPct val="100000"/>
-              </a:lnSpc>
-              <a:spcBef>
-                <a:spcPts val="0"/>
-              </a:spcBef>
-              <a:spcAft>
-                <a:spcPts val="0"/>
-              </a:spcAft>
-              <a:buClrTx/>
-              <a:buSzTx/>
-              <a:buFontTx/>
-              <a:buNone/>
-              <a:tabLst/>
-              <a:defRPr/>
-            </a:pPr>
-            <a:r>
-              <a:rPr lang="de-DE" dirty="0" smtClean="0"/>
-              <a:t>JAVA</a:t>
-            </a:r>
-          </a:p>
-          <a:p>
-            <a:endParaRPr lang="de-DE" dirty="0"/>
-          </a:p>
-        </p:txBody>
-      </p:sp>
-      <p:sp>
-        <p:nvSpPr>
-          <p:cNvPr id="4" name="Foliennummernplatzhalter 3"/>
-          <p:cNvSpPr>
-            <a:spLocks noGrp="1"/>
-          </p:cNvSpPr>
-          <p:nvPr>
-            <p:ph type="sldNum" sz="quarter" idx="10"/>
-          </p:nvPr>
-        </p:nvSpPr>
-        <p:spPr/>
-        <p:txBody>
-          <a:bodyPr/>
-          <a:lstStyle/>
-          <a:p>
-            <a:fld id="{C409E338-0634-4D54-A97B-56A83111FA06}" type="slidenum">
-              <a:rPr lang="de-DE" smtClean="0"/>
-              <a:pPr/>
-              <a:t>12</a:t>
-            </a:fld>
-            <a:endParaRPr lang="de-DE"/>
-          </a:p>
-        </p:txBody>
-      </p:sp>
-    </p:spTree>
-    <p:extLst>
-      <p:ext uri="{BB962C8B-B14F-4D97-AF65-F5344CB8AC3E}">
-        <p14:creationId xmlns:p14="http://schemas.microsoft.com/office/powerpoint/2010/main" xmlns="" val="2947478832"/>
-      </p:ext>
-    </p:extLst>
-  </p:cSld>
-  <p:clrMapOvr>
-    <a:masterClrMapping/>
-  </p:clrMapOvr>
-</p:notes>
-</file>
-
-<file path=ppt/notesSlides/notesSlide7.xml><?xml version="1.0" encoding="utf-8"?>
-<p:notes xmlns:a="http://schemas.openxmlformats.org/drawingml/2006/main" xmlns:r="http://schemas.openxmlformats.org/officeDocument/2006/relationships" xmlns:p="http://schemas.openxmlformats.org/presentationml/2006/main">
-  <p:cSld>
-    <p:spTree>
-      <p:nvGrpSpPr>
-        <p:cNvPr id="1" name=""/>
-        <p:cNvGrpSpPr/>
-        <p:nvPr/>
-      </p:nvGrpSpPr>
-      <p:grpSpPr>
-        <a:xfrm>
-          <a:off x="0" y="0"/>
-          <a:ext cx="0" cy="0"/>
-          <a:chOff x="0" y="0"/>
-          <a:chExt cx="0" cy="0"/>
-        </a:xfrm>
-      </p:grpSpPr>
-      <p:sp>
-        <p:nvSpPr>
-          <p:cNvPr id="2" name="Folienbildplatzhalter 1"/>
-          <p:cNvSpPr>
-            <a:spLocks noGrp="1" noRot="1" noChangeAspect="1"/>
-          </p:cNvSpPr>
-          <p:nvPr>
-            <p:ph type="sldImg"/>
-          </p:nvPr>
-        </p:nvSpPr>
-        <p:spPr/>
-      </p:sp>
-      <p:sp>
-        <p:nvSpPr>
-          <p:cNvPr id="3" name="Notizenplatzhalter 2"/>
-          <p:cNvSpPr>
-            <a:spLocks noGrp="1"/>
-          </p:cNvSpPr>
-          <p:nvPr>
-            <p:ph type="body" idx="1"/>
-          </p:nvPr>
-        </p:nvSpPr>
-        <p:spPr/>
-        <p:txBody>
-          <a:bodyPr/>
-          <a:lstStyle/>
-          <a:p>
-            <a:r>
-              <a:rPr lang="de-DE" dirty="0" err="1" smtClean="0"/>
-              <a:t>Sometimes</a:t>
-            </a:r>
-            <a:r>
-              <a:rPr lang="de-DE" baseline="0" dirty="0" smtClean="0"/>
-              <a:t> a </a:t>
-            </a:r>
-            <a:r>
-              <a:rPr lang="de-DE" baseline="0" dirty="0" err="1" smtClean="0"/>
-              <a:t>test</a:t>
-            </a:r>
-            <a:r>
-              <a:rPr lang="de-DE" baseline="0" dirty="0" smtClean="0"/>
-              <a:t> </a:t>
-            </a:r>
-            <a:r>
-              <a:rPr lang="de-DE" baseline="0" dirty="0" err="1" smtClean="0"/>
-              <a:t>asserts</a:t>
-            </a:r>
-            <a:r>
-              <a:rPr lang="de-DE" baseline="0" dirty="0" smtClean="0"/>
-              <a:t> </a:t>
-            </a:r>
-            <a:r>
-              <a:rPr lang="de-DE" baseline="0" dirty="0" err="1" smtClean="0"/>
-              <a:t>methods</a:t>
-            </a:r>
-            <a:r>
-              <a:rPr lang="de-DE" baseline="0" dirty="0" smtClean="0"/>
-              <a:t> </a:t>
-            </a:r>
-            <a:r>
-              <a:rPr lang="de-DE" baseline="0" dirty="0" err="1" smtClean="0"/>
-              <a:t>of</a:t>
-            </a:r>
-            <a:r>
-              <a:rPr lang="de-DE" baseline="0" dirty="0" smtClean="0"/>
-              <a:t> </a:t>
-            </a:r>
-            <a:r>
-              <a:rPr lang="de-DE" baseline="0" dirty="0" err="1" smtClean="0"/>
-              <a:t>the</a:t>
-            </a:r>
-            <a:r>
-              <a:rPr lang="de-DE" baseline="0" dirty="0" smtClean="0"/>
-              <a:t> </a:t>
-            </a:r>
-            <a:r>
-              <a:rPr lang="de-DE" baseline="0" dirty="0" err="1" smtClean="0"/>
-              <a:t>mock</a:t>
-            </a:r>
-            <a:r>
-              <a:rPr lang="de-DE" baseline="0" dirty="0" smtClean="0"/>
-              <a:t>.</a:t>
-            </a:r>
-            <a:endParaRPr lang="de-DE" dirty="0"/>
-          </a:p>
-        </p:txBody>
-      </p:sp>
-      <p:sp>
-        <p:nvSpPr>
-          <p:cNvPr id="4" name="Foliennummernplatzhalter 3"/>
-          <p:cNvSpPr>
-            <a:spLocks noGrp="1"/>
-          </p:cNvSpPr>
-          <p:nvPr>
-            <p:ph type="sldNum" sz="quarter" idx="10"/>
-          </p:nvPr>
-        </p:nvSpPr>
-        <p:spPr/>
-        <p:txBody>
-          <a:bodyPr/>
-          <a:lstStyle/>
-          <a:p>
-            <a:fld id="{C409E338-0634-4D54-A97B-56A83111FA06}" type="slidenum">
-              <a:rPr lang="de-DE" smtClean="0"/>
-              <a:pPr/>
-              <a:t>22</a:t>
-            </a:fld>
-            <a:endParaRPr lang="de-DE"/>
-          </a:p>
-        </p:txBody>
-      </p:sp>
-    </p:spTree>
-    <p:extLst>
-      <p:ext uri="{BB962C8B-B14F-4D97-AF65-F5344CB8AC3E}">
-        <p14:creationId xmlns:p14="http://schemas.microsoft.com/office/powerpoint/2010/main" xmlns="" val="2947478832"/>
-      </p:ext>
-    </p:extLst>
   </p:cSld>
   <p:clrMapOvr>
     <a:masterClrMapping/>
@@ -2330,7 +2935,7 @@
         </p:nvSpPr>
         <p:spPr>
           <a:xfrm>
-            <a:off x="685800" y="1597821"/>
+            <a:off x="685800" y="1597822"/>
             <a:ext cx="7772400" cy="1102519"/>
           </a:xfrm>
         </p:spPr>
@@ -2483,7 +3088,7 @@
             <a:fld id="{1BA50D42-C9CD-4801-B293-61D1F53EC57E}" type="datetimeFigureOut">
               <a:rPr lang="de-DE" smtClean="0"/>
               <a:pPr/>
-              <a:t>17.05.2016</a:t>
+              <a:t>18.05.2016</a:t>
             </a:fld>
             <a:endParaRPr lang="de-DE"/>
           </a:p>
@@ -2650,7 +3255,7 @@
             <a:fld id="{1BA50D42-C9CD-4801-B293-61D1F53EC57E}" type="datetimeFigureOut">
               <a:rPr lang="de-DE" smtClean="0"/>
               <a:pPr/>
-              <a:t>17.05.2016</a:t>
+              <a:t>18.05.2016</a:t>
             </a:fld>
             <a:endParaRPr lang="de-DE"/>
           </a:p>
@@ -2827,7 +3432,7 @@
             <a:fld id="{1BA50D42-C9CD-4801-B293-61D1F53EC57E}" type="datetimeFigureOut">
               <a:rPr lang="de-DE" smtClean="0"/>
               <a:pPr/>
-              <a:t>17.05.2016</a:t>
+              <a:t>18.05.2016</a:t>
             </a:fld>
             <a:endParaRPr lang="de-DE"/>
           </a:p>
@@ -2994,7 +3599,7 @@
             <a:fld id="{1BA50D42-C9CD-4801-B293-61D1F53EC57E}" type="datetimeFigureOut">
               <a:rPr lang="de-DE" smtClean="0"/>
               <a:pPr/>
-              <a:t>17.05.2016</a:t>
+              <a:t>18.05.2016</a:t>
             </a:fld>
             <a:endParaRPr lang="de-DE"/>
           </a:p>
@@ -3237,7 +3842,7 @@
             <a:fld id="{1BA50D42-C9CD-4801-B293-61D1F53EC57E}" type="datetimeFigureOut">
               <a:rPr lang="de-DE" smtClean="0"/>
               <a:pPr/>
-              <a:t>17.05.2016</a:t>
+              <a:t>18.05.2016</a:t>
             </a:fld>
             <a:endParaRPr lang="de-DE"/>
           </a:p>
@@ -3522,7 +4127,7 @@
             <a:fld id="{1BA50D42-C9CD-4801-B293-61D1F53EC57E}" type="datetimeFigureOut">
               <a:rPr lang="de-DE" smtClean="0"/>
               <a:pPr/>
-              <a:t>17.05.2016</a:t>
+              <a:t>18.05.2016</a:t>
             </a:fld>
             <a:endParaRPr lang="de-DE"/>
           </a:p>
@@ -3785,7 +4390,7 @@
         </p:nvSpPr>
         <p:spPr>
           <a:xfrm>
-            <a:off x="4645030" y="1151335"/>
+            <a:off x="4645032" y="1151335"/>
             <a:ext cx="4041775" cy="479822"/>
           </a:xfrm>
         </p:spPr>
@@ -3850,7 +4455,7 @@
         </p:nvSpPr>
         <p:spPr>
           <a:xfrm>
-            <a:off x="4645030" y="1631156"/>
+            <a:off x="4645032" y="1631156"/>
             <a:ext cx="4041775" cy="2963466"/>
           </a:xfrm>
         </p:spPr>
@@ -3941,7 +4546,7 @@
             <a:fld id="{1BA50D42-C9CD-4801-B293-61D1F53EC57E}" type="datetimeFigureOut">
               <a:rPr lang="de-DE" smtClean="0"/>
               <a:pPr/>
-              <a:t>17.05.2016</a:t>
+              <a:t>18.05.2016</a:t>
             </a:fld>
             <a:endParaRPr lang="de-DE"/>
           </a:p>
@@ -4056,7 +4661,7 @@
             <a:fld id="{1BA50D42-C9CD-4801-B293-61D1F53EC57E}" type="datetimeFigureOut">
               <a:rPr lang="de-DE" smtClean="0"/>
               <a:pPr/>
-              <a:t>17.05.2016</a:t>
+              <a:t>18.05.2016</a:t>
             </a:fld>
             <a:endParaRPr lang="de-DE"/>
           </a:p>
@@ -4148,7 +4753,7 @@
             <a:fld id="{1BA50D42-C9CD-4801-B293-61D1F53EC57E}" type="datetimeFigureOut">
               <a:rPr lang="de-DE" smtClean="0"/>
               <a:pPr/>
-              <a:t>17.05.2016</a:t>
+              <a:t>18.05.2016</a:t>
             </a:fld>
             <a:endParaRPr lang="de-DE"/>
           </a:p>
@@ -4234,7 +4839,7 @@
         </p:nvSpPr>
         <p:spPr>
           <a:xfrm>
-            <a:off x="457205" y="204787"/>
+            <a:off x="457207" y="204787"/>
             <a:ext cx="3008313" cy="871538"/>
           </a:xfrm>
         </p:spPr>
@@ -4266,7 +4871,7 @@
         </p:nvSpPr>
         <p:spPr>
           <a:xfrm>
-            <a:off x="3575050" y="204790"/>
+            <a:off x="3575050" y="204791"/>
             <a:ext cx="5111750" cy="4389835"/>
           </a:xfrm>
         </p:spPr>
@@ -4351,7 +4956,7 @@
         </p:nvSpPr>
         <p:spPr>
           <a:xfrm>
-            <a:off x="457205" y="1076328"/>
+            <a:off x="457207" y="1076328"/>
             <a:ext cx="3008313" cy="3518297"/>
           </a:xfrm>
         </p:spPr>
@@ -4422,7 +5027,7 @@
             <a:fld id="{1BA50D42-C9CD-4801-B293-61D1F53EC57E}" type="datetimeFigureOut">
               <a:rPr lang="de-DE" smtClean="0"/>
               <a:pPr/>
-              <a:t>17.05.2016</a:t>
+              <a:t>18.05.2016</a:t>
             </a:fld>
             <a:endParaRPr lang="de-DE"/>
           </a:p>
@@ -4601,7 +5206,7 @@
         </p:nvSpPr>
         <p:spPr>
           <a:xfrm>
-            <a:off x="1792288" y="4025505"/>
+            <a:off x="1792288" y="4025506"/>
             <a:ext cx="5486400" cy="603647"/>
           </a:xfrm>
         </p:spPr>
@@ -4672,7 +5277,7 @@
             <a:fld id="{1BA50D42-C9CD-4801-B293-61D1F53EC57E}" type="datetimeFigureOut">
               <a:rPr lang="de-DE" smtClean="0"/>
               <a:pPr/>
-              <a:t>17.05.2016</a:t>
+              <a:t>18.05.2016</a:t>
             </a:fld>
             <a:endParaRPr lang="de-DE"/>
           </a:p>
@@ -4882,7 +5487,7 @@
             <a:fld id="{1BA50D42-C9CD-4801-B293-61D1F53EC57E}" type="datetimeFigureOut">
               <a:rPr lang="de-DE" smtClean="0"/>
               <a:pPr/>
-              <a:t>17.05.2016</a:t>
+              <a:t>18.05.2016</a:t>
             </a:fld>
             <a:endParaRPr lang="de-DE"/>
           </a:p>
@@ -5339,7 +5944,7 @@
         </p:nvSpPr>
         <p:spPr>
           <a:xfrm>
-            <a:off x="685800" y="1705529"/>
+            <a:off x="685800" y="1705530"/>
             <a:ext cx="7772400" cy="1102519"/>
           </a:xfrm>
         </p:spPr>
@@ -5474,7 +6079,7 @@
         </p:nvSpPr>
         <p:spPr>
           <a:xfrm>
-            <a:off x="5940153" y="4794706"/>
+            <a:off x="5940155" y="4794706"/>
             <a:ext cx="3205621" cy="369332"/>
           </a:xfrm>
           <a:prstGeom prst="rect">
@@ -6209,7 +6814,7 @@
         </p:blipFill>
         <p:spPr bwMode="auto">
           <a:xfrm>
-            <a:off x="4572000" y="2672580"/>
+            <a:off x="4572000" y="2672581"/>
             <a:ext cx="2051720" cy="2051720"/>
           </a:xfrm>
           <a:prstGeom prst="rect">
@@ -6235,7 +6840,7 @@
         </p:blipFill>
         <p:spPr bwMode="auto">
           <a:xfrm>
-            <a:off x="6732240" y="2672580"/>
+            <a:off x="6732240" y="2672581"/>
             <a:ext cx="2110880" cy="2110880"/>
           </a:xfrm>
           <a:prstGeom prst="rect">
@@ -6261,7 +6866,7 @@
         </p:blipFill>
         <p:spPr bwMode="auto">
           <a:xfrm>
-            <a:off x="107504" y="2672580"/>
+            <a:off x="107504" y="2672581"/>
             <a:ext cx="2131418" cy="2131418"/>
           </a:xfrm>
           <a:prstGeom prst="rect">
@@ -6393,7 +6998,7 @@
         </p:nvSpPr>
         <p:spPr>
           <a:xfrm>
-            <a:off x="395536" y="1673389"/>
+            <a:off x="395536" y="1673390"/>
             <a:ext cx="8352928" cy="2554545"/>
           </a:xfrm>
           <a:prstGeom prst="rect">
@@ -6912,7 +7517,7 @@
         </p:blipFill>
         <p:spPr bwMode="auto">
           <a:xfrm>
-            <a:off x="5621592" y="144016"/>
+            <a:off x="5621592" y="144017"/>
             <a:ext cx="3414904" cy="2283718"/>
           </a:xfrm>
           <a:prstGeom prst="rect">
@@ -7057,7 +7662,7 @@
         </p:nvSpPr>
         <p:spPr>
           <a:xfrm>
-            <a:off x="467544" y="4731990"/>
+            <a:off x="467544" y="4731991"/>
             <a:ext cx="8208912" cy="276999"/>
           </a:xfrm>
           <a:prstGeom prst="rect">
@@ -7282,7 +7887,7 @@
         </p:nvSpPr>
         <p:spPr>
           <a:xfrm>
-            <a:off x="395536" y="1419622"/>
+            <a:off x="395536" y="1419623"/>
             <a:ext cx="8352928" cy="2308324"/>
           </a:xfrm>
           <a:prstGeom prst="rect">
@@ -7771,7 +8376,7 @@
         </p:nvSpPr>
         <p:spPr>
           <a:xfrm>
-            <a:off x="467544" y="4731990"/>
+            <a:off x="467544" y="4731991"/>
             <a:ext cx="8208912" cy="276999"/>
           </a:xfrm>
           <a:prstGeom prst="rect">
@@ -8022,7 +8627,7 @@
         <p:spPr>
           <a:xfrm>
             <a:off x="395536" y="1419622"/>
-            <a:ext cx="8352928" cy="2800766"/>
+            <a:ext cx="8352928" cy="2800767"/>
           </a:xfrm>
           <a:prstGeom prst="rect">
             <a:avLst/>
@@ -8632,7 +9237,7 @@
         </p:nvSpPr>
         <p:spPr>
           <a:xfrm>
-            <a:off x="467544" y="4731990"/>
+            <a:off x="467544" y="4731991"/>
             <a:ext cx="8208912" cy="276999"/>
           </a:xfrm>
           <a:prstGeom prst="rect">
@@ -9852,7 +10457,7 @@
         </p:nvSpPr>
         <p:spPr>
           <a:xfrm>
-            <a:off x="467544" y="4731990"/>
+            <a:off x="467544" y="4731991"/>
             <a:ext cx="8208912" cy="276999"/>
           </a:xfrm>
           <a:prstGeom prst="rect">
@@ -10091,7 +10696,7 @@
         <p:spPr>
           <a:xfrm>
             <a:off x="395536" y="1419622"/>
-            <a:ext cx="8352928" cy="2800766"/>
+            <a:ext cx="8352928" cy="2800767"/>
           </a:xfrm>
           <a:prstGeom prst="rect">
             <a:avLst/>
@@ -10575,7 +11180,7 @@
         </p:blipFill>
         <p:spPr bwMode="auto">
           <a:xfrm>
-            <a:off x="4572000" y="1592460"/>
+            <a:off x="4572000" y="1592461"/>
             <a:ext cx="2051720" cy="2051720"/>
           </a:xfrm>
           <a:prstGeom prst="rect">
@@ -10601,7 +11206,7 @@
         </p:blipFill>
         <p:spPr bwMode="auto">
           <a:xfrm>
-            <a:off x="6732240" y="1592460"/>
+            <a:off x="6732240" y="1592461"/>
             <a:ext cx="2110880" cy="2110880"/>
           </a:xfrm>
           <a:prstGeom prst="rect">
@@ -10627,7 +11232,7 @@
         </p:blipFill>
         <p:spPr bwMode="auto">
           <a:xfrm>
-            <a:off x="107504" y="1592460"/>
+            <a:off x="107504" y="1592461"/>
             <a:ext cx="2131418" cy="2131418"/>
           </a:xfrm>
           <a:prstGeom prst="rect">
@@ -11039,7 +11644,7 @@
         </p:nvSpPr>
         <p:spPr>
           <a:xfrm>
-            <a:off x="395536" y="1419622"/>
+            <a:off x="395536" y="1419623"/>
             <a:ext cx="8352928" cy="3293209"/>
           </a:xfrm>
           <a:prstGeom prst="rect">
@@ -11787,7 +12392,7 @@
         </p:nvGrpSpPr>
         <p:grpSpPr>
           <a:xfrm>
-            <a:off x="6084169" y="2355726"/>
+            <a:off x="6084171" y="2355726"/>
             <a:ext cx="370327" cy="864096"/>
             <a:chOff x="5652120" y="2708920"/>
             <a:chExt cx="648072" cy="2016224"/>
@@ -12597,7 +13202,7 @@
         </p:nvSpPr>
         <p:spPr>
           <a:xfrm flipH="1">
-            <a:off x="2580463" y="2776461"/>
+            <a:off x="2580465" y="2776461"/>
             <a:ext cx="42005" cy="31504"/>
           </a:xfrm>
           <a:prstGeom prst="ellipse">
@@ -12635,7 +13240,7 @@
         </p:nvSpPr>
         <p:spPr>
           <a:xfrm flipH="1">
-            <a:off x="2580463" y="2839467"/>
+            <a:off x="2580465" y="2839467"/>
             <a:ext cx="42005" cy="31504"/>
           </a:xfrm>
           <a:prstGeom prst="ellipse">
@@ -12673,7 +13278,7 @@
         </p:nvSpPr>
         <p:spPr>
           <a:xfrm flipH="1">
-            <a:off x="2580463" y="2902475"/>
+            <a:off x="2580465" y="2902476"/>
             <a:ext cx="42005" cy="31504"/>
           </a:xfrm>
           <a:prstGeom prst="ellipse">
@@ -12825,7 +13430,7 @@
         </p:nvSpPr>
         <p:spPr>
           <a:xfrm>
-            <a:off x="3707905" y="2193709"/>
+            <a:off x="3707905" y="2193710"/>
             <a:ext cx="1591852" cy="408623"/>
           </a:xfrm>
           <a:prstGeom prst="roundRect">
@@ -12884,7 +13489,7 @@
         </p:nvSpPr>
         <p:spPr>
           <a:xfrm>
-            <a:off x="4860032" y="1167594"/>
+            <a:off x="4860034" y="1167594"/>
             <a:ext cx="2981265" cy="707886"/>
           </a:xfrm>
           <a:prstGeom prst="rect">
@@ -12935,7 +13540,7 @@
         <p:spPr>
           <a:xfrm flipH="1">
             <a:off x="4503831" y="1875480"/>
-            <a:ext cx="1846834" cy="318229"/>
+            <a:ext cx="1846836" cy="318230"/>
           </a:xfrm>
           <a:prstGeom prst="line">
             <a:avLst/>
@@ -12964,7 +13569,7 @@
         </p:nvSpPr>
         <p:spPr>
           <a:xfrm>
-            <a:off x="1691680" y="4191930"/>
+            <a:off x="1691682" y="4191930"/>
             <a:ext cx="2981265" cy="707886"/>
           </a:xfrm>
           <a:prstGeom prst="rect">
@@ -13013,7 +13618,7 @@
         </p:nvCxnSpPr>
         <p:spPr>
           <a:xfrm flipV="1">
-            <a:off x="3182313" y="3597864"/>
+            <a:off x="3182315" y="3597864"/>
             <a:ext cx="1029647" cy="594066"/>
           </a:xfrm>
           <a:prstGeom prst="line">
@@ -13466,7 +14071,7 @@
         </p:nvSpPr>
         <p:spPr>
           <a:xfrm>
-            <a:off x="6948264" y="1563638"/>
+            <a:off x="6948264" y="1563639"/>
             <a:ext cx="1440160" cy="522058"/>
           </a:xfrm>
           <a:prstGeom prst="roundRect">
@@ -13657,7 +14262,7 @@
         </p:nvSpPr>
         <p:spPr>
           <a:xfrm>
-            <a:off x="4196984" y="3165817"/>
+            <a:off x="4196984" y="3165818"/>
             <a:ext cx="1242412" cy="408623"/>
           </a:xfrm>
           <a:prstGeom prst="roundRect">
@@ -13709,7 +14314,7 @@
           <p:nvPr/>
         </p:nvPicPr>
         <p:blipFill>
-          <a:blip r:embed="rId2" cstate="print"/>
+          <a:blip r:embed="rId3" cstate="print"/>
           <a:srcRect/>
           <a:stretch>
             <a:fillRect/>
@@ -13734,7 +14339,7 @@
         </p:nvGrpSpPr>
         <p:grpSpPr>
           <a:xfrm>
-            <a:off x="6444209" y="3381840"/>
+            <a:off x="6444211" y="3381840"/>
             <a:ext cx="370327" cy="864096"/>
             <a:chOff x="5652120" y="2708920"/>
             <a:chExt cx="648072" cy="2016224"/>
@@ -15168,7 +15773,7 @@
           <p:nvPr/>
         </p:nvPicPr>
         <p:blipFill>
-          <a:blip r:embed="rId3" cstate="print"/>
+          <a:blip r:embed="rId4" cstate="print"/>
           <a:srcRect/>
           <a:stretch>
             <a:fillRect/>
@@ -15193,7 +15798,7 @@
         </p:nvSpPr>
         <p:spPr>
           <a:xfrm>
-            <a:off x="3995937" y="1275607"/>
+            <a:off x="3995937" y="1275608"/>
             <a:ext cx="1591852" cy="408623"/>
           </a:xfrm>
           <a:prstGeom prst="roundRect">
@@ -15282,7 +15887,7 @@
         </p:nvSpPr>
         <p:spPr>
           <a:xfrm>
-            <a:off x="755576" y="3003798"/>
+            <a:off x="755576" y="3003799"/>
             <a:ext cx="1080120" cy="504056"/>
           </a:xfrm>
           <a:prstGeom prst="roundRect">
@@ -15330,7 +15935,7 @@
         </p:nvGrpSpPr>
         <p:grpSpPr>
           <a:xfrm>
-            <a:off x="6372201" y="1437624"/>
+            <a:off x="6372202" y="1437624"/>
             <a:ext cx="370327" cy="864096"/>
             <a:chOff x="5652120" y="2708920"/>
             <a:chExt cx="648072" cy="2016224"/>
@@ -16325,7 +16930,7 @@
         </p:nvSpPr>
         <p:spPr>
           <a:xfrm>
-            <a:off x="4196984" y="3165817"/>
+            <a:off x="4196984" y="3165818"/>
             <a:ext cx="1242412" cy="408623"/>
           </a:xfrm>
           <a:prstGeom prst="roundRect">
@@ -16402,7 +17007,7 @@
         </p:nvGrpSpPr>
         <p:grpSpPr>
           <a:xfrm>
-            <a:off x="6444209" y="3381840"/>
+            <a:off x="6444211" y="3381840"/>
             <a:ext cx="370327" cy="864096"/>
             <a:chOff x="5652120" y="2708920"/>
             <a:chExt cx="648072" cy="2016224"/>
@@ -17865,7 +18470,7 @@
         </p:nvSpPr>
         <p:spPr>
           <a:xfrm>
-            <a:off x="755576" y="3003798"/>
+            <a:off x="755576" y="3003799"/>
             <a:ext cx="1080120" cy="504056"/>
           </a:xfrm>
           <a:prstGeom prst="roundRect">
@@ -17913,7 +18518,7 @@
         </p:nvSpPr>
         <p:spPr>
           <a:xfrm>
-            <a:off x="4196984" y="1221601"/>
+            <a:off x="4196984" y="1221602"/>
             <a:ext cx="1242412" cy="408623"/>
           </a:xfrm>
           <a:prstGeom prst="roundRect">
@@ -17990,7 +18595,7 @@
         </p:nvGrpSpPr>
         <p:grpSpPr>
           <a:xfrm>
-            <a:off x="6372201" y="1437624"/>
+            <a:off x="6372202" y="1437624"/>
             <a:ext cx="370327" cy="864096"/>
             <a:chOff x="5652120" y="2708920"/>
             <a:chExt cx="648072" cy="2016224"/>
@@ -18437,7 +19042,7 @@
         </p:nvSpPr>
         <p:spPr>
           <a:xfrm>
-            <a:off x="6948264" y="1563638"/>
+            <a:off x="6948264" y="1563639"/>
             <a:ext cx="1440160" cy="522058"/>
           </a:xfrm>
           <a:prstGeom prst="roundRect">
@@ -18572,7 +19177,7 @@
         </p:nvSpPr>
         <p:spPr>
           <a:xfrm>
-            <a:off x="6948264" y="1563638"/>
+            <a:off x="6948264" y="1563639"/>
             <a:ext cx="1440160" cy="522058"/>
           </a:xfrm>
           <a:prstGeom prst="roundRect">
@@ -18863,7 +19468,7 @@
         </p:nvSpPr>
         <p:spPr>
           <a:xfrm>
-            <a:off x="4196984" y="3165817"/>
+            <a:off x="4196984" y="3165818"/>
             <a:ext cx="1242412" cy="408623"/>
           </a:xfrm>
           <a:prstGeom prst="roundRect">
@@ -18914,7 +19519,7 @@
         </p:nvGrpSpPr>
         <p:grpSpPr>
           <a:xfrm>
-            <a:off x="6444209" y="3381840"/>
+            <a:off x="6444211" y="3381840"/>
             <a:ext cx="370327" cy="864096"/>
             <a:chOff x="5652120" y="2708920"/>
             <a:chExt cx="648072" cy="2016224"/>
@@ -20347,7 +20952,7 @@
         </p:nvSpPr>
         <p:spPr>
           <a:xfrm>
-            <a:off x="4196984" y="1221601"/>
+            <a:off x="4196984" y="1221602"/>
             <a:ext cx="1242412" cy="408623"/>
           </a:xfrm>
           <a:prstGeom prst="roundRect">
@@ -20424,7 +21029,7 @@
         </p:nvSpPr>
         <p:spPr>
           <a:xfrm>
-            <a:off x="755576" y="3003798"/>
+            <a:off x="755576" y="3003799"/>
             <a:ext cx="1080120" cy="504056"/>
           </a:xfrm>
           <a:prstGeom prst="roundRect">
@@ -20511,7 +21116,7 @@
         </p:blipFill>
         <p:spPr bwMode="auto">
           <a:xfrm>
-            <a:off x="4067944" y="4137925"/>
+            <a:off x="4067944" y="4137926"/>
             <a:ext cx="1235976" cy="500489"/>
           </a:xfrm>
           <a:prstGeom prst="rect">
@@ -20528,7 +21133,7 @@
         </p:nvSpPr>
         <p:spPr>
           <a:xfrm rot="20878690">
-            <a:off x="1809844" y="2839357"/>
+            <a:off x="1809844" y="2839358"/>
             <a:ext cx="7056784" cy="1408271"/>
           </a:xfrm>
           <a:prstGeom prst="roundRect">
@@ -20636,7 +21241,7 @@
         </p:nvGrpSpPr>
         <p:grpSpPr>
           <a:xfrm>
-            <a:off x="6372201" y="1437624"/>
+            <a:off x="6372202" y="1437624"/>
             <a:ext cx="370327" cy="864096"/>
             <a:chOff x="5652120" y="2708920"/>
             <a:chExt cx="648072" cy="2016224"/>
@@ -22088,7 +22693,7 @@
           <p:nvPr/>
         </p:nvPicPr>
         <p:blipFill>
-          <a:blip r:embed="rId2" cstate="print"/>
+          <a:blip r:embed="rId3" cstate="print"/>
           <a:srcRect/>
           <a:stretch>
             <a:fillRect/>
@@ -23967,7 +24572,7 @@
         </p:nvSpPr>
         <p:spPr>
           <a:xfrm>
-            <a:off x="2555776" y="1221600"/>
+            <a:off x="2555778" y="1221600"/>
             <a:ext cx="780727" cy="369332"/>
           </a:xfrm>
           <a:prstGeom prst="rect">
@@ -24446,7 +25051,7 @@
         </p:nvSpPr>
         <p:spPr>
           <a:xfrm>
-            <a:off x="4067263" y="1923678"/>
+            <a:off x="4067265" y="1923678"/>
             <a:ext cx="986167" cy="369332"/>
           </a:xfrm>
           <a:prstGeom prst="rect">
@@ -28306,7 +28911,7 @@
         </p:blipFill>
         <p:spPr bwMode="auto">
           <a:xfrm>
-            <a:off x="7070863" y="2139702"/>
+            <a:off x="7070865" y="2139702"/>
             <a:ext cx="2397681" cy="1350150"/>
           </a:xfrm>
           <a:prstGeom prst="rect">
@@ -28738,7 +29343,7 @@
         </p:nvSpPr>
         <p:spPr>
           <a:xfrm>
-            <a:off x="3108577" y="3860925"/>
+            <a:off x="3108579" y="3860925"/>
             <a:ext cx="780727" cy="369332"/>
           </a:xfrm>
           <a:prstGeom prst="rect">
@@ -29944,7 +30549,7 @@
         </p:blipFill>
         <p:spPr bwMode="auto">
           <a:xfrm>
-            <a:off x="7070863" y="2139702"/>
+            <a:off x="7070865" y="2139702"/>
             <a:ext cx="2397681" cy="1350150"/>
           </a:xfrm>
           <a:prstGeom prst="rect">
@@ -30326,7 +30931,7 @@
         </p:nvSpPr>
         <p:spPr>
           <a:xfrm>
-            <a:off x="3108577" y="3860925"/>
+            <a:off x="3108579" y="3860925"/>
             <a:ext cx="780727" cy="369332"/>
           </a:xfrm>
           <a:prstGeom prst="rect">
@@ -31621,7 +32226,7 @@
         </p:nvSpPr>
         <p:spPr>
           <a:xfrm>
-            <a:off x="6300192" y="2317038"/>
+            <a:off x="6300194" y="2317038"/>
             <a:ext cx="1426865" cy="369332"/>
           </a:xfrm>
           <a:prstGeom prst="rect">
@@ -32573,8 +33178,8 @@
         </p:nvSpPr>
         <p:spPr>
           <a:xfrm>
-            <a:off x="777875" y="4462463"/>
-            <a:ext cx="7182675" cy="369332"/>
+            <a:off x="777876" y="4462463"/>
+            <a:ext cx="7132274" cy="369332"/>
           </a:xfrm>
           <a:prstGeom prst="rect">
             <a:avLst/>
@@ -32647,7 +33252,7 @@
         </p:blipFill>
         <p:spPr>
           <a:xfrm>
-            <a:off x="467544" y="1563638"/>
+            <a:off x="467544" y="1563639"/>
             <a:ext cx="2031746" cy="2031746"/>
           </a:xfrm>
           <a:prstGeom prst="rect">
@@ -32952,7 +33557,7 @@
         </p:blipFill>
         <p:spPr bwMode="auto">
           <a:xfrm>
-            <a:off x="0" y="-907257"/>
+            <a:off x="0" y="-907256"/>
             <a:ext cx="9144000" cy="6050757"/>
           </a:xfrm>
           <a:prstGeom prst="rect">
@@ -33256,7 +33861,7 @@
         </p:blipFill>
         <p:spPr bwMode="auto">
           <a:xfrm>
-            <a:off x="179513" y="2427734"/>
+            <a:off x="179515" y="2427734"/>
             <a:ext cx="1008111" cy="667086"/>
           </a:xfrm>
           <a:prstGeom prst="rect">
@@ -33337,7 +33942,7 @@
         </p:blipFill>
         <p:spPr bwMode="auto">
           <a:xfrm>
-            <a:off x="179512" y="3624417"/>
+            <a:off x="179512" y="3624418"/>
             <a:ext cx="1013582" cy="675525"/>
           </a:xfrm>
           <a:prstGeom prst="rect">
@@ -33483,7 +34088,7 @@
         </p:blipFill>
         <p:spPr bwMode="auto">
           <a:xfrm>
-            <a:off x="415997" y="2436492"/>
+            <a:off x="415998" y="2436493"/>
             <a:ext cx="627611" cy="814647"/>
           </a:xfrm>
           <a:prstGeom prst="rect">
@@ -33509,7 +34114,7 @@
         </p:blipFill>
         <p:spPr bwMode="auto">
           <a:xfrm>
-            <a:off x="251521" y="3779115"/>
+            <a:off x="251521" y="3779116"/>
             <a:ext cx="960120" cy="719051"/>
           </a:xfrm>
           <a:prstGeom prst="rect">
@@ -33579,7 +34184,7 @@
         </p:nvSpPr>
         <p:spPr>
           <a:xfrm>
-            <a:off x="1220650" y="3684969"/>
+            <a:off x="1220650" y="3684970"/>
             <a:ext cx="7812360" cy="830997"/>
           </a:xfrm>
           <a:prstGeom prst="rect">
@@ -33640,7 +34245,7 @@
         </p:nvSpPr>
         <p:spPr>
           <a:xfrm>
-            <a:off x="1220650" y="1236697"/>
+            <a:off x="1220650" y="1236698"/>
             <a:ext cx="7743838" cy="830997"/>
           </a:xfrm>
           <a:prstGeom prst="rect">
@@ -33790,7 +34395,7 @@
         </p:blipFill>
         <p:spPr bwMode="auto">
           <a:xfrm>
-            <a:off x="251520" y="1275606"/>
+            <a:off x="251520" y="1275607"/>
             <a:ext cx="936104" cy="701065"/>
           </a:xfrm>
           <a:prstGeom prst="rect">
@@ -33869,7 +34474,7 @@
         </p:nvSpPr>
         <p:spPr>
           <a:xfrm>
-            <a:off x="1220650" y="1347614"/>
+            <a:off x="1220650" y="1347615"/>
             <a:ext cx="7632848" cy="584775"/>
           </a:xfrm>
           <a:prstGeom prst="rect">
@@ -34079,7 +34684,7 @@
         </p:blipFill>
         <p:spPr bwMode="auto">
           <a:xfrm>
-            <a:off x="251519" y="3759882"/>
+            <a:off x="251521" y="3759882"/>
             <a:ext cx="874383" cy="612068"/>
           </a:xfrm>
           <a:prstGeom prst="rect">
@@ -34158,6 +34763,460 @@
             <p:ph type="title"/>
           </p:nvPr>
         </p:nvSpPr>
+        <p:spPr>
+          <a:xfrm>
+            <a:off x="457200" y="205978"/>
+            <a:ext cx="8229600" cy="313544"/>
+          </a:xfrm>
+        </p:spPr>
+        <p:txBody>
+          <a:bodyPr>
+            <a:normAutofit fontScale="90000"/>
+          </a:bodyPr>
+          <a:lstStyle/>
+          <a:p>
+            <a:r>
+              <a:rPr lang="de-DE" dirty="0" err="1" smtClean="0"/>
+              <a:t>Sources</a:t>
+            </a:r>
+            <a:endParaRPr lang="de-DE" dirty="0"/>
+          </a:p>
+        </p:txBody>
+      </p:sp>
+      <p:sp>
+        <p:nvSpPr>
+          <p:cNvPr id="16" name="Rechteck 15"/>
+          <p:cNvSpPr/>
+          <p:nvPr/>
+        </p:nvSpPr>
+        <p:spPr>
+          <a:xfrm>
+            <a:off x="1403648" y="1167595"/>
+            <a:ext cx="7344816" cy="584775"/>
+          </a:xfrm>
+          <a:prstGeom prst="rect">
+            <a:avLst/>
+          </a:prstGeom>
+        </p:spPr>
+        <p:txBody>
+          <a:bodyPr wrap="square">
+            <a:spAutoFit/>
+          </a:bodyPr>
+          <a:lstStyle/>
+          <a:p>
+            <a:r>
+              <a:rPr lang="de-DE" sz="1600" dirty="0" smtClean="0"/>
+              <a:t>https://pixabay.com/get/ee32b5072af21c22d2524518a33219c8b66ae3d11fb2144396f5c37f/bilberry-774826_1280.png</a:t>
+            </a:r>
+            <a:endParaRPr lang="de-DE" sz="1600" dirty="0"/>
+          </a:p>
+        </p:txBody>
+      </p:sp>
+      <p:pic>
+        <p:nvPicPr>
+          <p:cNvPr id="9" name="Picture 3" descr="C:\Users\Robin\Documents\GitHub\chado presentation\weitere teebilder\flowers-774816_1280.png"/>
+          <p:cNvPicPr>
+            <a:picLocks noChangeAspect="1" noChangeArrowheads="1"/>
+          </p:cNvPicPr>
+          <p:nvPr/>
+        </p:nvPicPr>
+        <p:blipFill>
+          <a:blip r:embed="rId2" cstate="print"/>
+          <a:srcRect/>
+          <a:stretch>
+            <a:fillRect/>
+          </a:stretch>
+        </p:blipFill>
+        <p:spPr bwMode="auto">
+          <a:xfrm>
+            <a:off x="179513" y="1923679"/>
+            <a:ext cx="1152311" cy="864233"/>
+          </a:xfrm>
+          <a:prstGeom prst="rect">
+            <a:avLst/>
+          </a:prstGeom>
+          <a:noFill/>
+        </p:spPr>
+      </p:pic>
+      <p:pic>
+        <p:nvPicPr>
+          <p:cNvPr id="10" name="Picture 4" descr="C:\Users\Robin\Documents\GitHub\chado presentation\weitere teebilder\dried-flower-782768_1280.png"/>
+          <p:cNvPicPr>
+            <a:picLocks noChangeAspect="1" noChangeArrowheads="1"/>
+          </p:cNvPicPr>
+          <p:nvPr/>
+        </p:nvPicPr>
+        <p:blipFill>
+          <a:blip r:embed="rId3" cstate="print"/>
+          <a:srcRect/>
+          <a:stretch>
+            <a:fillRect/>
+          </a:stretch>
+        </p:blipFill>
+        <p:spPr bwMode="auto">
+          <a:xfrm>
+            <a:off x="179512" y="2841780"/>
+            <a:ext cx="1115638" cy="836729"/>
+          </a:xfrm>
+          <a:prstGeom prst="rect">
+            <a:avLst/>
+          </a:prstGeom>
+          <a:noFill/>
+        </p:spPr>
+      </p:pic>
+      <p:pic>
+        <p:nvPicPr>
+          <p:cNvPr id="11" name="Picture 5" descr="C:\Users\Robin\Documents\GitHub\chado presentation\weitere teebilder\dried-774823_1280.png"/>
+          <p:cNvPicPr>
+            <a:picLocks noChangeAspect="1" noChangeArrowheads="1"/>
+          </p:cNvPicPr>
+          <p:nvPr/>
+        </p:nvPicPr>
+        <p:blipFill>
+          <a:blip r:embed="rId4" cstate="print"/>
+          <a:srcRect/>
+          <a:stretch>
+            <a:fillRect/>
+          </a:stretch>
+        </p:blipFill>
+        <p:spPr bwMode="auto">
+          <a:xfrm>
+            <a:off x="251520" y="3651870"/>
+            <a:ext cx="1147806" cy="860855"/>
+          </a:xfrm>
+          <a:prstGeom prst="rect">
+            <a:avLst/>
+          </a:prstGeom>
+          <a:noFill/>
+        </p:spPr>
+      </p:pic>
+      <p:pic>
+        <p:nvPicPr>
+          <p:cNvPr id="18" name="Picture 6" descr="C:\Users\Robin\Documents\GitHub\chado presentation\weitere teebilder\bilberry-774826_1280.png"/>
+          <p:cNvPicPr>
+            <a:picLocks noChangeAspect="1" noChangeArrowheads="1"/>
+          </p:cNvPicPr>
+          <p:nvPr/>
+        </p:nvPicPr>
+        <p:blipFill>
+          <a:blip r:embed="rId5" cstate="print"/>
+          <a:srcRect/>
+          <a:stretch>
+            <a:fillRect/>
+          </a:stretch>
+        </p:blipFill>
+        <p:spPr bwMode="auto">
+          <a:xfrm>
+            <a:off x="179512" y="1064717"/>
+            <a:ext cx="1152128" cy="864096"/>
+          </a:xfrm>
+          <a:prstGeom prst="rect">
+            <a:avLst/>
+          </a:prstGeom>
+          <a:noFill/>
+        </p:spPr>
+      </p:pic>
+      <p:sp>
+        <p:nvSpPr>
+          <p:cNvPr id="22" name="Rechteck 21"/>
+          <p:cNvSpPr/>
+          <p:nvPr/>
+        </p:nvSpPr>
+        <p:spPr>
+          <a:xfrm>
+            <a:off x="1403648" y="2133169"/>
+            <a:ext cx="7344816" cy="584775"/>
+          </a:xfrm>
+          <a:prstGeom prst="rect">
+            <a:avLst/>
+          </a:prstGeom>
+        </p:spPr>
+        <p:txBody>
+          <a:bodyPr wrap="square">
+            <a:spAutoFit/>
+          </a:bodyPr>
+          <a:lstStyle/>
+          <a:p>
+            <a:r>
+              <a:rPr lang="de-DE" sz="1600" dirty="0" smtClean="0"/>
+              <a:t>https://pixabay.com/get/ee32b50729f21c22d2524518a33219c8b66ae3d11fb2144396f7c978/flowers-774816_1280.png</a:t>
+            </a:r>
+            <a:endParaRPr lang="de-DE" sz="1600" dirty="0"/>
+          </a:p>
+        </p:txBody>
+      </p:sp>
+      <p:sp>
+        <p:nvSpPr>
+          <p:cNvPr id="23" name="Rechteck 22"/>
+          <p:cNvSpPr/>
+          <p:nvPr/>
+        </p:nvSpPr>
+        <p:spPr>
+          <a:xfrm>
+            <a:off x="1403648" y="3861361"/>
+            <a:ext cx="7344816" cy="584775"/>
+          </a:xfrm>
+          <a:prstGeom prst="rect">
+            <a:avLst/>
+          </a:prstGeom>
+        </p:spPr>
+        <p:txBody>
+          <a:bodyPr wrap="square">
+            <a:spAutoFit/>
+          </a:bodyPr>
+          <a:lstStyle/>
+          <a:p>
+            <a:r>
+              <a:rPr lang="de-DE" sz="1600" dirty="0" smtClean="0"/>
+              <a:t>https://pixabay.com/get/ee32b5072af71c22d2524518a33219c8b66ae3d11fb2144396f3c97b/dried-774823_1280.png</a:t>
+            </a:r>
+            <a:endParaRPr lang="de-DE" sz="1600" dirty="0"/>
+          </a:p>
+        </p:txBody>
+      </p:sp>
+      <p:sp>
+        <p:nvSpPr>
+          <p:cNvPr id="24" name="Rechteck 23"/>
+          <p:cNvSpPr/>
+          <p:nvPr/>
+        </p:nvSpPr>
+        <p:spPr>
+          <a:xfrm>
+            <a:off x="1403648" y="3051271"/>
+            <a:ext cx="7344816" cy="584775"/>
+          </a:xfrm>
+          <a:prstGeom prst="rect">
+            <a:avLst/>
+          </a:prstGeom>
+        </p:spPr>
+        <p:txBody>
+          <a:bodyPr wrap="square">
+            <a:spAutoFit/>
+          </a:bodyPr>
+          <a:lstStyle/>
+          <a:p>
+            <a:r>
+              <a:rPr lang="de-DE" sz="1600" dirty="0" smtClean="0"/>
+              <a:t>https://pixabay.com/get/ee3db3082efc1c22d2524518a33219c8b66ae3d11fb2144396f5c97a/dried-flower-782768_1280.png</a:t>
+            </a:r>
+            <a:endParaRPr lang="de-DE" sz="1600" dirty="0"/>
+          </a:p>
+        </p:txBody>
+      </p:sp>
+    </p:spTree>
+  </p:cSld>
+  <p:clrMapOvr>
+    <a:masterClrMapping/>
+  </p:clrMapOvr>
+  <p:timing>
+    <p:tnLst>
+      <p:par>
+        <p:cTn id="1" dur="indefinite" restart="never" nodeType="tmRoot"/>
+      </p:par>
+    </p:tnLst>
+  </p:timing>
+</p:sld>
+</file>
+
+<file path=ppt/slides/slide46.xml><?xml version="1.0" encoding="utf-8"?>
+<p:sld xmlns:a="http://schemas.openxmlformats.org/drawingml/2006/main" xmlns:r="http://schemas.openxmlformats.org/officeDocument/2006/relationships" xmlns:p="http://schemas.openxmlformats.org/presentationml/2006/main">
+  <p:cSld>
+    <p:spTree>
+      <p:nvGrpSpPr>
+        <p:cNvPr id="1" name=""/>
+        <p:cNvGrpSpPr/>
+        <p:nvPr/>
+      </p:nvGrpSpPr>
+      <p:grpSpPr>
+        <a:xfrm>
+          <a:off x="0" y="0"/>
+          <a:ext cx="0" cy="0"/>
+          <a:chOff x="0" y="0"/>
+          <a:chExt cx="0" cy="0"/>
+        </a:xfrm>
+      </p:grpSpPr>
+      <p:sp>
+        <p:nvSpPr>
+          <p:cNvPr id="2" name="Titel 1"/>
+          <p:cNvSpPr>
+            <a:spLocks noGrp="1"/>
+          </p:cNvSpPr>
+          <p:nvPr>
+            <p:ph type="title"/>
+          </p:nvPr>
+        </p:nvSpPr>
+        <p:spPr>
+          <a:xfrm>
+            <a:off x="457200" y="205978"/>
+            <a:ext cx="8229600" cy="313544"/>
+          </a:xfrm>
+        </p:spPr>
+        <p:txBody>
+          <a:bodyPr>
+            <a:normAutofit fontScale="90000"/>
+          </a:bodyPr>
+          <a:lstStyle/>
+          <a:p>
+            <a:r>
+              <a:rPr lang="de-DE" dirty="0" err="1" smtClean="0"/>
+              <a:t>Sources</a:t>
+            </a:r>
+            <a:endParaRPr lang="de-DE" dirty="0"/>
+          </a:p>
+        </p:txBody>
+      </p:sp>
+      <p:sp>
+        <p:nvSpPr>
+          <p:cNvPr id="13" name="Rechteck 12"/>
+          <p:cNvSpPr/>
+          <p:nvPr/>
+        </p:nvSpPr>
+        <p:spPr>
+          <a:xfrm>
+            <a:off x="1619672" y="2571751"/>
+            <a:ext cx="7344816" cy="584775"/>
+          </a:xfrm>
+          <a:prstGeom prst="rect">
+            <a:avLst/>
+          </a:prstGeom>
+        </p:spPr>
+        <p:txBody>
+          <a:bodyPr wrap="square">
+            <a:spAutoFit/>
+          </a:bodyPr>
+          <a:lstStyle/>
+          <a:p>
+            <a:r>
+              <a:rPr lang="de-DE" sz="1600" dirty="0" smtClean="0"/>
+              <a:t>https://pixabay.com/get/e837b20b20f6063ed1584d05fb0938c9bd22ffd41db7124497f3c871a3/tea-1234827_1280.jpg</a:t>
+            </a:r>
+            <a:endParaRPr lang="de-DE" sz="1600" dirty="0"/>
+          </a:p>
+        </p:txBody>
+      </p:sp>
+      <p:sp>
+        <p:nvSpPr>
+          <p:cNvPr id="19" name="Rechteck 18"/>
+          <p:cNvSpPr/>
+          <p:nvPr/>
+        </p:nvSpPr>
+        <p:spPr>
+          <a:xfrm>
+            <a:off x="1619672" y="1275607"/>
+            <a:ext cx="7488832" cy="584775"/>
+          </a:xfrm>
+          <a:prstGeom prst="rect">
+            <a:avLst/>
+          </a:prstGeom>
+        </p:spPr>
+        <p:txBody>
+          <a:bodyPr wrap="square">
+            <a:spAutoFit/>
+          </a:bodyPr>
+          <a:lstStyle/>
+          <a:p>
+            <a:r>
+              <a:rPr lang="de-DE" sz="1600" dirty="0" smtClean="0"/>
+              <a:t>https://pixabay.com/static/uploads/photo/2015/07/05/09/44/tableware-832035_640.jpg</a:t>
+            </a:r>
+            <a:endParaRPr lang="de-DE" sz="1600" dirty="0"/>
+          </a:p>
+        </p:txBody>
+      </p:sp>
+      <p:pic>
+        <p:nvPicPr>
+          <p:cNvPr id="14" name="Picture 2" descr="C:\Users\Robin\Documents\GitHub\chado presentation\weitere teebilder\tableware-832035_640.jpg"/>
+          <p:cNvPicPr>
+            <a:picLocks noChangeAspect="1" noChangeArrowheads="1"/>
+          </p:cNvPicPr>
+          <p:nvPr/>
+        </p:nvPicPr>
+        <p:blipFill>
+          <a:blip r:embed="rId2" cstate="print"/>
+          <a:srcRect/>
+          <a:stretch>
+            <a:fillRect/>
+          </a:stretch>
+        </p:blipFill>
+        <p:spPr bwMode="auto">
+          <a:xfrm>
+            <a:off x="319843" y="1275606"/>
+            <a:ext cx="1083805" cy="619801"/>
+          </a:xfrm>
+          <a:prstGeom prst="rect">
+            <a:avLst/>
+          </a:prstGeom>
+          <a:noFill/>
+        </p:spPr>
+      </p:pic>
+      <p:pic>
+        <p:nvPicPr>
+          <p:cNvPr id="15" name="Picture 2" descr="C:\Users\Robin\Documents\GitHub\chado presentation\weitere teebilder\tea-1234832_1280.jpg"/>
+          <p:cNvPicPr>
+            <a:picLocks noChangeAspect="1" noChangeArrowheads="1"/>
+          </p:cNvPicPr>
+          <p:nvPr/>
+        </p:nvPicPr>
+        <p:blipFill>
+          <a:blip r:embed="rId3" cstate="print"/>
+          <a:srcRect/>
+          <a:stretch>
+            <a:fillRect/>
+          </a:stretch>
+        </p:blipFill>
+        <p:spPr bwMode="auto">
+          <a:xfrm>
+            <a:off x="323529" y="2571750"/>
+            <a:ext cx="1076755" cy="540060"/>
+          </a:xfrm>
+          <a:prstGeom prst="rect">
+            <a:avLst/>
+          </a:prstGeom>
+          <a:noFill/>
+        </p:spPr>
+      </p:pic>
+    </p:spTree>
+  </p:cSld>
+  <p:clrMapOvr>
+    <a:masterClrMapping/>
+  </p:clrMapOvr>
+  <p:timing>
+    <p:tnLst>
+      <p:par>
+        <p:cTn id="1" dur="indefinite" restart="never" nodeType="tmRoot"/>
+      </p:par>
+    </p:tnLst>
+  </p:timing>
+</p:sld>
+</file>
+
+<file path=ppt/slides/slide47.xml><?xml version="1.0" encoding="utf-8"?>
+<p:sld xmlns:a="http://schemas.openxmlformats.org/drawingml/2006/main" xmlns:r="http://schemas.openxmlformats.org/officeDocument/2006/relationships" xmlns:p="http://schemas.openxmlformats.org/presentationml/2006/main">
+  <p:cSld>
+    <p:spTree>
+      <p:nvGrpSpPr>
+        <p:cNvPr id="1" name=""/>
+        <p:cNvGrpSpPr/>
+        <p:nvPr/>
+      </p:nvGrpSpPr>
+      <p:grpSpPr>
+        <a:xfrm>
+          <a:off x="0" y="0"/>
+          <a:ext cx="0" cy="0"/>
+          <a:chOff x="0" y="0"/>
+          <a:chExt cx="0" cy="0"/>
+        </a:xfrm>
+      </p:grpSpPr>
+      <p:sp>
+        <p:nvSpPr>
+          <p:cNvPr id="2" name="Titel 1"/>
+          <p:cNvSpPr>
+            <a:spLocks noGrp="1"/>
+          </p:cNvSpPr>
+          <p:nvPr>
+            <p:ph type="title"/>
+          </p:nvPr>
+        </p:nvSpPr>
         <p:spPr/>
         <p:txBody>
           <a:bodyPr/>
@@ -34203,7 +35262,7 @@
         </p:blipFill>
         <p:spPr bwMode="auto">
           <a:xfrm>
-            <a:off x="0" y="-907257"/>
+            <a:off x="0" y="-907256"/>
             <a:ext cx="9144000" cy="6050757"/>
           </a:xfrm>
           <a:prstGeom prst="rect">
@@ -34372,8 +35431,8 @@
         </p:nvSpPr>
         <p:spPr>
           <a:xfrm>
-            <a:off x="1605772" y="1528212"/>
-            <a:ext cx="5996503" cy="2585323"/>
+            <a:off x="1531582" y="1528213"/>
+            <a:ext cx="6144887" cy="2585323"/>
           </a:xfrm>
           <a:prstGeom prst="rect">
             <a:avLst/>
@@ -34517,7 +35576,7 @@
         </p:blipFill>
         <p:spPr>
           <a:xfrm>
-            <a:off x="3502057" y="1047750"/>
+            <a:off x="3502059" y="1047751"/>
             <a:ext cx="2438095" cy="3240635"/>
           </a:xfrm>
           <a:prstGeom prst="rect">
@@ -34652,7 +35711,7 @@
         </p:blipFill>
         <p:spPr bwMode="auto">
           <a:xfrm>
-            <a:off x="2982582" y="1246609"/>
+            <a:off x="2982582" y="1246610"/>
             <a:ext cx="3101586" cy="3111959"/>
           </a:xfrm>
           <a:prstGeom prst="rect">
@@ -34714,7 +35773,7 @@
         <p:spPr>
           <a:xfrm>
             <a:off x="827584" y="1367935"/>
-            <a:ext cx="7344816" cy="3231654"/>
+            <a:ext cx="7344816" cy="3108543"/>
           </a:xfrm>
           <a:prstGeom prst="rect">
             <a:avLst/>
@@ -35148,7 +36207,7 @@
         </p:blipFill>
         <p:spPr bwMode="auto">
           <a:xfrm>
-            <a:off x="2982582" y="1246609"/>
+            <a:off x="2982582" y="1246610"/>
             <a:ext cx="3101586" cy="3111959"/>
           </a:xfrm>
           <a:prstGeom prst="rect">
@@ -35683,7 +36742,7 @@
         </p:blipFill>
         <p:spPr bwMode="auto">
           <a:xfrm>
-            <a:off x="2982582" y="1246609"/>
+            <a:off x="2982582" y="1246610"/>
             <a:ext cx="3101586" cy="3111959"/>
           </a:xfrm>
           <a:prstGeom prst="rect">

--- a/chadojs - who is testing the mocks - 16zu9.pptx
+++ b/chadojs - who is testing the mocks - 16zu9.pptx
@@ -239,7 +239,7 @@
             <a:fld id="{4DBE830D-4B1D-43AC-B523-377B51CEDACB}" type="datetimeFigureOut">
               <a:rPr lang="de-DE" smtClean="0"/>
               <a:pPr/>
-              <a:t>18.05.2016</a:t>
+              <a:t>18.05.16</a:t>
             </a:fld>
             <a:endParaRPr lang="de-DE"/>
           </a:p>
@@ -410,7 +410,7 @@
     </p:spTree>
     <p:extLst>
       <p:ext uri="{BB962C8B-B14F-4D97-AF65-F5344CB8AC3E}">
-        <p14:creationId xmlns:p14="http://schemas.microsoft.com/office/powerpoint/2010/main" xmlns="" val="20919523"/>
+        <p14:creationId xmlns:p14="http://schemas.microsoft.com/office/powerpoint/2010/main" val="20919523"/>
       </p:ext>
     </p:extLst>
   </p:cSld>
@@ -1274,7 +1274,7 @@
     </p:spTree>
     <p:extLst>
       <p:ext uri="{BB962C8B-B14F-4D97-AF65-F5344CB8AC3E}">
-        <p14:creationId xmlns:p14="http://schemas.microsoft.com/office/powerpoint/2010/main" xmlns="" val="2883834159"/>
+        <p14:creationId xmlns:p14="http://schemas.microsoft.com/office/powerpoint/2010/main" val="2883834159"/>
       </p:ext>
     </p:extLst>
   </p:cSld>
@@ -1539,7 +1539,7 @@
     </p:spTree>
     <p:extLst>
       <p:ext uri="{BB962C8B-B14F-4D97-AF65-F5344CB8AC3E}">
-        <p14:creationId xmlns:p14="http://schemas.microsoft.com/office/powerpoint/2010/main" xmlns="" val="2636513739"/>
+        <p14:creationId xmlns:p14="http://schemas.microsoft.com/office/powerpoint/2010/main" val="2636513739"/>
       </p:ext>
     </p:extLst>
   </p:cSld>
@@ -2299,7 +2299,7 @@
     </p:spTree>
     <p:extLst>
       <p:ext uri="{BB962C8B-B14F-4D97-AF65-F5344CB8AC3E}">
-        <p14:creationId xmlns:p14="http://schemas.microsoft.com/office/powerpoint/2010/main" xmlns="" val="2947478832"/>
+        <p14:creationId xmlns:p14="http://schemas.microsoft.com/office/powerpoint/2010/main" val="2947478832"/>
       </p:ext>
     </p:extLst>
   </p:cSld>
@@ -2445,7 +2445,7 @@
     </p:spTree>
     <p:extLst>
       <p:ext uri="{BB962C8B-B14F-4D97-AF65-F5344CB8AC3E}">
-        <p14:creationId xmlns:p14="http://schemas.microsoft.com/office/powerpoint/2010/main" xmlns="" val="2947478832"/>
+        <p14:creationId xmlns:p14="http://schemas.microsoft.com/office/powerpoint/2010/main" val="2947478832"/>
       </p:ext>
     </p:extLst>
   </p:cSld>
@@ -3088,7 +3088,7 @@
             <a:fld id="{1BA50D42-C9CD-4801-B293-61D1F53EC57E}" type="datetimeFigureOut">
               <a:rPr lang="de-DE" smtClean="0"/>
               <a:pPr/>
-              <a:t>18.05.2016</a:t>
+              <a:t>18.05.16</a:t>
             </a:fld>
             <a:endParaRPr lang="de-DE"/>
           </a:p>
@@ -3255,7 +3255,7 @@
             <a:fld id="{1BA50D42-C9CD-4801-B293-61D1F53EC57E}" type="datetimeFigureOut">
               <a:rPr lang="de-DE" smtClean="0"/>
               <a:pPr/>
-              <a:t>18.05.2016</a:t>
+              <a:t>18.05.16</a:t>
             </a:fld>
             <a:endParaRPr lang="de-DE"/>
           </a:p>
@@ -3432,7 +3432,7 @@
             <a:fld id="{1BA50D42-C9CD-4801-B293-61D1F53EC57E}" type="datetimeFigureOut">
               <a:rPr lang="de-DE" smtClean="0"/>
               <a:pPr/>
-              <a:t>18.05.2016</a:t>
+              <a:t>18.05.16</a:t>
             </a:fld>
             <a:endParaRPr lang="de-DE"/>
           </a:p>
@@ -3599,7 +3599,7 @@
             <a:fld id="{1BA50D42-C9CD-4801-B293-61D1F53EC57E}" type="datetimeFigureOut">
               <a:rPr lang="de-DE" smtClean="0"/>
               <a:pPr/>
-              <a:t>18.05.2016</a:t>
+              <a:t>18.05.16</a:t>
             </a:fld>
             <a:endParaRPr lang="de-DE"/>
           </a:p>
@@ -3842,7 +3842,7 @@
             <a:fld id="{1BA50D42-C9CD-4801-B293-61D1F53EC57E}" type="datetimeFigureOut">
               <a:rPr lang="de-DE" smtClean="0"/>
               <a:pPr/>
-              <a:t>18.05.2016</a:t>
+              <a:t>18.05.16</a:t>
             </a:fld>
             <a:endParaRPr lang="de-DE"/>
           </a:p>
@@ -4127,7 +4127,7 @@
             <a:fld id="{1BA50D42-C9CD-4801-B293-61D1F53EC57E}" type="datetimeFigureOut">
               <a:rPr lang="de-DE" smtClean="0"/>
               <a:pPr/>
-              <a:t>18.05.2016</a:t>
+              <a:t>18.05.16</a:t>
             </a:fld>
             <a:endParaRPr lang="de-DE"/>
           </a:p>
@@ -4546,7 +4546,7 @@
             <a:fld id="{1BA50D42-C9CD-4801-B293-61D1F53EC57E}" type="datetimeFigureOut">
               <a:rPr lang="de-DE" smtClean="0"/>
               <a:pPr/>
-              <a:t>18.05.2016</a:t>
+              <a:t>18.05.16</a:t>
             </a:fld>
             <a:endParaRPr lang="de-DE"/>
           </a:p>
@@ -4661,7 +4661,7 @@
             <a:fld id="{1BA50D42-C9CD-4801-B293-61D1F53EC57E}" type="datetimeFigureOut">
               <a:rPr lang="de-DE" smtClean="0"/>
               <a:pPr/>
-              <a:t>18.05.2016</a:t>
+              <a:t>18.05.16</a:t>
             </a:fld>
             <a:endParaRPr lang="de-DE"/>
           </a:p>
@@ -4753,7 +4753,7 @@
             <a:fld id="{1BA50D42-C9CD-4801-B293-61D1F53EC57E}" type="datetimeFigureOut">
               <a:rPr lang="de-DE" smtClean="0"/>
               <a:pPr/>
-              <a:t>18.05.2016</a:t>
+              <a:t>18.05.16</a:t>
             </a:fld>
             <a:endParaRPr lang="de-DE"/>
           </a:p>
@@ -5027,7 +5027,7 @@
             <a:fld id="{1BA50D42-C9CD-4801-B293-61D1F53EC57E}" type="datetimeFigureOut">
               <a:rPr lang="de-DE" smtClean="0"/>
               <a:pPr/>
-              <a:t>18.05.2016</a:t>
+              <a:t>18.05.16</a:t>
             </a:fld>
             <a:endParaRPr lang="de-DE"/>
           </a:p>
@@ -5277,7 +5277,7 @@
             <a:fld id="{1BA50D42-C9CD-4801-B293-61D1F53EC57E}" type="datetimeFigureOut">
               <a:rPr lang="de-DE" smtClean="0"/>
               <a:pPr/>
-              <a:t>18.05.2016</a:t>
+              <a:t>18.05.16</a:t>
             </a:fld>
             <a:endParaRPr lang="de-DE"/>
           </a:p>
@@ -5487,7 +5487,7 @@
             <a:fld id="{1BA50D42-C9CD-4801-B293-61D1F53EC57E}" type="datetimeFigureOut">
               <a:rPr lang="de-DE" smtClean="0"/>
               <a:pPr/>
-              <a:t>18.05.2016</a:t>
+              <a:t>18.05.16</a:t>
             </a:fld>
             <a:endParaRPr lang="de-DE"/>
           </a:p>
@@ -6134,7 +6134,7 @@
   <p:timing>
     <p:tnLst>
       <p:par>
-        <p:cTn id="1" dur="indefinite" restart="never" nodeType="tmRoot"/>
+        <p:cTn xmlns:p14="http://schemas.microsoft.com/office/powerpoint/2010/main" id="1" dur="indefinite" restart="never" nodeType="tmRoot"/>
       </p:par>
     </p:tnLst>
   </p:timing>
@@ -6359,7 +6359,7 @@
   <p:timing>
     <p:tnLst>
       <p:par>
-        <p:cTn id="1" dur="indefinite" restart="never" nodeType="tmRoot"/>
+        <p:cTn xmlns:p14="http://schemas.microsoft.com/office/powerpoint/2010/main" id="1" dur="indefinite" restart="never" nodeType="tmRoot"/>
       </p:par>
     </p:tnLst>
   </p:timing>
@@ -6576,7 +6576,7 @@
   <p:timing>
     <p:tnLst>
       <p:par>
-        <p:cTn id="1" dur="indefinite" restart="never" nodeType="tmRoot"/>
+        <p:cTn xmlns:p14="http://schemas.microsoft.com/office/powerpoint/2010/main" id="1" dur="indefinite" restart="never" nodeType="tmRoot"/>
       </p:par>
     </p:tnLst>
   </p:timing>
@@ -6883,7 +6883,7 @@
   <p:timing>
     <p:tnLst>
       <p:par>
-        <p:cTn id="1" dur="indefinite" restart="never" nodeType="tmRoot"/>
+        <p:cTn xmlns:p14="http://schemas.microsoft.com/office/powerpoint/2010/main" id="1" dur="indefinite" restart="never" nodeType="tmRoot"/>
       </p:par>
     </p:tnLst>
   </p:timing>
@@ -7529,7 +7529,7 @@
     </p:spTree>
     <p:extLst>
       <p:ext uri="{BB962C8B-B14F-4D97-AF65-F5344CB8AC3E}">
-        <p14:creationId xmlns:p14="http://schemas.microsoft.com/office/powerpoint/2010/main" xmlns="" val="3075067597"/>
+        <p14:creationId xmlns:p14="http://schemas.microsoft.com/office/powerpoint/2010/main" val="3075067597"/>
       </p:ext>
     </p:extLst>
   </p:cSld>
@@ -7539,7 +7539,7 @@
   <p:timing>
     <p:tnLst>
       <p:par>
-        <p:cTn id="1" dur="indefinite" restart="never" nodeType="tmRoot"/>
+        <p:cTn xmlns:p14="http://schemas.microsoft.com/office/powerpoint/2010/main" id="1" dur="indefinite" restart="never" nodeType="tmRoot"/>
       </p:par>
     </p:tnLst>
   </p:timing>
@@ -7773,7 +7773,7 @@
     </p:spTree>
     <p:extLst>
       <p:ext uri="{BB962C8B-B14F-4D97-AF65-F5344CB8AC3E}">
-        <p14:creationId xmlns:p14="http://schemas.microsoft.com/office/powerpoint/2010/main" xmlns="" val="149987943"/>
+        <p14:creationId xmlns:p14="http://schemas.microsoft.com/office/powerpoint/2010/main" val="149987943"/>
       </p:ext>
     </p:extLst>
   </p:cSld>
@@ -7783,7 +7783,7 @@
   <p:timing>
     <p:tnLst>
       <p:par>
-        <p:cTn id="1" dur="indefinite" restart="never" nodeType="tmRoot"/>
+        <p:cTn xmlns:p14="http://schemas.microsoft.com/office/powerpoint/2010/main" id="1" dur="indefinite" restart="never" nodeType="tmRoot"/>
       </p:par>
     </p:tnLst>
   </p:timing>
@@ -8254,7 +8254,7 @@
     </p:spTree>
     <p:extLst>
       <p:ext uri="{BB962C8B-B14F-4D97-AF65-F5344CB8AC3E}">
-        <p14:creationId xmlns:p14="http://schemas.microsoft.com/office/powerpoint/2010/main" xmlns="" val="890252917"/>
+        <p14:creationId xmlns:p14="http://schemas.microsoft.com/office/powerpoint/2010/main" val="890252917"/>
       </p:ext>
     </p:extLst>
   </p:cSld>
@@ -8264,7 +8264,7 @@
   <p:timing>
     <p:tnLst>
       <p:par>
-        <p:cTn id="1" dur="indefinite" restart="never" nodeType="tmRoot"/>
+        <p:cTn xmlns:p14="http://schemas.microsoft.com/office/powerpoint/2010/main" id="1" dur="indefinite" restart="never" nodeType="tmRoot"/>
       </p:par>
     </p:tnLst>
   </p:timing>
@@ -8502,7 +8502,7 @@
     </p:spTree>
     <p:extLst>
       <p:ext uri="{BB962C8B-B14F-4D97-AF65-F5344CB8AC3E}">
-        <p14:creationId xmlns:p14="http://schemas.microsoft.com/office/powerpoint/2010/main" xmlns="" val="3919436087"/>
+        <p14:creationId xmlns:p14="http://schemas.microsoft.com/office/powerpoint/2010/main" val="3919436087"/>
       </p:ext>
     </p:extLst>
   </p:cSld>
@@ -8512,7 +8512,7 @@
   <p:timing>
     <p:tnLst>
       <p:par>
-        <p:cTn id="1" dur="indefinite" restart="never" nodeType="tmRoot"/>
+        <p:cTn xmlns:p14="http://schemas.microsoft.com/office/powerpoint/2010/main" id="1" dur="indefinite" restart="never" nodeType="tmRoot"/>
       </p:par>
     </p:tnLst>
   </p:timing>
@@ -9123,7 +9123,7 @@
     </p:spTree>
     <p:extLst>
       <p:ext uri="{BB962C8B-B14F-4D97-AF65-F5344CB8AC3E}">
-        <p14:creationId xmlns:p14="http://schemas.microsoft.com/office/powerpoint/2010/main" xmlns="" val="401687663"/>
+        <p14:creationId xmlns:p14="http://schemas.microsoft.com/office/powerpoint/2010/main" val="401687663"/>
       </p:ext>
     </p:extLst>
   </p:cSld>
@@ -9133,7 +9133,7 @@
   <p:timing>
     <p:tnLst>
       <p:par>
-        <p:cTn id="1" dur="indefinite" restart="never" nodeType="tmRoot"/>
+        <p:cTn xmlns:p14="http://schemas.microsoft.com/office/powerpoint/2010/main" id="1" dur="indefinite" restart="never" nodeType="tmRoot"/>
       </p:par>
     </p:tnLst>
   </p:timing>
@@ -9363,7 +9363,7 @@
     </p:spTree>
     <p:extLst>
       <p:ext uri="{BB962C8B-B14F-4D97-AF65-F5344CB8AC3E}">
-        <p14:creationId xmlns:p14="http://schemas.microsoft.com/office/powerpoint/2010/main" xmlns="" val="3729958523"/>
+        <p14:creationId xmlns:p14="http://schemas.microsoft.com/office/powerpoint/2010/main" val="3729958523"/>
       </p:ext>
     </p:extLst>
   </p:cSld>
@@ -9373,7 +9373,7 @@
   <p:timing>
     <p:tnLst>
       <p:par>
-        <p:cTn id="1" dur="indefinite" restart="never" nodeType="tmRoot"/>
+        <p:cTn xmlns:p14="http://schemas.microsoft.com/office/powerpoint/2010/main" id="1" dur="indefinite" restart="never" nodeType="tmRoot"/>
       </p:par>
     </p:tnLst>
   </p:timing>
@@ -10130,7 +10130,7 @@
     </p:spTree>
     <p:extLst>
       <p:ext uri="{BB962C8B-B14F-4D97-AF65-F5344CB8AC3E}">
-        <p14:creationId xmlns:p14="http://schemas.microsoft.com/office/powerpoint/2010/main" xmlns="" val="1162914699"/>
+        <p14:creationId xmlns:p14="http://schemas.microsoft.com/office/powerpoint/2010/main" val="1162914699"/>
       </p:ext>
     </p:extLst>
   </p:cSld>
@@ -10140,7 +10140,7 @@
   <p:timing>
     <p:tnLst>
       <p:par>
-        <p:cTn id="1" dur="indefinite" restart="never" nodeType="tmRoot"/>
+        <p:cTn xmlns:p14="http://schemas.microsoft.com/office/powerpoint/2010/main" id="1" dur="indefinite" restart="never" nodeType="tmRoot"/>
       </p:par>
     </p:tnLst>
   </p:timing>
@@ -10357,7 +10357,7 @@
   <p:timing>
     <p:tnLst>
       <p:par>
-        <p:cTn id="1" dur="indefinite" restart="never" nodeType="tmRoot"/>
+        <p:cTn xmlns:p14="http://schemas.microsoft.com/office/powerpoint/2010/main" id="1" dur="indefinite" restart="never" nodeType="tmRoot"/>
       </p:par>
     </p:tnLst>
   </p:timing>
@@ -10583,7 +10583,7 @@
     </p:spTree>
     <p:extLst>
       <p:ext uri="{BB962C8B-B14F-4D97-AF65-F5344CB8AC3E}">
-        <p14:creationId xmlns:p14="http://schemas.microsoft.com/office/powerpoint/2010/main" xmlns="" val="1569405094"/>
+        <p14:creationId xmlns:p14="http://schemas.microsoft.com/office/powerpoint/2010/main" val="1569405094"/>
       </p:ext>
     </p:extLst>
   </p:cSld>
@@ -10593,7 +10593,7 @@
   <p:timing>
     <p:tnLst>
       <p:par>
-        <p:cTn id="1" dur="indefinite" restart="never" nodeType="tmRoot"/>
+        <p:cTn xmlns:p14="http://schemas.microsoft.com/office/powerpoint/2010/main" id="1" dur="indefinite" restart="never" nodeType="tmRoot"/>
       </p:par>
     </p:tnLst>
   </p:timing>
@@ -11103,7 +11103,7 @@
     </p:spTree>
     <p:extLst>
       <p:ext uri="{BB962C8B-B14F-4D97-AF65-F5344CB8AC3E}">
-        <p14:creationId xmlns:p14="http://schemas.microsoft.com/office/powerpoint/2010/main" xmlns="" val="2016165428"/>
+        <p14:creationId xmlns:p14="http://schemas.microsoft.com/office/powerpoint/2010/main" val="2016165428"/>
       </p:ext>
     </p:extLst>
   </p:cSld>
@@ -11113,7 +11113,7 @@
   <p:timing>
     <p:tnLst>
       <p:par>
-        <p:cTn id="1" dur="indefinite" restart="never" nodeType="tmRoot"/>
+        <p:cTn xmlns:p14="http://schemas.microsoft.com/office/powerpoint/2010/main" id="1" dur="indefinite" restart="never" nodeType="tmRoot"/>
       </p:par>
     </p:tnLst>
   </p:timing>
@@ -11404,7 +11404,7 @@
     </p:spTree>
     <p:extLst>
       <p:ext uri="{BB962C8B-B14F-4D97-AF65-F5344CB8AC3E}">
-        <p14:creationId xmlns:p14="http://schemas.microsoft.com/office/powerpoint/2010/main" xmlns="" val="341076260"/>
+        <p14:creationId xmlns:p14="http://schemas.microsoft.com/office/powerpoint/2010/main" val="341076260"/>
       </p:ext>
     </p:extLst>
   </p:cSld>
@@ -11414,7 +11414,7 @@
   <p:timing>
     <p:tnLst>
       <p:par>
-        <p:cTn id="1" dur="indefinite" restart="never" nodeType="tmRoot">
+        <p:cTn xmlns:p14="http://schemas.microsoft.com/office/powerpoint/2010/main" id="1" dur="indefinite" restart="never" nodeType="tmRoot">
           <p:childTnLst>
             <p:seq concurrent="1" nextAc="seek">
               <p:cTn id="2" dur="indefinite" nodeType="mainSeq">
@@ -11810,14 +11810,14 @@
               <a:t>(</a:t>
             </a:r>
             <a:r>
-              <a:rPr lang="de-DE" sz="1600" dirty="0" err="1">
+              <a:rPr lang="de-DE" sz="1600" dirty="0" err="1" smtClean="0">
                 <a:latin typeface="Source Code Pro"/>
                 <a:cs typeface="Source Code Pro"/>
               </a:rPr>
               <a:t>KlassB.</a:t>
             </a:r>
             <a:r>
-              <a:rPr lang="de-DE" sz="1600" b="1" dirty="0" err="1">
+              <a:rPr lang="de-DE" sz="1600" b="1" dirty="0" err="1" smtClean="0">
                 <a:solidFill>
                   <a:srgbClr val="660066"/>
                 </a:solidFill>
@@ -12263,8 +12263,8 @@
         </p:blipFill>
         <p:spPr bwMode="auto">
           <a:xfrm>
-            <a:off x="5110157" y="1923678"/>
-            <a:ext cx="4033844" cy="3075806"/>
+            <a:off x="5865650" y="2499742"/>
+            <a:ext cx="3278350" cy="2499742"/>
           </a:xfrm>
           <a:prstGeom prst="rect">
             <a:avLst/>
@@ -12275,7 +12275,7 @@
     </p:spTree>
     <p:extLst>
       <p:ext uri="{BB962C8B-B14F-4D97-AF65-F5344CB8AC3E}">
-        <p14:creationId xmlns:p14="http://schemas.microsoft.com/office/powerpoint/2010/main" xmlns="" val="3433374058"/>
+        <p14:creationId xmlns:p14="http://schemas.microsoft.com/office/powerpoint/2010/main" val="3433374058"/>
       </p:ext>
     </p:extLst>
   </p:cSld>
@@ -12285,7 +12285,7 @@
   <p:timing>
     <p:tnLst>
       <p:par>
-        <p:cTn id="1" dur="indefinite" restart="never" nodeType="tmRoot"/>
+        <p:cTn xmlns:p14="http://schemas.microsoft.com/office/powerpoint/2010/main" id="1" dur="indefinite" restart="never" nodeType="tmRoot"/>
       </p:par>
     </p:tnLst>
   </p:timing>
@@ -13736,7 +13736,7 @@
   <p:timing>
     <p:tnLst>
       <p:par>
-        <p:cTn id="1" dur="indefinite" restart="never" nodeType="tmRoot">
+        <p:cTn xmlns:p14="http://schemas.microsoft.com/office/powerpoint/2010/main" id="1" dur="indefinite" restart="never" nodeType="tmRoot">
           <p:childTnLst>
             <p:seq concurrent="1" nextAc="seek">
               <p:cTn id="2" dur="indefinite" nodeType="mainSeq">
@@ -16382,7 +16382,7 @@
   <p:timing>
     <p:tnLst>
       <p:par>
-        <p:cTn id="1" dur="indefinite" restart="never" nodeType="tmRoot">
+        <p:cTn xmlns:p14="http://schemas.microsoft.com/office/powerpoint/2010/main" id="1" dur="indefinite" restart="never" nodeType="tmRoot">
           <p:childTnLst>
             <p:seq concurrent="1" nextAc="seek">
               <p:cTn id="2" dur="indefinite" nodeType="mainSeq">
@@ -19145,7 +19145,7 @@
   <p:timing>
     <p:tnLst>
       <p:par>
-        <p:cTn id="1" dur="indefinite" restart="never" nodeType="tmRoot"/>
+        <p:cTn xmlns:p14="http://schemas.microsoft.com/office/powerpoint/2010/main" id="1" dur="indefinite" restart="never" nodeType="tmRoot"/>
       </p:par>
     </p:tnLst>
   </p:timing>
@@ -21688,7 +21688,7 @@
   <p:timing>
     <p:tnLst>
       <p:par>
-        <p:cTn id="1" dur="indefinite" restart="never" nodeType="tmRoot">
+        <p:cTn xmlns:p14="http://schemas.microsoft.com/office/powerpoint/2010/main" id="1" dur="indefinite" restart="never" nodeType="tmRoot">
           <p:childTnLst>
             <p:seq concurrent="1" nextAc="seek">
               <p:cTn id="2" dur="indefinite" nodeType="mainSeq">
@@ -22204,7 +22204,7 @@
   <p:timing>
     <p:tnLst>
       <p:par>
-        <p:cTn id="1" dur="indefinite" restart="never" nodeType="tmRoot">
+        <p:cTn xmlns:p14="http://schemas.microsoft.com/office/powerpoint/2010/main" id="1" dur="indefinite" restart="never" nodeType="tmRoot">
           <p:childTnLst>
             <p:seq concurrent="1" nextAc="seek">
               <p:cTn id="2" dur="indefinite" nodeType="mainSeq">
@@ -22660,7 +22660,7 @@
   <p:timing>
     <p:tnLst>
       <p:par>
-        <p:cTn id="1" dur="indefinite" restart="never" nodeType="tmRoot"/>
+        <p:cTn xmlns:p14="http://schemas.microsoft.com/office/powerpoint/2010/main" id="1" dur="indefinite" restart="never" nodeType="tmRoot"/>
       </p:par>
     </p:tnLst>
   </p:timing>
@@ -22909,7 +22909,7 @@
     </p:spTree>
     <p:extLst>
       <p:ext uri="{BB962C8B-B14F-4D97-AF65-F5344CB8AC3E}">
-        <p14:creationId xmlns:p14="http://schemas.microsoft.com/office/powerpoint/2010/main" xmlns="" val="2268789953"/>
+        <p14:creationId xmlns:p14="http://schemas.microsoft.com/office/powerpoint/2010/main" val="2268789953"/>
       </p:ext>
     </p:extLst>
   </p:cSld>
@@ -22919,7 +22919,7 @@
   <p:timing>
     <p:tnLst>
       <p:par>
-        <p:cTn id="1" dur="indefinite" restart="never" nodeType="tmRoot"/>
+        <p:cTn xmlns:p14="http://schemas.microsoft.com/office/powerpoint/2010/main" id="1" dur="indefinite" restart="never" nodeType="tmRoot"/>
       </p:par>
     </p:tnLst>
   </p:timing>
@@ -23136,7 +23136,7 @@
   <p:timing>
     <p:tnLst>
       <p:par>
-        <p:cTn id="1" dur="indefinite" restart="never" nodeType="tmRoot"/>
+        <p:cTn xmlns:p14="http://schemas.microsoft.com/office/powerpoint/2010/main" id="1" dur="indefinite" restart="never" nodeType="tmRoot"/>
       </p:par>
     </p:tnLst>
   </p:timing>
@@ -25090,7 +25090,7 @@
   <p:timing>
     <p:tnLst>
       <p:par>
-        <p:cTn id="1" dur="indefinite" restart="never" nodeType="tmRoot">
+        <p:cTn xmlns:p14="http://schemas.microsoft.com/office/powerpoint/2010/main" id="1" dur="indefinite" restart="never" nodeType="tmRoot">
           <p:childTnLst>
             <p:seq concurrent="1" nextAc="seek">
               <p:cTn id="2" dur="indefinite" nodeType="mainSeq">
@@ -26280,7 +26280,7 @@
   <p:timing>
     <p:tnLst>
       <p:par>
-        <p:cTn id="1" dur="indefinite" restart="never" nodeType="tmRoot"/>
+        <p:cTn xmlns:p14="http://schemas.microsoft.com/office/powerpoint/2010/main" id="1" dur="indefinite" restart="never" nodeType="tmRoot"/>
       </p:par>
     </p:tnLst>
   </p:timing>
@@ -27436,7 +27436,7 @@
   <p:timing>
     <p:tnLst>
       <p:par>
-        <p:cTn id="1" dur="indefinite" restart="never" nodeType="tmRoot">
+        <p:cTn xmlns:p14="http://schemas.microsoft.com/office/powerpoint/2010/main" id="1" dur="indefinite" restart="never" nodeType="tmRoot">
           <p:childTnLst>
             <p:seq concurrent="1" nextAc="seek">
               <p:cTn id="2" dur="indefinite" nodeType="mainSeq">
@@ -28773,7 +28773,7 @@
   <p:timing>
     <p:tnLst>
       <p:par>
-        <p:cTn id="1" dur="indefinite" restart="never" nodeType="tmRoot"/>
+        <p:cTn xmlns:p14="http://schemas.microsoft.com/office/powerpoint/2010/main" id="1" dur="indefinite" restart="never" nodeType="tmRoot"/>
       </p:par>
     </p:tnLst>
   </p:timing>
@@ -28870,7 +28870,7 @@
   <p:timing>
     <p:tnLst>
       <p:par>
-        <p:cTn id="1" dur="indefinite" restart="never" nodeType="tmRoot"/>
+        <p:cTn xmlns:p14="http://schemas.microsoft.com/office/powerpoint/2010/main" id="1" dur="indefinite" restart="never" nodeType="tmRoot"/>
       </p:par>
     </p:tnLst>
   </p:timing>
@@ -30508,7 +30508,7 @@
   <p:timing>
     <p:tnLst>
       <p:par>
-        <p:cTn id="1" dur="indefinite" restart="never" nodeType="tmRoot"/>
+        <p:cTn xmlns:p14="http://schemas.microsoft.com/office/powerpoint/2010/main" id="1" dur="indefinite" restart="never" nodeType="tmRoot"/>
       </p:par>
     </p:tnLst>
   </p:timing>
@@ -32564,7 +32564,7 @@
   <p:timing>
     <p:tnLst>
       <p:par>
-        <p:cTn id="1" dur="indefinite" restart="never" nodeType="tmRoot"/>
+        <p:cTn xmlns:p14="http://schemas.microsoft.com/office/powerpoint/2010/main" id="1" dur="indefinite" restart="never" nodeType="tmRoot"/>
       </p:par>
     </p:tnLst>
   </p:timing>
@@ -32661,7 +32661,7 @@
   <p:timing>
     <p:tnLst>
       <p:par>
-        <p:cTn id="1" dur="indefinite" restart="never" nodeType="tmRoot"/>
+        <p:cTn xmlns:p14="http://schemas.microsoft.com/office/powerpoint/2010/main" id="1" dur="indefinite" restart="never" nodeType="tmRoot"/>
       </p:par>
     </p:tnLst>
   </p:timing>
@@ -33107,7 +33107,7 @@
   <p:timing>
     <p:tnLst>
       <p:par>
-        <p:cTn id="1" dur="indefinite" restart="never" nodeType="tmRoot"/>
+        <p:cTn xmlns:p14="http://schemas.microsoft.com/office/powerpoint/2010/main" id="1" dur="indefinite" restart="never" nodeType="tmRoot"/>
       </p:par>
     </p:tnLst>
   </p:timing>
@@ -33468,7 +33468,7 @@
     </p:spTree>
     <p:extLst>
       <p:ext uri="{BB962C8B-B14F-4D97-AF65-F5344CB8AC3E}">
-        <p14:creationId xmlns:p14="http://schemas.microsoft.com/office/powerpoint/2010/main" xmlns="" val="2260232245"/>
+        <p14:creationId xmlns:p14="http://schemas.microsoft.com/office/powerpoint/2010/main" val="2260232245"/>
       </p:ext>
     </p:extLst>
   </p:cSld>
@@ -33478,7 +33478,7 @@
   <p:timing>
     <p:tnLst>
       <p:par>
-        <p:cTn id="1" dur="indefinite" restart="never" nodeType="tmRoot"/>
+        <p:cTn xmlns:p14="http://schemas.microsoft.com/office/powerpoint/2010/main" id="1" dur="indefinite" restart="never" nodeType="tmRoot"/>
       </p:par>
     </p:tnLst>
   </p:timing>
@@ -33574,7 +33574,7 @@
   <p:timing>
     <p:tnLst>
       <p:par>
-        <p:cTn id="1" dur="indefinite" restart="never" nodeType="tmRoot"/>
+        <p:cTn xmlns:p14="http://schemas.microsoft.com/office/powerpoint/2010/main" id="1" dur="indefinite" restart="never" nodeType="tmRoot"/>
       </p:par>
     </p:tnLst>
   </p:timing>
@@ -33790,7 +33790,7 @@
   <p:timing>
     <p:tnLst>
       <p:par>
-        <p:cTn id="1" dur="indefinite" restart="never" nodeType="tmRoot"/>
+        <p:cTn xmlns:p14="http://schemas.microsoft.com/office/powerpoint/2010/main" id="1" dur="indefinite" restart="never" nodeType="tmRoot"/>
       </p:par>
     </p:tnLst>
   </p:timing>
@@ -34017,7 +34017,7 @@
   <p:timing>
     <p:tnLst>
       <p:par>
-        <p:cTn id="1" dur="indefinite" restart="never" nodeType="tmRoot"/>
+        <p:cTn xmlns:p14="http://schemas.microsoft.com/office/powerpoint/2010/main" id="1" dur="indefinite" restart="never" nodeType="tmRoot"/>
       </p:par>
     </p:tnLst>
   </p:timing>
@@ -34412,7 +34412,7 @@
   <p:timing>
     <p:tnLst>
       <p:par>
-        <p:cTn id="1" dur="indefinite" restart="never" nodeType="tmRoot"/>
+        <p:cTn xmlns:p14="http://schemas.microsoft.com/office/powerpoint/2010/main" id="1" dur="indefinite" restart="never" nodeType="tmRoot"/>
       </p:par>
     </p:tnLst>
   </p:timing>
@@ -34729,7 +34729,7 @@
   <p:timing>
     <p:tnLst>
       <p:par>
-        <p:cTn id="1" dur="indefinite" restart="never" nodeType="tmRoot"/>
+        <p:cTn xmlns:p14="http://schemas.microsoft.com/office/powerpoint/2010/main" id="1" dur="indefinite" restart="never" nodeType="tmRoot"/>
       </p:par>
     </p:tnLst>
   </p:timing>
@@ -35011,7 +35011,7 @@
   <p:timing>
     <p:tnLst>
       <p:par>
-        <p:cTn id="1" dur="indefinite" restart="never" nodeType="tmRoot"/>
+        <p:cTn xmlns:p14="http://schemas.microsoft.com/office/powerpoint/2010/main" id="1" dur="indefinite" restart="never" nodeType="tmRoot"/>
       </p:par>
     </p:tnLst>
   </p:timing>
@@ -35183,7 +35183,7 @@
   <p:timing>
     <p:tnLst>
       <p:par>
-        <p:cTn id="1" dur="indefinite" restart="never" nodeType="tmRoot"/>
+        <p:cTn xmlns:p14="http://schemas.microsoft.com/office/powerpoint/2010/main" id="1" dur="indefinite" restart="never" nodeType="tmRoot"/>
       </p:par>
     </p:tnLst>
   </p:timing>
@@ -35279,7 +35279,7 @@
   <p:timing>
     <p:tnLst>
       <p:par>
-        <p:cTn id="1" dur="indefinite" restart="never" nodeType="tmRoot"/>
+        <p:cTn xmlns:p14="http://schemas.microsoft.com/office/powerpoint/2010/main" id="1" dur="indefinite" restart="never" nodeType="tmRoot"/>
       </p:par>
     </p:tnLst>
   </p:timing>
@@ -35513,7 +35513,7 @@
   <p:timing>
     <p:tnLst>
       <p:par>
-        <p:cTn id="1" dur="indefinite" restart="never" nodeType="tmRoot"/>
+        <p:cTn xmlns:p14="http://schemas.microsoft.com/office/powerpoint/2010/main" id="1" dur="indefinite" restart="never" nodeType="tmRoot"/>
       </p:par>
     </p:tnLst>
   </p:timing>
@@ -35621,7 +35621,7 @@
     </p:spTree>
     <p:extLst>
       <p:ext uri="{BB962C8B-B14F-4D97-AF65-F5344CB8AC3E}">
-        <p14:creationId xmlns:p14="http://schemas.microsoft.com/office/powerpoint/2010/main" xmlns="" val="732667562"/>
+        <p14:creationId xmlns:p14="http://schemas.microsoft.com/office/powerpoint/2010/main" val="732667562"/>
       </p:ext>
     </p:extLst>
   </p:cSld>
@@ -35631,7 +35631,7 @@
   <p:timing>
     <p:tnLst>
       <p:par>
-        <p:cTn id="1" dur="indefinite" restart="never" nodeType="tmRoot"/>
+        <p:cTn xmlns:p14="http://schemas.microsoft.com/office/powerpoint/2010/main" id="1" dur="indefinite" restart="never" nodeType="tmRoot"/>
       </p:par>
     </p:tnLst>
   </p:timing>
@@ -36041,7 +36041,7 @@
     </p:spTree>
     <p:extLst>
       <p:ext uri="{BB962C8B-B14F-4D97-AF65-F5344CB8AC3E}">
-        <p14:creationId xmlns:p14="http://schemas.microsoft.com/office/powerpoint/2010/main" xmlns="" val="391067495"/>
+        <p14:creationId xmlns:p14="http://schemas.microsoft.com/office/powerpoint/2010/main" val="391067495"/>
       </p:ext>
     </p:extLst>
   </p:cSld>
@@ -36051,7 +36051,7 @@
   <p:timing>
     <p:tnLst>
       <p:par>
-        <p:cTn id="1" dur="indefinite" restart="never" nodeType="tmRoot">
+        <p:cTn xmlns:p14="http://schemas.microsoft.com/office/powerpoint/2010/main" id="1" dur="indefinite" restart="never" nodeType="tmRoot">
           <p:childTnLst>
             <p:seq concurrent="1" nextAc="seek">
               <p:cTn id="2" dur="indefinite" nodeType="mainSeq">
@@ -36691,7 +36691,7 @@
     </p:spTree>
     <p:extLst>
       <p:ext uri="{BB962C8B-B14F-4D97-AF65-F5344CB8AC3E}">
-        <p14:creationId xmlns:p14="http://schemas.microsoft.com/office/powerpoint/2010/main" xmlns="" val="2042807844"/>
+        <p14:creationId xmlns:p14="http://schemas.microsoft.com/office/powerpoint/2010/main" val="2042807844"/>
       </p:ext>
     </p:extLst>
   </p:cSld>
@@ -36701,7 +36701,7 @@
   <p:timing>
     <p:tnLst>
       <p:par>
-        <p:cTn id="1" dur="indefinite" restart="never" nodeType="tmRoot"/>
+        <p:cTn xmlns:p14="http://schemas.microsoft.com/office/powerpoint/2010/main" id="1" dur="indefinite" restart="never" nodeType="tmRoot"/>
       </p:par>
     </p:tnLst>
   </p:timing>
@@ -36863,7 +36863,7 @@
   <p:timing>
     <p:tnLst>
       <p:par>
-        <p:cTn id="1" dur="indefinite" restart="never" nodeType="tmRoot"/>
+        <p:cTn xmlns:p14="http://schemas.microsoft.com/office/powerpoint/2010/main" id="1" dur="indefinite" restart="never" nodeType="tmRoot"/>
       </p:par>
     </p:tnLst>
   </p:timing>
